--- a/1 etim ds 2022/EAMT/Trabalho Acadêmico/Relatório (a importância dos ecopontos)/A importância da separação dos recicláveis 3/Ecopontos - EAMT.pptx
+++ b/1 etim ds 2022/EAMT/Trabalho Acadêmico/Relatório (a importância dos ecopontos)/A importância da separação dos recicláveis 3/Ecopontos - EAMT.pptx
@@ -34,7 +34,11 @@
     <p:sldId id="284" r:id="rId28"/>
     <p:sldId id="285" r:id="rId29"/>
     <p:sldId id="286" r:id="rId30"/>
-    <p:sldId id="287" r:id="rId31"/>
+    <p:sldId id="291" r:id="rId31"/>
+    <p:sldId id="287" r:id="rId32"/>
+    <p:sldId id="288" r:id="rId33"/>
+    <p:sldId id="289" r:id="rId34"/>
+    <p:sldId id="290" r:id="rId35"/>
   </p:sldIdLst>
   <p:sldSz cx="12192000" cy="6858000"/>
   <p:notesSz cx="6858000" cy="9144000"/>
@@ -146,6 +150,7 @@
   <p1510:revLst>
     <p1510:client id="{12751C8C-90B5-4DE2-B85F-E4E6CD0EAF23}" v="85" dt="2022-11-18T20:05:54.802"/>
     <p1510:client id="{37B7A2AA-BDC2-2BF0-6AE8-DB76B41D643A}" v="4354" dt="2022-11-20T13:54:05.653"/>
+    <p1510:client id="{3C57EB16-0AA7-B230-3BB0-D5D2394DAFC4}" v="656" dt="2022-11-21T23:51:46.941"/>
     <p1510:client id="{42FB5FC0-45EB-AC12-8FB9-C103637ED6A0}" v="26" dt="2022-11-20T13:55:56.144"/>
   </p1510:revLst>
 </p1510:revInfo>
@@ -299,7 +304,7 @@
           <a:p>
             <a:fld id="{073D55F9-11A3-4523-8F38-6BA37933791A}" type="datetime1">
               <a:rPr lang="en-US" smtClean="0"/>
-              <a:t>11/20/2022</a:t>
+              <a:t>11/21/2022</a:t>
             </a:fld>
             <a:endParaRPr lang="en-US"/>
           </a:p>
@@ -501,7 +506,7 @@
           <a:p>
             <a:fld id="{0B4E757A-3EC2-4683-9080-1A460C37C843}" type="datetime1">
               <a:rPr lang="en-US" smtClean="0"/>
-              <a:t>11/20/2022</a:t>
+              <a:t>11/21/2022</a:t>
             </a:fld>
             <a:endParaRPr lang="en-US"/>
           </a:p>
@@ -717,7 +722,7 @@
           <a:p>
             <a:fld id="{5CC8096C-64ED-4153-A483-5C02E44AD5C3}" type="datetime1">
               <a:rPr lang="en-US" smtClean="0"/>
-              <a:t>11/20/2022</a:t>
+              <a:t>11/21/2022</a:t>
             </a:fld>
             <a:endParaRPr lang="en-US" dirty="0"/>
           </a:p>
@@ -950,7 +955,7 @@
           <a:p>
             <a:fld id="{1CB9D56B-6EBE-4E5F-99D9-2A3DBDF37D0A}" type="datetime1">
               <a:rPr lang="en-US" smtClean="0"/>
-              <a:t>11/20/2022</a:t>
+              <a:t>11/21/2022</a:t>
             </a:fld>
             <a:endParaRPr lang="en-US"/>
           </a:p>
@@ -1227,7 +1232,7 @@
           <a:p>
             <a:fld id="{8C33F3CA-C7E3-432D-9282-18F13836509A}" type="datetime1">
               <a:rPr lang="en-US" smtClean="0"/>
-              <a:t>11/20/2022</a:t>
+              <a:t>11/21/2022</a:t>
             </a:fld>
             <a:endParaRPr lang="en-US" dirty="0"/>
           </a:p>
@@ -1497,7 +1502,7 @@
           <a:p>
             <a:fld id="{75BE9C62-1337-40B8-BA50-E9F4861DB4BC}" type="datetime1">
               <a:rPr lang="en-US" smtClean="0"/>
-              <a:t>11/20/2022</a:t>
+              <a:t>11/21/2022</a:t>
             </a:fld>
             <a:endParaRPr lang="en-US"/>
           </a:p>
@@ -1914,7 +1919,7 @@
           <a:p>
             <a:fld id="{47C195EB-2DA3-4B24-8725-19BC22A7BE50}" type="datetime1">
               <a:rPr lang="en-US" smtClean="0"/>
-              <a:t>11/20/2022</a:t>
+              <a:t>11/21/2022</a:t>
             </a:fld>
             <a:endParaRPr lang="en-US"/>
           </a:p>
@@ -2059,7 +2064,7 @@
           <a:p>
             <a:fld id="{F4E237E6-0076-4915-A5A8-B7C11FA4F374}" type="datetime1">
               <a:rPr lang="en-US" smtClean="0"/>
-              <a:t>11/20/2022</a:t>
+              <a:t>11/21/2022</a:t>
             </a:fld>
             <a:endParaRPr lang="en-US"/>
           </a:p>
@@ -2175,7 +2180,7 @@
           <a:p>
             <a:fld id="{3505F58F-C0B5-422A-8E5A-6B99E5D80F0A}" type="datetime1">
               <a:rPr lang="en-US" smtClean="0"/>
-              <a:t>11/20/2022</a:t>
+              <a:t>11/21/2022</a:t>
             </a:fld>
             <a:endParaRPr lang="en-US"/>
           </a:p>
@@ -2491,7 +2496,7 @@
           <a:p>
             <a:fld id="{7565E655-9687-48DF-A33F-F8824CCCB5D1}" type="datetime1">
               <a:rPr lang="en-US" smtClean="0"/>
-              <a:t>11/20/2022</a:t>
+              <a:t>11/21/2022</a:t>
             </a:fld>
             <a:endParaRPr lang="en-US"/>
           </a:p>
@@ -2787,7 +2792,7 @@
           <a:p>
             <a:fld id="{B97FD56A-AAB8-4544-A495-D0645413C9E3}" type="datetime1">
               <a:rPr lang="en-US" smtClean="0"/>
-              <a:t>11/20/2022</a:t>
+              <a:t>11/21/2022</a:t>
             </a:fld>
             <a:endParaRPr lang="en-US"/>
           </a:p>
@@ -4608,7 +4613,7 @@
             <a:fld id="{193BAB95-8DA7-460B-B00A-7037C8394FB0}" type="datetime1">
               <a:rPr lang="en-US" smtClean="0"/>
               <a:pPr/>
-              <a:t>11/20/2022</a:t>
+              <a:t>11/21/2022</a:t>
             </a:fld>
             <a:endParaRPr lang="en-US" dirty="0"/>
           </a:p>
@@ -7230,145 +7235,6 @@
   <p:clrMapOvr>
     <a:masterClrMapping/>
   </p:clrMapOvr>
-  <p:timing>
-    <p:tnLst>
-      <p:par>
-        <p:cTn id="1" dur="indefinite" restart="never" nodeType="tmRoot">
-          <p:childTnLst>
-            <p:seq concurrent="1" nextAc="seek">
-              <p:cTn id="2" dur="indefinite" nodeType="mainSeq">
-                <p:childTnLst>
-                  <p:par>
-                    <p:cTn id="3" fill="hold">
-                      <p:stCondLst>
-                        <p:cond delay="indefinite"/>
-                        <p:cond evt="onBegin" delay="0">
-                          <p:tn val="2"/>
-                        </p:cond>
-                      </p:stCondLst>
-                      <p:childTnLst>
-                        <p:par>
-                          <p:cTn id="4" fill="hold">
-                            <p:stCondLst>
-                              <p:cond delay="0"/>
-                            </p:stCondLst>
-                            <p:childTnLst>
-                              <p:par>
-                                <p:cTn id="5" presetID="10" presetClass="entr" presetSubtype="0" fill="hold" grpId="0" nodeType="withEffect">
-                                  <p:stCondLst>
-                                    <p:cond delay="2000"/>
-                                  </p:stCondLst>
-                                  <p:iterate type="lt">
-                                    <p:tmPct val="10000"/>
-                                  </p:iterate>
-                                  <p:childTnLst>
-                                    <p:set>
-                                      <p:cBhvr>
-                                        <p:cTn id="6" dur="1" fill="hold">
-                                          <p:stCondLst>
-                                            <p:cond delay="0"/>
-                                          </p:stCondLst>
-                                        </p:cTn>
-                                        <p:tgtEl>
-                                          <p:spTgt spid="3">
-                                            <p:txEl>
-                                              <p:pRg st="0" end="0"/>
-                                            </p:txEl>
-                                          </p:spTgt>
-                                        </p:tgtEl>
-                                        <p:attrNameLst>
-                                          <p:attrName>style.visibility</p:attrName>
-                                        </p:attrNameLst>
-                                      </p:cBhvr>
-                                      <p:to>
-                                        <p:strVal val="visible"/>
-                                      </p:to>
-                                    </p:set>
-                                    <p:animEffect transition="in" filter="fade">
-                                      <p:cBhvr>
-                                        <p:cTn id="7" dur="400"/>
-                                        <p:tgtEl>
-                                          <p:spTgt spid="3">
-                                            <p:txEl>
-                                              <p:pRg st="0" end="0"/>
-                                            </p:txEl>
-                                          </p:spTgt>
-                                        </p:tgtEl>
-                                      </p:cBhvr>
-                                    </p:animEffect>
-                                  </p:childTnLst>
-                                </p:cTn>
-                              </p:par>
-                              <p:par>
-                                <p:cTn id="8" presetID="10" presetClass="entr" presetSubtype="0" fill="hold" grpId="0" nodeType="withEffect">
-                                  <p:stCondLst>
-                                    <p:cond delay="1000"/>
-                                  </p:stCondLst>
-                                  <p:iterate type="lt">
-                                    <p:tmPct val="10000"/>
-                                  </p:iterate>
-                                  <p:childTnLst>
-                                    <p:set>
-                                      <p:cBhvr>
-                                        <p:cTn id="9" dur="1" fill="hold">
-                                          <p:stCondLst>
-                                            <p:cond delay="0"/>
-                                          </p:stCondLst>
-                                        </p:cTn>
-                                        <p:tgtEl>
-                                          <p:spTgt spid="2"/>
-                                        </p:tgtEl>
-                                        <p:attrNameLst>
-                                          <p:attrName>style.visibility</p:attrName>
-                                        </p:attrNameLst>
-                                      </p:cBhvr>
-                                      <p:to>
-                                        <p:strVal val="visible"/>
-                                      </p:to>
-                                    </p:set>
-                                    <p:animEffect transition="in" filter="fade">
-                                      <p:cBhvr>
-                                        <p:cTn id="10" dur="400"/>
-                                        <p:tgtEl>
-                                          <p:spTgt spid="2"/>
-                                        </p:tgtEl>
-                                      </p:cBhvr>
-                                    </p:animEffect>
-                                  </p:childTnLst>
-                                </p:cTn>
-                              </p:par>
-                            </p:childTnLst>
-                          </p:cTn>
-                        </p:par>
-                      </p:childTnLst>
-                    </p:cTn>
-                  </p:par>
-                </p:childTnLst>
-              </p:cTn>
-              <p:prevCondLst>
-                <p:cond evt="onPrev" delay="0">
-                  <p:tgtEl>
-                    <p:sldTgt/>
-                  </p:tgtEl>
-                </p:cond>
-              </p:prevCondLst>
-              <p:nextCondLst>
-                <p:cond evt="onNext" delay="0">
-                  <p:tgtEl>
-                    <p:sldTgt/>
-                  </p:tgtEl>
-                </p:cond>
-              </p:nextCondLst>
-            </p:seq>
-          </p:childTnLst>
-        </p:cTn>
-      </p:par>
-    </p:tnLst>
-    <p:bldLst>
-      <p:bldP spid="2" grpId="0"/>
-      <p:bldP spid="3" grpId="0" build="p"/>
-    </p:bldLst>
-  </p:timing>
 </p:sld>
 </file>
 
@@ -7411,12 +7277,14 @@
           <a:lstStyle/>
           <a:p>
             <a:r>
-              <a:rPr lang="en-US" dirty="0">
+              <a:rPr lang="en-US" b="1" dirty="0">
                 <a:cs typeface="Posterama"/>
               </a:rPr>
               <a:t>GERAÇÃO DE RSU EM 2020</a:t>
             </a:r>
-            <a:endParaRPr lang="en-US" dirty="0"/>
+            <a:endParaRPr lang="en-US" b="1">
+              <a:cs typeface="Posterama"/>
+            </a:endParaRPr>
           </a:p>
         </p:txBody>
       </p:sp>
@@ -7863,6 +7731,18 @@
   <p:clrMapOvr>
     <a:masterClrMapping/>
   </p:clrMapOvr>
+  <mc:AlternateContent xmlns:mc="http://schemas.openxmlformats.org/markup-compatibility/2006">
+    <mc:Choice xmlns:p14="http://schemas.microsoft.com/office/powerpoint/2010/main" Requires="p14">
+      <p:transition spd="slow" p14:dur="1250">
+        <p:pull/>
+      </p:transition>
+    </mc:Choice>
+    <mc:Fallback>
+      <p:transition spd="slow">
+        <p:pull/>
+      </p:transition>
+    </mc:Fallback>
+  </mc:AlternateContent>
 </p:sld>
 </file>
 
@@ -7905,12 +7785,14 @@
           <a:lstStyle/>
           <a:p>
             <a:r>
-              <a:rPr lang="en-US" dirty="0">
+              <a:rPr lang="en-US" b="1" dirty="0">
                 <a:cs typeface="Posterama"/>
               </a:rPr>
               <a:t>EFEITOS DA PANDEMIA</a:t>
             </a:r>
-            <a:endParaRPr lang="en-US" dirty="0"/>
+            <a:endParaRPr lang="en-US" b="1">
+              <a:cs typeface="Posterama"/>
+            </a:endParaRPr>
           </a:p>
         </p:txBody>
       </p:sp>
@@ -8288,6 +8170,18 @@
   <p:clrMapOvr>
     <a:masterClrMapping/>
   </p:clrMapOvr>
+  <mc:AlternateContent xmlns:mc="http://schemas.openxmlformats.org/markup-compatibility/2006">
+    <mc:Choice xmlns:p14="http://schemas.microsoft.com/office/powerpoint/2010/main" Requires="p14">
+      <p:transition spd="slow" p14:dur="1250">
+        <p:pull/>
+      </p:transition>
+    </mc:Choice>
+    <mc:Fallback>
+      <p:transition spd="slow">
+        <p:pull/>
+      </p:transition>
+    </mc:Fallback>
+  </mc:AlternateContent>
 </p:sld>
 </file>
 
@@ -8336,7 +8230,7 @@
           </a:bodyPr>
           <a:lstStyle/>
           <a:p>
-            <a:endParaRPr lang="en-US" dirty="0"/>
+            <a:endParaRPr lang="en-US" b="1" dirty="0"/>
           </a:p>
           <a:p>
             <a:pPr>
@@ -8344,7 +8238,7 @@
                 <a:srgbClr val="FFFFFF"/>
               </a:buClr>
             </a:pPr>
-            <a:endParaRPr lang="en-US" dirty="0"/>
+            <a:endParaRPr lang="en-US" b="1" dirty="0"/>
           </a:p>
           <a:p>
             <a:pPr>
@@ -8352,7 +8246,7 @@
                 <a:srgbClr val="FFFFFF"/>
               </a:buClr>
             </a:pPr>
-            <a:endParaRPr lang="en-US" dirty="0"/>
+            <a:endParaRPr lang="en-US" b="1" dirty="0"/>
           </a:p>
           <a:p>
             <a:pPr>
@@ -8360,7 +8254,7 @@
                 <a:srgbClr val="FFFFFF"/>
               </a:buClr>
             </a:pPr>
-            <a:endParaRPr lang="en-US" dirty="0"/>
+            <a:endParaRPr lang="en-US" b="1" dirty="0"/>
           </a:p>
           <a:p>
             <a:pPr marL="0" indent="0">
@@ -8369,26 +8263,26 @@
               </a:buClr>
               <a:buNone/>
             </a:pPr>
-            <a:endParaRPr lang="en-US" dirty="0"/>
+            <a:endParaRPr lang="en-US" b="1" dirty="0"/>
           </a:p>
           <a:p>
             <a:pPr marL="0" indent="0">
               <a:buNone/>
             </a:pPr>
-            <a:endParaRPr lang="en-US" dirty="0"/>
+            <a:endParaRPr lang="en-US" b="1" dirty="0"/>
           </a:p>
           <a:p>
             <a:pPr marL="0" indent="0">
               <a:buNone/>
             </a:pPr>
-            <a:endParaRPr lang="en-US" dirty="0"/>
+            <a:endParaRPr lang="en-US" b="1" dirty="0"/>
           </a:p>
           <a:p>
             <a:pPr marL="0" indent="0" algn="ctr">
               <a:buNone/>
             </a:pPr>
             <a:r>
-              <a:rPr lang="en-US" dirty="0"/>
+              <a:rPr lang="en-US" b="1" dirty="0"/>
               <a:t>FONTE: ABRELPE 2021</a:t>
             </a:r>
           </a:p>
@@ -8434,6 +8328,18 @@
   <p:clrMapOvr>
     <a:masterClrMapping/>
   </p:clrMapOvr>
+  <mc:AlternateContent xmlns:mc="http://schemas.openxmlformats.org/markup-compatibility/2006">
+    <mc:Choice xmlns:p14="http://schemas.microsoft.com/office/powerpoint/2010/main" Requires="p14">
+      <p:transition spd="slow" p14:dur="1250">
+        <p:pull/>
+      </p:transition>
+    </mc:Choice>
+    <mc:Fallback>
+      <p:transition spd="slow">
+        <p:pull/>
+      </p:transition>
+    </mc:Fallback>
+  </mc:AlternateContent>
 </p:sld>
 </file>
 
@@ -8476,12 +8382,14 @@
           <a:lstStyle/>
           <a:p>
             <a:r>
-              <a:rPr lang="en-US" dirty="0">
+              <a:rPr lang="en-US" b="1" dirty="0">
                 <a:cs typeface="Posterama"/>
               </a:rPr>
               <a:t>COLETA DE RSU EM 2020</a:t>
             </a:r>
-            <a:endParaRPr lang="en-US" dirty="0"/>
+            <a:endParaRPr lang="en-US" b="1">
+              <a:cs typeface="Posterama"/>
+            </a:endParaRPr>
           </a:p>
         </p:txBody>
       </p:sp>
@@ -9111,6 +9019,18 @@
   <p:clrMapOvr>
     <a:masterClrMapping/>
   </p:clrMapOvr>
+  <mc:AlternateContent xmlns:mc="http://schemas.openxmlformats.org/markup-compatibility/2006">
+    <mc:Choice xmlns:p14="http://schemas.microsoft.com/office/powerpoint/2010/main" Requires="p14">
+      <p:transition spd="slow" p14:dur="1250">
+        <p:pull/>
+      </p:transition>
+    </mc:Choice>
+    <mc:Fallback>
+      <p:transition spd="slow">
+        <p:pull/>
+      </p:transition>
+    </mc:Fallback>
+  </mc:AlternateContent>
 </p:sld>
 </file>
 
@@ -9153,12 +9073,14 @@
           <a:lstStyle/>
           <a:p>
             <a:r>
-              <a:rPr lang="en-US" dirty="0">
+              <a:rPr lang="en-US" b="1" dirty="0">
                 <a:cs typeface="Posterama"/>
               </a:rPr>
               <a:t>GEOMETRIA PLANA E ESPACIAL</a:t>
             </a:r>
-            <a:endParaRPr lang="en-US" dirty="0"/>
+            <a:endParaRPr lang="en-US" b="1">
+              <a:cs typeface="Posterama"/>
+            </a:endParaRPr>
           </a:p>
         </p:txBody>
       </p:sp>
@@ -9390,6 +9312,18 @@
   <p:clrMapOvr>
     <a:masterClrMapping/>
   </p:clrMapOvr>
+  <mc:AlternateContent xmlns:mc="http://schemas.openxmlformats.org/markup-compatibility/2006">
+    <mc:Choice xmlns:p14="http://schemas.microsoft.com/office/powerpoint/2010/main" Requires="p14">
+      <p:transition spd="slow" p14:dur="1250">
+        <p:pull/>
+      </p:transition>
+    </mc:Choice>
+    <mc:Fallback>
+      <p:transition spd="slow">
+        <p:pull/>
+      </p:transition>
+    </mc:Fallback>
+  </mc:AlternateContent>
 </p:sld>
 </file>
 
@@ -9431,14 +9365,17 @@
           <a:bodyPr/>
           <a:lstStyle/>
           <a:p>
-            <a:r>
-              <a:rPr lang="en-US" dirty="0">
+            <a:pPr algn="ctr"/>
+            <a:r>
+              <a:rPr lang="en-US" b="1" dirty="0">
                 <a:ea typeface="+mj-lt"/>
                 <a:cs typeface="+mj-lt"/>
               </a:rPr>
               <a:t>TRIÂNGULO RETÂNGULO</a:t>
             </a:r>
-            <a:endParaRPr lang="en-US" dirty="0"/>
+            <a:endParaRPr lang="en-US" b="1">
+              <a:cs typeface="Posterama"/>
+            </a:endParaRPr>
           </a:p>
         </p:txBody>
       </p:sp>
@@ -9465,7 +9402,7 @@
           </a:bodyPr>
           <a:lstStyle/>
           <a:p>
-            <a:pPr marL="0" indent="0" algn="just">
+            <a:pPr marL="0" indent="0" algn="ctr">
               <a:buClr>
                 <a:srgbClr val="FFFFFF"/>
               </a:buClr>
@@ -9479,7 +9416,7 @@
               <a:t>A </a:t>
             </a:r>
             <a:r>
-              <a:rPr lang="en-US" err="1">
+              <a:rPr lang="en-US" dirty="0" err="1">
                 <a:ea typeface="+mn-lt"/>
                 <a:cs typeface="+mn-lt"/>
               </a:rPr>
@@ -9493,7 +9430,7 @@
               <a:t> “A” de um </a:t>
             </a:r>
             <a:r>
-              <a:rPr lang="en-US" err="1">
+              <a:rPr lang="en-US" dirty="0" err="1">
                 <a:ea typeface="+mn-lt"/>
                 <a:cs typeface="+mn-lt"/>
               </a:rPr>
@@ -9507,21 +9444,21 @@
               <a:t> de </a:t>
             </a:r>
             <a:r>
-              <a:rPr lang="en-US" err="1">
+              <a:rPr lang="en-US" dirty="0" err="1">
                 <a:ea typeface="+mn-lt"/>
                 <a:cs typeface="+mn-lt"/>
               </a:rPr>
               <a:t>lados</a:t>
             </a:r>
             <a:r>
-              <a:rPr lang="en-US">
+              <a:rPr lang="en-US" dirty="0">
                 <a:ea typeface="+mn-lt"/>
                 <a:cs typeface="+mn-lt"/>
               </a:rPr>
               <a:t> “b” e “h”, </a:t>
             </a:r>
             <a:r>
-              <a:rPr lang="en-US" err="1">
+              <a:rPr lang="en-US" dirty="0" err="1">
                 <a:ea typeface="+mn-lt"/>
                 <a:cs typeface="+mn-lt"/>
               </a:rPr>
@@ -9535,7 +9472,7 @@
               <a:t> “b” e “h” </a:t>
             </a:r>
             <a:r>
-              <a:rPr lang="en-US" err="1">
+              <a:rPr lang="en-US" dirty="0" err="1">
                 <a:ea typeface="+mn-lt"/>
                 <a:cs typeface="+mn-lt"/>
               </a:rPr>
@@ -9549,7 +9486,7 @@
               <a:t> reais </a:t>
             </a:r>
             <a:r>
-              <a:rPr lang="en-US" err="1">
+              <a:rPr lang="en-US" dirty="0" err="1">
                 <a:ea typeface="+mn-lt"/>
                 <a:cs typeface="+mn-lt"/>
               </a:rPr>
@@ -9563,7 +9500,7 @@
               <a:t>, é dada </a:t>
             </a:r>
             <a:r>
-              <a:rPr lang="en-US" err="1">
+              <a:rPr lang="en-US" dirty="0" err="1">
                 <a:ea typeface="+mn-lt"/>
                 <a:cs typeface="+mn-lt"/>
               </a:rPr>
@@ -9590,21 +9527,7 @@
                 <a:ea typeface="+mn-lt"/>
                 <a:cs typeface="+mn-lt"/>
               </a:rPr>
-              <a:t>     </a:t>
-            </a:r>
-            <a:r>
-              <a:rPr lang="en-US" dirty="0" err="1">
-                <a:ea typeface="+mn-lt"/>
-                <a:cs typeface="+mn-lt"/>
-              </a:rPr>
-              <a:t>Ar</a:t>
-            </a:r>
-            <a:r>
-              <a:rPr lang="en-US" dirty="0">
-                <a:ea typeface="+mn-lt"/>
-                <a:cs typeface="+mn-lt"/>
-              </a:rPr>
-              <a:t>=</a:t>
+              <a:t>     A=</a:t>
             </a:r>
             <a:r>
               <a:rPr lang="en-US" dirty="0" err="1">
@@ -9657,6 +9580,18 @@
   <p:clrMapOvr>
     <a:masterClrMapping/>
   </p:clrMapOvr>
+  <mc:AlternateContent xmlns:mc="http://schemas.openxmlformats.org/markup-compatibility/2006">
+    <mc:Choice xmlns:p14="http://schemas.microsoft.com/office/powerpoint/2010/main" Requires="p14">
+      <p:transition spd="slow" p14:dur="1250">
+        <p:pull/>
+      </p:transition>
+    </mc:Choice>
+    <mc:Fallback>
+      <p:transition spd="slow">
+        <p:pull/>
+      </p:transition>
+    </mc:Fallback>
+  </mc:AlternateContent>
 </p:sld>
 </file>
 
@@ -9698,13 +9633,16 @@
           <a:bodyPr/>
           <a:lstStyle/>
           <a:p>
-            <a:r>
-              <a:rPr lang="en-US" dirty="0">
+            <a:pPr algn="ctr"/>
+            <a:r>
+              <a:rPr lang="en-US" b="1" dirty="0">
                 <a:cs typeface="Posterama"/>
               </a:rPr>
               <a:t>CÍRCULO</a:t>
             </a:r>
-            <a:endParaRPr lang="en-US" dirty="0"/>
+            <a:endParaRPr lang="en-US" b="1">
+              <a:cs typeface="Posterama"/>
+            </a:endParaRPr>
           </a:p>
         </p:txBody>
       </p:sp>
@@ -9975,36 +9913,6 @@
           </a:p>
         </p:txBody>
       </p:sp>
-      <p:pic>
-        <p:nvPicPr>
-          <p:cNvPr id="4" name="Picture 4">
-            <a:extLst>
-              <a:ext uri="{FF2B5EF4-FFF2-40B4-BE49-F238E27FC236}">
-                <a16:creationId xmlns:a16="http://schemas.microsoft.com/office/drawing/2014/main" id="{BAF12271-14F8-ACE4-CAC2-474FABFE0C1A}"/>
-              </a:ext>
-            </a:extLst>
-          </p:cNvPr>
-          <p:cNvPicPr>
-            <a:picLocks noChangeAspect="1"/>
-          </p:cNvPicPr>
-          <p:nvPr/>
-        </p:nvPicPr>
-        <p:blipFill>
-          <a:blip r:embed="rId2"/>
-          <a:stretch>
-            <a:fillRect/>
-          </a:stretch>
-        </p:blipFill>
-        <p:spPr>
-          <a:xfrm>
-            <a:off x="4176359" y="2426936"/>
-            <a:ext cx="3514724" cy="3387019"/>
-          </a:xfrm>
-          <a:prstGeom prst="rect">
-            <a:avLst/>
-          </a:prstGeom>
-        </p:spPr>
-      </p:pic>
     </p:spTree>
     <p:extLst>
       <p:ext uri="{BB962C8B-B14F-4D97-AF65-F5344CB8AC3E}">
@@ -10015,6 +9923,18 @@
   <p:clrMapOvr>
     <a:masterClrMapping/>
   </p:clrMapOvr>
+  <mc:AlternateContent xmlns:mc="http://schemas.openxmlformats.org/markup-compatibility/2006">
+    <mc:Choice xmlns:p14="http://schemas.microsoft.com/office/powerpoint/2010/main" Requires="p14">
+      <p:transition spd="slow" p14:dur="1250">
+        <p:pull/>
+      </p:transition>
+    </mc:Choice>
+    <mc:Fallback>
+      <p:transition spd="slow">
+        <p:pull/>
+      </p:transition>
+    </mc:Fallback>
+  </mc:AlternateContent>
 </p:sld>
 </file>
 
@@ -10056,13 +9976,16 @@
           <a:bodyPr/>
           <a:lstStyle/>
           <a:p>
-            <a:r>
-              <a:rPr lang="en-US" dirty="0">
+            <a:pPr algn="ctr"/>
+            <a:r>
+              <a:rPr lang="en-US" b="1" dirty="0">
                 <a:cs typeface="Posterama"/>
               </a:rPr>
               <a:t>PARALELEPÍPEDO</a:t>
             </a:r>
-            <a:endParaRPr lang="en-US" dirty="0"/>
+            <a:endParaRPr lang="en-US" b="1">
+              <a:cs typeface="Posterama"/>
+            </a:endParaRPr>
           </a:p>
         </p:txBody>
       </p:sp>
@@ -10171,6 +10094,18 @@
   <p:clrMapOvr>
     <a:masterClrMapping/>
   </p:clrMapOvr>
+  <mc:AlternateContent xmlns:mc="http://schemas.openxmlformats.org/markup-compatibility/2006">
+    <mc:Choice xmlns:p14="http://schemas.microsoft.com/office/powerpoint/2010/main" Requires="p14">
+      <p:transition spd="slow" p14:dur="1250">
+        <p:pull/>
+      </p:transition>
+    </mc:Choice>
+    <mc:Fallback>
+      <p:transition spd="slow">
+        <p:pull/>
+      </p:transition>
+    </mc:Fallback>
+  </mc:AlternateContent>
 </p:sld>
 </file>
 
@@ -10201,7 +10136,7 @@
       </p:grpSpPr>
       <p:sp useBgFill="1">
         <p:nvSpPr>
-          <p:cNvPr id="9" name="Rectangle 8">
+          <p:cNvPr id="51" name="Rectangle 50">
             <a:extLst>
               <a:ext uri="{FF2B5EF4-FFF2-40B4-BE49-F238E27FC236}">
                 <a16:creationId xmlns:a16="http://schemas.microsoft.com/office/drawing/2014/main" id="{1C582B07-D0F0-4B6B-A5D9-D2F192CB3A4E}"/>
@@ -10265,7 +10200,7 @@
       </p:sp>
       <p:sp>
         <p:nvSpPr>
-          <p:cNvPr id="11" name="Rectangle 10">
+          <p:cNvPr id="53" name="Rectangle 52">
             <a:extLst>
               <a:ext uri="{FF2B5EF4-FFF2-40B4-BE49-F238E27FC236}">
                 <a16:creationId xmlns:a16="http://schemas.microsoft.com/office/drawing/2014/main" id="{7EE60796-BC52-4154-A3A9-773DE8285501}"/>
@@ -10295,9 +10230,7 @@
             <a:avLst/>
           </a:prstGeom>
           <a:solidFill>
-            <a:schemeClr val="bg2">
-              <a:alpha val="80000"/>
-            </a:schemeClr>
+            <a:schemeClr val="accent5"/>
           </a:solidFill>
           <a:ln>
             <a:noFill/>
@@ -10334,7 +10267,7 @@
       </p:sp>
       <p:sp>
         <p:nvSpPr>
-          <p:cNvPr id="13" name="Right Triangle 12">
+          <p:cNvPr id="55" name="Right Triangle 54">
             <a:extLst>
               <a:ext uri="{FF2B5EF4-FFF2-40B4-BE49-F238E27FC236}">
                 <a16:creationId xmlns:a16="http://schemas.microsoft.com/office/drawing/2014/main" id="{DA1A4301-6FFC-4C82-A1FA-7634D8CAA8F5}"/>
@@ -10357,15 +10290,16 @@
         </p:nvSpPr>
         <p:spPr>
           <a:xfrm rot="13500000">
-            <a:off x="-251324" y="1555703"/>
+            <a:off x="-277930" y="1422741"/>
             <a:ext cx="568289" cy="568289"/>
           </a:xfrm>
           <a:prstGeom prst="rtTriangle">
             <a:avLst/>
           </a:prstGeom>
           <a:solidFill>
-            <a:schemeClr val="bg1">
-              <a:alpha val="75000"/>
+            <a:schemeClr val="accent5">
+              <a:lumMod val="50000"/>
+              <a:alpha val="17000"/>
             </a:schemeClr>
           </a:solidFill>
           <a:ln>
@@ -10399,7 +10333,7 @@
       </p:sp>
       <p:sp>
         <p:nvSpPr>
-          <p:cNvPr id="15" name="Flowchart: Document 14">
+          <p:cNvPr id="57" name="Flowchart: Document 56">
             <a:extLst>
               <a:ext uri="{FF2B5EF4-FFF2-40B4-BE49-F238E27FC236}">
                 <a16:creationId xmlns:a16="http://schemas.microsoft.com/office/drawing/2014/main" id="{BFEC1042-3FDC-47A3-BCD7-CA9D052F987E}"/>
@@ -10421,18 +10355,17 @@
           </p:nvPr>
         </p:nvSpPr>
         <p:spPr>
-          <a:xfrm rot="16200000">
-            <a:off x="-1744293" y="1744296"/>
+          <a:xfrm rot="5400000">
+            <a:off x="7094907" y="1744296"/>
             <a:ext cx="6858000" cy="3369413"/>
           </a:xfrm>
           <a:prstGeom prst="flowChartDocument">
             <a:avLst/>
           </a:prstGeom>
           <a:solidFill>
-            <a:schemeClr val="accent6">
-              <a:lumMod val="20000"/>
-              <a:lumOff val="80000"/>
-              <a:alpha val="80000"/>
+            <a:schemeClr val="accent5">
+              <a:lumMod val="50000"/>
+              <a:alpha val="20000"/>
             </a:schemeClr>
           </a:solidFill>
           <a:ln>
@@ -10456,7 +10389,9 @@
           </a:fontRef>
         </p:style>
         <p:txBody>
-          <a:bodyPr rtlCol="0" anchor="ctr"/>
+          <a:bodyPr wrap="square" rtlCol="0" anchor="ctr">
+            <a:noAutofit/>
+          </a:bodyPr>
           <a:lstStyle/>
           <a:p>
             <a:pPr algn="ctr"/>
@@ -10470,7 +10405,7 @@
       </p:sp>
       <p:grpSp>
         <p:nvGrpSpPr>
-          <p:cNvPr id="17" name="Group 16">
+          <p:cNvPr id="59" name="Group 58">
             <a:extLst>
               <a:ext uri="{FF2B5EF4-FFF2-40B4-BE49-F238E27FC236}">
                 <a16:creationId xmlns:a16="http://schemas.microsoft.com/office/drawing/2014/main" id="{8323DD1D-77DE-48B2-A0A0-6265801531E5}"/>
@@ -10501,7 +10436,7 @@
         </p:grpSpPr>
         <p:cxnSp>
           <p:nvCxnSpPr>
-            <p:cNvPr id="18" name="Straight Connector 17">
+            <p:cNvPr id="60" name="Straight Connector 59">
               <a:extLst>
                 <a:ext uri="{FF2B5EF4-FFF2-40B4-BE49-F238E27FC236}">
                   <a16:creationId xmlns:a16="http://schemas.microsoft.com/office/drawing/2014/main" id="{5C230063-C474-48F9-AD35-F649415C2292}"/>
@@ -10556,7 +10491,7 @@
         </p:cxnSp>
         <p:cxnSp>
           <p:nvCxnSpPr>
-            <p:cNvPr id="19" name="Straight Connector 18">
+            <p:cNvPr id="61" name="Straight Connector 60">
               <a:extLst>
                 <a:ext uri="{FF2B5EF4-FFF2-40B4-BE49-F238E27FC236}">
                   <a16:creationId xmlns:a16="http://schemas.microsoft.com/office/drawing/2014/main" id="{6251EB77-6139-46FD-BABC-85764659488D}"/>
@@ -10611,7 +10546,7 @@
         </p:cxnSp>
         <p:cxnSp>
           <p:nvCxnSpPr>
-            <p:cNvPr id="20" name="Straight Connector 19">
+            <p:cNvPr id="62" name="Straight Connector 61">
               <a:extLst>
                 <a:ext uri="{FF2B5EF4-FFF2-40B4-BE49-F238E27FC236}">
                   <a16:creationId xmlns:a16="http://schemas.microsoft.com/office/drawing/2014/main" id="{A8177B72-4955-469C-BAF0-E07626379449}"/>
@@ -10666,7 +10601,7 @@
         </p:cxnSp>
         <p:cxnSp>
           <p:nvCxnSpPr>
-            <p:cNvPr id="21" name="Straight Connector 20">
+            <p:cNvPr id="63" name="Straight Connector 62">
               <a:extLst>
                 <a:ext uri="{FF2B5EF4-FFF2-40B4-BE49-F238E27FC236}">
                   <a16:creationId xmlns:a16="http://schemas.microsoft.com/office/drawing/2014/main" id="{C09269C7-DB34-4A8C-BAC9-2496A058B8BD}"/>
@@ -10721,7 +10656,7 @@
         </p:cxnSp>
         <p:cxnSp>
           <p:nvCxnSpPr>
-            <p:cNvPr id="22" name="Straight Connector 21">
+            <p:cNvPr id="64" name="Straight Connector 63">
               <a:extLst>
                 <a:ext uri="{FF2B5EF4-FFF2-40B4-BE49-F238E27FC236}">
                   <a16:creationId xmlns:a16="http://schemas.microsoft.com/office/drawing/2014/main" id="{FFA42117-D401-4236-8EAA-EC9095D4C642}"/>
@@ -10776,7 +10711,7 @@
         </p:cxnSp>
         <p:cxnSp>
           <p:nvCxnSpPr>
-            <p:cNvPr id="23" name="Straight Connector 22">
+            <p:cNvPr id="65" name="Straight Connector 64">
               <a:extLst>
                 <a:ext uri="{FF2B5EF4-FFF2-40B4-BE49-F238E27FC236}">
                   <a16:creationId xmlns:a16="http://schemas.microsoft.com/office/drawing/2014/main" id="{6746B91E-6053-4974-B374-9D1B8FBD70C8}"/>
@@ -10831,7 +10766,7 @@
         </p:cxnSp>
         <p:cxnSp>
           <p:nvCxnSpPr>
-            <p:cNvPr id="24" name="Straight Connector 23">
+            <p:cNvPr id="66" name="Straight Connector 65">
               <a:extLst>
                 <a:ext uri="{FF2B5EF4-FFF2-40B4-BE49-F238E27FC236}">
                   <a16:creationId xmlns:a16="http://schemas.microsoft.com/office/drawing/2014/main" id="{ED5DA8D3-12FB-4731-BDBC-93B6113D0C49}"/>
@@ -10886,7 +10821,7 @@
         </p:cxnSp>
         <p:cxnSp>
           <p:nvCxnSpPr>
-            <p:cNvPr id="25" name="Straight Connector 24">
+            <p:cNvPr id="67" name="Straight Connector 66">
               <a:extLst>
                 <a:ext uri="{FF2B5EF4-FFF2-40B4-BE49-F238E27FC236}">
                   <a16:creationId xmlns:a16="http://schemas.microsoft.com/office/drawing/2014/main" id="{7D16B49A-4893-4729-87B8-9A0B8E592D9E}"/>
@@ -10941,7 +10876,7 @@
         </p:cxnSp>
         <p:cxnSp>
           <p:nvCxnSpPr>
-            <p:cNvPr id="26" name="Straight Connector 25">
+            <p:cNvPr id="68" name="Straight Connector 67">
               <a:extLst>
                 <a:ext uri="{FF2B5EF4-FFF2-40B4-BE49-F238E27FC236}">
                   <a16:creationId xmlns:a16="http://schemas.microsoft.com/office/drawing/2014/main" id="{406D93EE-2329-4706-89C0-BB6C94A39A7B}"/>
@@ -10996,7 +10931,7 @@
         </p:cxnSp>
         <p:cxnSp>
           <p:nvCxnSpPr>
-            <p:cNvPr id="27" name="Straight Connector 26">
+            <p:cNvPr id="69" name="Straight Connector 68">
               <a:extLst>
                 <a:ext uri="{FF2B5EF4-FFF2-40B4-BE49-F238E27FC236}">
                   <a16:creationId xmlns:a16="http://schemas.microsoft.com/office/drawing/2014/main" id="{3DC3E76F-2DB4-40DA-8C45-943861B1723E}"/>
@@ -11051,7 +10986,7 @@
         </p:cxnSp>
         <p:cxnSp>
           <p:nvCxnSpPr>
-            <p:cNvPr id="28" name="Straight Connector 27">
+            <p:cNvPr id="70" name="Straight Connector 69">
               <a:extLst>
                 <a:ext uri="{FF2B5EF4-FFF2-40B4-BE49-F238E27FC236}">
                   <a16:creationId xmlns:a16="http://schemas.microsoft.com/office/drawing/2014/main" id="{F56318F6-E559-4DA6-95C0-D2BB10BA6413}"/>
@@ -11106,7 +11041,7 @@
         </p:cxnSp>
         <p:cxnSp>
           <p:nvCxnSpPr>
-            <p:cNvPr id="29" name="Straight Connector 28">
+            <p:cNvPr id="71" name="Straight Connector 70">
               <a:extLst>
                 <a:ext uri="{FF2B5EF4-FFF2-40B4-BE49-F238E27FC236}">
                   <a16:creationId xmlns:a16="http://schemas.microsoft.com/office/drawing/2014/main" id="{83243B57-CFAA-461A-AE56-A61CF60F3AD4}"/>
@@ -11161,7 +11096,7 @@
         </p:cxnSp>
         <p:cxnSp>
           <p:nvCxnSpPr>
-            <p:cNvPr id="30" name="Straight Connector 29">
+            <p:cNvPr id="72" name="Straight Connector 71">
               <a:extLst>
                 <a:ext uri="{FF2B5EF4-FFF2-40B4-BE49-F238E27FC236}">
                   <a16:creationId xmlns:a16="http://schemas.microsoft.com/office/drawing/2014/main" id="{86AEACE9-7BE6-4FC5-9686-47F15ABA5695}"/>
@@ -11216,7 +11151,7 @@
         </p:cxnSp>
         <p:cxnSp>
           <p:nvCxnSpPr>
-            <p:cNvPr id="31" name="Straight Connector 30">
+            <p:cNvPr id="73" name="Straight Connector 72">
               <a:extLst>
                 <a:ext uri="{FF2B5EF4-FFF2-40B4-BE49-F238E27FC236}">
                   <a16:creationId xmlns:a16="http://schemas.microsoft.com/office/drawing/2014/main" id="{5DCAE5B4-5700-44A8-91DA-D8415FB04FA5}"/>
@@ -11271,7 +11206,7 @@
         </p:cxnSp>
         <p:cxnSp>
           <p:nvCxnSpPr>
-            <p:cNvPr id="32" name="Straight Connector 31">
+            <p:cNvPr id="74" name="Straight Connector 73">
               <a:extLst>
                 <a:ext uri="{FF2B5EF4-FFF2-40B4-BE49-F238E27FC236}">
                   <a16:creationId xmlns:a16="http://schemas.microsoft.com/office/drawing/2014/main" id="{F2F9D9C9-D01B-4870-8B33-310D77DF5B39}"/>
@@ -11326,7 +11261,7 @@
         </p:cxnSp>
         <p:cxnSp>
           <p:nvCxnSpPr>
-            <p:cNvPr id="33" name="Straight Connector 32">
+            <p:cNvPr id="75" name="Straight Connector 74">
               <a:extLst>
                 <a:ext uri="{FF2B5EF4-FFF2-40B4-BE49-F238E27FC236}">
                   <a16:creationId xmlns:a16="http://schemas.microsoft.com/office/drawing/2014/main" id="{905DDC7F-2142-41F1-B1E3-A37A0B6FD160}"/>
@@ -11381,7 +11316,7 @@
         </p:cxnSp>
         <p:cxnSp>
           <p:nvCxnSpPr>
-            <p:cNvPr id="34" name="Straight Connector 33">
+            <p:cNvPr id="76" name="Straight Connector 75">
               <a:extLst>
                 <a:ext uri="{FF2B5EF4-FFF2-40B4-BE49-F238E27FC236}">
                   <a16:creationId xmlns:a16="http://schemas.microsoft.com/office/drawing/2014/main" id="{51B19576-1AA2-4552-8D7D-831B13781491}"/>
@@ -11436,7 +11371,7 @@
         </p:cxnSp>
         <p:cxnSp>
           <p:nvCxnSpPr>
-            <p:cNvPr id="35" name="Straight Connector 34">
+            <p:cNvPr id="77" name="Straight Connector 76">
               <a:extLst>
                 <a:ext uri="{FF2B5EF4-FFF2-40B4-BE49-F238E27FC236}">
                   <a16:creationId xmlns:a16="http://schemas.microsoft.com/office/drawing/2014/main" id="{C504D005-AC5D-4160-8184-5BB45CE004E8}"/>
@@ -11491,7 +11426,7 @@
         </p:cxnSp>
         <p:cxnSp>
           <p:nvCxnSpPr>
-            <p:cNvPr id="36" name="Straight Connector 35">
+            <p:cNvPr id="78" name="Straight Connector 77">
               <a:extLst>
                 <a:ext uri="{FF2B5EF4-FFF2-40B4-BE49-F238E27FC236}">
                   <a16:creationId xmlns:a16="http://schemas.microsoft.com/office/drawing/2014/main" id="{DA540368-C5A6-4F28-A60E-763362A6E5BF}"/>
@@ -11546,7 +11481,7 @@
         </p:cxnSp>
         <p:cxnSp>
           <p:nvCxnSpPr>
-            <p:cNvPr id="37" name="Straight Connector 36">
+            <p:cNvPr id="79" name="Straight Connector 78">
               <a:extLst>
                 <a:ext uri="{FF2B5EF4-FFF2-40B4-BE49-F238E27FC236}">
                   <a16:creationId xmlns:a16="http://schemas.microsoft.com/office/drawing/2014/main" id="{767B4722-C810-495C-BB11-45141E367DC8}"/>
@@ -11601,7 +11536,7 @@
         </p:cxnSp>
         <p:cxnSp>
           <p:nvCxnSpPr>
-            <p:cNvPr id="38" name="Straight Connector 37">
+            <p:cNvPr id="80" name="Straight Connector 79">
               <a:extLst>
                 <a:ext uri="{FF2B5EF4-FFF2-40B4-BE49-F238E27FC236}">
                   <a16:creationId xmlns:a16="http://schemas.microsoft.com/office/drawing/2014/main" id="{83B1706B-6FE4-44FB-B429-E59AE3B16DB7}"/>
@@ -11656,7 +11591,7 @@
         </p:cxnSp>
         <p:cxnSp>
           <p:nvCxnSpPr>
-            <p:cNvPr id="39" name="Straight Connector 38">
+            <p:cNvPr id="81" name="Straight Connector 80">
               <a:extLst>
                 <a:ext uri="{FF2B5EF4-FFF2-40B4-BE49-F238E27FC236}">
                   <a16:creationId xmlns:a16="http://schemas.microsoft.com/office/drawing/2014/main" id="{F9DD5DAD-1CA2-48BA-94BF-70B1AC2BB58B}"/>
@@ -11711,7 +11646,7 @@
         </p:cxnSp>
         <p:cxnSp>
           <p:nvCxnSpPr>
-            <p:cNvPr id="40" name="Straight Connector 39">
+            <p:cNvPr id="82" name="Straight Connector 81">
               <a:extLst>
                 <a:ext uri="{FF2B5EF4-FFF2-40B4-BE49-F238E27FC236}">
                   <a16:creationId xmlns:a16="http://schemas.microsoft.com/office/drawing/2014/main" id="{076A21FA-0159-4468-9737-BDBD34261835}"/>
@@ -11766,7 +11701,7 @@
         </p:cxnSp>
         <p:cxnSp>
           <p:nvCxnSpPr>
-            <p:cNvPr id="41" name="Straight Connector 40">
+            <p:cNvPr id="83" name="Straight Connector 82">
               <a:extLst>
                 <a:ext uri="{FF2B5EF4-FFF2-40B4-BE49-F238E27FC236}">
                   <a16:creationId xmlns:a16="http://schemas.microsoft.com/office/drawing/2014/main" id="{0870688F-0FB0-4A4A-9F90-7EAE14CAE20A}"/>
@@ -11821,7 +11756,7 @@
         </p:cxnSp>
         <p:cxnSp>
           <p:nvCxnSpPr>
-            <p:cNvPr id="42" name="Straight Connector 41">
+            <p:cNvPr id="84" name="Straight Connector 83">
               <a:extLst>
                 <a:ext uri="{FF2B5EF4-FFF2-40B4-BE49-F238E27FC236}">
                   <a16:creationId xmlns:a16="http://schemas.microsoft.com/office/drawing/2014/main" id="{8F7D7D25-8970-4DD6-A3D7-0D550BA85CF2}"/>
@@ -11876,7 +11811,7 @@
         </p:cxnSp>
         <p:cxnSp>
           <p:nvCxnSpPr>
-            <p:cNvPr id="43" name="Straight Connector 42">
+            <p:cNvPr id="85" name="Straight Connector 84">
               <a:extLst>
                 <a:ext uri="{FF2B5EF4-FFF2-40B4-BE49-F238E27FC236}">
                   <a16:creationId xmlns:a16="http://schemas.microsoft.com/office/drawing/2014/main" id="{8B480E32-418E-4DE3-B6E7-2F803A2C756C}"/>
@@ -11931,7 +11866,7 @@
         </p:cxnSp>
         <p:cxnSp>
           <p:nvCxnSpPr>
-            <p:cNvPr id="44" name="Straight Connector 43">
+            <p:cNvPr id="86" name="Straight Connector 85">
               <a:extLst>
                 <a:ext uri="{FF2B5EF4-FFF2-40B4-BE49-F238E27FC236}">
                   <a16:creationId xmlns:a16="http://schemas.microsoft.com/office/drawing/2014/main" id="{0985F833-A609-4B9C-A0D7-6DF88DB7BA25}"/>
@@ -11986,7 +11921,7 @@
         </p:cxnSp>
         <p:cxnSp>
           <p:nvCxnSpPr>
-            <p:cNvPr id="45" name="Straight Connector 44">
+            <p:cNvPr id="87" name="Straight Connector 86">
               <a:extLst>
                 <a:ext uri="{FF2B5EF4-FFF2-40B4-BE49-F238E27FC236}">
                   <a16:creationId xmlns:a16="http://schemas.microsoft.com/office/drawing/2014/main" id="{DAA9A587-B078-4028-A924-4A6DDDA2C41E}"/>
@@ -12041,7 +11976,7 @@
         </p:cxnSp>
         <p:cxnSp>
           <p:nvCxnSpPr>
-            <p:cNvPr id="46" name="Straight Connector 45">
+            <p:cNvPr id="88" name="Straight Connector 87">
               <a:extLst>
                 <a:ext uri="{FF2B5EF4-FFF2-40B4-BE49-F238E27FC236}">
                   <a16:creationId xmlns:a16="http://schemas.microsoft.com/office/drawing/2014/main" id="{1E2E5E8E-3025-4C93-9E63-9C47C5BBA997}"/>
@@ -12113,8 +12048,8 @@
         </p:nvSpPr>
         <p:spPr>
           <a:xfrm>
-            <a:off x="5791200" y="732348"/>
-            <a:ext cx="5410199" cy="2240735"/>
+            <a:off x="457200" y="732348"/>
+            <a:ext cx="6159160" cy="2240735"/>
           </a:xfrm>
         </p:spPr>
         <p:txBody>
@@ -12123,20 +12058,228 @@
           </a:bodyPr>
           <a:lstStyle/>
           <a:p>
-            <a:r>
-              <a:rPr lang="en-US" dirty="0">
-                <a:solidFill>
-                  <a:schemeClr val="tx2"/>
-                </a:solidFill>
+            <a:pPr algn="ctr"/>
+            <a:r>
+              <a:rPr lang="en-US" b="1" dirty="0">
                 <a:cs typeface="Posterama"/>
               </a:rPr>
               <a:t>CILINDRO</a:t>
             </a:r>
-            <a:endParaRPr lang="en-US" dirty="0">
-              <a:solidFill>
-                <a:schemeClr val="tx2"/>
-              </a:solidFill>
-            </a:endParaRPr>
+            <a:endParaRPr lang="en-US"/>
+          </a:p>
+        </p:txBody>
+      </p:sp>
+      <p:sp>
+        <p:nvSpPr>
+          <p:cNvPr id="3" name="Content Placeholder 2">
+            <a:extLst>
+              <a:ext uri="{FF2B5EF4-FFF2-40B4-BE49-F238E27FC236}">
+                <a16:creationId xmlns:a16="http://schemas.microsoft.com/office/drawing/2014/main" id="{44F1F9D8-E792-F67B-925A-D6C017901C05}"/>
+              </a:ext>
+            </a:extLst>
+          </p:cNvPr>
+          <p:cNvSpPr>
+            <a:spLocks noGrp="1"/>
+          </p:cNvSpPr>
+          <p:nvPr>
+            <p:ph idx="1"/>
+          </p:nvPr>
+        </p:nvSpPr>
+        <p:spPr>
+          <a:xfrm>
+            <a:off x="457200" y="3123721"/>
+            <a:ext cx="5764049" cy="3591649"/>
+          </a:xfrm>
+        </p:spPr>
+        <p:txBody>
+          <a:bodyPr vert="horz" lIns="91440" tIns="45720" rIns="91440" bIns="45720" rtlCol="0" anchor="t">
+            <a:normAutofit/>
+          </a:bodyPr>
+          <a:lstStyle/>
+          <a:p>
+            <a:pPr marL="0" indent="0" algn="ctr">
+              <a:buNone/>
+            </a:pPr>
+            <a:r>
+              <a:rPr lang="en-US" sz="2000" dirty="0">
+                <a:ea typeface="+mn-lt"/>
+                <a:cs typeface="+mn-lt"/>
+              </a:rPr>
+              <a:t>Dado um </a:t>
+            </a:r>
+            <a:r>
+              <a:rPr lang="en-US" sz="2000" dirty="0" err="1">
+                <a:ea typeface="+mn-lt"/>
+                <a:cs typeface="+mn-lt"/>
+              </a:rPr>
+              <a:t>cilindro</a:t>
+            </a:r>
+            <a:r>
+              <a:rPr lang="en-US" sz="2000" dirty="0">
+                <a:ea typeface="+mn-lt"/>
+                <a:cs typeface="+mn-lt"/>
+              </a:rPr>
+              <a:t> circular, </a:t>
+            </a:r>
+            <a:r>
+              <a:rPr lang="en-US" sz="2000" dirty="0" err="1">
+                <a:ea typeface="+mn-lt"/>
+                <a:cs typeface="+mn-lt"/>
+              </a:rPr>
+              <a:t>cuja</a:t>
+            </a:r>
+            <a:r>
+              <a:rPr lang="en-US" sz="2000" dirty="0">
+                <a:ea typeface="+mn-lt"/>
+                <a:cs typeface="+mn-lt"/>
+              </a:rPr>
+              <a:t> </a:t>
+            </a:r>
+            <a:r>
+              <a:rPr lang="en-US" sz="2000" dirty="0" err="1">
+                <a:ea typeface="+mn-lt"/>
+                <a:cs typeface="+mn-lt"/>
+              </a:rPr>
+              <a:t>área</a:t>
+            </a:r>
+            <a:r>
+              <a:rPr lang="en-US" sz="2000" dirty="0">
+                <a:ea typeface="+mn-lt"/>
+                <a:cs typeface="+mn-lt"/>
+              </a:rPr>
+              <a:t> da base é 𝑆𝑏=𝜋𝑟2. O volume </a:t>
+            </a:r>
+            <a:r>
+              <a:rPr lang="en-US" sz="2000" dirty="0" err="1">
+                <a:ea typeface="+mn-lt"/>
+                <a:cs typeface="+mn-lt"/>
+              </a:rPr>
+              <a:t>será</a:t>
+            </a:r>
+            <a:r>
+              <a:rPr lang="en-US" sz="2000" dirty="0">
+                <a:ea typeface="+mn-lt"/>
+                <a:cs typeface="+mn-lt"/>
+              </a:rPr>
+              <a:t> </a:t>
+            </a:r>
+            <a:r>
+              <a:rPr lang="en-US" sz="2000" dirty="0" err="1">
+                <a:ea typeface="+mn-lt"/>
+                <a:cs typeface="+mn-lt"/>
+              </a:rPr>
+              <a:t>calculado</a:t>
+            </a:r>
+            <a:r>
+              <a:rPr lang="en-US" sz="2000" dirty="0">
+                <a:ea typeface="+mn-lt"/>
+                <a:cs typeface="+mn-lt"/>
+              </a:rPr>
+              <a:t> pela </a:t>
+            </a:r>
+            <a:r>
+              <a:rPr lang="en-US" sz="2000" dirty="0" err="1">
+                <a:ea typeface="+mn-lt"/>
+                <a:cs typeface="+mn-lt"/>
+              </a:rPr>
+              <a:t>multiplicação</a:t>
+            </a:r>
+            <a:r>
+              <a:rPr lang="en-US" sz="2000" dirty="0">
+                <a:ea typeface="+mn-lt"/>
+                <a:cs typeface="+mn-lt"/>
+              </a:rPr>
+              <a:t> da </a:t>
+            </a:r>
+            <a:r>
+              <a:rPr lang="en-US" sz="2000" dirty="0" err="1">
+                <a:ea typeface="+mn-lt"/>
+                <a:cs typeface="+mn-lt"/>
+              </a:rPr>
+              <a:t>sua</a:t>
+            </a:r>
+            <a:r>
+              <a:rPr lang="en-US" sz="2000" dirty="0">
+                <a:ea typeface="+mn-lt"/>
+                <a:cs typeface="+mn-lt"/>
+              </a:rPr>
+              <a:t> </a:t>
+            </a:r>
+            <a:r>
+              <a:rPr lang="en-US" sz="2000" dirty="0" err="1">
+                <a:ea typeface="+mn-lt"/>
+                <a:cs typeface="+mn-lt"/>
+              </a:rPr>
+              <a:t>área</a:t>
+            </a:r>
+            <a:r>
+              <a:rPr lang="en-US" sz="2000" dirty="0">
+                <a:ea typeface="+mn-lt"/>
+                <a:cs typeface="+mn-lt"/>
+              </a:rPr>
+              <a:t> da base </a:t>
+            </a:r>
+            <a:r>
+              <a:rPr lang="en-US" sz="2000" dirty="0" err="1">
+                <a:ea typeface="+mn-lt"/>
+                <a:cs typeface="+mn-lt"/>
+              </a:rPr>
+              <a:t>vezes</a:t>
+            </a:r>
+            <a:r>
+              <a:rPr lang="en-US" sz="2000" dirty="0">
+                <a:ea typeface="+mn-lt"/>
+                <a:cs typeface="+mn-lt"/>
+              </a:rPr>
+              <a:t> a </a:t>
+            </a:r>
+            <a:r>
+              <a:rPr lang="en-US" sz="2000" dirty="0" err="1">
+                <a:ea typeface="+mn-lt"/>
+                <a:cs typeface="+mn-lt"/>
+              </a:rPr>
+              <a:t>altura</a:t>
+            </a:r>
+            <a:r>
+              <a:rPr lang="en-US" sz="2000" dirty="0">
+                <a:ea typeface="+mn-lt"/>
+                <a:cs typeface="+mn-lt"/>
+              </a:rPr>
+              <a:t>. Logo:</a:t>
+            </a:r>
+            <a:br>
+              <a:rPr lang="en-US" sz="2000" dirty="0"/>
+            </a:br>
+            <a:br>
+              <a:rPr lang="en-US" sz="2000" dirty="0"/>
+            </a:br>
+            <a:r>
+              <a:rPr lang="en-US" sz="2000" dirty="0">
+                <a:ea typeface="+mn-lt"/>
+                <a:cs typeface="+mn-lt"/>
+              </a:rPr>
+              <a:t>Sb = π * r²</a:t>
+            </a:r>
+            <a:endParaRPr lang="en-US" sz="2000" dirty="0"/>
+          </a:p>
+          <a:p>
+            <a:pPr algn="ctr">
+              <a:buNone/>
+            </a:pPr>
+            <a:r>
+              <a:rPr lang="en-US" sz="2000" dirty="0">
+                <a:ea typeface="+mn-lt"/>
+                <a:cs typeface="+mn-lt"/>
+              </a:rPr>
+              <a:t>V = Sb * h</a:t>
+            </a:r>
+            <a:endParaRPr lang="en-US" sz="2000" dirty="0"/>
+          </a:p>
+          <a:p>
+            <a:pPr marL="0" indent="0">
+              <a:buNone/>
+            </a:pPr>
+            <a:endParaRPr lang="en-US" sz="2000" dirty="0"/>
           </a:p>
         </p:txBody>
       </p:sp>
@@ -12162,7 +12305,7 @@
         </p:blipFill>
         <p:spPr>
           <a:xfrm>
-            <a:off x="217222" y="750502"/>
+            <a:off x="6983514" y="750502"/>
             <a:ext cx="5009616" cy="5465034"/>
           </a:xfrm>
           <a:prstGeom prst="rect">
@@ -12170,309 +12313,6 @@
           </a:prstGeom>
         </p:spPr>
       </p:pic>
-      <p:sp>
-        <p:nvSpPr>
-          <p:cNvPr id="3" name="Content Placeholder 2">
-            <a:extLst>
-              <a:ext uri="{FF2B5EF4-FFF2-40B4-BE49-F238E27FC236}">
-                <a16:creationId xmlns:a16="http://schemas.microsoft.com/office/drawing/2014/main" id="{44F1F9D8-E792-F67B-925A-D6C017901C05}"/>
-              </a:ext>
-            </a:extLst>
-          </p:cNvPr>
-          <p:cNvSpPr>
-            <a:spLocks noGrp="1"/>
-          </p:cNvSpPr>
-          <p:nvPr>
-            <p:ph idx="1"/>
-          </p:nvPr>
-        </p:nvSpPr>
-        <p:spPr>
-          <a:xfrm>
-            <a:off x="5791200" y="3264832"/>
-            <a:ext cx="5410199" cy="2980124"/>
-          </a:xfrm>
-        </p:spPr>
-        <p:txBody>
-          <a:bodyPr vert="horz" lIns="91440" tIns="45720" rIns="91440" bIns="45720" rtlCol="0">
-            <a:normAutofit/>
-          </a:bodyPr>
-          <a:lstStyle/>
-          <a:p>
-            <a:pPr marL="0" indent="0">
-              <a:buNone/>
-            </a:pPr>
-            <a:r>
-              <a:rPr lang="en-US" sz="1800" dirty="0">
-                <a:solidFill>
-                  <a:schemeClr val="tx2"/>
-                </a:solidFill>
-                <a:ea typeface="+mn-lt"/>
-                <a:cs typeface="+mn-lt"/>
-              </a:rPr>
-              <a:t>Dado um </a:t>
-            </a:r>
-            <a:r>
-              <a:rPr lang="en-US" sz="1800" dirty="0" err="1">
-                <a:solidFill>
-                  <a:schemeClr val="tx2"/>
-                </a:solidFill>
-                <a:ea typeface="+mn-lt"/>
-                <a:cs typeface="+mn-lt"/>
-              </a:rPr>
-              <a:t>cilindro</a:t>
-            </a:r>
-            <a:r>
-              <a:rPr lang="en-US" sz="1800" dirty="0">
-                <a:solidFill>
-                  <a:schemeClr val="tx2"/>
-                </a:solidFill>
-                <a:ea typeface="+mn-lt"/>
-                <a:cs typeface="+mn-lt"/>
-              </a:rPr>
-              <a:t> circular, </a:t>
-            </a:r>
-            <a:r>
-              <a:rPr lang="en-US" sz="1800" dirty="0" err="1">
-                <a:solidFill>
-                  <a:schemeClr val="tx2"/>
-                </a:solidFill>
-                <a:ea typeface="+mn-lt"/>
-                <a:cs typeface="+mn-lt"/>
-              </a:rPr>
-              <a:t>cuja</a:t>
-            </a:r>
-            <a:r>
-              <a:rPr lang="en-US" sz="1800" dirty="0">
-                <a:solidFill>
-                  <a:schemeClr val="tx2"/>
-                </a:solidFill>
-                <a:ea typeface="+mn-lt"/>
-                <a:cs typeface="+mn-lt"/>
-              </a:rPr>
-              <a:t> </a:t>
-            </a:r>
-            <a:r>
-              <a:rPr lang="en-US" sz="1800" dirty="0" err="1">
-                <a:solidFill>
-                  <a:schemeClr val="tx2"/>
-                </a:solidFill>
-                <a:ea typeface="+mn-lt"/>
-                <a:cs typeface="+mn-lt"/>
-              </a:rPr>
-              <a:t>área</a:t>
-            </a:r>
-            <a:r>
-              <a:rPr lang="en-US" sz="1800" dirty="0">
-                <a:solidFill>
-                  <a:schemeClr val="tx2"/>
-                </a:solidFill>
-                <a:ea typeface="+mn-lt"/>
-                <a:cs typeface="+mn-lt"/>
-              </a:rPr>
-              <a:t> da base é 𝑆𝑏=𝜋𝑟2. O volume </a:t>
-            </a:r>
-            <a:r>
-              <a:rPr lang="en-US" sz="1800" dirty="0" err="1">
-                <a:solidFill>
-                  <a:schemeClr val="tx2"/>
-                </a:solidFill>
-                <a:ea typeface="+mn-lt"/>
-                <a:cs typeface="+mn-lt"/>
-              </a:rPr>
-              <a:t>será</a:t>
-            </a:r>
-            <a:r>
-              <a:rPr lang="en-US" sz="1800" dirty="0">
-                <a:solidFill>
-                  <a:schemeClr val="tx2"/>
-                </a:solidFill>
-                <a:ea typeface="+mn-lt"/>
-                <a:cs typeface="+mn-lt"/>
-              </a:rPr>
-              <a:t> </a:t>
-            </a:r>
-            <a:r>
-              <a:rPr lang="en-US" sz="1800" dirty="0" err="1">
-                <a:solidFill>
-                  <a:schemeClr val="tx2"/>
-                </a:solidFill>
-                <a:ea typeface="+mn-lt"/>
-                <a:cs typeface="+mn-lt"/>
-              </a:rPr>
-              <a:t>calculado</a:t>
-            </a:r>
-            <a:r>
-              <a:rPr lang="en-US" sz="1800" dirty="0">
-                <a:solidFill>
-                  <a:schemeClr val="tx2"/>
-                </a:solidFill>
-                <a:ea typeface="+mn-lt"/>
-                <a:cs typeface="+mn-lt"/>
-              </a:rPr>
-              <a:t> pela </a:t>
-            </a:r>
-            <a:r>
-              <a:rPr lang="en-US" sz="1800" dirty="0" err="1">
-                <a:solidFill>
-                  <a:schemeClr val="tx2"/>
-                </a:solidFill>
-                <a:ea typeface="+mn-lt"/>
-                <a:cs typeface="+mn-lt"/>
-              </a:rPr>
-              <a:t>multiplicação</a:t>
-            </a:r>
-            <a:r>
-              <a:rPr lang="en-US" sz="1800" dirty="0">
-                <a:solidFill>
-                  <a:schemeClr val="tx2"/>
-                </a:solidFill>
-                <a:ea typeface="+mn-lt"/>
-                <a:cs typeface="+mn-lt"/>
-              </a:rPr>
-              <a:t> da </a:t>
-            </a:r>
-            <a:r>
-              <a:rPr lang="en-US" sz="1800" dirty="0" err="1">
-                <a:solidFill>
-                  <a:schemeClr val="tx2"/>
-                </a:solidFill>
-                <a:ea typeface="+mn-lt"/>
-                <a:cs typeface="+mn-lt"/>
-              </a:rPr>
-              <a:t>sua</a:t>
-            </a:r>
-            <a:r>
-              <a:rPr lang="en-US" sz="1800" dirty="0">
-                <a:solidFill>
-                  <a:schemeClr val="tx2"/>
-                </a:solidFill>
-                <a:ea typeface="+mn-lt"/>
-                <a:cs typeface="+mn-lt"/>
-              </a:rPr>
-              <a:t> </a:t>
-            </a:r>
-            <a:r>
-              <a:rPr lang="en-US" sz="1800" dirty="0" err="1">
-                <a:solidFill>
-                  <a:schemeClr val="tx2"/>
-                </a:solidFill>
-                <a:ea typeface="+mn-lt"/>
-                <a:cs typeface="+mn-lt"/>
-              </a:rPr>
-              <a:t>área</a:t>
-            </a:r>
-            <a:r>
-              <a:rPr lang="en-US" sz="1800" dirty="0">
-                <a:solidFill>
-                  <a:schemeClr val="tx2"/>
-                </a:solidFill>
-                <a:ea typeface="+mn-lt"/>
-                <a:cs typeface="+mn-lt"/>
-              </a:rPr>
-              <a:t> da base </a:t>
-            </a:r>
-            <a:r>
-              <a:rPr lang="en-US" sz="1800" dirty="0" err="1">
-                <a:solidFill>
-                  <a:schemeClr val="tx2"/>
-                </a:solidFill>
-                <a:ea typeface="+mn-lt"/>
-                <a:cs typeface="+mn-lt"/>
-              </a:rPr>
-              <a:t>vezes</a:t>
-            </a:r>
-            <a:r>
-              <a:rPr lang="en-US" sz="1800" dirty="0">
-                <a:solidFill>
-                  <a:schemeClr val="tx2"/>
-                </a:solidFill>
-                <a:ea typeface="+mn-lt"/>
-                <a:cs typeface="+mn-lt"/>
-              </a:rPr>
-              <a:t> a </a:t>
-            </a:r>
-            <a:r>
-              <a:rPr lang="en-US" sz="1800" dirty="0" err="1">
-                <a:solidFill>
-                  <a:schemeClr val="tx2"/>
-                </a:solidFill>
-                <a:ea typeface="+mn-lt"/>
-                <a:cs typeface="+mn-lt"/>
-              </a:rPr>
-              <a:t>altura</a:t>
-            </a:r>
-            <a:r>
-              <a:rPr lang="en-US" sz="1800" dirty="0">
-                <a:solidFill>
-                  <a:schemeClr val="tx2"/>
-                </a:solidFill>
-                <a:ea typeface="+mn-lt"/>
-                <a:cs typeface="+mn-lt"/>
-              </a:rPr>
-              <a:t>. Logo:</a:t>
-            </a:r>
-            <a:br>
-              <a:rPr lang="en-US" sz="1800">
-                <a:solidFill>
-                  <a:schemeClr val="tx2"/>
-                </a:solidFill>
-              </a:rPr>
-            </a:br>
-            <a:br>
-              <a:rPr lang="en-US" sz="1800">
-                <a:solidFill>
-                  <a:schemeClr val="tx2"/>
-                </a:solidFill>
-              </a:rPr>
-            </a:br>
-            <a:r>
-              <a:rPr lang="en-US" sz="1800" dirty="0">
-                <a:solidFill>
-                  <a:schemeClr val="tx2"/>
-                </a:solidFill>
-                <a:ea typeface="+mn-lt"/>
-                <a:cs typeface="+mn-lt"/>
-              </a:rPr>
-              <a:t>Sb = π * r²</a:t>
-            </a:r>
-            <a:endParaRPr lang="en-US" sz="1800" dirty="0">
-              <a:solidFill>
-                <a:schemeClr val="tx2"/>
-              </a:solidFill>
-            </a:endParaRPr>
-          </a:p>
-          <a:p>
-            <a:pPr>
-              <a:buNone/>
-            </a:pPr>
-            <a:r>
-              <a:rPr lang="en-US" sz="1800" dirty="0">
-                <a:solidFill>
-                  <a:schemeClr val="tx2"/>
-                </a:solidFill>
-                <a:ea typeface="+mn-lt"/>
-                <a:cs typeface="+mn-lt"/>
-              </a:rPr>
-              <a:t>V = Sb * h</a:t>
-            </a:r>
-            <a:endParaRPr lang="en-US" sz="1800" dirty="0">
-              <a:solidFill>
-                <a:schemeClr val="tx2"/>
-              </a:solidFill>
-            </a:endParaRPr>
-          </a:p>
-          <a:p>
-            <a:pPr marL="0" indent="0">
-              <a:buNone/>
-            </a:pPr>
-            <a:endParaRPr lang="en-US" sz="1800">
-              <a:solidFill>
-                <a:schemeClr val="tx2"/>
-              </a:solidFill>
-            </a:endParaRPr>
-          </a:p>
-        </p:txBody>
-      </p:sp>
     </p:spTree>
     <p:extLst>
       <p:ext uri="{BB962C8B-B14F-4D97-AF65-F5344CB8AC3E}">
@@ -12483,6 +12323,18 @@
   <p:clrMapOvr>
     <a:masterClrMapping/>
   </p:clrMapOvr>
+  <mc:AlternateContent xmlns:mc="http://schemas.openxmlformats.org/markup-compatibility/2006">
+    <mc:Choice xmlns:p14="http://schemas.microsoft.com/office/powerpoint/2010/main" Requires="p14">
+      <p:transition spd="slow" p14:dur="1250">
+        <p:pull/>
+      </p:transition>
+    </mc:Choice>
+    <mc:Fallback>
+      <p:transition spd="slow">
+        <p:pull/>
+      </p:transition>
+    </mc:Fallback>
+  </mc:AlternateContent>
 </p:sld>
 </file>
 
@@ -12525,12 +12377,14 @@
           <a:lstStyle/>
           <a:p>
             <a:r>
-              <a:rPr lang="en-US" dirty="0">
+              <a:rPr lang="en-US" b="1" dirty="0">
                 <a:cs typeface="Posterama"/>
               </a:rPr>
               <a:t>MEDIÇÕES, CÁLCULOS E RESULTADOS</a:t>
             </a:r>
-            <a:endParaRPr lang="en-US" dirty="0"/>
+            <a:endParaRPr lang="en-US" b="1">
+              <a:cs typeface="Posterama"/>
+            </a:endParaRPr>
           </a:p>
         </p:txBody>
       </p:sp>
@@ -12589,6 +12443,18 @@
   <p:clrMapOvr>
     <a:masterClrMapping/>
   </p:clrMapOvr>
+  <mc:AlternateContent xmlns:mc="http://schemas.openxmlformats.org/markup-compatibility/2006">
+    <mc:Choice xmlns:p14="http://schemas.microsoft.com/office/powerpoint/2010/main" Requires="p14">
+      <p:transition spd="slow" p14:dur="1250">
+        <p:pull/>
+      </p:transition>
+    </mc:Choice>
+    <mc:Fallback>
+      <p:transition spd="slow">
+        <p:pull/>
+      </p:transition>
+    </mc:Fallback>
+  </mc:AlternateContent>
 </p:sld>
 </file>
 
@@ -12631,12 +12497,14 @@
           <a:lstStyle/>
           <a:p>
             <a:r>
-              <a:rPr lang="en-US" dirty="0">
+              <a:rPr lang="en-US" b="1" dirty="0">
                 <a:cs typeface="Posterama"/>
               </a:rPr>
               <a:t>O QUE SERÁ APRESENTADO NESTE TRABALHO</a:t>
             </a:r>
-            <a:endParaRPr lang="en-US" dirty="0"/>
+            <a:endParaRPr lang="en-US" b="1">
+              <a:cs typeface="Posterama"/>
+            </a:endParaRPr>
           </a:p>
         </p:txBody>
       </p:sp>
@@ -12956,6 +12824,18 @@
   <p:clrMapOvr>
     <a:masterClrMapping/>
   </p:clrMapOvr>
+  <mc:AlternateContent xmlns:mc="http://schemas.openxmlformats.org/markup-compatibility/2006">
+    <mc:Choice xmlns:p14="http://schemas.microsoft.com/office/powerpoint/2010/main" Requires="p14">
+      <p:transition spd="slow" p14:dur="1250">
+        <p:pull/>
+      </p:transition>
+    </mc:Choice>
+    <mc:Fallback>
+      <p:transition spd="slow">
+        <p:pull/>
+      </p:transition>
+    </mc:Fallback>
+  </mc:AlternateContent>
 </p:sld>
 </file>
 
@@ -12998,7 +12878,7 @@
           <a:lstStyle/>
           <a:p>
             <a:r>
-              <a:rPr lang="en-US" dirty="0">
+              <a:rPr lang="en-US" b="1" dirty="0">
                 <a:cs typeface="Posterama"/>
               </a:rPr>
               <a:t>MEDIÇÕES E CÁLCULOS DOS CILINDROS</a:t>
@@ -13533,6 +13413,18 @@
   <p:clrMapOvr>
     <a:masterClrMapping/>
   </p:clrMapOvr>
+  <mc:AlternateContent xmlns:mc="http://schemas.openxmlformats.org/markup-compatibility/2006">
+    <mc:Choice xmlns:p14="http://schemas.microsoft.com/office/powerpoint/2010/main" Requires="p14">
+      <p:transition spd="slow" p14:dur="1250">
+        <p:pull/>
+      </p:transition>
+    </mc:Choice>
+    <mc:Fallback>
+      <p:transition spd="slow">
+        <p:pull/>
+      </p:transition>
+    </mc:Fallback>
+  </mc:AlternateContent>
 </p:sld>
 </file>
 
@@ -13575,12 +13467,14 @@
           <a:lstStyle/>
           <a:p>
             <a:r>
-              <a:rPr lang="en-US" dirty="0">
+              <a:rPr lang="en-US" b="1" dirty="0">
                 <a:cs typeface="Posterama"/>
               </a:rPr>
               <a:t>MEDIÇÕES E CÁLCULOS DOS CILINDROS</a:t>
             </a:r>
-            <a:endParaRPr lang="en-US" dirty="0"/>
+            <a:endParaRPr lang="en-US" b="1">
+              <a:cs typeface="Posterama"/>
+            </a:endParaRPr>
           </a:p>
         </p:txBody>
       </p:sp>
@@ -13733,6 +13627,18 @@
   <p:clrMapOvr>
     <a:masterClrMapping/>
   </p:clrMapOvr>
+  <mc:AlternateContent xmlns:mc="http://schemas.openxmlformats.org/markup-compatibility/2006">
+    <mc:Choice xmlns:p14="http://schemas.microsoft.com/office/powerpoint/2010/main" Requires="p14">
+      <p:transition spd="slow" p14:dur="1250">
+        <p:pull/>
+      </p:transition>
+    </mc:Choice>
+    <mc:Fallback>
+      <p:transition spd="slow">
+        <p:pull/>
+      </p:transition>
+    </mc:Fallback>
+  </mc:AlternateContent>
 </p:sld>
 </file>
 
@@ -13775,18 +13681,14 @@
           <a:lstStyle/>
           <a:p>
             <a:r>
-              <a:rPr lang="en-US">
+              <a:rPr lang="en-US" b="1" dirty="0">
                 <a:cs typeface="Posterama"/>
               </a:rPr>
-              <a:t>MEDIÇÕES E CÁLCULOS DOS </a:t>
-            </a:r>
-            <a:r>
-              <a:rPr lang="en-US" dirty="0">
-                <a:cs typeface="Posterama"/>
-              </a:rPr>
-              <a:t>CILINDROS</a:t>
-            </a:r>
-            <a:endParaRPr lang="en-US" dirty="0"/>
+              <a:t>MEDIÇÕES E CÁLCULOS DOS CILINDROS</a:t>
+            </a:r>
+            <a:endParaRPr lang="en-US" b="1">
+              <a:cs typeface="Posterama"/>
+            </a:endParaRPr>
           </a:p>
         </p:txBody>
       </p:sp>
@@ -13874,6 +13776,18 @@
   <p:clrMapOvr>
     <a:masterClrMapping/>
   </p:clrMapOvr>
+  <mc:AlternateContent xmlns:mc="http://schemas.openxmlformats.org/markup-compatibility/2006">
+    <mc:Choice xmlns:p14="http://schemas.microsoft.com/office/powerpoint/2010/main" Requires="p14">
+      <p:transition spd="slow" p14:dur="1250">
+        <p:pull/>
+      </p:transition>
+    </mc:Choice>
+    <mc:Fallback>
+      <p:transition spd="slow">
+        <p:pull/>
+      </p:transition>
+    </mc:Fallback>
+  </mc:AlternateContent>
 </p:sld>
 </file>
 
@@ -13916,12 +13830,11 @@
           <a:lstStyle/>
           <a:p>
             <a:r>
-              <a:rPr lang="en-US">
+              <a:rPr lang="en-US" b="1" dirty="0">
                 <a:cs typeface="Posterama"/>
               </a:rPr>
               <a:t>MEDIÇÕES E CÁLCULOS DOS CILINDROS</a:t>
             </a:r>
-            <a:endParaRPr lang="en-US"/>
           </a:p>
         </p:txBody>
       </p:sp>
@@ -13999,6 +13912,18 @@
   <p:clrMapOvr>
     <a:masterClrMapping/>
   </p:clrMapOvr>
+  <mc:AlternateContent xmlns:mc="http://schemas.openxmlformats.org/markup-compatibility/2006">
+    <mc:Choice xmlns:p14="http://schemas.microsoft.com/office/powerpoint/2010/main" Requires="p14">
+      <p:transition spd="slow" p14:dur="1250">
+        <p:pull/>
+      </p:transition>
+    </mc:Choice>
+    <mc:Fallback>
+      <p:transition spd="slow">
+        <p:pull/>
+      </p:transition>
+    </mc:Fallback>
+  </mc:AlternateContent>
 </p:sld>
 </file>
 
@@ -14041,18 +13966,11 @@
           <a:lstStyle/>
           <a:p>
             <a:r>
-              <a:rPr lang="en-US" dirty="0">
+              <a:rPr lang="en-US" b="1" dirty="0">
                 <a:cs typeface="Posterama"/>
               </a:rPr>
-              <a:t>MEDIÇÕES E CÁLCULOS DOS </a:t>
-            </a:r>
-            <a:r>
-              <a:rPr lang="en-US">
-                <a:cs typeface="Posterama"/>
-              </a:rPr>
-              <a:t>PARALELEPÍPEDOS</a:t>
-            </a:r>
-            <a:endParaRPr lang="en-US"/>
+              <a:t>MEDIÇÕES E CÁLCULOS DOS PARALELEPÍPEDOS</a:t>
+            </a:r>
           </a:p>
         </p:txBody>
       </p:sp>
@@ -14150,6 +14068,18 @@
   <p:clrMapOvr>
     <a:masterClrMapping/>
   </p:clrMapOvr>
+  <mc:AlternateContent xmlns:mc="http://schemas.openxmlformats.org/markup-compatibility/2006">
+    <mc:Choice xmlns:p14="http://schemas.microsoft.com/office/powerpoint/2010/main" Requires="p14">
+      <p:transition spd="slow" p14:dur="1250">
+        <p:pull/>
+      </p:transition>
+    </mc:Choice>
+    <mc:Fallback>
+      <p:transition spd="slow">
+        <p:pull/>
+      </p:transition>
+    </mc:Fallback>
+  </mc:AlternateContent>
 </p:sld>
 </file>
 
@@ -14192,12 +14122,11 @@
           <a:lstStyle/>
           <a:p>
             <a:r>
-              <a:rPr lang="en-US">
+              <a:rPr lang="en-US" b="1" dirty="0">
                 <a:cs typeface="Posterama"/>
               </a:rPr>
               <a:t>MEDIÇÕES E CÁLCULOS DOS PARALELEPÍPEDOS</a:t>
             </a:r>
-            <a:endParaRPr lang="en-US"/>
           </a:p>
         </p:txBody>
       </p:sp>
@@ -14275,6 +14204,18 @@
   <p:clrMapOvr>
     <a:masterClrMapping/>
   </p:clrMapOvr>
+  <mc:AlternateContent xmlns:mc="http://schemas.openxmlformats.org/markup-compatibility/2006">
+    <mc:Choice xmlns:p14="http://schemas.microsoft.com/office/powerpoint/2010/main" Requires="p14">
+      <p:transition spd="slow" p14:dur="1250">
+        <p:pull/>
+      </p:transition>
+    </mc:Choice>
+    <mc:Fallback>
+      <p:transition spd="slow">
+        <p:pull/>
+      </p:transition>
+    </mc:Fallback>
+  </mc:AlternateContent>
 </p:sld>
 </file>
 
@@ -14317,18 +14258,11 @@
           <a:lstStyle/>
           <a:p>
             <a:r>
-              <a:rPr lang="en-US" dirty="0">
+              <a:rPr lang="en-US" b="1" dirty="0">
                 <a:cs typeface="Posterama"/>
               </a:rPr>
-              <a:t>MEDIÇÕES E CÁLCULOS DOS </a:t>
-            </a:r>
-            <a:r>
-              <a:rPr lang="en-US">
-                <a:cs typeface="Posterama"/>
-              </a:rPr>
-              <a:t>PARALELEPÍPEDOS</a:t>
-            </a:r>
-            <a:endParaRPr lang="en-US"/>
+              <a:t>MEDIÇÕES E CÁLCULOS DOS PARALELEPÍPEDOS</a:t>
+            </a:r>
           </a:p>
         </p:txBody>
       </p:sp>
@@ -14406,6 +14340,18 @@
   <p:clrMapOvr>
     <a:masterClrMapping/>
   </p:clrMapOvr>
+  <mc:AlternateContent xmlns:mc="http://schemas.openxmlformats.org/markup-compatibility/2006">
+    <mc:Choice xmlns:p14="http://schemas.microsoft.com/office/powerpoint/2010/main" Requires="p14">
+      <p:transition spd="slow" p14:dur="1250">
+        <p:pull/>
+      </p:transition>
+    </mc:Choice>
+    <mc:Fallback>
+      <p:transition spd="slow">
+        <p:pull/>
+      </p:transition>
+    </mc:Fallback>
+  </mc:AlternateContent>
 </p:sld>
 </file>
 
@@ -14448,12 +14394,11 @@
           <a:lstStyle/>
           <a:p>
             <a:r>
-              <a:rPr lang="en-US">
+              <a:rPr lang="en-US" b="1" dirty="0">
                 <a:cs typeface="Posterama"/>
               </a:rPr>
               <a:t>MEDIÇÕES, CÁLCULOS E RESULTADOS</a:t>
             </a:r>
-            <a:endParaRPr lang="en-US"/>
           </a:p>
         </p:txBody>
       </p:sp>
@@ -14505,6 +14450,18 @@
   <p:clrMapOvr>
     <a:masterClrMapping/>
   </p:clrMapOvr>
+  <mc:AlternateContent xmlns:mc="http://schemas.openxmlformats.org/markup-compatibility/2006">
+    <mc:Choice xmlns:p14="http://schemas.microsoft.com/office/powerpoint/2010/main" Requires="p14">
+      <p:transition spd="slow" p14:dur="1250">
+        <p:pull/>
+      </p:transition>
+    </mc:Choice>
+    <mc:Fallback>
+      <p:transition spd="slow">
+        <p:pull/>
+      </p:transition>
+    </mc:Fallback>
+  </mc:AlternateContent>
 </p:sld>
 </file>
 
@@ -22111,8 +22068,8 @@
         </p:blipFill>
         <p:spPr>
           <a:xfrm>
-            <a:off x="-2822" y="-14035"/>
-            <a:ext cx="12381088" cy="6857848"/>
+            <a:off x="-2822" y="663298"/>
+            <a:ext cx="12381088" cy="5517293"/>
           </a:xfrm>
           <a:prstGeom prst="rect">
             <a:avLst/>
@@ -22129,6 +22086,18 @@
   <p:clrMapOvr>
     <a:masterClrMapping/>
   </p:clrMapOvr>
+  <mc:AlternateContent xmlns:mc="http://schemas.openxmlformats.org/markup-compatibility/2006">
+    <mc:Choice xmlns:p14="http://schemas.microsoft.com/office/powerpoint/2010/main" Requires="p14">
+      <p:transition spd="slow" p14:dur="1250">
+        <p:pull/>
+      </p:transition>
+    </mc:Choice>
+    <mc:Fallback>
+      <p:transition spd="slow">
+        <p:pull/>
+      </p:transition>
+    </mc:Fallback>
+  </mc:AlternateContent>
 </p:sld>
 </file>
 
@@ -22171,12 +22140,14 @@
           <a:lstStyle/>
           <a:p>
             <a:r>
-              <a:rPr lang="en-US" dirty="0">
+              <a:rPr lang="en-US" b="1" dirty="0">
                 <a:cs typeface="Posterama"/>
               </a:rPr>
               <a:t>MEDIÇÕES CÁLCULOS E RESULTADOS</a:t>
             </a:r>
-            <a:endParaRPr lang="en-US" dirty="0"/>
+            <a:endParaRPr lang="en-US" b="1">
+              <a:cs typeface="Posterama"/>
+            </a:endParaRPr>
           </a:p>
         </p:txBody>
       </p:sp>
@@ -22959,6 +22930,18 @@
   <p:clrMapOvr>
     <a:masterClrMapping/>
   </p:clrMapOvr>
+  <mc:AlternateContent xmlns:mc="http://schemas.openxmlformats.org/markup-compatibility/2006">
+    <mc:Choice xmlns:p14="http://schemas.microsoft.com/office/powerpoint/2010/main" Requires="p14">
+      <p:transition spd="slow" p14:dur="1250">
+        <p:pull/>
+      </p:transition>
+    </mc:Choice>
+    <mc:Fallback>
+      <p:transition spd="slow">
+        <p:pull/>
+      </p:transition>
+    </mc:Fallback>
+  </mc:AlternateContent>
 </p:sld>
 </file>
 
@@ -23001,12 +22984,14 @@
           <a:lstStyle/>
           <a:p>
             <a:r>
-              <a:rPr lang="en-US" dirty="0">
+              <a:rPr lang="en-US" b="1" dirty="0">
                 <a:cs typeface="Posterama"/>
               </a:rPr>
               <a:t>PARTICIPANTES DO TRABALHO</a:t>
             </a:r>
-            <a:endParaRPr lang="en-US" dirty="0"/>
+            <a:endParaRPr lang="en-US" b="1">
+              <a:cs typeface="Posterama"/>
+            </a:endParaRPr>
           </a:p>
         </p:txBody>
       </p:sp>
@@ -23034,7 +23019,13 @@
           <a:lstStyle/>
           <a:p>
             <a:r>
-              <a:rPr lang="en-US" dirty="0"/>
+              <a:rPr lang="en-US" dirty="0">
+                <a:solidFill>
+                  <a:srgbClr val="FFFF00"/>
+                </a:solidFill>
+                <a:latin typeface="Dubai"/>
+                <a:cs typeface="Dubai"/>
+              </a:rPr>
               <a:t>GABRIEL DE SOUZA SANTOS</a:t>
             </a:r>
           </a:p>
@@ -23045,7 +23036,13 @@
               </a:buClr>
             </a:pPr>
             <a:r>
-              <a:rPr lang="en-US" dirty="0"/>
+              <a:rPr lang="en-US" dirty="0">
+                <a:solidFill>
+                  <a:srgbClr val="FFFF00"/>
+                </a:solidFill>
+                <a:latin typeface="Dubai"/>
+                <a:cs typeface="Dubai"/>
+              </a:rPr>
               <a:t>GUILHERME HENRIQUE DAROZ</a:t>
             </a:r>
           </a:p>
@@ -23056,7 +23053,13 @@
               </a:buClr>
             </a:pPr>
             <a:r>
-              <a:rPr lang="en-US" dirty="0"/>
+              <a:rPr lang="en-US" dirty="0">
+                <a:solidFill>
+                  <a:srgbClr val="FFFF00"/>
+                </a:solidFill>
+                <a:latin typeface="Dubai"/>
+                <a:cs typeface="Dubai"/>
+              </a:rPr>
               <a:t>LUÍS ARTUR FAUSTINONI RIBEIRO</a:t>
             </a:r>
           </a:p>
@@ -23067,7 +23070,13 @@
               </a:buClr>
             </a:pPr>
             <a:r>
-              <a:rPr lang="en-US" dirty="0"/>
+              <a:rPr lang="en-US" dirty="0">
+                <a:solidFill>
+                  <a:srgbClr val="FFFF00"/>
+                </a:solidFill>
+                <a:latin typeface="Dubai"/>
+                <a:cs typeface="Dubai"/>
+              </a:rPr>
               <a:t>PEDRO LUCAS APARECIDO SILVA</a:t>
             </a:r>
           </a:p>
@@ -23078,7 +23087,13 @@
               </a:buClr>
             </a:pPr>
             <a:r>
-              <a:rPr lang="en-US" dirty="0"/>
+              <a:rPr lang="en-US" dirty="0">
+                <a:solidFill>
+                  <a:srgbClr val="FFFF00"/>
+                </a:solidFill>
+                <a:latin typeface="Dubai"/>
+                <a:cs typeface="Dubai"/>
+              </a:rPr>
               <a:t>RAFAEL NEVES NASCIMENTO</a:t>
             </a:r>
           </a:p>
@@ -23094,6 +23109,18 @@
   <p:clrMapOvr>
     <a:masterClrMapping/>
   </p:clrMapOvr>
+  <mc:AlternateContent xmlns:mc="http://schemas.openxmlformats.org/markup-compatibility/2006">
+    <mc:Choice xmlns:p14="http://schemas.microsoft.com/office/powerpoint/2010/main" Requires="p14">
+      <p:transition spd="slow" p14:dur="1250">
+        <p:pull/>
+      </p:transition>
+    </mc:Choice>
+    <mc:Fallback>
+      <p:transition spd="slow">
+        <p:pull/>
+      </p:transition>
+    </mc:Fallback>
+  </mc:AlternateContent>
 </p:sld>
 </file>
 
@@ -23119,7 +23146,7 @@
           <p:cNvPr id="2" name="Title 1">
             <a:extLst>
               <a:ext uri="{FF2B5EF4-FFF2-40B4-BE49-F238E27FC236}">
-                <a16:creationId xmlns:a16="http://schemas.microsoft.com/office/drawing/2014/main" id="{A58F0153-8F00-02E4-6084-3E7C36C90E00}"/>
+                <a16:creationId xmlns:a16="http://schemas.microsoft.com/office/drawing/2014/main" id="{22CCCA56-6B2A-B4BE-74CD-C62B68FF8676}"/>
               </a:ext>
             </a:extLst>
           </p:cNvPr>
@@ -23135,7 +23162,15 @@
           <a:bodyPr/>
           <a:lstStyle/>
           <a:p>
-            <a:endParaRPr lang="en-US"/>
+            <a:r>
+              <a:rPr lang="en-US" b="1" dirty="0">
+                <a:cs typeface="Posterama"/>
+              </a:rPr>
+              <a:t>RENTABILIDADE</a:t>
+            </a:r>
+            <a:endParaRPr lang="en-US" b="1">
+              <a:cs typeface="Posterama"/>
+            </a:endParaRPr>
           </a:p>
         </p:txBody>
       </p:sp>
@@ -23144,7 +23179,853 @@
           <p:cNvPr id="3" name="Content Placeholder 2">
             <a:extLst>
               <a:ext uri="{FF2B5EF4-FFF2-40B4-BE49-F238E27FC236}">
-                <a16:creationId xmlns:a16="http://schemas.microsoft.com/office/drawing/2014/main" id="{6DE92EBB-8D39-913F-F0C4-6C65C68CA871}"/>
+                <a16:creationId xmlns:a16="http://schemas.microsoft.com/office/drawing/2014/main" id="{1BD66D39-0794-D5E7-54C3-4CB498D46CA8}"/>
+              </a:ext>
+            </a:extLst>
+          </p:cNvPr>
+          <p:cNvSpPr>
+            <a:spLocks noGrp="1"/>
+          </p:cNvSpPr>
+          <p:nvPr>
+            <p:ph idx="1"/>
+          </p:nvPr>
+        </p:nvSpPr>
+        <p:spPr>
+          <a:xfrm>
+            <a:off x="457200" y="1825625"/>
+            <a:ext cx="11061598" cy="4661782"/>
+          </a:xfrm>
+        </p:spPr>
+        <p:txBody>
+          <a:bodyPr vert="horz" lIns="91440" tIns="45720" rIns="91440" bIns="45720" rtlCol="0" anchor="t">
+            <a:normAutofit fontScale="85000" lnSpcReduction="20000"/>
+          </a:bodyPr>
+          <a:lstStyle/>
+          <a:p>
+            <a:r>
+              <a:rPr lang="en-US" err="1"/>
+              <a:t>Após</a:t>
+            </a:r>
+            <a:r>
+              <a:rPr lang="en-US" dirty="0"/>
+              <a:t> as </a:t>
+            </a:r>
+            <a:r>
+              <a:rPr lang="en-US" err="1"/>
+              <a:t>medições</a:t>
+            </a:r>
+            <a:r>
+              <a:rPr lang="en-US" dirty="0"/>
+              <a:t> </a:t>
+            </a:r>
+            <a:r>
+              <a:rPr lang="en-US" err="1"/>
+              <a:t>volumétricas</a:t>
+            </a:r>
+            <a:r>
+              <a:rPr lang="en-US" dirty="0"/>
+              <a:t>, </a:t>
+            </a:r>
+            <a:r>
+              <a:rPr lang="en-US" err="1"/>
+              <a:t>foram</a:t>
+            </a:r>
+            <a:r>
+              <a:rPr lang="en-US" dirty="0"/>
+              <a:t> </a:t>
+            </a:r>
+            <a:r>
+              <a:rPr lang="en-US" err="1"/>
+              <a:t>realizadas</a:t>
+            </a:r>
+            <a:r>
+              <a:rPr lang="en-US" dirty="0"/>
+              <a:t> as </a:t>
+            </a:r>
+            <a:r>
+              <a:rPr lang="en-US" err="1"/>
+              <a:t>medições</a:t>
+            </a:r>
+            <a:r>
+              <a:rPr lang="en-US" dirty="0"/>
+              <a:t> de </a:t>
+            </a:r>
+            <a:r>
+              <a:rPr lang="en-US" err="1"/>
+              <a:t>massa</a:t>
+            </a:r>
+            <a:r>
+              <a:rPr lang="en-US" dirty="0"/>
+              <a:t> das </a:t>
+            </a:r>
+            <a:r>
+              <a:rPr lang="en-US" err="1"/>
+              <a:t>categorias</a:t>
+            </a:r>
+            <a:r>
+              <a:rPr lang="en-US" dirty="0"/>
+              <a:t> dos </a:t>
+            </a:r>
+            <a:r>
+              <a:rPr lang="en-US" err="1"/>
+              <a:t>objetos</a:t>
+            </a:r>
+            <a:r>
+              <a:rPr lang="en-US" dirty="0"/>
+              <a:t> </a:t>
+            </a:r>
+            <a:r>
+              <a:rPr lang="en-US" err="1"/>
+              <a:t>coletados</a:t>
+            </a:r>
+            <a:r>
+              <a:rPr lang="en-US" dirty="0"/>
+              <a:t>.</a:t>
+            </a:r>
+          </a:p>
+          <a:p>
+            <a:pPr>
+              <a:buClr>
+                <a:srgbClr val="FFFFFF"/>
+              </a:buClr>
+            </a:pPr>
+            <a:r>
+              <a:rPr lang="en-US" dirty="0"/>
+              <a:t>As </a:t>
+            </a:r>
+            <a:r>
+              <a:rPr lang="en-US" err="1"/>
+              <a:t>categorias</a:t>
+            </a:r>
+            <a:r>
+              <a:rPr lang="en-US" dirty="0"/>
+              <a:t> </a:t>
+            </a:r>
+            <a:r>
+              <a:rPr lang="en-US" err="1"/>
+              <a:t>são</a:t>
+            </a:r>
+            <a:r>
+              <a:rPr lang="en-US" dirty="0"/>
+              <a:t>: </a:t>
+            </a:r>
+            <a:r>
+              <a:rPr lang="en-US" err="1"/>
+              <a:t>Alumínio</a:t>
+            </a:r>
+            <a:r>
+              <a:rPr lang="en-US" dirty="0"/>
+              <a:t>, Garrafa Pet, </a:t>
+            </a:r>
+            <a:r>
+              <a:rPr lang="en-US" err="1"/>
+              <a:t>Plástico</a:t>
+            </a:r>
+            <a:r>
+              <a:rPr lang="en-US" dirty="0"/>
+              <a:t> Misto, </a:t>
+            </a:r>
+            <a:r>
+              <a:rPr lang="en-US" err="1"/>
+              <a:t>Plástico</a:t>
+            </a:r>
+            <a:r>
+              <a:rPr lang="en-US" dirty="0"/>
+              <a:t> Fino, </a:t>
+            </a:r>
+            <a:r>
+              <a:rPr lang="en-US" err="1"/>
+              <a:t>Plástico</a:t>
+            </a:r>
+            <a:r>
+              <a:rPr lang="en-US" dirty="0"/>
+              <a:t> Seco, </a:t>
+            </a:r>
+            <a:r>
+              <a:rPr lang="en-US" err="1"/>
+              <a:t>Papelão</a:t>
+            </a:r>
+            <a:r>
+              <a:rPr lang="en-US" dirty="0"/>
+              <a:t> e Material de </a:t>
+            </a:r>
+            <a:r>
+              <a:rPr lang="en-US" err="1"/>
+              <a:t>Limpeza</a:t>
+            </a:r>
+            <a:r>
+              <a:rPr lang="en-US" dirty="0"/>
+              <a:t>.</a:t>
+            </a:r>
+          </a:p>
+          <a:p>
+            <a:pPr>
+              <a:buClr>
+                <a:srgbClr val="FFFFFF"/>
+              </a:buClr>
+            </a:pPr>
+            <a:r>
+              <a:rPr lang="en-US" dirty="0" err="1"/>
+              <a:t>Primeiro</a:t>
+            </a:r>
+            <a:r>
+              <a:rPr lang="en-US" dirty="0"/>
+              <a:t>, </a:t>
+            </a:r>
+            <a:r>
+              <a:rPr lang="en-US" dirty="0" err="1"/>
+              <a:t>pesaram</a:t>
+            </a:r>
+            <a:r>
+              <a:rPr lang="en-US" dirty="0"/>
+              <a:t>-se </a:t>
+            </a:r>
+            <a:r>
+              <a:rPr lang="en-US" dirty="0" err="1"/>
+              <a:t>os</a:t>
+            </a:r>
+            <a:r>
+              <a:rPr lang="en-US" dirty="0"/>
+              <a:t> </a:t>
+            </a:r>
+            <a:r>
+              <a:rPr lang="en-US" dirty="0" err="1"/>
+              <a:t>quilogramas</a:t>
+            </a:r>
+            <a:r>
+              <a:rPr lang="en-US" dirty="0"/>
+              <a:t> </a:t>
+            </a:r>
+            <a:r>
+              <a:rPr lang="en-US" dirty="0" err="1"/>
+              <a:t>totais</a:t>
+            </a:r>
+            <a:r>
+              <a:rPr lang="en-US" dirty="0"/>
+              <a:t> dos </a:t>
+            </a:r>
+            <a:r>
+              <a:rPr lang="en-US" dirty="0" err="1"/>
+              <a:t>itens</a:t>
+            </a:r>
+            <a:r>
+              <a:rPr lang="en-US" dirty="0"/>
+              <a:t> de </a:t>
+            </a:r>
+            <a:r>
+              <a:rPr lang="en-US" dirty="0" err="1"/>
+              <a:t>cada</a:t>
+            </a:r>
+            <a:r>
+              <a:rPr lang="en-US" dirty="0"/>
+              <a:t> </a:t>
+            </a:r>
+            <a:r>
+              <a:rPr lang="en-US" dirty="0" err="1"/>
+              <a:t>categoria</a:t>
+            </a:r>
+            <a:r>
+              <a:rPr lang="en-US" dirty="0"/>
+              <a:t>, </a:t>
+            </a:r>
+            <a:r>
+              <a:rPr lang="en-US" dirty="0" err="1"/>
+              <a:t>em</a:t>
+            </a:r>
+            <a:r>
+              <a:rPr lang="en-US" dirty="0"/>
+              <a:t> </a:t>
+            </a:r>
+            <a:r>
+              <a:rPr lang="en-US" dirty="0" err="1"/>
+              <a:t>referência</a:t>
+            </a:r>
+            <a:r>
+              <a:rPr lang="en-US" dirty="0"/>
+              <a:t> </a:t>
+            </a:r>
+            <a:r>
+              <a:rPr lang="en-US" dirty="0" err="1"/>
+              <a:t>às</a:t>
+            </a:r>
+            <a:r>
+              <a:rPr lang="en-US" dirty="0"/>
+              <a:t> </a:t>
+            </a:r>
+            <a:r>
+              <a:rPr lang="en-US" dirty="0" err="1"/>
+              <a:t>datas</a:t>
+            </a:r>
+            <a:r>
+              <a:rPr lang="en-US" dirty="0"/>
+              <a:t> de 01/04/2022 à 07/10/2022, </a:t>
+            </a:r>
+            <a:r>
+              <a:rPr lang="en-US" dirty="0" err="1"/>
+              <a:t>calculando</a:t>
+            </a:r>
+            <a:r>
+              <a:rPr lang="en-US" dirty="0"/>
+              <a:t> o total </a:t>
+            </a:r>
+            <a:r>
+              <a:rPr lang="en-US" dirty="0" err="1"/>
+              <a:t>em</a:t>
+            </a:r>
+            <a:r>
+              <a:rPr lang="en-US" dirty="0"/>
+              <a:t> </a:t>
+            </a:r>
+            <a:r>
+              <a:rPr lang="en-US" dirty="0" err="1"/>
+              <a:t>seguida</a:t>
+            </a:r>
+            <a:r>
+              <a:rPr lang="en-US" dirty="0"/>
+              <a:t>.</a:t>
+            </a:r>
+          </a:p>
+          <a:p>
+            <a:pPr>
+              <a:buClr>
+                <a:srgbClr val="FFFFFF"/>
+              </a:buClr>
+            </a:pPr>
+            <a:r>
+              <a:rPr lang="en-US" dirty="0" err="1"/>
+              <a:t>Em</a:t>
+            </a:r>
+            <a:r>
+              <a:rPr lang="en-US" dirty="0"/>
+              <a:t> </a:t>
+            </a:r>
+            <a:r>
+              <a:rPr lang="en-US" dirty="0" err="1"/>
+              <a:t>seguida</a:t>
+            </a:r>
+            <a:r>
+              <a:rPr lang="en-US" dirty="0"/>
+              <a:t>, </a:t>
+            </a:r>
+            <a:r>
+              <a:rPr lang="en-US" dirty="0" err="1"/>
+              <a:t>estimou</a:t>
+            </a:r>
+            <a:r>
+              <a:rPr lang="en-US" dirty="0"/>
+              <a:t>-se o </a:t>
+            </a:r>
+            <a:r>
+              <a:rPr lang="en-US" dirty="0" err="1"/>
+              <a:t>preço</a:t>
+            </a:r>
+            <a:r>
+              <a:rPr lang="en-US" dirty="0"/>
+              <a:t> </a:t>
+            </a:r>
+            <a:r>
+              <a:rPr lang="en-US" dirty="0" err="1"/>
+              <a:t>médio</a:t>
+            </a:r>
+            <a:r>
+              <a:rPr lang="en-US" dirty="0"/>
+              <a:t> </a:t>
+            </a:r>
+            <a:r>
+              <a:rPr lang="en-US" dirty="0" err="1"/>
+              <a:t>em</a:t>
+            </a:r>
+            <a:r>
+              <a:rPr lang="en-US" dirty="0"/>
+              <a:t> reais de </a:t>
+            </a:r>
+            <a:r>
+              <a:rPr lang="en-US" dirty="0" err="1"/>
+              <a:t>cada</a:t>
+            </a:r>
+            <a:r>
+              <a:rPr lang="en-US" dirty="0"/>
+              <a:t> </a:t>
+            </a:r>
+            <a:r>
+              <a:rPr lang="en-US" dirty="0" err="1"/>
+              <a:t>categoria</a:t>
+            </a:r>
+            <a:r>
+              <a:rPr lang="en-US" dirty="0"/>
+              <a:t>, </a:t>
+            </a:r>
+            <a:r>
+              <a:rPr lang="en-US" dirty="0" err="1"/>
+              <a:t>baseando</a:t>
+            </a:r>
+            <a:r>
+              <a:rPr lang="en-US" dirty="0"/>
+              <a:t> no valor dos </a:t>
+            </a:r>
+            <a:r>
+              <a:rPr lang="en-US" dirty="0" err="1"/>
+              <a:t>itens</a:t>
+            </a:r>
+            <a:r>
+              <a:rPr lang="en-US" dirty="0"/>
+              <a:t>.</a:t>
+            </a:r>
+          </a:p>
+          <a:p>
+            <a:pPr>
+              <a:buClr>
+                <a:srgbClr val="FFFFFF"/>
+              </a:buClr>
+            </a:pPr>
+            <a:r>
+              <a:rPr lang="en-US" dirty="0"/>
+              <a:t>Por </a:t>
+            </a:r>
+            <a:r>
+              <a:rPr lang="en-US" dirty="0" err="1"/>
+              <a:t>fim</a:t>
+            </a:r>
+            <a:r>
+              <a:rPr lang="en-US" dirty="0"/>
+              <a:t>, </a:t>
+            </a:r>
+            <a:r>
+              <a:rPr lang="en-US" dirty="0" err="1"/>
+              <a:t>multiplicou</a:t>
+            </a:r>
+            <a:r>
+              <a:rPr lang="en-US" dirty="0"/>
+              <a:t>-se </a:t>
+            </a:r>
+            <a:r>
+              <a:rPr lang="en-US" dirty="0" err="1"/>
+              <a:t>os</a:t>
+            </a:r>
+            <a:r>
+              <a:rPr lang="en-US" dirty="0"/>
+              <a:t> </a:t>
+            </a:r>
+            <a:r>
+              <a:rPr lang="en-US" dirty="0" err="1"/>
+              <a:t>quilogramas</a:t>
+            </a:r>
+            <a:r>
+              <a:rPr lang="en-US" dirty="0"/>
+              <a:t> </a:t>
+            </a:r>
+            <a:r>
+              <a:rPr lang="en-US" dirty="0" err="1"/>
+              <a:t>totais</a:t>
+            </a:r>
+            <a:r>
+              <a:rPr lang="en-US" dirty="0"/>
+              <a:t> </a:t>
+            </a:r>
+            <a:r>
+              <a:rPr lang="en-US" dirty="0" err="1"/>
+              <a:t>individuais</a:t>
+            </a:r>
+            <a:r>
+              <a:rPr lang="en-US" dirty="0"/>
+              <a:t> de </a:t>
+            </a:r>
+            <a:r>
+              <a:rPr lang="en-US" dirty="0" err="1"/>
+              <a:t>cada</a:t>
+            </a:r>
+            <a:r>
+              <a:rPr lang="en-US" dirty="0"/>
+              <a:t> </a:t>
+            </a:r>
+            <a:r>
+              <a:rPr lang="en-US" dirty="0" err="1"/>
+              <a:t>categoria</a:t>
+            </a:r>
+            <a:r>
+              <a:rPr lang="en-US" dirty="0"/>
+              <a:t> </a:t>
+            </a:r>
+            <a:r>
+              <a:rPr lang="en-US" dirty="0" err="1"/>
+              <a:t>pelo</a:t>
+            </a:r>
+            <a:r>
+              <a:rPr lang="en-US" dirty="0"/>
+              <a:t> </a:t>
+            </a:r>
+            <a:r>
+              <a:rPr lang="en-US" dirty="0" err="1"/>
+              <a:t>preço</a:t>
+            </a:r>
+            <a:r>
+              <a:rPr lang="en-US" dirty="0"/>
+              <a:t> </a:t>
+            </a:r>
+            <a:r>
+              <a:rPr lang="en-US" dirty="0" err="1"/>
+              <a:t>médio</a:t>
+            </a:r>
+            <a:r>
+              <a:rPr lang="en-US" dirty="0"/>
+              <a:t> </a:t>
+            </a:r>
+            <a:r>
+              <a:rPr lang="en-US" dirty="0" err="1"/>
+              <a:t>respectivo</a:t>
+            </a:r>
+            <a:r>
+              <a:rPr lang="en-US" dirty="0"/>
+              <a:t>, </a:t>
+            </a:r>
+            <a:r>
+              <a:rPr lang="en-US" dirty="0" err="1"/>
+              <a:t>estimando</a:t>
+            </a:r>
+            <a:r>
+              <a:rPr lang="en-US" dirty="0"/>
+              <a:t>, </a:t>
+            </a:r>
+            <a:r>
+              <a:rPr lang="en-US" dirty="0" err="1"/>
+              <a:t>assim</a:t>
+            </a:r>
+            <a:r>
+              <a:rPr lang="en-US" dirty="0"/>
+              <a:t>, o </a:t>
+            </a:r>
+            <a:r>
+              <a:rPr lang="en-US" dirty="0" err="1"/>
+              <a:t>potencial</a:t>
+            </a:r>
+            <a:r>
+              <a:rPr lang="en-US" dirty="0"/>
+              <a:t> </a:t>
+            </a:r>
+            <a:r>
+              <a:rPr lang="en-US" dirty="0" err="1"/>
+              <a:t>rentável</a:t>
+            </a:r>
+            <a:r>
+              <a:rPr lang="en-US" dirty="0"/>
+              <a:t> de </a:t>
+            </a:r>
+            <a:r>
+              <a:rPr lang="en-US" dirty="0" err="1"/>
+              <a:t>cada</a:t>
+            </a:r>
+            <a:r>
+              <a:rPr lang="en-US" dirty="0"/>
+              <a:t> </a:t>
+            </a:r>
+            <a:r>
+              <a:rPr lang="en-US" dirty="0" err="1"/>
+              <a:t>categoria</a:t>
+            </a:r>
+            <a:r>
+              <a:rPr lang="en-US" dirty="0"/>
+              <a:t>.</a:t>
+            </a:r>
+          </a:p>
+        </p:txBody>
+      </p:sp>
+    </p:spTree>
+    <p:extLst>
+      <p:ext uri="{BB962C8B-B14F-4D97-AF65-F5344CB8AC3E}">
+        <p14:creationId xmlns:p14="http://schemas.microsoft.com/office/powerpoint/2010/main" val="2584035830"/>
+      </p:ext>
+    </p:extLst>
+  </p:cSld>
+  <p:clrMapOvr>
+    <a:masterClrMapping/>
+  </p:clrMapOvr>
+  <mc:AlternateContent xmlns:mc="http://schemas.openxmlformats.org/markup-compatibility/2006">
+    <mc:Choice xmlns:p14="http://schemas.microsoft.com/office/powerpoint/2010/main" Requires="p14">
+      <p:transition spd="slow" p14:dur="1250">
+        <p:pull/>
+      </p:transition>
+    </mc:Choice>
+    <mc:Fallback>
+      <p:transition spd="slow">
+        <p:pull/>
+      </p:transition>
+    </mc:Fallback>
+  </mc:AlternateContent>
+</p:sld>
+</file>
+
+<file path=ppt/slides/slide31.xml><?xml version="1.0" encoding="utf-8"?>
+<p:sld xmlns:a="http://schemas.openxmlformats.org/drawingml/2006/main" xmlns:r="http://schemas.openxmlformats.org/officeDocument/2006/relationships" xmlns:p="http://schemas.openxmlformats.org/presentationml/2006/main">
+  <p:cSld>
+    <p:spTree>
+      <p:nvGrpSpPr>
+        <p:cNvPr id="1" name=""/>
+        <p:cNvGrpSpPr/>
+        <p:nvPr/>
+      </p:nvGrpSpPr>
+      <p:grpSpPr>
+        <a:xfrm>
+          <a:off x="0" y="0"/>
+          <a:ext cx="0" cy="0"/>
+          <a:chOff x="0" y="0"/>
+          <a:chExt cx="0" cy="0"/>
+        </a:xfrm>
+      </p:grpSpPr>
+      <p:pic>
+        <p:nvPicPr>
+          <p:cNvPr id="8" name="Picture 8" descr="Table&#10;&#10;Description automatically generated">
+            <a:extLst>
+              <a:ext uri="{FF2B5EF4-FFF2-40B4-BE49-F238E27FC236}">
+                <a16:creationId xmlns:a16="http://schemas.microsoft.com/office/drawing/2014/main" id="{3A30566C-5574-1CEA-2E54-4588C2C13407}"/>
+              </a:ext>
+            </a:extLst>
+          </p:cNvPr>
+          <p:cNvPicPr>
+            <a:picLocks noChangeAspect="1"/>
+          </p:cNvPicPr>
+          <p:nvPr/>
+        </p:nvPicPr>
+        <p:blipFill>
+          <a:blip r:embed="rId2"/>
+          <a:stretch>
+            <a:fillRect/>
+          </a:stretch>
+        </p:blipFill>
+        <p:spPr>
+          <a:xfrm>
+            <a:off x="-5751" y="775887"/>
+            <a:ext cx="12197644" cy="5314210"/>
+          </a:xfrm>
+          <a:prstGeom prst="rect">
+            <a:avLst/>
+          </a:prstGeom>
+        </p:spPr>
+      </p:pic>
+    </p:spTree>
+    <p:extLst>
+      <p:ext uri="{BB962C8B-B14F-4D97-AF65-F5344CB8AC3E}">
+        <p14:creationId xmlns:p14="http://schemas.microsoft.com/office/powerpoint/2010/main" val="4094875498"/>
+      </p:ext>
+    </p:extLst>
+  </p:cSld>
+  <p:clrMapOvr>
+    <a:masterClrMapping/>
+  </p:clrMapOvr>
+  <mc:AlternateContent xmlns:mc="http://schemas.openxmlformats.org/markup-compatibility/2006">
+    <mc:Choice xmlns:p14="http://schemas.microsoft.com/office/powerpoint/2010/main" Requires="p14">
+      <p:transition spd="slow" p14:dur="1250">
+        <p:pull/>
+      </p:transition>
+    </mc:Choice>
+    <mc:Fallback>
+      <p:transition spd="slow">
+        <p:pull/>
+      </p:transition>
+    </mc:Fallback>
+  </mc:AlternateContent>
+</p:sld>
+</file>
+
+<file path=ppt/slides/slide32.xml><?xml version="1.0" encoding="utf-8"?>
+<p:sld xmlns:a="http://schemas.openxmlformats.org/drawingml/2006/main" xmlns:r="http://schemas.openxmlformats.org/officeDocument/2006/relationships" xmlns:p="http://schemas.openxmlformats.org/presentationml/2006/main">
+  <p:cSld>
+    <p:spTree>
+      <p:nvGrpSpPr>
+        <p:cNvPr id="1" name=""/>
+        <p:cNvGrpSpPr/>
+        <p:nvPr/>
+      </p:nvGrpSpPr>
+      <p:grpSpPr>
+        <a:xfrm>
+          <a:off x="0" y="0"/>
+          <a:ext cx="0" cy="0"/>
+          <a:chOff x="0" y="0"/>
+          <a:chExt cx="0" cy="0"/>
+        </a:xfrm>
+      </p:grpSpPr>
+      <p:pic>
+        <p:nvPicPr>
+          <p:cNvPr id="5" name="Picture 5" descr="Graphical user interface&#10;&#10;Description automatically generated">
+            <a:extLst>
+              <a:ext uri="{FF2B5EF4-FFF2-40B4-BE49-F238E27FC236}">
+                <a16:creationId xmlns:a16="http://schemas.microsoft.com/office/drawing/2014/main" id="{0A4FEB41-4A5B-22E6-429A-94EB891A6A97}"/>
+              </a:ext>
+            </a:extLst>
+          </p:cNvPr>
+          <p:cNvPicPr>
+            <a:picLocks noChangeAspect="1"/>
+          </p:cNvPicPr>
+          <p:nvPr/>
+        </p:nvPicPr>
+        <p:blipFill>
+          <a:blip r:embed="rId2"/>
+          <a:stretch>
+            <a:fillRect/>
+          </a:stretch>
+        </p:blipFill>
+        <p:spPr>
+          <a:xfrm>
+            <a:off x="719241" y="116999"/>
+            <a:ext cx="10751387" cy="6609625"/>
+          </a:xfrm>
+          <a:prstGeom prst="rect">
+            <a:avLst/>
+          </a:prstGeom>
+        </p:spPr>
+      </p:pic>
+    </p:spTree>
+    <p:extLst>
+      <p:ext uri="{BB962C8B-B14F-4D97-AF65-F5344CB8AC3E}">
+        <p14:creationId xmlns:p14="http://schemas.microsoft.com/office/powerpoint/2010/main" val="1575045951"/>
+      </p:ext>
+    </p:extLst>
+  </p:cSld>
+  <p:clrMapOvr>
+    <a:masterClrMapping/>
+  </p:clrMapOvr>
+  <mc:AlternateContent xmlns:mc="http://schemas.openxmlformats.org/markup-compatibility/2006">
+    <mc:Choice xmlns:p14="http://schemas.microsoft.com/office/powerpoint/2010/main" Requires="p14">
+      <p:transition spd="slow" p14:dur="1250">
+        <p:pull/>
+      </p:transition>
+    </mc:Choice>
+    <mc:Fallback>
+      <p:transition spd="slow">
+        <p:pull/>
+      </p:transition>
+    </mc:Fallback>
+  </mc:AlternateContent>
+</p:sld>
+</file>
+
+<file path=ppt/slides/slide33.xml><?xml version="1.0" encoding="utf-8"?>
+<p:sld xmlns:a="http://schemas.openxmlformats.org/drawingml/2006/main" xmlns:r="http://schemas.openxmlformats.org/officeDocument/2006/relationships" xmlns:p="http://schemas.openxmlformats.org/presentationml/2006/main">
+  <p:cSld>
+    <p:spTree>
+      <p:nvGrpSpPr>
+        <p:cNvPr id="1" name=""/>
+        <p:cNvGrpSpPr/>
+        <p:nvPr/>
+      </p:nvGrpSpPr>
+      <p:grpSpPr>
+        <a:xfrm>
+          <a:off x="0" y="0"/>
+          <a:ext cx="0" cy="0"/>
+          <a:chOff x="0" y="0"/>
+          <a:chExt cx="0" cy="0"/>
+        </a:xfrm>
+      </p:grpSpPr>
+      <p:pic>
+        <p:nvPicPr>
+          <p:cNvPr id="4" name="Picture 4">
+            <a:extLst>
+              <a:ext uri="{FF2B5EF4-FFF2-40B4-BE49-F238E27FC236}">
+                <a16:creationId xmlns:a16="http://schemas.microsoft.com/office/drawing/2014/main" id="{8F8070FE-34A2-B46B-4D03-B29511A3C2E8}"/>
+              </a:ext>
+            </a:extLst>
+          </p:cNvPr>
+          <p:cNvPicPr>
+            <a:picLocks noChangeAspect="1"/>
+          </p:cNvPicPr>
+          <p:nvPr/>
+        </p:nvPicPr>
+        <p:blipFill>
+          <a:blip r:embed="rId2"/>
+          <a:stretch>
+            <a:fillRect/>
+          </a:stretch>
+        </p:blipFill>
+        <p:spPr>
+          <a:xfrm>
+            <a:off x="181154" y="617098"/>
+            <a:ext cx="11844066" cy="5638178"/>
+          </a:xfrm>
+          <a:prstGeom prst="rect">
+            <a:avLst/>
+          </a:prstGeom>
+        </p:spPr>
+      </p:pic>
+    </p:spTree>
+    <p:extLst>
+      <p:ext uri="{BB962C8B-B14F-4D97-AF65-F5344CB8AC3E}">
+        <p14:creationId xmlns:p14="http://schemas.microsoft.com/office/powerpoint/2010/main" val="295839047"/>
+      </p:ext>
+    </p:extLst>
+  </p:cSld>
+  <p:clrMapOvr>
+    <a:masterClrMapping/>
+  </p:clrMapOvr>
+  <mc:AlternateContent xmlns:mc="http://schemas.openxmlformats.org/markup-compatibility/2006">
+    <mc:Choice xmlns:p14="http://schemas.microsoft.com/office/powerpoint/2010/main" Requires="p14">
+      <p:transition spd="slow" p14:dur="1250">
+        <p:pull/>
+      </p:transition>
+    </mc:Choice>
+    <mc:Fallback>
+      <p:transition spd="slow">
+        <p:pull/>
+      </p:transition>
+    </mc:Fallback>
+  </mc:AlternateContent>
+</p:sld>
+</file>
+
+<file path=ppt/slides/slide34.xml><?xml version="1.0" encoding="utf-8"?>
+<p:sld xmlns:a="http://schemas.openxmlformats.org/drawingml/2006/main" xmlns:r="http://schemas.openxmlformats.org/officeDocument/2006/relationships" xmlns:p="http://schemas.openxmlformats.org/presentationml/2006/main">
+  <p:cSld>
+    <p:spTree>
+      <p:nvGrpSpPr>
+        <p:cNvPr id="1" name=""/>
+        <p:cNvGrpSpPr/>
+        <p:nvPr/>
+      </p:nvGrpSpPr>
+      <p:grpSpPr>
+        <a:xfrm>
+          <a:off x="0" y="0"/>
+          <a:ext cx="0" cy="0"/>
+          <a:chOff x="0" y="0"/>
+          <a:chExt cx="0" cy="0"/>
+        </a:xfrm>
+      </p:grpSpPr>
+      <p:sp>
+        <p:nvSpPr>
+          <p:cNvPr id="2" name="Title 1">
+            <a:extLst>
+              <a:ext uri="{FF2B5EF4-FFF2-40B4-BE49-F238E27FC236}">
+                <a16:creationId xmlns:a16="http://schemas.microsoft.com/office/drawing/2014/main" id="{B245D7DC-FE80-C7E1-9A25-80920BC60C07}"/>
+              </a:ext>
+            </a:extLst>
+          </p:cNvPr>
+          <p:cNvSpPr>
+            <a:spLocks noGrp="1"/>
+          </p:cNvSpPr>
+          <p:nvPr>
+            <p:ph type="title"/>
+          </p:nvPr>
+        </p:nvSpPr>
+        <p:spPr/>
+        <p:txBody>
+          <a:bodyPr/>
+          <a:lstStyle/>
+          <a:p>
+            <a:r>
+              <a:rPr lang="en-US" b="1" dirty="0">
+                <a:cs typeface="Posterama"/>
+              </a:rPr>
+              <a:t>CONCLUSÃO</a:t>
+            </a:r>
+            <a:endParaRPr lang="en-US" b="1">
+              <a:cs typeface="Posterama"/>
+            </a:endParaRPr>
+          </a:p>
+        </p:txBody>
+      </p:sp>
+      <p:sp>
+        <p:nvSpPr>
+          <p:cNvPr id="3" name="Content Placeholder 2">
+            <a:extLst>
+              <a:ext uri="{FF2B5EF4-FFF2-40B4-BE49-F238E27FC236}">
+                <a16:creationId xmlns:a16="http://schemas.microsoft.com/office/drawing/2014/main" id="{6417EB50-35DA-E80D-81FD-8E5FFA902FBE}"/>
               </a:ext>
             </a:extLst>
           </p:cNvPr>
@@ -23157,23 +24038,625 @@
         </p:nvSpPr>
         <p:spPr/>
         <p:txBody>
-          <a:bodyPr/>
+          <a:bodyPr vert="horz" lIns="91440" tIns="45720" rIns="91440" bIns="45720" rtlCol="0" anchor="t">
+            <a:normAutofit/>
+          </a:bodyPr>
           <a:lstStyle/>
           <a:p>
-            <a:endParaRPr lang="en-US"/>
+            <a:r>
+              <a:rPr lang="en-US" dirty="0" err="1">
+                <a:ea typeface="+mn-lt"/>
+                <a:cs typeface="+mn-lt"/>
+              </a:rPr>
+              <a:t>Realizando</a:t>
+            </a:r>
+            <a:r>
+              <a:rPr lang="en-US" dirty="0">
+                <a:ea typeface="+mn-lt"/>
+                <a:cs typeface="+mn-lt"/>
+              </a:rPr>
+              <a:t> </a:t>
+            </a:r>
+            <a:r>
+              <a:rPr lang="en-US" dirty="0" err="1">
+                <a:ea typeface="+mn-lt"/>
+                <a:cs typeface="+mn-lt"/>
+              </a:rPr>
+              <a:t>uma</a:t>
+            </a:r>
+            <a:r>
+              <a:rPr lang="en-US" dirty="0">
+                <a:ea typeface="+mn-lt"/>
+                <a:cs typeface="+mn-lt"/>
+              </a:rPr>
+              <a:t> </a:t>
+            </a:r>
+            <a:r>
+              <a:rPr lang="en-US" dirty="0" err="1">
+                <a:ea typeface="+mn-lt"/>
+                <a:cs typeface="+mn-lt"/>
+              </a:rPr>
+              <a:t>experiência</a:t>
+            </a:r>
+            <a:r>
+              <a:rPr lang="en-US" dirty="0">
+                <a:ea typeface="+mn-lt"/>
+                <a:cs typeface="+mn-lt"/>
+              </a:rPr>
+              <a:t> </a:t>
+            </a:r>
+            <a:r>
+              <a:rPr lang="en-US" dirty="0" err="1">
+                <a:ea typeface="+mn-lt"/>
+                <a:cs typeface="+mn-lt"/>
+              </a:rPr>
+              <a:t>em</a:t>
+            </a:r>
+            <a:r>
+              <a:rPr lang="en-US" dirty="0">
+                <a:ea typeface="+mn-lt"/>
+                <a:cs typeface="+mn-lt"/>
+              </a:rPr>
+              <a:t> </a:t>
+            </a:r>
+            <a:r>
+              <a:rPr lang="en-US" dirty="0" err="1">
+                <a:ea typeface="+mn-lt"/>
+                <a:cs typeface="+mn-lt"/>
+              </a:rPr>
+              <a:t>baixa</a:t>
+            </a:r>
+            <a:r>
+              <a:rPr lang="en-US" dirty="0">
+                <a:ea typeface="+mn-lt"/>
+                <a:cs typeface="+mn-lt"/>
+              </a:rPr>
+              <a:t> </a:t>
+            </a:r>
+            <a:r>
+              <a:rPr lang="en-US" dirty="0" err="1">
+                <a:ea typeface="+mn-lt"/>
+                <a:cs typeface="+mn-lt"/>
+              </a:rPr>
+              <a:t>escala</a:t>
+            </a:r>
+            <a:r>
+              <a:rPr lang="en-US" dirty="0">
+                <a:ea typeface="+mn-lt"/>
+                <a:cs typeface="+mn-lt"/>
+              </a:rPr>
+              <a:t> com </a:t>
+            </a:r>
+            <a:r>
+              <a:rPr lang="en-US" dirty="0" err="1">
+                <a:ea typeface="+mn-lt"/>
+                <a:cs typeface="+mn-lt"/>
+              </a:rPr>
+              <a:t>ecopontos</a:t>
+            </a:r>
+            <a:r>
+              <a:rPr lang="en-US" dirty="0">
+                <a:ea typeface="+mn-lt"/>
+                <a:cs typeface="+mn-lt"/>
+              </a:rPr>
+              <a:t>, </a:t>
+            </a:r>
+            <a:r>
+              <a:rPr lang="en-US" dirty="0" err="1">
+                <a:ea typeface="+mn-lt"/>
+                <a:cs typeface="+mn-lt"/>
+              </a:rPr>
+              <a:t>em</a:t>
+            </a:r>
+            <a:r>
+              <a:rPr lang="en-US" dirty="0">
+                <a:ea typeface="+mn-lt"/>
+                <a:cs typeface="+mn-lt"/>
+              </a:rPr>
+              <a:t> um </a:t>
+            </a:r>
+            <a:r>
+              <a:rPr lang="en-US" dirty="0" err="1">
+                <a:ea typeface="+mn-lt"/>
+                <a:cs typeface="+mn-lt"/>
+              </a:rPr>
+              <a:t>ambiente</a:t>
+            </a:r>
+            <a:r>
+              <a:rPr lang="en-US" dirty="0">
+                <a:ea typeface="+mn-lt"/>
+                <a:cs typeface="+mn-lt"/>
+              </a:rPr>
+              <a:t> </a:t>
+            </a:r>
+            <a:r>
+              <a:rPr lang="en-US" dirty="0" err="1">
+                <a:ea typeface="+mn-lt"/>
+                <a:cs typeface="+mn-lt"/>
+              </a:rPr>
+              <a:t>restrito</a:t>
+            </a:r>
+            <a:r>
+              <a:rPr lang="en-US" dirty="0">
+                <a:ea typeface="+mn-lt"/>
+                <a:cs typeface="+mn-lt"/>
+              </a:rPr>
+              <a:t> e com um </a:t>
+            </a:r>
+            <a:r>
+              <a:rPr lang="en-US" dirty="0" err="1">
+                <a:ea typeface="+mn-lt"/>
+                <a:cs typeface="+mn-lt"/>
+              </a:rPr>
+              <a:t>número</a:t>
+            </a:r>
+            <a:r>
+              <a:rPr lang="en-US" dirty="0">
+                <a:ea typeface="+mn-lt"/>
+                <a:cs typeface="+mn-lt"/>
+              </a:rPr>
+              <a:t> de </a:t>
+            </a:r>
+            <a:r>
+              <a:rPr lang="en-US" dirty="0" err="1">
+                <a:ea typeface="+mn-lt"/>
+                <a:cs typeface="+mn-lt"/>
+              </a:rPr>
+              <a:t>pessoas</a:t>
+            </a:r>
+            <a:r>
+              <a:rPr lang="en-US" dirty="0">
+                <a:ea typeface="+mn-lt"/>
+                <a:cs typeface="+mn-lt"/>
+              </a:rPr>
+              <a:t> </a:t>
+            </a:r>
+            <a:r>
+              <a:rPr lang="en-US" dirty="0" err="1">
+                <a:ea typeface="+mn-lt"/>
+                <a:cs typeface="+mn-lt"/>
+              </a:rPr>
+              <a:t>participantes</a:t>
+            </a:r>
+            <a:r>
+              <a:rPr lang="en-US" dirty="0">
+                <a:ea typeface="+mn-lt"/>
+                <a:cs typeface="+mn-lt"/>
+              </a:rPr>
+              <a:t> </a:t>
+            </a:r>
+            <a:r>
+              <a:rPr lang="en-US" dirty="0" err="1">
+                <a:ea typeface="+mn-lt"/>
+                <a:cs typeface="+mn-lt"/>
+              </a:rPr>
+              <a:t>menor</a:t>
+            </a:r>
+            <a:r>
+              <a:rPr lang="en-US" dirty="0">
+                <a:ea typeface="+mn-lt"/>
+                <a:cs typeface="+mn-lt"/>
+              </a:rPr>
+              <a:t> que um </a:t>
+            </a:r>
+            <a:r>
+              <a:rPr lang="en-US" dirty="0" err="1">
+                <a:ea typeface="+mn-lt"/>
+                <a:cs typeface="+mn-lt"/>
+              </a:rPr>
+              <a:t>escopo</a:t>
+            </a:r>
+            <a:r>
+              <a:rPr lang="en-US" dirty="0">
+                <a:ea typeface="+mn-lt"/>
+                <a:cs typeface="+mn-lt"/>
+              </a:rPr>
+              <a:t> social, o </a:t>
+            </a:r>
+            <a:r>
+              <a:rPr lang="en-US" dirty="0" err="1">
+                <a:ea typeface="+mn-lt"/>
+                <a:cs typeface="+mn-lt"/>
+              </a:rPr>
+              <a:t>resultado</a:t>
+            </a:r>
+            <a:r>
+              <a:rPr lang="en-US" dirty="0">
+                <a:ea typeface="+mn-lt"/>
+                <a:cs typeface="+mn-lt"/>
+              </a:rPr>
+              <a:t> </a:t>
+            </a:r>
+            <a:r>
+              <a:rPr lang="en-US" dirty="0" err="1">
+                <a:ea typeface="+mn-lt"/>
+                <a:cs typeface="+mn-lt"/>
+              </a:rPr>
+              <a:t>provou</a:t>
+            </a:r>
+            <a:r>
+              <a:rPr lang="en-US" dirty="0">
+                <a:ea typeface="+mn-lt"/>
+                <a:cs typeface="+mn-lt"/>
+              </a:rPr>
+              <a:t> o que </a:t>
+            </a:r>
+            <a:r>
+              <a:rPr lang="en-US" dirty="0" err="1">
+                <a:ea typeface="+mn-lt"/>
+                <a:cs typeface="+mn-lt"/>
+              </a:rPr>
+              <a:t>foi</a:t>
+            </a:r>
+            <a:r>
+              <a:rPr lang="en-US" dirty="0">
+                <a:ea typeface="+mn-lt"/>
+                <a:cs typeface="+mn-lt"/>
+              </a:rPr>
+              <a:t> </a:t>
+            </a:r>
+            <a:r>
+              <a:rPr lang="en-US" dirty="0" err="1">
+                <a:ea typeface="+mn-lt"/>
+                <a:cs typeface="+mn-lt"/>
+              </a:rPr>
+              <a:t>descrito</a:t>
+            </a:r>
+            <a:r>
+              <a:rPr lang="en-US" dirty="0">
+                <a:ea typeface="+mn-lt"/>
+                <a:cs typeface="+mn-lt"/>
+              </a:rPr>
+              <a:t> </a:t>
+            </a:r>
+            <a:r>
+              <a:rPr lang="en-US" dirty="0" err="1">
+                <a:ea typeface="+mn-lt"/>
+                <a:cs typeface="+mn-lt"/>
+              </a:rPr>
+              <a:t>anteriormente</a:t>
+            </a:r>
+            <a:r>
+              <a:rPr lang="en-US" dirty="0">
+                <a:ea typeface="+mn-lt"/>
+                <a:cs typeface="+mn-lt"/>
+              </a:rPr>
+              <a:t> no </a:t>
+            </a:r>
+            <a:r>
+              <a:rPr lang="en-US" dirty="0" err="1">
+                <a:ea typeface="+mn-lt"/>
+                <a:cs typeface="+mn-lt"/>
+              </a:rPr>
+              <a:t>trabalho</a:t>
+            </a:r>
+            <a:r>
+              <a:rPr lang="en-US" dirty="0">
+                <a:ea typeface="+mn-lt"/>
+                <a:cs typeface="+mn-lt"/>
+              </a:rPr>
+              <a:t>; </a:t>
+            </a:r>
+            <a:r>
+              <a:rPr lang="en-US" dirty="0" err="1">
+                <a:ea typeface="+mn-lt"/>
+                <a:cs typeface="+mn-lt"/>
+              </a:rPr>
+              <a:t>foi</a:t>
+            </a:r>
+            <a:r>
+              <a:rPr lang="en-US" dirty="0">
+                <a:ea typeface="+mn-lt"/>
+                <a:cs typeface="+mn-lt"/>
+              </a:rPr>
+              <a:t> </a:t>
+            </a:r>
+            <a:r>
+              <a:rPr lang="en-US" dirty="0" err="1">
+                <a:ea typeface="+mn-lt"/>
+                <a:cs typeface="+mn-lt"/>
+              </a:rPr>
+              <a:t>acumulado</a:t>
+            </a:r>
+            <a:r>
+              <a:rPr lang="en-US" dirty="0">
+                <a:ea typeface="+mn-lt"/>
+                <a:cs typeface="+mn-lt"/>
+              </a:rPr>
+              <a:t> </a:t>
+            </a:r>
+            <a:r>
+              <a:rPr lang="en-US" dirty="0" err="1">
+                <a:ea typeface="+mn-lt"/>
+                <a:cs typeface="+mn-lt"/>
+              </a:rPr>
+              <a:t>uma</a:t>
+            </a:r>
+            <a:r>
+              <a:rPr lang="en-US" dirty="0">
+                <a:ea typeface="+mn-lt"/>
+                <a:cs typeface="+mn-lt"/>
+              </a:rPr>
+              <a:t> </a:t>
+            </a:r>
+            <a:r>
+              <a:rPr lang="en-US" dirty="0" err="1">
+                <a:ea typeface="+mn-lt"/>
+                <a:cs typeface="+mn-lt"/>
+              </a:rPr>
+              <a:t>grande</a:t>
+            </a:r>
+            <a:r>
+              <a:rPr lang="en-US" dirty="0">
+                <a:ea typeface="+mn-lt"/>
+                <a:cs typeface="+mn-lt"/>
+              </a:rPr>
+              <a:t> </a:t>
+            </a:r>
+            <a:r>
+              <a:rPr lang="en-US" dirty="0" err="1">
+                <a:ea typeface="+mn-lt"/>
+                <a:cs typeface="+mn-lt"/>
+              </a:rPr>
+              <a:t>quantidade</a:t>
+            </a:r>
+            <a:r>
+              <a:rPr lang="en-US" dirty="0">
+                <a:ea typeface="+mn-lt"/>
+                <a:cs typeface="+mn-lt"/>
+              </a:rPr>
+              <a:t> de </a:t>
+            </a:r>
+            <a:r>
+              <a:rPr lang="en-US" dirty="0" err="1">
+                <a:ea typeface="+mn-lt"/>
+                <a:cs typeface="+mn-lt"/>
+              </a:rPr>
+              <a:t>resíduos</a:t>
+            </a:r>
+            <a:r>
+              <a:rPr lang="en-US" dirty="0">
+                <a:ea typeface="+mn-lt"/>
+                <a:cs typeface="+mn-lt"/>
+              </a:rPr>
+              <a:t> </a:t>
+            </a:r>
+            <a:r>
+              <a:rPr lang="en-US" dirty="0" err="1">
+                <a:ea typeface="+mn-lt"/>
+                <a:cs typeface="+mn-lt"/>
+              </a:rPr>
+              <a:t>sólidos</a:t>
+            </a:r>
+            <a:r>
+              <a:rPr lang="en-US" dirty="0">
+                <a:ea typeface="+mn-lt"/>
+                <a:cs typeface="+mn-lt"/>
+              </a:rPr>
+              <a:t>, </a:t>
+            </a:r>
+            <a:r>
+              <a:rPr lang="en-US" dirty="0" err="1">
+                <a:ea typeface="+mn-lt"/>
+                <a:cs typeface="+mn-lt"/>
+              </a:rPr>
+              <a:t>em</a:t>
+            </a:r>
+            <a:r>
+              <a:rPr lang="en-US" dirty="0">
+                <a:ea typeface="+mn-lt"/>
+                <a:cs typeface="+mn-lt"/>
+              </a:rPr>
+              <a:t> volume e </a:t>
+            </a:r>
+            <a:r>
+              <a:rPr lang="en-US" dirty="0" err="1">
+                <a:ea typeface="+mn-lt"/>
+                <a:cs typeface="+mn-lt"/>
+              </a:rPr>
+              <a:t>em</a:t>
+            </a:r>
+            <a:r>
+              <a:rPr lang="en-US" dirty="0">
+                <a:ea typeface="+mn-lt"/>
+                <a:cs typeface="+mn-lt"/>
+              </a:rPr>
+              <a:t> </a:t>
+            </a:r>
+            <a:r>
+              <a:rPr lang="en-US" dirty="0" err="1">
+                <a:ea typeface="+mn-lt"/>
+                <a:cs typeface="+mn-lt"/>
+              </a:rPr>
+              <a:t>massa</a:t>
+            </a:r>
+            <a:r>
+              <a:rPr lang="en-US" dirty="0">
+                <a:ea typeface="+mn-lt"/>
+                <a:cs typeface="+mn-lt"/>
+              </a:rPr>
+              <a:t>, </a:t>
+            </a:r>
+            <a:r>
+              <a:rPr lang="en-US" dirty="0" err="1">
+                <a:ea typeface="+mn-lt"/>
+                <a:cs typeface="+mn-lt"/>
+              </a:rPr>
+              <a:t>acumulando</a:t>
+            </a:r>
+            <a:r>
+              <a:rPr lang="en-US" dirty="0">
+                <a:ea typeface="+mn-lt"/>
+                <a:cs typeface="+mn-lt"/>
+              </a:rPr>
+              <a:t> um total de 500 reais </a:t>
+            </a:r>
+            <a:r>
+              <a:rPr lang="en-US" dirty="0" err="1">
+                <a:ea typeface="+mn-lt"/>
+                <a:cs typeface="+mn-lt"/>
+              </a:rPr>
+              <a:t>gerados</a:t>
+            </a:r>
+            <a:r>
+              <a:rPr lang="en-US" dirty="0">
+                <a:ea typeface="+mn-lt"/>
+                <a:cs typeface="+mn-lt"/>
+              </a:rPr>
+              <a:t>. Sendo </a:t>
+            </a:r>
+            <a:r>
+              <a:rPr lang="en-US" dirty="0" err="1">
+                <a:ea typeface="+mn-lt"/>
+                <a:cs typeface="+mn-lt"/>
+              </a:rPr>
+              <a:t>assim</a:t>
+            </a:r>
+            <a:r>
+              <a:rPr lang="en-US" dirty="0">
+                <a:ea typeface="+mn-lt"/>
+                <a:cs typeface="+mn-lt"/>
+              </a:rPr>
+              <a:t>, </a:t>
+            </a:r>
+            <a:r>
+              <a:rPr lang="en-US" dirty="0" err="1">
+                <a:ea typeface="+mn-lt"/>
+                <a:cs typeface="+mn-lt"/>
+              </a:rPr>
+              <a:t>em</a:t>
+            </a:r>
+            <a:r>
+              <a:rPr lang="en-US" dirty="0">
+                <a:ea typeface="+mn-lt"/>
+                <a:cs typeface="+mn-lt"/>
+              </a:rPr>
+              <a:t> </a:t>
+            </a:r>
+            <a:r>
+              <a:rPr lang="en-US" dirty="0" err="1">
+                <a:ea typeface="+mn-lt"/>
+                <a:cs typeface="+mn-lt"/>
+              </a:rPr>
+              <a:t>uma</a:t>
+            </a:r>
+            <a:r>
+              <a:rPr lang="en-US" dirty="0">
+                <a:ea typeface="+mn-lt"/>
+                <a:cs typeface="+mn-lt"/>
+              </a:rPr>
+              <a:t> </a:t>
+            </a:r>
+            <a:r>
+              <a:rPr lang="en-US" dirty="0" err="1">
+                <a:ea typeface="+mn-lt"/>
+                <a:cs typeface="+mn-lt"/>
+              </a:rPr>
+              <a:t>experiência</a:t>
+            </a:r>
+            <a:r>
+              <a:rPr lang="en-US" dirty="0">
+                <a:ea typeface="+mn-lt"/>
+                <a:cs typeface="+mn-lt"/>
+              </a:rPr>
+              <a:t> </a:t>
+            </a:r>
+            <a:r>
+              <a:rPr lang="en-US" dirty="0" err="1">
+                <a:ea typeface="+mn-lt"/>
+                <a:cs typeface="+mn-lt"/>
+              </a:rPr>
+              <a:t>prática</a:t>
+            </a:r>
+            <a:r>
+              <a:rPr lang="en-US" dirty="0">
+                <a:ea typeface="+mn-lt"/>
+                <a:cs typeface="+mn-lt"/>
+              </a:rPr>
+              <a:t>, a </a:t>
+            </a:r>
+            <a:r>
+              <a:rPr lang="en-US" dirty="0" err="1">
+                <a:ea typeface="+mn-lt"/>
+                <a:cs typeface="+mn-lt"/>
+              </a:rPr>
+              <a:t>eficiência</a:t>
+            </a:r>
+            <a:r>
+              <a:rPr lang="en-US" dirty="0">
+                <a:ea typeface="+mn-lt"/>
+                <a:cs typeface="+mn-lt"/>
+              </a:rPr>
+              <a:t> dos </a:t>
+            </a:r>
+            <a:r>
+              <a:rPr lang="en-US" dirty="0" err="1">
+                <a:ea typeface="+mn-lt"/>
+                <a:cs typeface="+mn-lt"/>
+              </a:rPr>
+              <a:t>ecopontos</a:t>
+            </a:r>
+            <a:r>
+              <a:rPr lang="en-US" dirty="0">
+                <a:ea typeface="+mn-lt"/>
+                <a:cs typeface="+mn-lt"/>
+              </a:rPr>
+              <a:t> </a:t>
+            </a:r>
+            <a:r>
+              <a:rPr lang="en-US" dirty="0" err="1">
+                <a:ea typeface="+mn-lt"/>
+                <a:cs typeface="+mn-lt"/>
+              </a:rPr>
+              <a:t>foi</a:t>
+            </a:r>
+            <a:r>
+              <a:rPr lang="en-US" dirty="0">
+                <a:ea typeface="+mn-lt"/>
+                <a:cs typeface="+mn-lt"/>
+              </a:rPr>
+              <a:t> </a:t>
+            </a:r>
+            <a:r>
+              <a:rPr lang="en-US" dirty="0" err="1">
+                <a:ea typeface="+mn-lt"/>
+                <a:cs typeface="+mn-lt"/>
+              </a:rPr>
+              <a:t>comprovada</a:t>
+            </a:r>
+            <a:r>
+              <a:rPr lang="en-US" dirty="0">
+                <a:ea typeface="+mn-lt"/>
+                <a:cs typeface="+mn-lt"/>
+              </a:rPr>
+              <a:t>.</a:t>
+            </a:r>
+            <a:endParaRPr lang="en-US" dirty="0"/>
           </a:p>
         </p:txBody>
       </p:sp>
     </p:spTree>
     <p:extLst>
       <p:ext uri="{BB962C8B-B14F-4D97-AF65-F5344CB8AC3E}">
-        <p14:creationId xmlns:p14="http://schemas.microsoft.com/office/powerpoint/2010/main" val="4094875498"/>
+        <p14:creationId xmlns:p14="http://schemas.microsoft.com/office/powerpoint/2010/main" val="2909476492"/>
       </p:ext>
     </p:extLst>
   </p:cSld>
   <p:clrMapOvr>
     <a:masterClrMapping/>
   </p:clrMapOvr>
+  <mc:AlternateContent xmlns:mc="http://schemas.openxmlformats.org/markup-compatibility/2006">
+    <mc:Choice xmlns:p14="http://schemas.microsoft.com/office/powerpoint/2010/main" Requires="p14">
+      <p:transition spd="slow" p14:dur="1250">
+        <p:pull/>
+      </p:transition>
+    </mc:Choice>
+    <mc:Fallback>
+      <p:transition spd="slow">
+        <p:pull/>
+      </p:transition>
+    </mc:Fallback>
+  </mc:AlternateContent>
 </p:sld>
 </file>
 
@@ -23216,12 +24699,14 @@
           <a:lstStyle/>
           <a:p>
             <a:r>
-              <a:rPr lang="en-US" dirty="0">
+              <a:rPr lang="en-US" b="1" dirty="0">
                 <a:cs typeface="Posterama"/>
               </a:rPr>
               <a:t>INTRODUÇÃO</a:t>
             </a:r>
-            <a:endParaRPr lang="en-US" dirty="0"/>
+            <a:endParaRPr lang="en-US" b="1">
+              <a:cs typeface="Posterama"/>
+            </a:endParaRPr>
           </a:p>
         </p:txBody>
       </p:sp>
@@ -24166,6 +25651,18 @@
   <p:clrMapOvr>
     <a:masterClrMapping/>
   </p:clrMapOvr>
+  <mc:AlternateContent xmlns:mc="http://schemas.openxmlformats.org/markup-compatibility/2006">
+    <mc:Choice xmlns:p14="http://schemas.microsoft.com/office/powerpoint/2010/main" Requires="p14">
+      <p:transition spd="slow" p14:dur="1250">
+        <p:pull/>
+      </p:transition>
+    </mc:Choice>
+    <mc:Fallback>
+      <p:transition spd="slow">
+        <p:pull/>
+      </p:transition>
+    </mc:Fallback>
+  </mc:AlternateContent>
 </p:sld>
 </file>
 
@@ -24208,12 +25705,14 @@
           <a:lstStyle/>
           <a:p>
             <a:r>
-              <a:rPr lang="en-US" dirty="0">
+              <a:rPr lang="en-US" b="1" dirty="0">
                 <a:cs typeface="Posterama"/>
               </a:rPr>
               <a:t>DESTINAÇÃO INADEQUADA</a:t>
             </a:r>
-            <a:endParaRPr lang="en-US" dirty="0"/>
+            <a:endParaRPr lang="en-US" b="1">
+              <a:cs typeface="Posterama"/>
+            </a:endParaRPr>
           </a:p>
         </p:txBody>
       </p:sp>
@@ -24890,6 +26389,18 @@
   <p:clrMapOvr>
     <a:masterClrMapping/>
   </p:clrMapOvr>
+  <mc:AlternateContent xmlns:mc="http://schemas.openxmlformats.org/markup-compatibility/2006">
+    <mc:Choice xmlns:p14="http://schemas.microsoft.com/office/powerpoint/2010/main" Requires="p14">
+      <p:transition spd="slow" p14:dur="1250">
+        <p:pull/>
+      </p:transition>
+    </mc:Choice>
+    <mc:Fallback>
+      <p:transition spd="slow">
+        <p:pull/>
+      </p:transition>
+    </mc:Fallback>
+  </mc:AlternateContent>
 </p:sld>
 </file>
 
@@ -24942,87 +26453,87 @@
               <a:buNone/>
             </a:pPr>
             <a:r>
-              <a:rPr lang="en-US" sz="3600" dirty="0"/>
+              <a:rPr lang="en-US" sz="3600" b="1" dirty="0"/>
               <a:t>Veja a </a:t>
             </a:r>
             <a:r>
-              <a:rPr lang="en-US" sz="3600" dirty="0" err="1"/>
+              <a:rPr lang="en-US" sz="3600" b="1" dirty="0" err="1"/>
               <a:t>reportagem</a:t>
             </a:r>
             <a:r>
-              <a:rPr lang="en-US" sz="3600" dirty="0"/>
-              <a:t> </a:t>
-            </a:r>
-            <a:r>
-              <a:rPr lang="en-US" sz="3600" dirty="0" err="1"/>
+              <a:rPr lang="en-US" sz="3600" b="1" dirty="0"/>
+              <a:t> </a:t>
+            </a:r>
+            <a:r>
+              <a:rPr lang="en-US" sz="3600" b="1" dirty="0" err="1"/>
               <a:t>abaixo</a:t>
             </a:r>
             <a:r>
-              <a:rPr lang="en-US" sz="3600" dirty="0"/>
+              <a:rPr lang="en-US" sz="3600" b="1" dirty="0"/>
               <a:t>, </a:t>
             </a:r>
             <a:r>
-              <a:rPr lang="en-US" sz="3600" dirty="0" err="1"/>
+              <a:rPr lang="en-US" sz="3600" b="1" dirty="0" err="1"/>
               <a:t>feita</a:t>
             </a:r>
             <a:r>
-              <a:rPr lang="en-US" sz="3600" dirty="0"/>
-              <a:t> </a:t>
-            </a:r>
-            <a:r>
-              <a:rPr lang="en-US" sz="3600" dirty="0" err="1"/>
+              <a:rPr lang="en-US" sz="3600" b="1" dirty="0"/>
+              <a:t> </a:t>
+            </a:r>
+            <a:r>
+              <a:rPr lang="en-US" sz="3600" b="1" dirty="0" err="1"/>
               <a:t>pelo</a:t>
             </a:r>
             <a:r>
-              <a:rPr lang="en-US" sz="3600" dirty="0"/>
+              <a:rPr lang="en-US" sz="3600" b="1" dirty="0"/>
               <a:t> Domingo Espetacular, que </a:t>
             </a:r>
             <a:r>
-              <a:rPr lang="en-US" sz="3600" dirty="0" err="1"/>
+              <a:rPr lang="en-US" sz="3600" b="1" dirty="0" err="1"/>
               <a:t>retrata</a:t>
             </a:r>
             <a:r>
-              <a:rPr lang="en-US" sz="3600" dirty="0"/>
+              <a:rPr lang="en-US" sz="3600" b="1" dirty="0"/>
               <a:t> a </a:t>
             </a:r>
             <a:r>
-              <a:rPr lang="en-US" sz="3600" dirty="0" err="1"/>
+              <a:rPr lang="en-US" sz="3600" b="1" dirty="0" err="1"/>
               <a:t>realidade</a:t>
             </a:r>
             <a:r>
-              <a:rPr lang="en-US" sz="3600" dirty="0"/>
+              <a:rPr lang="en-US" sz="3600" b="1" dirty="0"/>
               <a:t> das </a:t>
             </a:r>
             <a:r>
-              <a:rPr lang="en-US" sz="3600" dirty="0" err="1"/>
+              <a:rPr lang="en-US" sz="3600" b="1" dirty="0" err="1"/>
               <a:t>pessoas</a:t>
             </a:r>
             <a:r>
-              <a:rPr lang="en-US" sz="3600" dirty="0"/>
+              <a:rPr lang="en-US" sz="3600" b="1" dirty="0"/>
               <a:t> que </a:t>
             </a:r>
             <a:r>
-              <a:rPr lang="en-US" sz="3600" dirty="0" err="1"/>
+              <a:rPr lang="en-US" sz="3600" b="1" dirty="0" err="1"/>
               <a:t>vivem</a:t>
             </a:r>
             <a:r>
-              <a:rPr lang="en-US" sz="3600" dirty="0"/>
-              <a:t> </a:t>
-            </a:r>
-            <a:r>
-              <a:rPr lang="en-US" sz="3600" dirty="0" err="1"/>
+              <a:rPr lang="en-US" sz="3600" b="1" dirty="0"/>
+              <a:t> </a:t>
+            </a:r>
+            <a:r>
+              <a:rPr lang="en-US" sz="3600" b="1" dirty="0" err="1"/>
               <a:t>nos</a:t>
             </a:r>
             <a:r>
-              <a:rPr lang="en-US" sz="3600" dirty="0"/>
-              <a:t> </a:t>
-            </a:r>
-            <a:r>
-              <a:rPr lang="en-US" sz="3600" dirty="0" err="1"/>
+              <a:rPr lang="en-US" sz="3600" b="1" dirty="0"/>
+              <a:t> </a:t>
+            </a:r>
+            <a:r>
+              <a:rPr lang="en-US" sz="3600" b="1" dirty="0" err="1"/>
               <a:t>lixões</a:t>
             </a:r>
             <a:r>
-              <a:rPr lang="en-US" sz="3600" dirty="0"/>
+              <a:rPr lang="en-US" sz="3600" b="1" dirty="0"/>
               <a:t>:</a:t>
             </a:r>
           </a:p>
@@ -25030,7 +26541,7 @@
             <a:pPr marL="0" indent="0">
               <a:buNone/>
             </a:pPr>
-            <a:endParaRPr lang="en-US" sz="3600" dirty="0"/>
+            <a:endParaRPr lang="en-US" sz="3600" b="1" dirty="0"/>
           </a:p>
         </p:txBody>
       </p:sp>
@@ -25077,6 +26588,18 @@
   <p:clrMapOvr>
     <a:masterClrMapping/>
   </p:clrMapOvr>
+  <mc:AlternateContent xmlns:mc="http://schemas.openxmlformats.org/markup-compatibility/2006">
+    <mc:Choice xmlns:p14="http://schemas.microsoft.com/office/powerpoint/2010/main" Requires="p14">
+      <p:transition spd="slow" p14:dur="1250">
+        <p:pull/>
+      </p:transition>
+    </mc:Choice>
+    <mc:Fallback>
+      <p:transition spd="slow">
+        <p:pull/>
+      </p:transition>
+    </mc:Fallback>
+  </mc:AlternateContent>
 </p:sld>
 </file>
 
@@ -25119,12 +26642,14 @@
           <a:lstStyle/>
           <a:p>
             <a:r>
-              <a:rPr lang="en-US" dirty="0">
+              <a:rPr lang="en-US" b="1" dirty="0">
                 <a:cs typeface="Posterama"/>
               </a:rPr>
               <a:t>DESTINAÇÃO</a:t>
             </a:r>
-            <a:endParaRPr lang="en-US" dirty="0"/>
+            <a:endParaRPr lang="en-US" b="1">
+              <a:cs typeface="Posterama"/>
+            </a:endParaRPr>
           </a:p>
         </p:txBody>
       </p:sp>
@@ -25144,22 +26669,33 @@
             <p:ph idx="1"/>
           </p:nvPr>
         </p:nvSpPr>
-        <p:spPr/>
+        <p:spPr>
+          <a:xfrm>
+            <a:off x="457200" y="1825625"/>
+            <a:ext cx="11089820" cy="4520671"/>
+          </a:xfrm>
+        </p:spPr>
         <p:txBody>
           <a:bodyPr vert="horz" lIns="91440" tIns="45720" rIns="91440" bIns="45720" rtlCol="0" anchor="t">
-            <a:normAutofit fontScale="77500" lnSpcReduction="20000"/>
+            <a:normAutofit fontScale="85000" lnSpcReduction="20000"/>
           </a:bodyPr>
           <a:lstStyle/>
           <a:p>
             <a:r>
               <a:rPr lang="en-US" dirty="0">
+                <a:solidFill>
+                  <a:schemeClr val="bg1"/>
+                </a:solidFill>
                 <a:ea typeface="+mn-lt"/>
                 <a:cs typeface="+mn-lt"/>
               </a:rPr>
               <a:t>Uma </a:t>
             </a:r>
             <a:r>
-              <a:rPr lang="en-US" dirty="0" err="1">
+              <a:rPr lang="en-US" err="1">
+                <a:solidFill>
+                  <a:schemeClr val="bg1"/>
+                </a:solidFill>
                 <a:ea typeface="+mn-lt"/>
                 <a:cs typeface="+mn-lt"/>
               </a:rPr>
@@ -25167,13 +26703,19 @@
             </a:r>
             <a:r>
               <a:rPr lang="en-US" dirty="0">
-                <a:ea typeface="+mn-lt"/>
-                <a:cs typeface="+mn-lt"/>
-              </a:rPr>
-              <a:t> </a:t>
-            </a:r>
-            <a:r>
-              <a:rPr lang="en-US" dirty="0" err="1">
+                <a:solidFill>
+                  <a:schemeClr val="bg1"/>
+                </a:solidFill>
+                <a:ea typeface="+mn-lt"/>
+                <a:cs typeface="+mn-lt"/>
+              </a:rPr>
+              <a:t> </a:t>
+            </a:r>
+            <a:r>
+              <a:rPr lang="en-US" err="1">
+                <a:solidFill>
+                  <a:schemeClr val="bg1"/>
+                </a:solidFill>
                 <a:ea typeface="+mn-lt"/>
                 <a:cs typeface="+mn-lt"/>
               </a:rPr>
@@ -25181,13 +26723,19 @@
             </a:r>
             <a:r>
               <a:rPr lang="en-US" dirty="0">
+                <a:solidFill>
+                  <a:schemeClr val="bg1"/>
+                </a:solidFill>
                 <a:ea typeface="+mn-lt"/>
                 <a:cs typeface="+mn-lt"/>
               </a:rPr>
               <a:t> e a </a:t>
             </a:r>
             <a:r>
-              <a:rPr lang="en-US" dirty="0" err="1">
+              <a:rPr lang="en-US" err="1">
+                <a:solidFill>
+                  <a:schemeClr val="bg1"/>
+                </a:solidFill>
                 <a:ea typeface="+mn-lt"/>
                 <a:cs typeface="+mn-lt"/>
               </a:rPr>
@@ -25195,13 +26743,19 @@
             </a:r>
             <a:r>
               <a:rPr lang="en-US" dirty="0">
-                <a:ea typeface="+mn-lt"/>
-                <a:cs typeface="+mn-lt"/>
-              </a:rPr>
-              <a:t> </a:t>
-            </a:r>
-            <a:r>
-              <a:rPr lang="en-US" dirty="0" err="1">
+                <a:solidFill>
+                  <a:schemeClr val="bg1"/>
+                </a:solidFill>
+                <a:ea typeface="+mn-lt"/>
+                <a:cs typeface="+mn-lt"/>
+              </a:rPr>
+              <a:t> </a:t>
+            </a:r>
+            <a:r>
+              <a:rPr lang="en-US" err="1">
+                <a:solidFill>
+                  <a:schemeClr val="bg1"/>
+                </a:solidFill>
                 <a:ea typeface="+mn-lt"/>
                 <a:cs typeface="+mn-lt"/>
               </a:rPr>
@@ -25209,13 +26763,19 @@
             </a:r>
             <a:r>
               <a:rPr lang="en-US" dirty="0">
-                <a:ea typeface="+mn-lt"/>
-                <a:cs typeface="+mn-lt"/>
-              </a:rPr>
-              <a:t> </a:t>
-            </a:r>
-            <a:r>
-              <a:rPr lang="en-US" dirty="0" err="1">
+                <a:solidFill>
+                  <a:schemeClr val="bg1"/>
+                </a:solidFill>
+                <a:ea typeface="+mn-lt"/>
+                <a:cs typeface="+mn-lt"/>
+              </a:rPr>
+              <a:t> </a:t>
+            </a:r>
+            <a:r>
+              <a:rPr lang="en-US" err="1">
+                <a:solidFill>
+                  <a:schemeClr val="bg1"/>
+                </a:solidFill>
                 <a:ea typeface="+mn-lt"/>
                 <a:cs typeface="+mn-lt"/>
               </a:rPr>
@@ -25223,13 +26783,19 @@
             </a:r>
             <a:r>
               <a:rPr lang="en-US" dirty="0">
-                <a:ea typeface="+mn-lt"/>
-                <a:cs typeface="+mn-lt"/>
-              </a:rPr>
-              <a:t> </a:t>
-            </a:r>
-            <a:r>
-              <a:rPr lang="en-US" dirty="0" err="1">
+                <a:solidFill>
+                  <a:schemeClr val="bg1"/>
+                </a:solidFill>
+                <a:ea typeface="+mn-lt"/>
+                <a:cs typeface="+mn-lt"/>
+              </a:rPr>
+              <a:t> </a:t>
+            </a:r>
+            <a:r>
+              <a:rPr lang="en-US" err="1">
+                <a:solidFill>
+                  <a:schemeClr val="bg1"/>
+                </a:solidFill>
                 <a:ea typeface="+mn-lt"/>
                 <a:cs typeface="+mn-lt"/>
               </a:rPr>
@@ -25237,13 +26803,19 @@
             </a:r>
             <a:r>
               <a:rPr lang="en-US" dirty="0">
+                <a:solidFill>
+                  <a:schemeClr val="bg1"/>
+                </a:solidFill>
                 <a:ea typeface="+mn-lt"/>
                 <a:cs typeface="+mn-lt"/>
               </a:rPr>
               <a:t> a </a:t>
             </a:r>
             <a:r>
-              <a:rPr lang="en-US" dirty="0" err="1">
+              <a:rPr lang="en-US" err="1">
+                <a:solidFill>
+                  <a:schemeClr val="bg1"/>
+                </a:solidFill>
                 <a:ea typeface="+mn-lt"/>
                 <a:cs typeface="+mn-lt"/>
               </a:rPr>
@@ -25251,13 +26823,19 @@
             </a:r>
             <a:r>
               <a:rPr lang="en-US" dirty="0">
-                <a:ea typeface="+mn-lt"/>
-                <a:cs typeface="+mn-lt"/>
-              </a:rPr>
-              <a:t> </a:t>
-            </a:r>
-            <a:r>
-              <a:rPr lang="en-US" dirty="0" err="1">
+                <a:solidFill>
+                  <a:schemeClr val="bg1"/>
+                </a:solidFill>
+                <a:ea typeface="+mn-lt"/>
+                <a:cs typeface="+mn-lt"/>
+              </a:rPr>
+              <a:t> </a:t>
+            </a:r>
+            <a:r>
+              <a:rPr lang="en-US" err="1">
+                <a:solidFill>
+                  <a:schemeClr val="bg1"/>
+                </a:solidFill>
                 <a:ea typeface="+mn-lt"/>
                 <a:cs typeface="+mn-lt"/>
               </a:rPr>
@@ -25265,13 +26843,19 @@
             </a:r>
             <a:r>
               <a:rPr lang="en-US" dirty="0">
+                <a:solidFill>
+                  <a:schemeClr val="bg1"/>
+                </a:solidFill>
                 <a:ea typeface="+mn-lt"/>
                 <a:cs typeface="+mn-lt"/>
               </a:rPr>
               <a:t> para </a:t>
             </a:r>
             <a:r>
-              <a:rPr lang="en-US" dirty="0" err="1">
+              <a:rPr lang="en-US" err="1">
+                <a:solidFill>
+                  <a:schemeClr val="bg1"/>
+                </a:solidFill>
                 <a:ea typeface="+mn-lt"/>
                 <a:cs typeface="+mn-lt"/>
               </a:rPr>
@@ -25279,13 +26863,19 @@
             </a:r>
             <a:r>
               <a:rPr lang="en-US" dirty="0">
-                <a:ea typeface="+mn-lt"/>
-                <a:cs typeface="+mn-lt"/>
-              </a:rPr>
-              <a:t> </a:t>
-            </a:r>
-            <a:r>
-              <a:rPr lang="en-US" dirty="0" err="1">
+                <a:solidFill>
+                  <a:schemeClr val="bg1"/>
+                </a:solidFill>
+                <a:ea typeface="+mn-lt"/>
+                <a:cs typeface="+mn-lt"/>
+              </a:rPr>
+              <a:t> </a:t>
+            </a:r>
+            <a:r>
+              <a:rPr lang="en-US" err="1">
+                <a:solidFill>
+                  <a:schemeClr val="bg1"/>
+                </a:solidFill>
                 <a:ea typeface="+mn-lt"/>
                 <a:cs typeface="+mn-lt"/>
               </a:rPr>
@@ -25293,13 +26883,19 @@
             </a:r>
             <a:r>
               <a:rPr lang="en-US" dirty="0">
-                <a:ea typeface="+mn-lt"/>
-                <a:cs typeface="+mn-lt"/>
-              </a:rPr>
-              <a:t> </a:t>
-            </a:r>
-            <a:r>
-              <a:rPr lang="en-US" dirty="0" err="1">
+                <a:solidFill>
+                  <a:schemeClr val="bg1"/>
+                </a:solidFill>
+                <a:ea typeface="+mn-lt"/>
+                <a:cs typeface="+mn-lt"/>
+              </a:rPr>
+              <a:t> </a:t>
+            </a:r>
+            <a:r>
+              <a:rPr lang="en-US" err="1">
+                <a:solidFill>
+                  <a:schemeClr val="bg1"/>
+                </a:solidFill>
                 <a:ea typeface="+mn-lt"/>
                 <a:cs typeface="+mn-lt"/>
               </a:rPr>
@@ -25307,13 +26903,19 @@
             </a:r>
             <a:r>
               <a:rPr lang="en-US" dirty="0">
+                <a:solidFill>
+                  <a:schemeClr val="bg1"/>
+                </a:solidFill>
                 <a:ea typeface="+mn-lt"/>
                 <a:cs typeface="+mn-lt"/>
               </a:rPr>
               <a:t>. </a:t>
             </a:r>
             <a:r>
-              <a:rPr lang="en-US" dirty="0" err="1">
+              <a:rPr lang="en-US" err="1">
+                <a:solidFill>
+                  <a:schemeClr val="bg1"/>
+                </a:solidFill>
                 <a:ea typeface="+mn-lt"/>
                 <a:cs typeface="+mn-lt"/>
               </a:rPr>
@@ -25321,13 +26923,19 @@
             </a:r>
             <a:r>
               <a:rPr lang="en-US" dirty="0">
+                <a:solidFill>
+                  <a:schemeClr val="bg1"/>
+                </a:solidFill>
                 <a:ea typeface="+mn-lt"/>
                 <a:cs typeface="+mn-lt"/>
               </a:rPr>
               <a:t> RSU </a:t>
             </a:r>
             <a:r>
-              <a:rPr lang="en-US" dirty="0" err="1">
+              <a:rPr lang="en-US" err="1">
+                <a:solidFill>
+                  <a:schemeClr val="bg1"/>
+                </a:solidFill>
                 <a:ea typeface="+mn-lt"/>
                 <a:cs typeface="+mn-lt"/>
               </a:rPr>
@@ -25335,13 +26943,19 @@
             </a:r>
             <a:r>
               <a:rPr lang="en-US" dirty="0">
-                <a:ea typeface="+mn-lt"/>
-                <a:cs typeface="+mn-lt"/>
-              </a:rPr>
-              <a:t> </a:t>
-            </a:r>
-            <a:r>
-              <a:rPr lang="en-US" dirty="0" err="1">
+                <a:solidFill>
+                  <a:schemeClr val="bg1"/>
+                </a:solidFill>
+                <a:ea typeface="+mn-lt"/>
+                <a:cs typeface="+mn-lt"/>
+              </a:rPr>
+              <a:t> </a:t>
+            </a:r>
+            <a:r>
+              <a:rPr lang="en-US" err="1">
+                <a:solidFill>
+                  <a:schemeClr val="bg1"/>
+                </a:solidFill>
                 <a:ea typeface="+mn-lt"/>
                 <a:cs typeface="+mn-lt"/>
               </a:rPr>
@@ -25349,13 +26963,19 @@
             </a:r>
             <a:r>
               <a:rPr lang="en-US" dirty="0">
-                <a:ea typeface="+mn-lt"/>
-                <a:cs typeface="+mn-lt"/>
-              </a:rPr>
-              <a:t> </a:t>
-            </a:r>
-            <a:r>
-              <a:rPr lang="en-US" dirty="0" err="1">
+                <a:solidFill>
+                  <a:schemeClr val="bg1"/>
+                </a:solidFill>
+                <a:ea typeface="+mn-lt"/>
+                <a:cs typeface="+mn-lt"/>
+              </a:rPr>
+              <a:t> </a:t>
+            </a:r>
+            <a:r>
+              <a:rPr lang="en-US" err="1">
+                <a:solidFill>
+                  <a:schemeClr val="bg1"/>
+                </a:solidFill>
                 <a:ea typeface="+mn-lt"/>
                 <a:cs typeface="+mn-lt"/>
               </a:rPr>
@@ -25363,13 +26983,19 @@
             </a:r>
             <a:r>
               <a:rPr lang="en-US" dirty="0">
-                <a:ea typeface="+mn-lt"/>
-                <a:cs typeface="+mn-lt"/>
-              </a:rPr>
-              <a:t> </a:t>
-            </a:r>
-            <a:r>
-              <a:rPr lang="en-US" dirty="0" err="1">
+                <a:solidFill>
+                  <a:schemeClr val="bg1"/>
+                </a:solidFill>
+                <a:ea typeface="+mn-lt"/>
+                <a:cs typeface="+mn-lt"/>
+              </a:rPr>
+              <a:t> </a:t>
+            </a:r>
+            <a:r>
+              <a:rPr lang="en-US" err="1">
+                <a:solidFill>
+                  <a:schemeClr val="bg1"/>
+                </a:solidFill>
                 <a:ea typeface="+mn-lt"/>
                 <a:cs typeface="+mn-lt"/>
               </a:rPr>
@@ -25377,13 +27003,19 @@
             </a:r>
             <a:r>
               <a:rPr lang="en-US" dirty="0">
-                <a:ea typeface="+mn-lt"/>
-                <a:cs typeface="+mn-lt"/>
-              </a:rPr>
-              <a:t> </a:t>
-            </a:r>
-            <a:r>
-              <a:rPr lang="en-US" dirty="0" err="1">
+                <a:solidFill>
+                  <a:schemeClr val="bg1"/>
+                </a:solidFill>
+                <a:ea typeface="+mn-lt"/>
+                <a:cs typeface="+mn-lt"/>
+              </a:rPr>
+              <a:t> </a:t>
+            </a:r>
+            <a:r>
+              <a:rPr lang="en-US" err="1">
+                <a:solidFill>
+                  <a:schemeClr val="bg1"/>
+                </a:solidFill>
                 <a:ea typeface="+mn-lt"/>
                 <a:cs typeface="+mn-lt"/>
               </a:rPr>
@@ -25391,13 +27023,19 @@
             </a:r>
             <a:r>
               <a:rPr lang="en-US" dirty="0">
+                <a:solidFill>
+                  <a:schemeClr val="bg1"/>
+                </a:solidFill>
                 <a:ea typeface="+mn-lt"/>
                 <a:cs typeface="+mn-lt"/>
               </a:rPr>
               <a:t> de </a:t>
             </a:r>
             <a:r>
-              <a:rPr lang="en-US" dirty="0" err="1">
+              <a:rPr lang="en-US" err="1">
+                <a:solidFill>
+                  <a:schemeClr val="bg1"/>
+                </a:solidFill>
                 <a:ea typeface="+mn-lt"/>
                 <a:cs typeface="+mn-lt"/>
               </a:rPr>
@@ -25405,13 +27043,19 @@
             </a:r>
             <a:r>
               <a:rPr lang="en-US" dirty="0">
-                <a:ea typeface="+mn-lt"/>
-                <a:cs typeface="+mn-lt"/>
-              </a:rPr>
-              <a:t> </a:t>
-            </a:r>
-            <a:r>
-              <a:rPr lang="en-US" dirty="0" err="1">
+                <a:solidFill>
+                  <a:schemeClr val="bg1"/>
+                </a:solidFill>
+                <a:ea typeface="+mn-lt"/>
+                <a:cs typeface="+mn-lt"/>
+              </a:rPr>
+              <a:t> </a:t>
+            </a:r>
+            <a:r>
+              <a:rPr lang="en-US" err="1">
+                <a:solidFill>
+                  <a:schemeClr val="bg1"/>
+                </a:solidFill>
                 <a:ea typeface="+mn-lt"/>
                 <a:cs typeface="+mn-lt"/>
               </a:rPr>
@@ -25419,13 +27063,19 @@
             </a:r>
             <a:r>
               <a:rPr lang="en-US" dirty="0">
+                <a:solidFill>
+                  <a:schemeClr val="bg1"/>
+                </a:solidFill>
                 <a:ea typeface="+mn-lt"/>
                 <a:cs typeface="+mn-lt"/>
               </a:rPr>
               <a:t> um </a:t>
             </a:r>
             <a:r>
-              <a:rPr lang="en-US" dirty="0" err="1">
+              <a:rPr lang="en-US" err="1">
+                <a:solidFill>
+                  <a:schemeClr val="bg1"/>
+                </a:solidFill>
                 <a:ea typeface="+mn-lt"/>
                 <a:cs typeface="+mn-lt"/>
               </a:rPr>
@@ -25433,13 +27083,19 @@
             </a:r>
             <a:r>
               <a:rPr lang="en-US" dirty="0">
+                <a:solidFill>
+                  <a:schemeClr val="bg1"/>
+                </a:solidFill>
                 <a:ea typeface="+mn-lt"/>
                 <a:cs typeface="+mn-lt"/>
               </a:rPr>
               <a:t> de vista industrial, mas </a:t>
             </a:r>
             <a:r>
-              <a:rPr lang="en-US" dirty="0" err="1">
+              <a:rPr lang="en-US" err="1">
+                <a:solidFill>
+                  <a:schemeClr val="bg1"/>
+                </a:solidFill>
                 <a:ea typeface="+mn-lt"/>
                 <a:cs typeface="+mn-lt"/>
               </a:rPr>
@@ -25447,13 +27103,19 @@
             </a:r>
             <a:r>
               <a:rPr lang="en-US" dirty="0">
-                <a:ea typeface="+mn-lt"/>
-                <a:cs typeface="+mn-lt"/>
-              </a:rPr>
-              <a:t> </a:t>
-            </a:r>
-            <a:r>
-              <a:rPr lang="en-US" dirty="0" err="1">
+                <a:solidFill>
+                  <a:schemeClr val="bg1"/>
+                </a:solidFill>
+                <a:ea typeface="+mn-lt"/>
+                <a:cs typeface="+mn-lt"/>
+              </a:rPr>
+              <a:t> </a:t>
+            </a:r>
+            <a:r>
+              <a:rPr lang="en-US" err="1">
+                <a:solidFill>
+                  <a:schemeClr val="bg1"/>
+                </a:solidFill>
                 <a:ea typeface="+mn-lt"/>
                 <a:cs typeface="+mn-lt"/>
               </a:rPr>
@@ -25461,13 +27123,19 @@
             </a:r>
             <a:r>
               <a:rPr lang="en-US" dirty="0">
-                <a:ea typeface="+mn-lt"/>
-                <a:cs typeface="+mn-lt"/>
-              </a:rPr>
-              <a:t> </a:t>
-            </a:r>
-            <a:r>
-              <a:rPr lang="en-US" dirty="0" err="1">
+                <a:solidFill>
+                  <a:schemeClr val="bg1"/>
+                </a:solidFill>
+                <a:ea typeface="+mn-lt"/>
+                <a:cs typeface="+mn-lt"/>
+              </a:rPr>
+              <a:t> </a:t>
+            </a:r>
+            <a:r>
+              <a:rPr lang="en-US" err="1">
+                <a:solidFill>
+                  <a:schemeClr val="bg1"/>
+                </a:solidFill>
                 <a:ea typeface="+mn-lt"/>
                 <a:cs typeface="+mn-lt"/>
               </a:rPr>
@@ -25475,13 +27143,19 @@
             </a:r>
             <a:r>
               <a:rPr lang="en-US" dirty="0">
-                <a:ea typeface="+mn-lt"/>
-                <a:cs typeface="+mn-lt"/>
-              </a:rPr>
-              <a:t> </a:t>
-            </a:r>
-            <a:r>
-              <a:rPr lang="en-US" dirty="0" err="1">
+                <a:solidFill>
+                  <a:schemeClr val="bg1"/>
+                </a:solidFill>
+                <a:ea typeface="+mn-lt"/>
+                <a:cs typeface="+mn-lt"/>
+              </a:rPr>
+              <a:t> </a:t>
+            </a:r>
+            <a:r>
+              <a:rPr lang="en-US" err="1">
+                <a:solidFill>
+                  <a:schemeClr val="bg1"/>
+                </a:solidFill>
                 <a:ea typeface="+mn-lt"/>
                 <a:cs typeface="+mn-lt"/>
               </a:rPr>
@@ -25489,13 +27163,19 @@
             </a:r>
             <a:r>
               <a:rPr lang="en-US" dirty="0">
-                <a:ea typeface="+mn-lt"/>
-                <a:cs typeface="+mn-lt"/>
-              </a:rPr>
-              <a:t> </a:t>
-            </a:r>
-            <a:r>
-              <a:rPr lang="en-US" dirty="0" err="1">
+                <a:solidFill>
+                  <a:schemeClr val="bg1"/>
+                </a:solidFill>
+                <a:ea typeface="+mn-lt"/>
+                <a:cs typeface="+mn-lt"/>
+              </a:rPr>
+              <a:t> </a:t>
+            </a:r>
+            <a:r>
+              <a:rPr lang="en-US" err="1">
+                <a:solidFill>
+                  <a:schemeClr val="bg1"/>
+                </a:solidFill>
                 <a:ea typeface="+mn-lt"/>
                 <a:cs typeface="+mn-lt"/>
               </a:rPr>
@@ -25503,13 +27183,19 @@
             </a:r>
             <a:r>
               <a:rPr lang="en-US" dirty="0">
-                <a:ea typeface="+mn-lt"/>
-                <a:cs typeface="+mn-lt"/>
-              </a:rPr>
-              <a:t> </a:t>
-            </a:r>
-            <a:r>
-              <a:rPr lang="en-US" dirty="0" err="1">
+                <a:solidFill>
+                  <a:schemeClr val="bg1"/>
+                </a:solidFill>
+                <a:ea typeface="+mn-lt"/>
+                <a:cs typeface="+mn-lt"/>
+              </a:rPr>
+              <a:t> </a:t>
+            </a:r>
+            <a:r>
+              <a:rPr lang="en-US" err="1">
+                <a:solidFill>
+                  <a:schemeClr val="bg1"/>
+                </a:solidFill>
                 <a:ea typeface="+mn-lt"/>
                 <a:cs typeface="+mn-lt"/>
               </a:rPr>
@@ -25517,13 +27203,19 @@
             </a:r>
             <a:r>
               <a:rPr lang="en-US" dirty="0">
-                <a:ea typeface="+mn-lt"/>
-                <a:cs typeface="+mn-lt"/>
-              </a:rPr>
-              <a:t> </a:t>
-            </a:r>
-            <a:r>
-              <a:rPr lang="en-US" dirty="0" err="1">
+                <a:solidFill>
+                  <a:schemeClr val="bg1"/>
+                </a:solidFill>
+                <a:ea typeface="+mn-lt"/>
+                <a:cs typeface="+mn-lt"/>
+              </a:rPr>
+              <a:t> </a:t>
+            </a:r>
+            <a:r>
+              <a:rPr lang="en-US" err="1">
+                <a:solidFill>
+                  <a:schemeClr val="bg1"/>
+                </a:solidFill>
                 <a:ea typeface="+mn-lt"/>
                 <a:cs typeface="+mn-lt"/>
               </a:rPr>
@@ -25531,13 +27223,19 @@
             </a:r>
             <a:r>
               <a:rPr lang="en-US" dirty="0">
-                <a:ea typeface="+mn-lt"/>
-                <a:cs typeface="+mn-lt"/>
-              </a:rPr>
-              <a:t> </a:t>
-            </a:r>
-            <a:r>
-              <a:rPr lang="en-US" dirty="0" err="1">
+                <a:solidFill>
+                  <a:schemeClr val="bg1"/>
+                </a:solidFill>
+                <a:ea typeface="+mn-lt"/>
+                <a:cs typeface="+mn-lt"/>
+              </a:rPr>
+              <a:t> </a:t>
+            </a:r>
+            <a:r>
+              <a:rPr lang="en-US" err="1">
+                <a:solidFill>
+                  <a:schemeClr val="bg1"/>
+                </a:solidFill>
                 <a:ea typeface="+mn-lt"/>
                 <a:cs typeface="+mn-lt"/>
               </a:rPr>
@@ -25545,13 +27243,19 @@
             </a:r>
             <a:r>
               <a:rPr lang="en-US" dirty="0">
-                <a:ea typeface="+mn-lt"/>
-                <a:cs typeface="+mn-lt"/>
-              </a:rPr>
-              <a:t> </a:t>
-            </a:r>
-            <a:r>
-              <a:rPr lang="en-US" dirty="0" err="1">
+                <a:solidFill>
+                  <a:schemeClr val="bg1"/>
+                </a:solidFill>
+                <a:ea typeface="+mn-lt"/>
+                <a:cs typeface="+mn-lt"/>
+              </a:rPr>
+              <a:t> </a:t>
+            </a:r>
+            <a:r>
+              <a:rPr lang="en-US" err="1">
+                <a:solidFill>
+                  <a:schemeClr val="bg1"/>
+                </a:solidFill>
                 <a:ea typeface="+mn-lt"/>
                 <a:cs typeface="+mn-lt"/>
               </a:rPr>
@@ -25559,13 +27263,19 @@
             </a:r>
             <a:r>
               <a:rPr lang="en-US" dirty="0">
-                <a:ea typeface="+mn-lt"/>
-                <a:cs typeface="+mn-lt"/>
-              </a:rPr>
-              <a:t> </a:t>
-            </a:r>
-            <a:r>
-              <a:rPr lang="en-US" dirty="0" err="1">
+                <a:solidFill>
+                  <a:schemeClr val="bg1"/>
+                </a:solidFill>
+                <a:ea typeface="+mn-lt"/>
+                <a:cs typeface="+mn-lt"/>
+              </a:rPr>
+              <a:t> </a:t>
+            </a:r>
+            <a:r>
+              <a:rPr lang="en-US" err="1">
+                <a:solidFill>
+                  <a:schemeClr val="bg1"/>
+                </a:solidFill>
                 <a:ea typeface="+mn-lt"/>
                 <a:cs typeface="+mn-lt"/>
               </a:rPr>
@@ -25573,13 +27283,19 @@
             </a:r>
             <a:r>
               <a:rPr lang="en-US" dirty="0">
+                <a:solidFill>
+                  <a:schemeClr val="bg1"/>
+                </a:solidFill>
                 <a:ea typeface="+mn-lt"/>
                 <a:cs typeface="+mn-lt"/>
               </a:rPr>
               <a:t> no </a:t>
             </a:r>
             <a:r>
-              <a:rPr lang="en-US" dirty="0" err="1">
+              <a:rPr lang="en-US" err="1">
+                <a:solidFill>
+                  <a:schemeClr val="bg1"/>
+                </a:solidFill>
                 <a:ea typeface="+mn-lt"/>
                 <a:cs typeface="+mn-lt"/>
               </a:rPr>
@@ -25587,13 +27303,19 @@
             </a:r>
             <a:r>
               <a:rPr lang="en-US" dirty="0">
+                <a:solidFill>
+                  <a:schemeClr val="bg1"/>
+                </a:solidFill>
                 <a:ea typeface="+mn-lt"/>
                 <a:cs typeface="+mn-lt"/>
               </a:rPr>
               <a:t>, o que, </a:t>
             </a:r>
             <a:r>
-              <a:rPr lang="en-US" dirty="0" err="1">
+              <a:rPr lang="en-US" err="1">
+                <a:solidFill>
+                  <a:schemeClr val="bg1"/>
+                </a:solidFill>
                 <a:ea typeface="+mn-lt"/>
                 <a:cs typeface="+mn-lt"/>
               </a:rPr>
@@ -25601,13 +27323,19 @@
             </a:r>
             <a:r>
               <a:rPr lang="en-US" dirty="0">
-                <a:ea typeface="+mn-lt"/>
-                <a:cs typeface="+mn-lt"/>
-              </a:rPr>
-              <a:t> </a:t>
-            </a:r>
-            <a:r>
-              <a:rPr lang="en-US" dirty="0" err="1">
+                <a:solidFill>
+                  <a:schemeClr val="bg1"/>
+                </a:solidFill>
+                <a:ea typeface="+mn-lt"/>
+                <a:cs typeface="+mn-lt"/>
+              </a:rPr>
+              <a:t> </a:t>
+            </a:r>
+            <a:r>
+              <a:rPr lang="en-US" err="1">
+                <a:solidFill>
+                  <a:schemeClr val="bg1"/>
+                </a:solidFill>
                 <a:ea typeface="+mn-lt"/>
                 <a:cs typeface="+mn-lt"/>
               </a:rPr>
@@ -25615,13 +27343,19 @@
             </a:r>
             <a:r>
               <a:rPr lang="en-US" dirty="0">
-                <a:ea typeface="+mn-lt"/>
-                <a:cs typeface="+mn-lt"/>
-              </a:rPr>
-              <a:t> </a:t>
-            </a:r>
-            <a:r>
-              <a:rPr lang="en-US" dirty="0" err="1">
+                <a:solidFill>
+                  <a:schemeClr val="bg1"/>
+                </a:solidFill>
+                <a:ea typeface="+mn-lt"/>
+                <a:cs typeface="+mn-lt"/>
+              </a:rPr>
+              <a:t> </a:t>
+            </a:r>
+            <a:r>
+              <a:rPr lang="en-US" err="1">
+                <a:solidFill>
+                  <a:schemeClr val="bg1"/>
+                </a:solidFill>
                 <a:ea typeface="+mn-lt"/>
                 <a:cs typeface="+mn-lt"/>
               </a:rPr>
@@ -25629,13 +27363,19 @@
             </a:r>
             <a:r>
               <a:rPr lang="en-US" dirty="0">
-                <a:ea typeface="+mn-lt"/>
-                <a:cs typeface="+mn-lt"/>
-              </a:rPr>
-              <a:t> </a:t>
-            </a:r>
-            <a:r>
-              <a:rPr lang="en-US" dirty="0" err="1">
+                <a:solidFill>
+                  <a:schemeClr val="bg1"/>
+                </a:solidFill>
+                <a:ea typeface="+mn-lt"/>
+                <a:cs typeface="+mn-lt"/>
+              </a:rPr>
+              <a:t> </a:t>
+            </a:r>
+            <a:r>
+              <a:rPr lang="en-US" err="1">
+                <a:solidFill>
+                  <a:schemeClr val="bg1"/>
+                </a:solidFill>
                 <a:ea typeface="+mn-lt"/>
                 <a:cs typeface="+mn-lt"/>
               </a:rPr>
@@ -25643,13 +27383,19 @@
             </a:r>
             <a:r>
               <a:rPr lang="en-US" dirty="0">
-                <a:ea typeface="+mn-lt"/>
-                <a:cs typeface="+mn-lt"/>
-              </a:rPr>
-              <a:t> </a:t>
-            </a:r>
-            <a:r>
-              <a:rPr lang="en-US" dirty="0" err="1">
+                <a:solidFill>
+                  <a:schemeClr val="bg1"/>
+                </a:solidFill>
+                <a:ea typeface="+mn-lt"/>
+                <a:cs typeface="+mn-lt"/>
+              </a:rPr>
+              <a:t> </a:t>
+            </a:r>
+            <a:r>
+              <a:rPr lang="en-US" err="1">
+                <a:solidFill>
+                  <a:schemeClr val="bg1"/>
+                </a:solidFill>
                 <a:ea typeface="+mn-lt"/>
                 <a:cs typeface="+mn-lt"/>
               </a:rPr>
@@ -25657,13 +27403,19 @@
             </a:r>
             <a:r>
               <a:rPr lang="en-US" dirty="0">
-                <a:ea typeface="+mn-lt"/>
-                <a:cs typeface="+mn-lt"/>
-              </a:rPr>
-              <a:t> </a:t>
-            </a:r>
-            <a:r>
-              <a:rPr lang="en-US" dirty="0" err="1">
+                <a:solidFill>
+                  <a:schemeClr val="bg1"/>
+                </a:solidFill>
+                <a:ea typeface="+mn-lt"/>
+                <a:cs typeface="+mn-lt"/>
+              </a:rPr>
+              <a:t> </a:t>
+            </a:r>
+            <a:r>
+              <a:rPr lang="en-US" err="1">
+                <a:solidFill>
+                  <a:schemeClr val="bg1"/>
+                </a:solidFill>
                 <a:ea typeface="+mn-lt"/>
                 <a:cs typeface="+mn-lt"/>
               </a:rPr>
@@ -25671,13 +27423,19 @@
             </a:r>
             <a:r>
               <a:rPr lang="en-US" dirty="0">
-                <a:ea typeface="+mn-lt"/>
-                <a:cs typeface="+mn-lt"/>
-              </a:rPr>
-              <a:t> </a:t>
-            </a:r>
-            <a:r>
-              <a:rPr lang="en-US" dirty="0" err="1">
+                <a:solidFill>
+                  <a:schemeClr val="bg1"/>
+                </a:solidFill>
+                <a:ea typeface="+mn-lt"/>
+                <a:cs typeface="+mn-lt"/>
+              </a:rPr>
+              <a:t> </a:t>
+            </a:r>
+            <a:r>
+              <a:rPr lang="en-US" err="1">
+                <a:solidFill>
+                  <a:schemeClr val="bg1"/>
+                </a:solidFill>
                 <a:ea typeface="+mn-lt"/>
                 <a:cs typeface="+mn-lt"/>
               </a:rPr>
@@ -25685,13 +27443,19 @@
             </a:r>
             <a:r>
               <a:rPr lang="en-US" dirty="0">
-                <a:ea typeface="+mn-lt"/>
-                <a:cs typeface="+mn-lt"/>
-              </a:rPr>
-              <a:t> </a:t>
-            </a:r>
-            <a:r>
-              <a:rPr lang="en-US" dirty="0" err="1">
+                <a:solidFill>
+                  <a:schemeClr val="bg1"/>
+                </a:solidFill>
+                <a:ea typeface="+mn-lt"/>
+                <a:cs typeface="+mn-lt"/>
+              </a:rPr>
+              <a:t> </a:t>
+            </a:r>
+            <a:r>
+              <a:rPr lang="en-US" err="1">
+                <a:solidFill>
+                  <a:schemeClr val="bg1"/>
+                </a:solidFill>
                 <a:ea typeface="+mn-lt"/>
                 <a:cs typeface="+mn-lt"/>
               </a:rPr>
@@ -25699,13 +27463,19 @@
             </a:r>
             <a:r>
               <a:rPr lang="en-US" dirty="0">
+                <a:solidFill>
+                  <a:schemeClr val="bg1"/>
+                </a:solidFill>
                 <a:ea typeface="+mn-lt"/>
                 <a:cs typeface="+mn-lt"/>
               </a:rPr>
               <a:t>, mas </a:t>
             </a:r>
             <a:r>
-              <a:rPr lang="en-US" dirty="0" err="1">
+              <a:rPr lang="en-US" err="1">
+                <a:solidFill>
+                  <a:schemeClr val="bg1"/>
+                </a:solidFill>
                 <a:ea typeface="+mn-lt"/>
                 <a:cs typeface="+mn-lt"/>
               </a:rPr>
@@ -25713,13 +27483,19 @@
             </a:r>
             <a:r>
               <a:rPr lang="en-US" dirty="0">
-                <a:ea typeface="+mn-lt"/>
-                <a:cs typeface="+mn-lt"/>
-              </a:rPr>
-              <a:t> </a:t>
-            </a:r>
-            <a:r>
-              <a:rPr lang="en-US" dirty="0" err="1">
+                <a:solidFill>
+                  <a:schemeClr val="bg1"/>
+                </a:solidFill>
+                <a:ea typeface="+mn-lt"/>
+                <a:cs typeface="+mn-lt"/>
+              </a:rPr>
+              <a:t> </a:t>
+            </a:r>
+            <a:r>
+              <a:rPr lang="en-US" err="1">
+                <a:solidFill>
+                  <a:schemeClr val="bg1"/>
+                </a:solidFill>
                 <a:ea typeface="+mn-lt"/>
                 <a:cs typeface="+mn-lt"/>
               </a:rPr>
@@ -25727,13 +27503,19 @@
             </a:r>
             <a:r>
               <a:rPr lang="en-US" dirty="0">
+                <a:solidFill>
+                  <a:schemeClr val="bg1"/>
+                </a:solidFill>
                 <a:ea typeface="+mn-lt"/>
                 <a:cs typeface="+mn-lt"/>
               </a:rPr>
               <a:t> a </a:t>
             </a:r>
             <a:r>
-              <a:rPr lang="en-US" dirty="0" err="1">
+              <a:rPr lang="en-US" err="1">
+                <a:solidFill>
+                  <a:schemeClr val="bg1"/>
+                </a:solidFill>
                 <a:ea typeface="+mn-lt"/>
                 <a:cs typeface="+mn-lt"/>
               </a:rPr>
@@ -25741,13 +27523,19 @@
             </a:r>
             <a:r>
               <a:rPr lang="en-US" dirty="0">
-                <a:ea typeface="+mn-lt"/>
-                <a:cs typeface="+mn-lt"/>
-              </a:rPr>
-              <a:t> </a:t>
-            </a:r>
-            <a:r>
-              <a:rPr lang="en-US" dirty="0" err="1">
+                <a:solidFill>
+                  <a:schemeClr val="bg1"/>
+                </a:solidFill>
+                <a:ea typeface="+mn-lt"/>
+                <a:cs typeface="+mn-lt"/>
+              </a:rPr>
+              <a:t> </a:t>
+            </a:r>
+            <a:r>
+              <a:rPr lang="en-US" err="1">
+                <a:solidFill>
+                  <a:schemeClr val="bg1"/>
+                </a:solidFill>
                 <a:ea typeface="+mn-lt"/>
                 <a:cs typeface="+mn-lt"/>
               </a:rPr>
@@ -25755,13 +27543,19 @@
             </a:r>
             <a:r>
               <a:rPr lang="en-US" dirty="0">
+                <a:solidFill>
+                  <a:schemeClr val="bg1"/>
+                </a:solidFill>
                 <a:ea typeface="+mn-lt"/>
                 <a:cs typeface="+mn-lt"/>
               </a:rPr>
               <a:t> da </a:t>
             </a:r>
             <a:r>
-              <a:rPr lang="en-US" dirty="0" err="1">
+              <a:rPr lang="en-US" err="1">
+                <a:solidFill>
+                  <a:schemeClr val="bg1"/>
+                </a:solidFill>
                 <a:ea typeface="+mn-lt"/>
                 <a:cs typeface="+mn-lt"/>
               </a:rPr>
@@ -25769,12 +27563,19 @@
             </a:r>
             <a:r>
               <a:rPr lang="en-US" dirty="0">
+                <a:solidFill>
+                  <a:schemeClr val="bg1"/>
+                </a:solidFill>
                 <a:ea typeface="+mn-lt"/>
                 <a:cs typeface="+mn-lt"/>
               </a:rPr>
               <a:t>.</a:t>
             </a:r>
-            <a:endParaRPr lang="en-US" dirty="0"/>
+            <a:endParaRPr lang="en-US">
+              <a:solidFill>
+                <a:schemeClr val="bg1"/>
+              </a:solidFill>
+            </a:endParaRPr>
           </a:p>
           <a:p>
             <a:pPr>
@@ -25783,7 +27584,10 @@
               </a:buClr>
             </a:pPr>
             <a:r>
-              <a:rPr lang="en-US" dirty="0" err="1">
+              <a:rPr lang="en-US" err="1">
+                <a:solidFill>
+                  <a:schemeClr val="bg1"/>
+                </a:solidFill>
                 <a:ea typeface="+mn-lt"/>
                 <a:cs typeface="+mn-lt"/>
               </a:rPr>
@@ -25791,13 +27595,19 @@
             </a:r>
             <a:r>
               <a:rPr lang="en-US" dirty="0">
-                <a:ea typeface="+mn-lt"/>
-                <a:cs typeface="+mn-lt"/>
-              </a:rPr>
-              <a:t> </a:t>
-            </a:r>
-            <a:r>
-              <a:rPr lang="en-US" dirty="0" err="1">
+                <a:solidFill>
+                  <a:schemeClr val="bg1"/>
+                </a:solidFill>
+                <a:ea typeface="+mn-lt"/>
+                <a:cs typeface="+mn-lt"/>
+              </a:rPr>
+              <a:t> </a:t>
+            </a:r>
+            <a:r>
+              <a:rPr lang="en-US" err="1">
+                <a:solidFill>
+                  <a:schemeClr val="bg1"/>
+                </a:solidFill>
                 <a:ea typeface="+mn-lt"/>
                 <a:cs typeface="+mn-lt"/>
               </a:rPr>
@@ -25805,13 +27615,19 @@
             </a:r>
             <a:r>
               <a:rPr lang="en-US" dirty="0">
-                <a:ea typeface="+mn-lt"/>
-                <a:cs typeface="+mn-lt"/>
-              </a:rPr>
-              <a:t> </a:t>
-            </a:r>
-            <a:r>
-              <a:rPr lang="en-US" dirty="0" err="1">
+                <a:solidFill>
+                  <a:schemeClr val="bg1"/>
+                </a:solidFill>
+                <a:ea typeface="+mn-lt"/>
+                <a:cs typeface="+mn-lt"/>
+              </a:rPr>
+              <a:t> </a:t>
+            </a:r>
+            <a:r>
+              <a:rPr lang="en-US" err="1">
+                <a:solidFill>
+                  <a:schemeClr val="bg1"/>
+                </a:solidFill>
                 <a:ea typeface="+mn-lt"/>
                 <a:cs typeface="+mn-lt"/>
               </a:rPr>
@@ -25819,13 +27635,19 @@
             </a:r>
             <a:r>
               <a:rPr lang="en-US" dirty="0">
-                <a:ea typeface="+mn-lt"/>
-                <a:cs typeface="+mn-lt"/>
-              </a:rPr>
-              <a:t> </a:t>
-            </a:r>
-            <a:r>
-              <a:rPr lang="en-US" dirty="0" err="1">
+                <a:solidFill>
+                  <a:schemeClr val="bg1"/>
+                </a:solidFill>
+                <a:ea typeface="+mn-lt"/>
+                <a:cs typeface="+mn-lt"/>
+              </a:rPr>
+              <a:t> </a:t>
+            </a:r>
+            <a:r>
+              <a:rPr lang="en-US" err="1">
+                <a:solidFill>
+                  <a:schemeClr val="bg1"/>
+                </a:solidFill>
                 <a:ea typeface="+mn-lt"/>
                 <a:cs typeface="+mn-lt"/>
               </a:rPr>
@@ -25833,13 +27655,19 @@
             </a:r>
             <a:r>
               <a:rPr lang="en-US" dirty="0">
+                <a:solidFill>
+                  <a:schemeClr val="bg1"/>
+                </a:solidFill>
                 <a:ea typeface="+mn-lt"/>
                 <a:cs typeface="+mn-lt"/>
               </a:rPr>
               <a:t> das </a:t>
             </a:r>
             <a:r>
-              <a:rPr lang="en-US" dirty="0" err="1">
+              <a:rPr lang="en-US" err="1">
+                <a:solidFill>
+                  <a:schemeClr val="bg1"/>
+                </a:solidFill>
                 <a:ea typeface="+mn-lt"/>
                 <a:cs typeface="+mn-lt"/>
               </a:rPr>
@@ -25847,13 +27675,19 @@
             </a:r>
             <a:r>
               <a:rPr lang="en-US" dirty="0">
-                <a:ea typeface="+mn-lt"/>
-                <a:cs typeface="+mn-lt"/>
-              </a:rPr>
-              <a:t> </a:t>
-            </a:r>
-            <a:r>
-              <a:rPr lang="en-US" dirty="0" err="1">
+                <a:solidFill>
+                  <a:schemeClr val="bg1"/>
+                </a:solidFill>
+                <a:ea typeface="+mn-lt"/>
+                <a:cs typeface="+mn-lt"/>
+              </a:rPr>
+              <a:t> </a:t>
+            </a:r>
+            <a:r>
+              <a:rPr lang="en-US" err="1">
+                <a:solidFill>
+                  <a:schemeClr val="bg1"/>
+                </a:solidFill>
                 <a:ea typeface="+mn-lt"/>
                 <a:cs typeface="+mn-lt"/>
               </a:rPr>
@@ -25861,13 +27695,19 @@
             </a:r>
             <a:r>
               <a:rPr lang="en-US" dirty="0">
+                <a:solidFill>
+                  <a:schemeClr val="bg1"/>
+                </a:solidFill>
                 <a:ea typeface="+mn-lt"/>
                 <a:cs typeface="+mn-lt"/>
               </a:rPr>
               <a:t> para o </a:t>
             </a:r>
             <a:r>
-              <a:rPr lang="en-US" dirty="0" err="1">
+              <a:rPr lang="en-US" err="1">
+                <a:solidFill>
+                  <a:schemeClr val="bg1"/>
+                </a:solidFill>
                 <a:ea typeface="+mn-lt"/>
                 <a:cs typeface="+mn-lt"/>
               </a:rPr>
@@ -25875,13 +27715,19 @@
             </a:r>
             <a:r>
               <a:rPr lang="en-US" dirty="0">
+                <a:solidFill>
+                  <a:schemeClr val="bg1"/>
+                </a:solidFill>
                 <a:ea typeface="+mn-lt"/>
                 <a:cs typeface="+mn-lt"/>
               </a:rPr>
               <a:t> da </a:t>
             </a:r>
             <a:r>
-              <a:rPr lang="en-US" dirty="0" err="1">
+              <a:rPr lang="en-US" err="1">
+                <a:solidFill>
+                  <a:schemeClr val="bg1"/>
+                </a:solidFill>
                 <a:ea typeface="+mn-lt"/>
                 <a:cs typeface="+mn-lt"/>
               </a:rPr>
@@ -25889,13 +27735,19 @@
             </a:r>
             <a:r>
               <a:rPr lang="en-US" dirty="0">
+                <a:solidFill>
+                  <a:schemeClr val="bg1"/>
+                </a:solidFill>
                 <a:ea typeface="+mn-lt"/>
                 <a:cs typeface="+mn-lt"/>
               </a:rPr>
               <a:t>. </a:t>
             </a:r>
             <a:r>
-              <a:rPr lang="en-US" dirty="0" err="1">
+              <a:rPr lang="en-US" err="1">
+                <a:solidFill>
+                  <a:schemeClr val="bg1"/>
+                </a:solidFill>
                 <a:ea typeface="+mn-lt"/>
                 <a:cs typeface="+mn-lt"/>
               </a:rPr>
@@ -25903,13 +27755,19 @@
             </a:r>
             <a:r>
               <a:rPr lang="en-US" dirty="0">
-                <a:ea typeface="+mn-lt"/>
-                <a:cs typeface="+mn-lt"/>
-              </a:rPr>
-              <a:t> </a:t>
-            </a:r>
-            <a:r>
-              <a:rPr lang="en-US" dirty="0" err="1">
+                <a:solidFill>
+                  <a:schemeClr val="bg1"/>
+                </a:solidFill>
+                <a:ea typeface="+mn-lt"/>
+                <a:cs typeface="+mn-lt"/>
+              </a:rPr>
+              <a:t> </a:t>
+            </a:r>
+            <a:r>
+              <a:rPr lang="en-US" err="1">
+                <a:solidFill>
+                  <a:schemeClr val="bg1"/>
+                </a:solidFill>
                 <a:ea typeface="+mn-lt"/>
                 <a:cs typeface="+mn-lt"/>
               </a:rPr>
@@ -25917,13 +27775,19 @@
             </a:r>
             <a:r>
               <a:rPr lang="en-US" dirty="0">
-                <a:ea typeface="+mn-lt"/>
-                <a:cs typeface="+mn-lt"/>
-              </a:rPr>
-              <a:t> </a:t>
-            </a:r>
-            <a:r>
-              <a:rPr lang="en-US" dirty="0" err="1">
+                <a:solidFill>
+                  <a:schemeClr val="bg1"/>
+                </a:solidFill>
+                <a:ea typeface="+mn-lt"/>
+                <a:cs typeface="+mn-lt"/>
+              </a:rPr>
+              <a:t> </a:t>
+            </a:r>
+            <a:r>
+              <a:rPr lang="en-US" err="1">
+                <a:solidFill>
+                  <a:schemeClr val="bg1"/>
+                </a:solidFill>
                 <a:ea typeface="+mn-lt"/>
                 <a:cs typeface="+mn-lt"/>
               </a:rPr>
@@ -25931,13 +27795,19 @@
             </a:r>
             <a:r>
               <a:rPr lang="en-US" dirty="0">
-                <a:ea typeface="+mn-lt"/>
-                <a:cs typeface="+mn-lt"/>
-              </a:rPr>
-              <a:t> </a:t>
-            </a:r>
-            <a:r>
-              <a:rPr lang="en-US" dirty="0" err="1">
+                <a:solidFill>
+                  <a:schemeClr val="bg1"/>
+                </a:solidFill>
+                <a:ea typeface="+mn-lt"/>
+                <a:cs typeface="+mn-lt"/>
+              </a:rPr>
+              <a:t> </a:t>
+            </a:r>
+            <a:r>
+              <a:rPr lang="en-US" err="1">
+                <a:solidFill>
+                  <a:schemeClr val="bg1"/>
+                </a:solidFill>
                 <a:ea typeface="+mn-lt"/>
                 <a:cs typeface="+mn-lt"/>
               </a:rPr>
@@ -25945,13 +27815,19 @@
             </a:r>
             <a:r>
               <a:rPr lang="en-US" dirty="0">
+                <a:solidFill>
+                  <a:schemeClr val="bg1"/>
+                </a:solidFill>
                 <a:ea typeface="+mn-lt"/>
                 <a:cs typeface="+mn-lt"/>
               </a:rPr>
               <a:t> de </a:t>
             </a:r>
             <a:r>
-              <a:rPr lang="en-US" dirty="0" err="1">
+              <a:rPr lang="en-US" err="1">
+                <a:solidFill>
+                  <a:schemeClr val="bg1"/>
+                </a:solidFill>
                 <a:ea typeface="+mn-lt"/>
                 <a:cs typeface="+mn-lt"/>
               </a:rPr>
@@ -25959,13 +27835,19 @@
             </a:r>
             <a:r>
               <a:rPr lang="en-US" dirty="0">
-                <a:ea typeface="+mn-lt"/>
-                <a:cs typeface="+mn-lt"/>
-              </a:rPr>
-              <a:t> </a:t>
-            </a:r>
-            <a:r>
-              <a:rPr lang="en-US" dirty="0" err="1">
+                <a:solidFill>
+                  <a:schemeClr val="bg1"/>
+                </a:solidFill>
+                <a:ea typeface="+mn-lt"/>
+                <a:cs typeface="+mn-lt"/>
+              </a:rPr>
+              <a:t> </a:t>
+            </a:r>
+            <a:r>
+              <a:rPr lang="en-US" err="1">
+                <a:solidFill>
+                  <a:schemeClr val="bg1"/>
+                </a:solidFill>
                 <a:ea typeface="+mn-lt"/>
                 <a:cs typeface="+mn-lt"/>
               </a:rPr>
@@ -25973,13 +27855,19 @@
             </a:r>
             <a:r>
               <a:rPr lang="en-US" dirty="0">
+                <a:solidFill>
+                  <a:schemeClr val="bg1"/>
+                </a:solidFill>
                 <a:ea typeface="+mn-lt"/>
                 <a:cs typeface="+mn-lt"/>
               </a:rPr>
               <a:t> e </a:t>
             </a:r>
             <a:r>
-              <a:rPr lang="en-US" dirty="0" err="1">
+              <a:rPr lang="en-US" err="1">
+                <a:solidFill>
+                  <a:schemeClr val="bg1"/>
+                </a:solidFill>
                 <a:ea typeface="+mn-lt"/>
                 <a:cs typeface="+mn-lt"/>
               </a:rPr>
@@ -25987,13 +27875,19 @@
             </a:r>
             <a:r>
               <a:rPr lang="en-US" dirty="0">
-                <a:ea typeface="+mn-lt"/>
-                <a:cs typeface="+mn-lt"/>
-              </a:rPr>
-              <a:t> </a:t>
-            </a:r>
-            <a:r>
-              <a:rPr lang="en-US" dirty="0" err="1">
+                <a:solidFill>
+                  <a:schemeClr val="bg1"/>
+                </a:solidFill>
+                <a:ea typeface="+mn-lt"/>
+                <a:cs typeface="+mn-lt"/>
+              </a:rPr>
+              <a:t> </a:t>
+            </a:r>
+            <a:r>
+              <a:rPr lang="en-US" err="1">
+                <a:solidFill>
+                  <a:schemeClr val="bg1"/>
+                </a:solidFill>
                 <a:ea typeface="+mn-lt"/>
                 <a:cs typeface="+mn-lt"/>
               </a:rPr>
@@ -26001,13 +27895,19 @@
             </a:r>
             <a:r>
               <a:rPr lang="en-US" dirty="0">
-                <a:ea typeface="+mn-lt"/>
-                <a:cs typeface="+mn-lt"/>
-              </a:rPr>
-              <a:t> </a:t>
-            </a:r>
-            <a:r>
-              <a:rPr lang="en-US" dirty="0" err="1">
+                <a:solidFill>
+                  <a:schemeClr val="bg1"/>
+                </a:solidFill>
+                <a:ea typeface="+mn-lt"/>
+                <a:cs typeface="+mn-lt"/>
+              </a:rPr>
+              <a:t> </a:t>
+            </a:r>
+            <a:r>
+              <a:rPr lang="en-US" err="1">
+                <a:solidFill>
+                  <a:schemeClr val="bg1"/>
+                </a:solidFill>
                 <a:ea typeface="+mn-lt"/>
                 <a:cs typeface="+mn-lt"/>
               </a:rPr>
@@ -26015,13 +27915,19 @@
             </a:r>
             <a:r>
               <a:rPr lang="en-US" dirty="0">
-                <a:ea typeface="+mn-lt"/>
-                <a:cs typeface="+mn-lt"/>
-              </a:rPr>
-              <a:t> </a:t>
-            </a:r>
-            <a:r>
-              <a:rPr lang="en-US" dirty="0" err="1">
+                <a:solidFill>
+                  <a:schemeClr val="bg1"/>
+                </a:solidFill>
+                <a:ea typeface="+mn-lt"/>
+                <a:cs typeface="+mn-lt"/>
+              </a:rPr>
+              <a:t> </a:t>
+            </a:r>
+            <a:r>
+              <a:rPr lang="en-US" err="1">
+                <a:solidFill>
+                  <a:schemeClr val="bg1"/>
+                </a:solidFill>
                 <a:ea typeface="+mn-lt"/>
                 <a:cs typeface="+mn-lt"/>
               </a:rPr>
@@ -26029,13 +27935,19 @@
             </a:r>
             <a:r>
               <a:rPr lang="en-US" dirty="0">
-                <a:ea typeface="+mn-lt"/>
-                <a:cs typeface="+mn-lt"/>
-              </a:rPr>
-              <a:t> </a:t>
-            </a:r>
-            <a:r>
-              <a:rPr lang="en-US" dirty="0" err="1">
+                <a:solidFill>
+                  <a:schemeClr val="bg1"/>
+                </a:solidFill>
+                <a:ea typeface="+mn-lt"/>
+                <a:cs typeface="+mn-lt"/>
+              </a:rPr>
+              <a:t> </a:t>
+            </a:r>
+            <a:r>
+              <a:rPr lang="en-US" err="1">
+                <a:solidFill>
+                  <a:schemeClr val="bg1"/>
+                </a:solidFill>
                 <a:ea typeface="+mn-lt"/>
                 <a:cs typeface="+mn-lt"/>
               </a:rPr>
@@ -26043,13 +27955,19 @@
             </a:r>
             <a:r>
               <a:rPr lang="en-US" dirty="0">
-                <a:ea typeface="+mn-lt"/>
-                <a:cs typeface="+mn-lt"/>
-              </a:rPr>
-              <a:t> </a:t>
-            </a:r>
-            <a:r>
-              <a:rPr lang="en-US" dirty="0" err="1">
+                <a:solidFill>
+                  <a:schemeClr val="bg1"/>
+                </a:solidFill>
+                <a:ea typeface="+mn-lt"/>
+                <a:cs typeface="+mn-lt"/>
+              </a:rPr>
+              <a:t> </a:t>
+            </a:r>
+            <a:r>
+              <a:rPr lang="en-US" err="1">
+                <a:solidFill>
+                  <a:schemeClr val="bg1"/>
+                </a:solidFill>
                 <a:ea typeface="+mn-lt"/>
                 <a:cs typeface="+mn-lt"/>
               </a:rPr>
@@ -26057,13 +27975,19 @@
             </a:r>
             <a:r>
               <a:rPr lang="en-US" dirty="0">
+                <a:solidFill>
+                  <a:schemeClr val="bg1"/>
+                </a:solidFill>
                 <a:ea typeface="+mn-lt"/>
                 <a:cs typeface="+mn-lt"/>
               </a:rPr>
               <a:t>, </a:t>
             </a:r>
             <a:r>
-              <a:rPr lang="en-US" dirty="0" err="1">
+              <a:rPr lang="en-US" err="1">
+                <a:solidFill>
+                  <a:schemeClr val="bg1"/>
+                </a:solidFill>
                 <a:ea typeface="+mn-lt"/>
                 <a:cs typeface="+mn-lt"/>
               </a:rPr>
@@ -26071,13 +27995,19 @@
             </a:r>
             <a:r>
               <a:rPr lang="en-US" dirty="0">
-                <a:ea typeface="+mn-lt"/>
-                <a:cs typeface="+mn-lt"/>
-              </a:rPr>
-              <a:t> </a:t>
-            </a:r>
-            <a:r>
-              <a:rPr lang="en-US" dirty="0" err="1">
+                <a:solidFill>
+                  <a:schemeClr val="bg1"/>
+                </a:solidFill>
+                <a:ea typeface="+mn-lt"/>
+                <a:cs typeface="+mn-lt"/>
+              </a:rPr>
+              <a:t> </a:t>
+            </a:r>
+            <a:r>
+              <a:rPr lang="en-US" err="1">
+                <a:solidFill>
+                  <a:schemeClr val="bg1"/>
+                </a:solidFill>
                 <a:ea typeface="+mn-lt"/>
                 <a:cs typeface="+mn-lt"/>
               </a:rPr>
@@ -26085,13 +28015,19 @@
             </a:r>
             <a:r>
               <a:rPr lang="en-US" dirty="0">
-                <a:ea typeface="+mn-lt"/>
-                <a:cs typeface="+mn-lt"/>
-              </a:rPr>
-              <a:t> </a:t>
-            </a:r>
-            <a:r>
-              <a:rPr lang="en-US" dirty="0" err="1">
+                <a:solidFill>
+                  <a:schemeClr val="bg1"/>
+                </a:solidFill>
+                <a:ea typeface="+mn-lt"/>
+                <a:cs typeface="+mn-lt"/>
+              </a:rPr>
+              <a:t> </a:t>
+            </a:r>
+            <a:r>
+              <a:rPr lang="en-US" err="1">
+                <a:solidFill>
+                  <a:schemeClr val="bg1"/>
+                </a:solidFill>
                 <a:ea typeface="+mn-lt"/>
                 <a:cs typeface="+mn-lt"/>
               </a:rPr>
@@ -26099,13 +28035,19 @@
             </a:r>
             <a:r>
               <a:rPr lang="en-US" dirty="0">
+                <a:solidFill>
+                  <a:schemeClr val="bg1"/>
+                </a:solidFill>
                 <a:ea typeface="+mn-lt"/>
                 <a:cs typeface="+mn-lt"/>
               </a:rPr>
               <a:t> ser </a:t>
             </a:r>
             <a:r>
-              <a:rPr lang="en-US" dirty="0" err="1">
+              <a:rPr lang="en-US" err="1">
+                <a:solidFill>
+                  <a:schemeClr val="bg1"/>
+                </a:solidFill>
                 <a:ea typeface="+mn-lt"/>
                 <a:cs typeface="+mn-lt"/>
               </a:rPr>
@@ -26113,13 +28055,19 @@
             </a:r>
             <a:r>
               <a:rPr lang="en-US" dirty="0">
-                <a:ea typeface="+mn-lt"/>
-                <a:cs typeface="+mn-lt"/>
-              </a:rPr>
-              <a:t> </a:t>
-            </a:r>
-            <a:r>
-              <a:rPr lang="en-US" dirty="0" err="1">
+                <a:solidFill>
+                  <a:schemeClr val="bg1"/>
+                </a:solidFill>
+                <a:ea typeface="+mn-lt"/>
+                <a:cs typeface="+mn-lt"/>
+              </a:rPr>
+              <a:t> </a:t>
+            </a:r>
+            <a:r>
+              <a:rPr lang="en-US" err="1">
+                <a:solidFill>
+                  <a:schemeClr val="bg1"/>
+                </a:solidFill>
                 <a:ea typeface="+mn-lt"/>
                 <a:cs typeface="+mn-lt"/>
               </a:rPr>
@@ -26127,13 +28075,19 @@
             </a:r>
             <a:r>
               <a:rPr lang="en-US" dirty="0">
-                <a:ea typeface="+mn-lt"/>
-                <a:cs typeface="+mn-lt"/>
-              </a:rPr>
-              <a:t> </a:t>
-            </a:r>
-            <a:r>
-              <a:rPr lang="en-US" dirty="0" err="1">
+                <a:solidFill>
+                  <a:schemeClr val="bg1"/>
+                </a:solidFill>
+                <a:ea typeface="+mn-lt"/>
+                <a:cs typeface="+mn-lt"/>
+              </a:rPr>
+              <a:t> </a:t>
+            </a:r>
+            <a:r>
+              <a:rPr lang="en-US" err="1">
+                <a:solidFill>
+                  <a:schemeClr val="bg1"/>
+                </a:solidFill>
                 <a:ea typeface="+mn-lt"/>
                 <a:cs typeface="+mn-lt"/>
               </a:rPr>
@@ -26141,13 +28095,19 @@
             </a:r>
             <a:r>
               <a:rPr lang="en-US" dirty="0">
+                <a:solidFill>
+                  <a:schemeClr val="bg1"/>
+                </a:solidFill>
                 <a:ea typeface="+mn-lt"/>
                 <a:cs typeface="+mn-lt"/>
               </a:rPr>
               <a:t> para </a:t>
             </a:r>
             <a:r>
-              <a:rPr lang="en-US" dirty="0" err="1">
+              <a:rPr lang="en-US" err="1">
+                <a:solidFill>
+                  <a:schemeClr val="bg1"/>
+                </a:solidFill>
                 <a:ea typeface="+mn-lt"/>
                 <a:cs typeface="+mn-lt"/>
               </a:rPr>
@@ -26155,13 +28115,19 @@
             </a:r>
             <a:r>
               <a:rPr lang="en-US" dirty="0">
+                <a:solidFill>
+                  <a:schemeClr val="bg1"/>
+                </a:solidFill>
                 <a:ea typeface="+mn-lt"/>
                 <a:cs typeface="+mn-lt"/>
               </a:rPr>
               <a:t> e resolver </a:t>
             </a:r>
             <a:r>
-              <a:rPr lang="en-US" dirty="0" err="1">
+              <a:rPr lang="en-US" err="1">
+                <a:solidFill>
+                  <a:schemeClr val="bg1"/>
+                </a:solidFill>
                 <a:ea typeface="+mn-lt"/>
                 <a:cs typeface="+mn-lt"/>
               </a:rPr>
@@ -26169,13 +28135,19 @@
             </a:r>
             <a:r>
               <a:rPr lang="en-US" dirty="0">
-                <a:ea typeface="+mn-lt"/>
-                <a:cs typeface="+mn-lt"/>
-              </a:rPr>
-              <a:t> </a:t>
-            </a:r>
-            <a:r>
-              <a:rPr lang="en-US" dirty="0" err="1">
+                <a:solidFill>
+                  <a:schemeClr val="bg1"/>
+                </a:solidFill>
+                <a:ea typeface="+mn-lt"/>
+                <a:cs typeface="+mn-lt"/>
+              </a:rPr>
+              <a:t> </a:t>
+            </a:r>
+            <a:r>
+              <a:rPr lang="en-US" err="1">
+                <a:solidFill>
+                  <a:schemeClr val="bg1"/>
+                </a:solidFill>
                 <a:ea typeface="+mn-lt"/>
                 <a:cs typeface="+mn-lt"/>
               </a:rPr>
@@ -26183,13 +28155,19 @@
             </a:r>
             <a:r>
               <a:rPr lang="en-US" dirty="0">
-                <a:ea typeface="+mn-lt"/>
-                <a:cs typeface="+mn-lt"/>
-              </a:rPr>
-              <a:t> </a:t>
-            </a:r>
-            <a:r>
-              <a:rPr lang="en-US" dirty="0" err="1">
+                <a:solidFill>
+                  <a:schemeClr val="bg1"/>
+                </a:solidFill>
+                <a:ea typeface="+mn-lt"/>
+                <a:cs typeface="+mn-lt"/>
+              </a:rPr>
+              <a:t> </a:t>
+            </a:r>
+            <a:r>
+              <a:rPr lang="en-US" err="1">
+                <a:solidFill>
+                  <a:schemeClr val="bg1"/>
+                </a:solidFill>
                 <a:ea typeface="+mn-lt"/>
                 <a:cs typeface="+mn-lt"/>
               </a:rPr>
@@ -26197,13 +28175,19 @@
             </a:r>
             <a:r>
               <a:rPr lang="en-US" dirty="0">
-                <a:ea typeface="+mn-lt"/>
-                <a:cs typeface="+mn-lt"/>
-              </a:rPr>
-              <a:t> </a:t>
-            </a:r>
-            <a:r>
-              <a:rPr lang="en-US" dirty="0" err="1">
+                <a:solidFill>
+                  <a:schemeClr val="bg1"/>
+                </a:solidFill>
+                <a:ea typeface="+mn-lt"/>
+                <a:cs typeface="+mn-lt"/>
+              </a:rPr>
+              <a:t> </a:t>
+            </a:r>
+            <a:r>
+              <a:rPr lang="en-US" err="1">
+                <a:solidFill>
+                  <a:schemeClr val="bg1"/>
+                </a:solidFill>
                 <a:ea typeface="+mn-lt"/>
                 <a:cs typeface="+mn-lt"/>
               </a:rPr>
@@ -26211,13 +28195,19 @@
             </a:r>
             <a:r>
               <a:rPr lang="en-US" dirty="0">
-                <a:ea typeface="+mn-lt"/>
-                <a:cs typeface="+mn-lt"/>
-              </a:rPr>
-              <a:t> </a:t>
-            </a:r>
-            <a:r>
-              <a:rPr lang="en-US" dirty="0" err="1">
+                <a:solidFill>
+                  <a:schemeClr val="bg1"/>
+                </a:solidFill>
+                <a:ea typeface="+mn-lt"/>
+                <a:cs typeface="+mn-lt"/>
+              </a:rPr>
+              <a:t> </a:t>
+            </a:r>
+            <a:r>
+              <a:rPr lang="en-US" err="1">
+                <a:solidFill>
+                  <a:schemeClr val="bg1"/>
+                </a:solidFill>
                 <a:ea typeface="+mn-lt"/>
                 <a:cs typeface="+mn-lt"/>
               </a:rPr>
@@ -26225,13 +28215,19 @@
             </a:r>
             <a:r>
               <a:rPr lang="en-US" dirty="0">
-                <a:ea typeface="+mn-lt"/>
-                <a:cs typeface="+mn-lt"/>
-              </a:rPr>
-              <a:t> </a:t>
-            </a:r>
-            <a:r>
-              <a:rPr lang="en-US" dirty="0" err="1">
+                <a:solidFill>
+                  <a:schemeClr val="bg1"/>
+                </a:solidFill>
+                <a:ea typeface="+mn-lt"/>
+                <a:cs typeface="+mn-lt"/>
+              </a:rPr>
+              <a:t> </a:t>
+            </a:r>
+            <a:r>
+              <a:rPr lang="en-US" err="1">
+                <a:solidFill>
+                  <a:schemeClr val="bg1"/>
+                </a:solidFill>
                 <a:ea typeface="+mn-lt"/>
                 <a:cs typeface="+mn-lt"/>
               </a:rPr>
@@ -26239,13 +28235,19 @@
             </a:r>
             <a:r>
               <a:rPr lang="en-US" dirty="0">
+                <a:solidFill>
+                  <a:schemeClr val="bg1"/>
+                </a:solidFill>
                 <a:ea typeface="+mn-lt"/>
                 <a:cs typeface="+mn-lt"/>
               </a:rPr>
               <a:t> dos </a:t>
             </a:r>
             <a:r>
-              <a:rPr lang="en-US" dirty="0" err="1">
+              <a:rPr lang="en-US" err="1">
+                <a:solidFill>
+                  <a:schemeClr val="bg1"/>
+                </a:solidFill>
                 <a:ea typeface="+mn-lt"/>
                 <a:cs typeface="+mn-lt"/>
               </a:rPr>
@@ -26253,13 +28255,19 @@
             </a:r>
             <a:r>
               <a:rPr lang="en-US" dirty="0">
-                <a:ea typeface="+mn-lt"/>
-                <a:cs typeface="+mn-lt"/>
-              </a:rPr>
-              <a:t> </a:t>
-            </a:r>
-            <a:r>
-              <a:rPr lang="en-US" dirty="0" err="1">
+                <a:solidFill>
+                  <a:schemeClr val="bg1"/>
+                </a:solidFill>
+                <a:ea typeface="+mn-lt"/>
+                <a:cs typeface="+mn-lt"/>
+              </a:rPr>
+              <a:t> </a:t>
+            </a:r>
+            <a:r>
+              <a:rPr lang="en-US" err="1">
+                <a:solidFill>
+                  <a:schemeClr val="bg1"/>
+                </a:solidFill>
                 <a:ea typeface="+mn-lt"/>
                 <a:cs typeface="+mn-lt"/>
               </a:rPr>
@@ -26267,13 +28275,19 @@
             </a:r>
             <a:r>
               <a:rPr lang="en-US" dirty="0">
-                <a:ea typeface="+mn-lt"/>
-                <a:cs typeface="+mn-lt"/>
-              </a:rPr>
-              <a:t> </a:t>
-            </a:r>
-            <a:r>
-              <a:rPr lang="en-US" dirty="0" err="1">
+                <a:solidFill>
+                  <a:schemeClr val="bg1"/>
+                </a:solidFill>
+                <a:ea typeface="+mn-lt"/>
+                <a:cs typeface="+mn-lt"/>
+              </a:rPr>
+              <a:t> </a:t>
+            </a:r>
+            <a:r>
+              <a:rPr lang="en-US" err="1">
+                <a:solidFill>
+                  <a:schemeClr val="bg1"/>
+                </a:solidFill>
                 <a:ea typeface="+mn-lt"/>
                 <a:cs typeface="+mn-lt"/>
               </a:rPr>
@@ -26281,12 +28295,19 @@
             </a:r>
             <a:r>
               <a:rPr lang="en-US" dirty="0">
+                <a:solidFill>
+                  <a:schemeClr val="bg1"/>
+                </a:solidFill>
                 <a:ea typeface="+mn-lt"/>
                 <a:cs typeface="+mn-lt"/>
               </a:rPr>
               <a:t>.</a:t>
             </a:r>
-            <a:endParaRPr lang="en-US" dirty="0"/>
+            <a:endParaRPr lang="en-US">
+              <a:solidFill>
+                <a:schemeClr val="bg1"/>
+              </a:solidFill>
+            </a:endParaRPr>
           </a:p>
         </p:txBody>
       </p:sp>
@@ -26300,6 +28321,18 @@
   <p:clrMapOvr>
     <a:masterClrMapping/>
   </p:clrMapOvr>
+  <mc:AlternateContent xmlns:mc="http://schemas.openxmlformats.org/markup-compatibility/2006">
+    <mc:Choice xmlns:p14="http://schemas.microsoft.com/office/powerpoint/2010/main" Requires="p14">
+      <p:transition spd="slow" p14:dur="1250">
+        <p:pull/>
+      </p:transition>
+    </mc:Choice>
+    <mc:Fallback>
+      <p:transition spd="slow">
+        <p:pull/>
+      </p:transition>
+    </mc:Fallback>
+  </mc:AlternateContent>
 </p:sld>
 </file>
 
@@ -26342,12 +28375,14 @@
           <a:lstStyle/>
           <a:p>
             <a:r>
-              <a:rPr lang="en-US" dirty="0">
+              <a:rPr lang="en-US" b="1" dirty="0">
                 <a:cs typeface="Posterama"/>
               </a:rPr>
               <a:t>OBJETIVO DO TRABALHO</a:t>
             </a:r>
-            <a:endParaRPr lang="en-US" dirty="0"/>
+            <a:endParaRPr lang="en-US" b="1">
+              <a:cs typeface="Posterama"/>
+            </a:endParaRPr>
           </a:p>
         </p:txBody>
       </p:sp>
@@ -26367,7 +28402,12 @@
             <p:ph idx="1"/>
           </p:nvPr>
         </p:nvSpPr>
-        <p:spPr/>
+        <p:spPr>
+          <a:xfrm>
+            <a:off x="457200" y="2404181"/>
+            <a:ext cx="10722932" cy="4351338"/>
+          </a:xfrm>
+        </p:spPr>
         <p:txBody>
           <a:bodyPr vert="horz" lIns="91440" tIns="45720" rIns="91440" bIns="45720" rtlCol="0" anchor="t">
             <a:normAutofit/>
@@ -26495,146 +28535,6 @@
                 <a:cs typeface="+mn-lt"/>
               </a:rPr>
               <a:t>espacial</a:t>
-            </a:r>
-            <a:r>
-              <a:rPr lang="en-US" dirty="0">
-                <a:ea typeface="+mn-lt"/>
-                <a:cs typeface="+mn-lt"/>
-              </a:rPr>
-              <a:t>. </a:t>
-            </a:r>
-            <a:r>
-              <a:rPr lang="en-US" dirty="0" err="1">
-                <a:ea typeface="+mn-lt"/>
-                <a:cs typeface="+mn-lt"/>
-              </a:rPr>
-              <a:t>Análise</a:t>
-            </a:r>
-            <a:r>
-              <a:rPr lang="en-US" dirty="0">
-                <a:ea typeface="+mn-lt"/>
-                <a:cs typeface="+mn-lt"/>
-              </a:rPr>
-              <a:t> de dados </a:t>
-            </a:r>
-            <a:r>
-              <a:rPr lang="en-US" dirty="0" err="1">
-                <a:ea typeface="+mn-lt"/>
-                <a:cs typeface="+mn-lt"/>
-              </a:rPr>
-              <a:t>estatísticos</a:t>
-            </a:r>
-            <a:r>
-              <a:rPr lang="en-US" dirty="0">
-                <a:ea typeface="+mn-lt"/>
-                <a:cs typeface="+mn-lt"/>
-              </a:rPr>
-              <a:t> e </a:t>
-            </a:r>
-            <a:r>
-              <a:rPr lang="en-US" dirty="0" err="1">
-                <a:ea typeface="+mn-lt"/>
-                <a:cs typeface="+mn-lt"/>
-              </a:rPr>
-              <a:t>cálculos</a:t>
-            </a:r>
-            <a:r>
-              <a:rPr lang="en-US" dirty="0">
-                <a:ea typeface="+mn-lt"/>
-                <a:cs typeface="+mn-lt"/>
-              </a:rPr>
-              <a:t> </a:t>
-            </a:r>
-            <a:r>
-              <a:rPr lang="en-US" dirty="0" err="1">
-                <a:ea typeface="+mn-lt"/>
-                <a:cs typeface="+mn-lt"/>
-              </a:rPr>
-              <a:t>aplicando</a:t>
-            </a:r>
-            <a:r>
-              <a:rPr lang="en-US" dirty="0">
-                <a:ea typeface="+mn-lt"/>
-                <a:cs typeface="+mn-lt"/>
-              </a:rPr>
-              <a:t> à </a:t>
-            </a:r>
-            <a:r>
-              <a:rPr lang="en-US" dirty="0" err="1">
-                <a:ea typeface="+mn-lt"/>
-                <a:cs typeface="+mn-lt"/>
-              </a:rPr>
-              <a:t>frequência</a:t>
-            </a:r>
-            <a:r>
-              <a:rPr lang="en-US" dirty="0">
-                <a:ea typeface="+mn-lt"/>
-                <a:cs typeface="+mn-lt"/>
-              </a:rPr>
-              <a:t> </a:t>
-            </a:r>
-            <a:r>
-              <a:rPr lang="en-US" dirty="0" err="1">
-                <a:ea typeface="+mn-lt"/>
-                <a:cs typeface="+mn-lt"/>
-              </a:rPr>
-              <a:t>absoluta</a:t>
-            </a:r>
-            <a:r>
-              <a:rPr lang="en-US" dirty="0">
-                <a:ea typeface="+mn-lt"/>
-                <a:cs typeface="+mn-lt"/>
-              </a:rPr>
-              <a:t> e </a:t>
-            </a:r>
-            <a:r>
-              <a:rPr lang="en-US" dirty="0" err="1">
-                <a:ea typeface="+mn-lt"/>
-                <a:cs typeface="+mn-lt"/>
-              </a:rPr>
-              <a:t>relativa</a:t>
-            </a:r>
-            <a:r>
-              <a:rPr lang="en-US" dirty="0">
-                <a:ea typeface="+mn-lt"/>
-                <a:cs typeface="+mn-lt"/>
-              </a:rPr>
-              <a:t>, </a:t>
-            </a:r>
-            <a:r>
-              <a:rPr lang="en-US" dirty="0" err="1">
-                <a:ea typeface="+mn-lt"/>
-                <a:cs typeface="+mn-lt"/>
-              </a:rPr>
-              <a:t>média</a:t>
-            </a:r>
-            <a:r>
-              <a:rPr lang="en-US" dirty="0">
-                <a:ea typeface="+mn-lt"/>
-                <a:cs typeface="+mn-lt"/>
-              </a:rPr>
-              <a:t>, </a:t>
-            </a:r>
-            <a:r>
-              <a:rPr lang="en-US" dirty="0" err="1">
-                <a:ea typeface="+mn-lt"/>
-                <a:cs typeface="+mn-lt"/>
-              </a:rPr>
-              <a:t>mediana</a:t>
-            </a:r>
-            <a:r>
-              <a:rPr lang="en-US" dirty="0">
-                <a:ea typeface="+mn-lt"/>
-                <a:cs typeface="+mn-lt"/>
-              </a:rPr>
-              <a:t> e </a:t>
-            </a:r>
-            <a:r>
-              <a:rPr lang="en-US" dirty="0" err="1">
-                <a:ea typeface="+mn-lt"/>
-                <a:cs typeface="+mn-lt"/>
-              </a:rPr>
-              <a:t>moda</a:t>
             </a:r>
             <a:r>
               <a:rPr lang="en-US" dirty="0">
@@ -26866,6 +28766,18 @@
   <p:clrMapOvr>
     <a:masterClrMapping/>
   </p:clrMapOvr>
+  <mc:AlternateContent xmlns:mc="http://schemas.openxmlformats.org/markup-compatibility/2006">
+    <mc:Choice xmlns:p14="http://schemas.microsoft.com/office/powerpoint/2010/main" Requires="p14">
+      <p:transition spd="slow" p14:dur="1250">
+        <p:pull/>
+      </p:transition>
+    </mc:Choice>
+    <mc:Fallback>
+      <p:transition spd="slow">
+        <p:pull/>
+      </p:transition>
+    </mc:Fallback>
+  </mc:AlternateContent>
 </p:sld>
 </file>
 
@@ -26917,50 +28829,50 @@
             <a:pPr marL="0" indent="0" algn="ctr">
               <a:buNone/>
             </a:pPr>
-            <a:endParaRPr lang="en-US"/>
+            <a:endParaRPr lang="en-US" b="1" dirty="0"/>
           </a:p>
           <a:p>
             <a:pPr marL="0" indent="0" algn="ctr">
               <a:buNone/>
             </a:pPr>
-            <a:endParaRPr lang="en-US" dirty="0"/>
+            <a:endParaRPr lang="en-US" b="1" dirty="0"/>
           </a:p>
           <a:p>
             <a:pPr marL="0" indent="0" algn="ctr">
               <a:buNone/>
             </a:pPr>
-            <a:endParaRPr lang="en-US" dirty="0"/>
+            <a:endParaRPr lang="en-US" b="1" dirty="0"/>
           </a:p>
           <a:p>
             <a:pPr marL="0" indent="0" algn="ctr">
               <a:buNone/>
             </a:pPr>
-            <a:endParaRPr lang="en-US" dirty="0"/>
+            <a:endParaRPr lang="en-US" b="1" dirty="0"/>
           </a:p>
           <a:p>
             <a:pPr marL="0" indent="0" algn="ctr">
               <a:buNone/>
             </a:pPr>
-            <a:endParaRPr lang="en-US" dirty="0"/>
+            <a:endParaRPr lang="en-US" b="1" dirty="0"/>
           </a:p>
           <a:p>
             <a:pPr marL="0" indent="0" algn="ctr">
               <a:buNone/>
             </a:pPr>
-            <a:endParaRPr lang="en-US" dirty="0"/>
+            <a:endParaRPr lang="en-US" b="1" dirty="0"/>
           </a:p>
           <a:p>
             <a:pPr marL="0" indent="0" algn="ctr">
               <a:buNone/>
             </a:pPr>
-            <a:endParaRPr lang="en-US" dirty="0"/>
+            <a:endParaRPr lang="en-US" b="1" dirty="0"/>
           </a:p>
           <a:p>
             <a:pPr marL="0" indent="0" algn="ctr">
               <a:buNone/>
             </a:pPr>
             <a:r>
-              <a:rPr lang="en-US" dirty="0"/>
+              <a:rPr lang="en-US" b="1" dirty="0"/>
               <a:t>FONTE: ABRELPE 2021</a:t>
             </a:r>
           </a:p>
@@ -27006,6 +28918,18 @@
   <p:clrMapOvr>
     <a:masterClrMapping/>
   </p:clrMapOvr>
+  <mc:AlternateContent xmlns:mc="http://schemas.openxmlformats.org/markup-compatibility/2006">
+    <mc:Choice xmlns:p14="http://schemas.microsoft.com/office/powerpoint/2010/main" Requires="p14">
+      <p:transition spd="slow" p14:dur="1250">
+        <p:pull/>
+      </p:transition>
+    </mc:Choice>
+    <mc:Fallback>
+      <p:transition spd="slow">
+        <p:pull/>
+      </p:transition>
+    </mc:Fallback>
+  </mc:AlternateContent>
 </p:sld>
 </file>
 

--- a/1 etim ds 2022/EAMT/Trabalho Acadêmico/Relatório (a importância dos ecopontos)/A importância da separação dos recicláveis 3/Ecopontos - EAMT.pptx
+++ b/1 etim ds 2022/EAMT/Trabalho Acadêmico/Relatório (a importância dos ecopontos)/A importância da separação dos recicláveis 3/Ecopontos - EAMT.pptx
@@ -39,6 +39,7 @@
     <p:sldId id="288" r:id="rId33"/>
     <p:sldId id="289" r:id="rId34"/>
     <p:sldId id="290" r:id="rId35"/>
+    <p:sldId id="292" r:id="rId36"/>
   </p:sldIdLst>
   <p:sldSz cx="12192000" cy="6858000"/>
   <p:notesSz cx="6858000" cy="9144000"/>
@@ -149,9 +150,9 @@
 <p1510:revInfo xmlns:a="http://schemas.openxmlformats.org/drawingml/2006/main" xmlns:r="http://schemas.openxmlformats.org/officeDocument/2006/relationships" xmlns:p1510="http://schemas.microsoft.com/office/powerpoint/2015/10/main">
   <p1510:revLst>
     <p1510:client id="{12751C8C-90B5-4DE2-B85F-E4E6CD0EAF23}" v="85" dt="2022-11-18T20:05:54.802"/>
+    <p1510:client id="{42FB5FC0-45EB-AC12-8FB9-C103637ED6A0}" v="26" dt="2022-11-20T13:55:56.144"/>
     <p1510:client id="{37B7A2AA-BDC2-2BF0-6AE8-DB76B41D643A}" v="4354" dt="2022-11-20T13:54:05.653"/>
     <p1510:client id="{3C57EB16-0AA7-B230-3BB0-D5D2394DAFC4}" v="656" dt="2022-11-21T23:51:46.941"/>
-    <p1510:client id="{42FB5FC0-45EB-AC12-8FB9-C103637ED6A0}" v="26" dt="2022-11-20T13:55:56.144"/>
   </p1510:revLst>
 </p1510:revInfo>
 </file>
@@ -304,7 +305,7 @@
           <a:p>
             <a:fld id="{073D55F9-11A3-4523-8F38-6BA37933791A}" type="datetime1">
               <a:rPr lang="en-US" smtClean="0"/>
-              <a:t>11/21/2022</a:t>
+              <a:t>11/23/2022</a:t>
             </a:fld>
             <a:endParaRPr lang="en-US"/>
           </a:p>
@@ -361,7 +362,7 @@
           <a:p>
             <a:fld id="{11A71338-8BA2-4C79-A6C5-5A8E30081D0C}" type="slidenum">
               <a:rPr lang="en-US" smtClean="0"/>
-              <a:t>‹#›</a:t>
+              <a:t>‹nº›</a:t>
             </a:fld>
             <a:endParaRPr lang="en-US"/>
           </a:p>
@@ -506,7 +507,7 @@
           <a:p>
             <a:fld id="{0B4E757A-3EC2-4683-9080-1A460C37C843}" type="datetime1">
               <a:rPr lang="en-US" smtClean="0"/>
-              <a:t>11/21/2022</a:t>
+              <a:t>11/23/2022</a:t>
             </a:fld>
             <a:endParaRPr lang="en-US"/>
           </a:p>
@@ -563,7 +564,7 @@
           <a:p>
             <a:fld id="{11A71338-8BA2-4C79-A6C5-5A8E30081D0C}" type="slidenum">
               <a:rPr lang="en-US" smtClean="0"/>
-              <a:t>‹#›</a:t>
+              <a:t>‹nº›</a:t>
             </a:fld>
             <a:endParaRPr lang="en-US"/>
           </a:p>
@@ -722,7 +723,7 @@
           <a:p>
             <a:fld id="{5CC8096C-64ED-4153-A483-5C02E44AD5C3}" type="datetime1">
               <a:rPr lang="en-US" smtClean="0"/>
-              <a:t>11/21/2022</a:t>
+              <a:t>11/23/2022</a:t>
             </a:fld>
             <a:endParaRPr lang="en-US" dirty="0"/>
           </a:p>
@@ -784,7 +785,7 @@
           <a:p>
             <a:fld id="{11A71338-8BA2-4C79-A6C5-5A8E30081D0C}" type="slidenum">
               <a:rPr lang="en-US" smtClean="0"/>
-              <a:t>‹#›</a:t>
+              <a:t>‹nº›</a:t>
             </a:fld>
             <a:endParaRPr lang="en-US"/>
           </a:p>
@@ -955,7 +956,7 @@
           <a:p>
             <a:fld id="{1CB9D56B-6EBE-4E5F-99D9-2A3DBDF37D0A}" type="datetime1">
               <a:rPr lang="en-US" smtClean="0"/>
-              <a:t>11/21/2022</a:t>
+              <a:t>11/23/2022</a:t>
             </a:fld>
             <a:endParaRPr lang="en-US"/>
           </a:p>
@@ -1012,7 +1013,7 @@
           <a:p>
             <a:fld id="{11A71338-8BA2-4C79-A6C5-5A8E30081D0C}" type="slidenum">
               <a:rPr lang="en-US" smtClean="0"/>
-              <a:t>‹#›</a:t>
+              <a:t>‹nº›</a:t>
             </a:fld>
             <a:endParaRPr lang="en-US"/>
           </a:p>
@@ -1232,7 +1233,7 @@
           <a:p>
             <a:fld id="{8C33F3CA-C7E3-432D-9282-18F13836509A}" type="datetime1">
               <a:rPr lang="en-US" smtClean="0"/>
-              <a:t>11/21/2022</a:t>
+              <a:t>11/23/2022</a:t>
             </a:fld>
             <a:endParaRPr lang="en-US" dirty="0"/>
           </a:p>
@@ -1289,7 +1290,7 @@
           <a:p>
             <a:fld id="{11A71338-8BA2-4C79-A6C5-5A8E30081D0C}" type="slidenum">
               <a:rPr lang="en-US" smtClean="0"/>
-              <a:t>‹#›</a:t>
+              <a:t>‹nº›</a:t>
             </a:fld>
             <a:endParaRPr lang="en-US"/>
           </a:p>
@@ -1502,7 +1503,7 @@
           <a:p>
             <a:fld id="{75BE9C62-1337-40B8-BA50-E9F4861DB4BC}" type="datetime1">
               <a:rPr lang="en-US" smtClean="0"/>
-              <a:t>11/21/2022</a:t>
+              <a:t>11/23/2022</a:t>
             </a:fld>
             <a:endParaRPr lang="en-US"/>
           </a:p>
@@ -1559,7 +1560,7 @@
           <a:p>
             <a:fld id="{11A71338-8BA2-4C79-A6C5-5A8E30081D0C}" type="slidenum">
               <a:rPr lang="en-US" smtClean="0"/>
-              <a:t>‹#›</a:t>
+              <a:t>‹nº›</a:t>
             </a:fld>
             <a:endParaRPr lang="en-US"/>
           </a:p>
@@ -1919,7 +1920,7 @@
           <a:p>
             <a:fld id="{47C195EB-2DA3-4B24-8725-19BC22A7BE50}" type="datetime1">
               <a:rPr lang="en-US" smtClean="0"/>
-              <a:t>11/21/2022</a:t>
+              <a:t>11/23/2022</a:t>
             </a:fld>
             <a:endParaRPr lang="en-US"/>
           </a:p>
@@ -1976,7 +1977,7 @@
           <a:p>
             <a:fld id="{11A71338-8BA2-4C79-A6C5-5A8E30081D0C}" type="slidenum">
               <a:rPr lang="en-US" smtClean="0"/>
-              <a:t>‹#›</a:t>
+              <a:t>‹nº›</a:t>
             </a:fld>
             <a:endParaRPr lang="en-US"/>
           </a:p>
@@ -2064,7 +2065,7 @@
           <a:p>
             <a:fld id="{F4E237E6-0076-4915-A5A8-B7C11FA4F374}" type="datetime1">
               <a:rPr lang="en-US" smtClean="0"/>
-              <a:t>11/21/2022</a:t>
+              <a:t>11/23/2022</a:t>
             </a:fld>
             <a:endParaRPr lang="en-US"/>
           </a:p>
@@ -2121,7 +2122,7 @@
           <a:p>
             <a:fld id="{11A71338-8BA2-4C79-A6C5-5A8E30081D0C}" type="slidenum">
               <a:rPr lang="en-US" smtClean="0"/>
-              <a:t>‹#›</a:t>
+              <a:t>‹nº›</a:t>
             </a:fld>
             <a:endParaRPr lang="en-US"/>
           </a:p>
@@ -2180,7 +2181,7 @@
           <a:p>
             <a:fld id="{3505F58F-C0B5-422A-8E5A-6B99E5D80F0A}" type="datetime1">
               <a:rPr lang="en-US" smtClean="0"/>
-              <a:t>11/21/2022</a:t>
+              <a:t>11/23/2022</a:t>
             </a:fld>
             <a:endParaRPr lang="en-US"/>
           </a:p>
@@ -2237,7 +2238,7 @@
           <a:p>
             <a:fld id="{11A71338-8BA2-4C79-A6C5-5A8E30081D0C}" type="slidenum">
               <a:rPr lang="en-US" smtClean="0"/>
-              <a:t>‹#›</a:t>
+              <a:t>‹nº›</a:t>
             </a:fld>
             <a:endParaRPr lang="en-US"/>
           </a:p>
@@ -2496,7 +2497,7 @@
           <a:p>
             <a:fld id="{7565E655-9687-48DF-A33F-F8824CCCB5D1}" type="datetime1">
               <a:rPr lang="en-US" smtClean="0"/>
-              <a:t>11/21/2022</a:t>
+              <a:t>11/23/2022</a:t>
             </a:fld>
             <a:endParaRPr lang="en-US"/>
           </a:p>
@@ -2553,7 +2554,7 @@
           <a:p>
             <a:fld id="{11A71338-8BA2-4C79-A6C5-5A8E30081D0C}" type="slidenum">
               <a:rPr lang="en-US" smtClean="0"/>
-              <a:t>‹#›</a:t>
+              <a:t>‹nº›</a:t>
             </a:fld>
             <a:endParaRPr lang="en-US"/>
           </a:p>
@@ -2792,7 +2793,7 @@
           <a:p>
             <a:fld id="{B97FD56A-AAB8-4544-A495-D0645413C9E3}" type="datetime1">
               <a:rPr lang="en-US" smtClean="0"/>
-              <a:t>11/21/2022</a:t>
+              <a:t>11/23/2022</a:t>
             </a:fld>
             <a:endParaRPr lang="en-US"/>
           </a:p>
@@ -2849,7 +2850,7 @@
           <a:p>
             <a:fld id="{11A71338-8BA2-4C79-A6C5-5A8E30081D0C}" type="slidenum">
               <a:rPr lang="en-US" smtClean="0"/>
-              <a:t>‹#›</a:t>
+              <a:t>‹nº›</a:t>
             </a:fld>
             <a:endParaRPr lang="en-US"/>
           </a:p>
@@ -4613,7 +4614,7 @@
             <a:fld id="{193BAB95-8DA7-460B-B00A-7037C8394FB0}" type="datetime1">
               <a:rPr lang="en-US" smtClean="0"/>
               <a:pPr/>
-              <a:t>11/21/2022</a:t>
+              <a:t>11/23/2022</a:t>
             </a:fld>
             <a:endParaRPr lang="en-US" dirty="0"/>
           </a:p>
@@ -4708,7 +4709,7 @@
             <a:fld id="{11A71338-8BA2-4C79-A6C5-5A8E30081D0C}" type="slidenum">
               <a:rPr lang="en-US" smtClean="0"/>
               <a:pPr/>
-              <a:t>‹#›</a:t>
+              <a:t>‹nº›</a:t>
             </a:fld>
             <a:endParaRPr lang="en-US" dirty="0"/>
           </a:p>
@@ -7731,13 +7732,13 @@
   <p:clrMapOvr>
     <a:masterClrMapping/>
   </p:clrMapOvr>
-  <mc:AlternateContent xmlns:mc="http://schemas.openxmlformats.org/markup-compatibility/2006">
-    <mc:Choice xmlns:p14="http://schemas.microsoft.com/office/powerpoint/2010/main" Requires="p14">
+  <mc:AlternateContent xmlns:mc="http://schemas.openxmlformats.org/markup-compatibility/2006" xmlns:p14="http://schemas.microsoft.com/office/powerpoint/2010/main">
+    <mc:Choice Requires="p14">
       <p:transition spd="slow" p14:dur="1250">
         <p:pull/>
       </p:transition>
     </mc:Choice>
-    <mc:Fallback>
+    <mc:Fallback xmlns="">
       <p:transition spd="slow">
         <p:pull/>
       </p:transition>
@@ -8170,13 +8171,13 @@
   <p:clrMapOvr>
     <a:masterClrMapping/>
   </p:clrMapOvr>
-  <mc:AlternateContent xmlns:mc="http://schemas.openxmlformats.org/markup-compatibility/2006">
-    <mc:Choice xmlns:p14="http://schemas.microsoft.com/office/powerpoint/2010/main" Requires="p14">
+  <mc:AlternateContent xmlns:mc="http://schemas.openxmlformats.org/markup-compatibility/2006" xmlns:p14="http://schemas.microsoft.com/office/powerpoint/2010/main">
+    <mc:Choice Requires="p14">
       <p:transition spd="slow" p14:dur="1250">
         <p:pull/>
       </p:transition>
     </mc:Choice>
-    <mc:Fallback>
+    <mc:Fallback xmlns="">
       <p:transition spd="slow">
         <p:pull/>
       </p:transition>
@@ -8328,13 +8329,13 @@
   <p:clrMapOvr>
     <a:masterClrMapping/>
   </p:clrMapOvr>
-  <mc:AlternateContent xmlns:mc="http://schemas.openxmlformats.org/markup-compatibility/2006">
-    <mc:Choice xmlns:p14="http://schemas.microsoft.com/office/powerpoint/2010/main" Requires="p14">
+  <mc:AlternateContent xmlns:mc="http://schemas.openxmlformats.org/markup-compatibility/2006" xmlns:p14="http://schemas.microsoft.com/office/powerpoint/2010/main">
+    <mc:Choice Requires="p14">
       <p:transition spd="slow" p14:dur="1250">
         <p:pull/>
       </p:transition>
     </mc:Choice>
-    <mc:Fallback>
+    <mc:Fallback xmlns="">
       <p:transition spd="slow">
         <p:pull/>
       </p:transition>
@@ -9019,13 +9020,13 @@
   <p:clrMapOvr>
     <a:masterClrMapping/>
   </p:clrMapOvr>
-  <mc:AlternateContent xmlns:mc="http://schemas.openxmlformats.org/markup-compatibility/2006">
-    <mc:Choice xmlns:p14="http://schemas.microsoft.com/office/powerpoint/2010/main" Requires="p14">
+  <mc:AlternateContent xmlns:mc="http://schemas.openxmlformats.org/markup-compatibility/2006" xmlns:p14="http://schemas.microsoft.com/office/powerpoint/2010/main">
+    <mc:Choice Requires="p14">
       <p:transition spd="slow" p14:dur="1250">
         <p:pull/>
       </p:transition>
     </mc:Choice>
-    <mc:Fallback>
+    <mc:Fallback xmlns="">
       <p:transition spd="slow">
         <p:pull/>
       </p:transition>
@@ -9312,13 +9313,13 @@
   <p:clrMapOvr>
     <a:masterClrMapping/>
   </p:clrMapOvr>
-  <mc:AlternateContent xmlns:mc="http://schemas.openxmlformats.org/markup-compatibility/2006">
-    <mc:Choice xmlns:p14="http://schemas.microsoft.com/office/powerpoint/2010/main" Requires="p14">
+  <mc:AlternateContent xmlns:mc="http://schemas.openxmlformats.org/markup-compatibility/2006" xmlns:p14="http://schemas.microsoft.com/office/powerpoint/2010/main">
+    <mc:Choice Requires="p14">
       <p:transition spd="slow" p14:dur="1250">
         <p:pull/>
       </p:transition>
     </mc:Choice>
-    <mc:Fallback>
+    <mc:Fallback xmlns="">
       <p:transition spd="slow">
         <p:pull/>
       </p:transition>
@@ -9580,13 +9581,13 @@
   <p:clrMapOvr>
     <a:masterClrMapping/>
   </p:clrMapOvr>
-  <mc:AlternateContent xmlns:mc="http://schemas.openxmlformats.org/markup-compatibility/2006">
-    <mc:Choice xmlns:p14="http://schemas.microsoft.com/office/powerpoint/2010/main" Requires="p14">
+  <mc:AlternateContent xmlns:mc="http://schemas.openxmlformats.org/markup-compatibility/2006" xmlns:p14="http://schemas.microsoft.com/office/powerpoint/2010/main">
+    <mc:Choice Requires="p14">
       <p:transition spd="slow" p14:dur="1250">
         <p:pull/>
       </p:transition>
     </mc:Choice>
-    <mc:Fallback>
+    <mc:Fallback xmlns="">
       <p:transition spd="slow">
         <p:pull/>
       </p:transition>
@@ -9923,13 +9924,13 @@
   <p:clrMapOvr>
     <a:masterClrMapping/>
   </p:clrMapOvr>
-  <mc:AlternateContent xmlns:mc="http://schemas.openxmlformats.org/markup-compatibility/2006">
-    <mc:Choice xmlns:p14="http://schemas.microsoft.com/office/powerpoint/2010/main" Requires="p14">
+  <mc:AlternateContent xmlns:mc="http://schemas.openxmlformats.org/markup-compatibility/2006" xmlns:p14="http://schemas.microsoft.com/office/powerpoint/2010/main">
+    <mc:Choice Requires="p14">
       <p:transition spd="slow" p14:dur="1250">
         <p:pull/>
       </p:transition>
     </mc:Choice>
-    <mc:Fallback>
+    <mc:Fallback xmlns="">
       <p:transition spd="slow">
         <p:pull/>
       </p:transition>
@@ -10094,13 +10095,13 @@
   <p:clrMapOvr>
     <a:masterClrMapping/>
   </p:clrMapOvr>
-  <mc:AlternateContent xmlns:mc="http://schemas.openxmlformats.org/markup-compatibility/2006">
-    <mc:Choice xmlns:p14="http://schemas.microsoft.com/office/powerpoint/2010/main" Requires="p14">
+  <mc:AlternateContent xmlns:mc="http://schemas.openxmlformats.org/markup-compatibility/2006" xmlns:p14="http://schemas.microsoft.com/office/powerpoint/2010/main">
+    <mc:Choice Requires="p14">
       <p:transition spd="slow" p14:dur="1250">
         <p:pull/>
       </p:transition>
     </mc:Choice>
-    <mc:Fallback>
+    <mc:Fallback xmlns="">
       <p:transition spd="slow">
         <p:pull/>
       </p:transition>
@@ -12323,13 +12324,13 @@
   <p:clrMapOvr>
     <a:masterClrMapping/>
   </p:clrMapOvr>
-  <mc:AlternateContent xmlns:mc="http://schemas.openxmlformats.org/markup-compatibility/2006">
-    <mc:Choice xmlns:p14="http://schemas.microsoft.com/office/powerpoint/2010/main" Requires="p14">
+  <mc:AlternateContent xmlns:mc="http://schemas.openxmlformats.org/markup-compatibility/2006" xmlns:p14="http://schemas.microsoft.com/office/powerpoint/2010/main">
+    <mc:Choice Requires="p14">
       <p:transition spd="slow" p14:dur="1250">
         <p:pull/>
       </p:transition>
     </mc:Choice>
-    <mc:Fallback>
+    <mc:Fallback xmlns="">
       <p:transition spd="slow">
         <p:pull/>
       </p:transition>
@@ -12443,13 +12444,13 @@
   <p:clrMapOvr>
     <a:masterClrMapping/>
   </p:clrMapOvr>
-  <mc:AlternateContent xmlns:mc="http://schemas.openxmlformats.org/markup-compatibility/2006">
-    <mc:Choice xmlns:p14="http://schemas.microsoft.com/office/powerpoint/2010/main" Requires="p14">
+  <mc:AlternateContent xmlns:mc="http://schemas.openxmlformats.org/markup-compatibility/2006" xmlns:p14="http://schemas.microsoft.com/office/powerpoint/2010/main">
+    <mc:Choice Requires="p14">
       <p:transition spd="slow" p14:dur="1250">
         <p:pull/>
       </p:transition>
     </mc:Choice>
-    <mc:Fallback>
+    <mc:Fallback xmlns="">
       <p:transition spd="slow">
         <p:pull/>
       </p:transition>
@@ -12824,13 +12825,13 @@
   <p:clrMapOvr>
     <a:masterClrMapping/>
   </p:clrMapOvr>
-  <mc:AlternateContent xmlns:mc="http://schemas.openxmlformats.org/markup-compatibility/2006">
-    <mc:Choice xmlns:p14="http://schemas.microsoft.com/office/powerpoint/2010/main" Requires="p14">
+  <mc:AlternateContent xmlns:mc="http://schemas.openxmlformats.org/markup-compatibility/2006" xmlns:p14="http://schemas.microsoft.com/office/powerpoint/2010/main">
+    <mc:Choice Requires="p14">
       <p:transition spd="slow" p14:dur="1250">
         <p:pull/>
       </p:transition>
     </mc:Choice>
-    <mc:Fallback>
+    <mc:Fallback xmlns="">
       <p:transition spd="slow">
         <p:pull/>
       </p:transition>
@@ -13413,13 +13414,13 @@
   <p:clrMapOvr>
     <a:masterClrMapping/>
   </p:clrMapOvr>
-  <mc:AlternateContent xmlns:mc="http://schemas.openxmlformats.org/markup-compatibility/2006">
-    <mc:Choice xmlns:p14="http://schemas.microsoft.com/office/powerpoint/2010/main" Requires="p14">
+  <mc:AlternateContent xmlns:mc="http://schemas.openxmlformats.org/markup-compatibility/2006" xmlns:p14="http://schemas.microsoft.com/office/powerpoint/2010/main">
+    <mc:Choice Requires="p14">
       <p:transition spd="slow" p14:dur="1250">
         <p:pull/>
       </p:transition>
     </mc:Choice>
-    <mc:Fallback>
+    <mc:Fallback xmlns="">
       <p:transition spd="slow">
         <p:pull/>
       </p:transition>
@@ -13627,13 +13628,13 @@
   <p:clrMapOvr>
     <a:masterClrMapping/>
   </p:clrMapOvr>
-  <mc:AlternateContent xmlns:mc="http://schemas.openxmlformats.org/markup-compatibility/2006">
-    <mc:Choice xmlns:p14="http://schemas.microsoft.com/office/powerpoint/2010/main" Requires="p14">
+  <mc:AlternateContent xmlns:mc="http://schemas.openxmlformats.org/markup-compatibility/2006" xmlns:p14="http://schemas.microsoft.com/office/powerpoint/2010/main">
+    <mc:Choice Requires="p14">
       <p:transition spd="slow" p14:dur="1250">
         <p:pull/>
       </p:transition>
     </mc:Choice>
-    <mc:Fallback>
+    <mc:Fallback xmlns="">
       <p:transition spd="slow">
         <p:pull/>
       </p:transition>
@@ -13776,13 +13777,13 @@
   <p:clrMapOvr>
     <a:masterClrMapping/>
   </p:clrMapOvr>
-  <mc:AlternateContent xmlns:mc="http://schemas.openxmlformats.org/markup-compatibility/2006">
-    <mc:Choice xmlns:p14="http://schemas.microsoft.com/office/powerpoint/2010/main" Requires="p14">
+  <mc:AlternateContent xmlns:mc="http://schemas.openxmlformats.org/markup-compatibility/2006" xmlns:p14="http://schemas.microsoft.com/office/powerpoint/2010/main">
+    <mc:Choice Requires="p14">
       <p:transition spd="slow" p14:dur="1250">
         <p:pull/>
       </p:transition>
     </mc:Choice>
-    <mc:Fallback>
+    <mc:Fallback xmlns="">
       <p:transition spd="slow">
         <p:pull/>
       </p:transition>
@@ -13912,13 +13913,13 @@
   <p:clrMapOvr>
     <a:masterClrMapping/>
   </p:clrMapOvr>
-  <mc:AlternateContent xmlns:mc="http://schemas.openxmlformats.org/markup-compatibility/2006">
-    <mc:Choice xmlns:p14="http://schemas.microsoft.com/office/powerpoint/2010/main" Requires="p14">
+  <mc:AlternateContent xmlns:mc="http://schemas.openxmlformats.org/markup-compatibility/2006" xmlns:p14="http://schemas.microsoft.com/office/powerpoint/2010/main">
+    <mc:Choice Requires="p14">
       <p:transition spd="slow" p14:dur="1250">
         <p:pull/>
       </p:transition>
     </mc:Choice>
-    <mc:Fallback>
+    <mc:Fallback xmlns="">
       <p:transition spd="slow">
         <p:pull/>
       </p:transition>
@@ -14068,13 +14069,13 @@
   <p:clrMapOvr>
     <a:masterClrMapping/>
   </p:clrMapOvr>
-  <mc:AlternateContent xmlns:mc="http://schemas.openxmlformats.org/markup-compatibility/2006">
-    <mc:Choice xmlns:p14="http://schemas.microsoft.com/office/powerpoint/2010/main" Requires="p14">
+  <mc:AlternateContent xmlns:mc="http://schemas.openxmlformats.org/markup-compatibility/2006" xmlns:p14="http://schemas.microsoft.com/office/powerpoint/2010/main">
+    <mc:Choice Requires="p14">
       <p:transition spd="slow" p14:dur="1250">
         <p:pull/>
       </p:transition>
     </mc:Choice>
-    <mc:Fallback>
+    <mc:Fallback xmlns="">
       <p:transition spd="slow">
         <p:pull/>
       </p:transition>
@@ -14204,13 +14205,13 @@
   <p:clrMapOvr>
     <a:masterClrMapping/>
   </p:clrMapOvr>
-  <mc:AlternateContent xmlns:mc="http://schemas.openxmlformats.org/markup-compatibility/2006">
-    <mc:Choice xmlns:p14="http://schemas.microsoft.com/office/powerpoint/2010/main" Requires="p14">
+  <mc:AlternateContent xmlns:mc="http://schemas.openxmlformats.org/markup-compatibility/2006" xmlns:p14="http://schemas.microsoft.com/office/powerpoint/2010/main">
+    <mc:Choice Requires="p14">
       <p:transition spd="slow" p14:dur="1250">
         <p:pull/>
       </p:transition>
     </mc:Choice>
-    <mc:Fallback>
+    <mc:Fallback xmlns="">
       <p:transition spd="slow">
         <p:pull/>
       </p:transition>
@@ -14340,13 +14341,13 @@
   <p:clrMapOvr>
     <a:masterClrMapping/>
   </p:clrMapOvr>
-  <mc:AlternateContent xmlns:mc="http://schemas.openxmlformats.org/markup-compatibility/2006">
-    <mc:Choice xmlns:p14="http://schemas.microsoft.com/office/powerpoint/2010/main" Requires="p14">
+  <mc:AlternateContent xmlns:mc="http://schemas.openxmlformats.org/markup-compatibility/2006" xmlns:p14="http://schemas.microsoft.com/office/powerpoint/2010/main">
+    <mc:Choice Requires="p14">
       <p:transition spd="slow" p14:dur="1250">
         <p:pull/>
       </p:transition>
     </mc:Choice>
-    <mc:Fallback>
+    <mc:Fallback xmlns="">
       <p:transition spd="slow">
         <p:pull/>
       </p:transition>
@@ -14450,13 +14451,13 @@
   <p:clrMapOvr>
     <a:masterClrMapping/>
   </p:clrMapOvr>
-  <mc:AlternateContent xmlns:mc="http://schemas.openxmlformats.org/markup-compatibility/2006">
-    <mc:Choice xmlns:p14="http://schemas.microsoft.com/office/powerpoint/2010/main" Requires="p14">
+  <mc:AlternateContent xmlns:mc="http://schemas.openxmlformats.org/markup-compatibility/2006" xmlns:p14="http://schemas.microsoft.com/office/powerpoint/2010/main">
+    <mc:Choice Requires="p14">
       <p:transition spd="slow" p14:dur="1250">
         <p:pull/>
       </p:transition>
     </mc:Choice>
-    <mc:Fallback>
+    <mc:Fallback xmlns="">
       <p:transition spd="slow">
         <p:pull/>
       </p:transition>
@@ -22086,13 +22087,13 @@
   <p:clrMapOvr>
     <a:masterClrMapping/>
   </p:clrMapOvr>
-  <mc:AlternateContent xmlns:mc="http://schemas.openxmlformats.org/markup-compatibility/2006">
-    <mc:Choice xmlns:p14="http://schemas.microsoft.com/office/powerpoint/2010/main" Requires="p14">
+  <mc:AlternateContent xmlns:mc="http://schemas.openxmlformats.org/markup-compatibility/2006" xmlns:p14="http://schemas.microsoft.com/office/powerpoint/2010/main">
+    <mc:Choice Requires="p14">
       <p:transition spd="slow" p14:dur="1250">
         <p:pull/>
       </p:transition>
     </mc:Choice>
-    <mc:Fallback>
+    <mc:Fallback xmlns="">
       <p:transition spd="slow">
         <p:pull/>
       </p:transition>
@@ -22930,13 +22931,13 @@
   <p:clrMapOvr>
     <a:masterClrMapping/>
   </p:clrMapOvr>
-  <mc:AlternateContent xmlns:mc="http://schemas.openxmlformats.org/markup-compatibility/2006">
-    <mc:Choice xmlns:p14="http://schemas.microsoft.com/office/powerpoint/2010/main" Requires="p14">
+  <mc:AlternateContent xmlns:mc="http://schemas.openxmlformats.org/markup-compatibility/2006" xmlns:p14="http://schemas.microsoft.com/office/powerpoint/2010/main">
+    <mc:Choice Requires="p14">
       <p:transition spd="slow" p14:dur="1250">
         <p:pull/>
       </p:transition>
     </mc:Choice>
-    <mc:Fallback>
+    <mc:Fallback xmlns="">
       <p:transition spd="slow">
         <p:pull/>
       </p:transition>
@@ -23109,13 +23110,13 @@
   <p:clrMapOvr>
     <a:masterClrMapping/>
   </p:clrMapOvr>
-  <mc:AlternateContent xmlns:mc="http://schemas.openxmlformats.org/markup-compatibility/2006">
-    <mc:Choice xmlns:p14="http://schemas.microsoft.com/office/powerpoint/2010/main" Requires="p14">
+  <mc:AlternateContent xmlns:mc="http://schemas.openxmlformats.org/markup-compatibility/2006" xmlns:p14="http://schemas.microsoft.com/office/powerpoint/2010/main">
+    <mc:Choice Requires="p14">
       <p:transition spd="slow" p14:dur="1250">
         <p:pull/>
       </p:transition>
     </mc:Choice>
-    <mc:Fallback>
+    <mc:Fallback xmlns="">
       <p:transition spd="slow">
         <p:pull/>
       </p:transition>
@@ -23739,13 +23740,13 @@
   <p:clrMapOvr>
     <a:masterClrMapping/>
   </p:clrMapOvr>
-  <mc:AlternateContent xmlns:mc="http://schemas.openxmlformats.org/markup-compatibility/2006">
-    <mc:Choice xmlns:p14="http://schemas.microsoft.com/office/powerpoint/2010/main" Requires="p14">
+  <mc:AlternateContent xmlns:mc="http://schemas.openxmlformats.org/markup-compatibility/2006" xmlns:p14="http://schemas.microsoft.com/office/powerpoint/2010/main">
+    <mc:Choice Requires="p14">
       <p:transition spd="slow" p14:dur="1250">
         <p:pull/>
       </p:transition>
     </mc:Choice>
-    <mc:Fallback>
+    <mc:Fallback xmlns="">
       <p:transition spd="slow">
         <p:pull/>
       </p:transition>
@@ -23811,13 +23812,13 @@
   <p:clrMapOvr>
     <a:masterClrMapping/>
   </p:clrMapOvr>
-  <mc:AlternateContent xmlns:mc="http://schemas.openxmlformats.org/markup-compatibility/2006">
-    <mc:Choice xmlns:p14="http://schemas.microsoft.com/office/powerpoint/2010/main" Requires="p14">
+  <mc:AlternateContent xmlns:mc="http://schemas.openxmlformats.org/markup-compatibility/2006" xmlns:p14="http://schemas.microsoft.com/office/powerpoint/2010/main">
+    <mc:Choice Requires="p14">
       <p:transition spd="slow" p14:dur="1250">
         <p:pull/>
       </p:transition>
     </mc:Choice>
-    <mc:Fallback>
+    <mc:Fallback xmlns="">
       <p:transition spd="slow">
         <p:pull/>
       </p:transition>
@@ -23883,13 +23884,13 @@
   <p:clrMapOvr>
     <a:masterClrMapping/>
   </p:clrMapOvr>
-  <mc:AlternateContent xmlns:mc="http://schemas.openxmlformats.org/markup-compatibility/2006">
-    <mc:Choice xmlns:p14="http://schemas.microsoft.com/office/powerpoint/2010/main" Requires="p14">
+  <mc:AlternateContent xmlns:mc="http://schemas.openxmlformats.org/markup-compatibility/2006" xmlns:p14="http://schemas.microsoft.com/office/powerpoint/2010/main">
+    <mc:Choice Requires="p14">
       <p:transition spd="slow" p14:dur="1250">
         <p:pull/>
       </p:transition>
     </mc:Choice>
-    <mc:Fallback>
+    <mc:Fallback xmlns="">
       <p:transition spd="slow">
         <p:pull/>
       </p:transition>
@@ -23955,13 +23956,13 @@
   <p:clrMapOvr>
     <a:masterClrMapping/>
   </p:clrMapOvr>
-  <mc:AlternateContent xmlns:mc="http://schemas.openxmlformats.org/markup-compatibility/2006">
-    <mc:Choice xmlns:p14="http://schemas.microsoft.com/office/powerpoint/2010/main" Requires="p14">
+  <mc:AlternateContent xmlns:mc="http://schemas.openxmlformats.org/markup-compatibility/2006" xmlns:p14="http://schemas.microsoft.com/office/powerpoint/2010/main">
+    <mc:Choice Requires="p14">
       <p:transition spd="slow" p14:dur="1250">
         <p:pull/>
       </p:transition>
     </mc:Choice>
-    <mc:Fallback>
+    <mc:Fallback xmlns="">
       <p:transition spd="slow">
         <p:pull/>
       </p:transition>
@@ -24645,18 +24646,136 @@
   <p:clrMapOvr>
     <a:masterClrMapping/>
   </p:clrMapOvr>
-  <mc:AlternateContent xmlns:mc="http://schemas.openxmlformats.org/markup-compatibility/2006">
-    <mc:Choice xmlns:p14="http://schemas.microsoft.com/office/powerpoint/2010/main" Requires="p14">
+  <mc:AlternateContent xmlns:mc="http://schemas.openxmlformats.org/markup-compatibility/2006" xmlns:p14="http://schemas.microsoft.com/office/powerpoint/2010/main">
+    <mc:Choice Requires="p14">
       <p:transition spd="slow" p14:dur="1250">
         <p:pull/>
       </p:transition>
     </mc:Choice>
-    <mc:Fallback>
+    <mc:Fallback xmlns="">
       <p:transition spd="slow">
         <p:pull/>
       </p:transition>
     </mc:Fallback>
   </mc:AlternateContent>
+</p:sld>
+</file>
+
+<file path=ppt/slides/slide35.xml><?xml version="1.0" encoding="utf-8"?>
+<p:sld xmlns:a="http://schemas.openxmlformats.org/drawingml/2006/main" xmlns:r="http://schemas.openxmlformats.org/officeDocument/2006/relationships" xmlns:p="http://schemas.openxmlformats.org/presentationml/2006/main">
+  <p:cSld>
+    <p:spTree>
+      <p:nvGrpSpPr>
+        <p:cNvPr id="1" name=""/>
+        <p:cNvGrpSpPr/>
+        <p:nvPr/>
+      </p:nvGrpSpPr>
+      <p:grpSpPr>
+        <a:xfrm>
+          <a:off x="0" y="0"/>
+          <a:ext cx="0" cy="0"/>
+          <a:chOff x="0" y="0"/>
+          <a:chExt cx="0" cy="0"/>
+        </a:xfrm>
+      </p:grpSpPr>
+      <p:sp>
+        <p:nvSpPr>
+          <p:cNvPr id="2" name="Título 1">
+            <a:extLst>
+              <a:ext uri="{FF2B5EF4-FFF2-40B4-BE49-F238E27FC236}">
+                <a16:creationId xmlns:a16="http://schemas.microsoft.com/office/drawing/2014/main" id="{E3EBF9B7-2FAB-4826-A92E-24493437D0E2}"/>
+              </a:ext>
+            </a:extLst>
+          </p:cNvPr>
+          <p:cNvSpPr>
+            <a:spLocks noGrp="1"/>
+          </p:cNvSpPr>
+          <p:nvPr>
+            <p:ph type="title"/>
+          </p:nvPr>
+        </p:nvSpPr>
+        <p:spPr/>
+        <p:txBody>
+          <a:bodyPr/>
+          <a:lstStyle/>
+          <a:p>
+            <a:r>
+              <a:rPr lang="pt-BR" b="1" dirty="0"/>
+              <a:t>REFEREÊNCIAS</a:t>
+            </a:r>
+          </a:p>
+        </p:txBody>
+      </p:sp>
+      <p:sp>
+        <p:nvSpPr>
+          <p:cNvPr id="3" name="Espaço Reservado para Conteúdo 2">
+            <a:extLst>
+              <a:ext uri="{FF2B5EF4-FFF2-40B4-BE49-F238E27FC236}">
+                <a16:creationId xmlns:a16="http://schemas.microsoft.com/office/drawing/2014/main" id="{BFE99CFE-9A41-4175-906B-A7AC51FA6806}"/>
+              </a:ext>
+            </a:extLst>
+          </p:cNvPr>
+          <p:cNvSpPr>
+            <a:spLocks noGrp="1"/>
+          </p:cNvSpPr>
+          <p:nvPr>
+            <p:ph idx="1"/>
+          </p:nvPr>
+        </p:nvSpPr>
+        <p:spPr/>
+        <p:txBody>
+          <a:bodyPr/>
+          <a:lstStyle/>
+          <a:p>
+            <a:r>
+              <a:rPr lang="pt-BR" dirty="0"/>
+              <a:t>ABRELPE. </a:t>
+            </a:r>
+            <a:r>
+              <a:rPr lang="pt-BR" b="1" dirty="0"/>
+              <a:t>Panorama dos resíduos sólidos no Brasil 2021. </a:t>
+            </a:r>
+            <a:r>
+              <a:rPr lang="pt-BR" dirty="0"/>
+              <a:t>n 54. dezembro 2021.  Disponível </a:t>
+            </a:r>
+            <a:r>
+              <a:rPr lang="pt-BR" dirty="0" err="1"/>
+              <a:t>em:</a:t>
+            </a:r>
+            <a:r>
+              <a:rPr lang="pt-BR" dirty="0" err="1">
+                <a:hlinkClick r:id="rId2"/>
+              </a:rPr>
+              <a:t>https</a:t>
+            </a:r>
+            <a:r>
+              <a:rPr lang="pt-BR" dirty="0">
+                <a:hlinkClick r:id="rId2"/>
+              </a:rPr>
+              <a:t>://abrelpe.org.br/panorama/</a:t>
+            </a:r>
+            <a:r>
+              <a:rPr lang="pt-BR" dirty="0"/>
+              <a:t>. Acesso em: 11 Ago. 2022.</a:t>
+            </a:r>
+            <a:endParaRPr lang="pt-BR" b="1" dirty="0"/>
+          </a:p>
+          <a:p>
+            <a:endParaRPr lang="pt-BR" dirty="0"/>
+          </a:p>
+        </p:txBody>
+      </p:sp>
+    </p:spTree>
+    <p:extLst>
+      <p:ext uri="{BB962C8B-B14F-4D97-AF65-F5344CB8AC3E}">
+        <p14:creationId xmlns:p14="http://schemas.microsoft.com/office/powerpoint/2010/main" val="2904739954"/>
+      </p:ext>
+    </p:extLst>
+  </p:cSld>
+  <p:clrMapOvr>
+    <a:masterClrMapping/>
+  </p:clrMapOvr>
 </p:sld>
 </file>
 
@@ -25651,13 +25770,13 @@
   <p:clrMapOvr>
     <a:masterClrMapping/>
   </p:clrMapOvr>
-  <mc:AlternateContent xmlns:mc="http://schemas.openxmlformats.org/markup-compatibility/2006">
-    <mc:Choice xmlns:p14="http://schemas.microsoft.com/office/powerpoint/2010/main" Requires="p14">
+  <mc:AlternateContent xmlns:mc="http://schemas.openxmlformats.org/markup-compatibility/2006" xmlns:p14="http://schemas.microsoft.com/office/powerpoint/2010/main">
+    <mc:Choice Requires="p14">
       <p:transition spd="slow" p14:dur="1250">
         <p:pull/>
       </p:transition>
     </mc:Choice>
-    <mc:Fallback>
+    <mc:Fallback xmlns="">
       <p:transition spd="slow">
         <p:pull/>
       </p:transition>
@@ -26389,13 +26508,13 @@
   <p:clrMapOvr>
     <a:masterClrMapping/>
   </p:clrMapOvr>
-  <mc:AlternateContent xmlns:mc="http://schemas.openxmlformats.org/markup-compatibility/2006">
-    <mc:Choice xmlns:p14="http://schemas.microsoft.com/office/powerpoint/2010/main" Requires="p14">
+  <mc:AlternateContent xmlns:mc="http://schemas.openxmlformats.org/markup-compatibility/2006" xmlns:p14="http://schemas.microsoft.com/office/powerpoint/2010/main">
+    <mc:Choice Requires="p14">
       <p:transition spd="slow" p14:dur="1250">
         <p:pull/>
       </p:transition>
     </mc:Choice>
-    <mc:Fallback>
+    <mc:Fallback xmlns="">
       <p:transition spd="slow">
         <p:pull/>
       </p:transition>
@@ -26588,13 +26707,13 @@
   <p:clrMapOvr>
     <a:masterClrMapping/>
   </p:clrMapOvr>
-  <mc:AlternateContent xmlns:mc="http://schemas.openxmlformats.org/markup-compatibility/2006">
-    <mc:Choice xmlns:p14="http://schemas.microsoft.com/office/powerpoint/2010/main" Requires="p14">
+  <mc:AlternateContent xmlns:mc="http://schemas.openxmlformats.org/markup-compatibility/2006" xmlns:p14="http://schemas.microsoft.com/office/powerpoint/2010/main">
+    <mc:Choice Requires="p14">
       <p:transition spd="slow" p14:dur="1250">
         <p:pull/>
       </p:transition>
     </mc:Choice>
-    <mc:Fallback>
+    <mc:Fallback xmlns="">
       <p:transition spd="slow">
         <p:pull/>
       </p:transition>
@@ -28321,13 +28440,13 @@
   <p:clrMapOvr>
     <a:masterClrMapping/>
   </p:clrMapOvr>
-  <mc:AlternateContent xmlns:mc="http://schemas.openxmlformats.org/markup-compatibility/2006">
-    <mc:Choice xmlns:p14="http://schemas.microsoft.com/office/powerpoint/2010/main" Requires="p14">
+  <mc:AlternateContent xmlns:mc="http://schemas.openxmlformats.org/markup-compatibility/2006" xmlns:p14="http://schemas.microsoft.com/office/powerpoint/2010/main">
+    <mc:Choice Requires="p14">
       <p:transition spd="slow" p14:dur="1250">
         <p:pull/>
       </p:transition>
     </mc:Choice>
-    <mc:Fallback>
+    <mc:Fallback xmlns="">
       <p:transition spd="slow">
         <p:pull/>
       </p:transition>
@@ -28766,13 +28885,13 @@
   <p:clrMapOvr>
     <a:masterClrMapping/>
   </p:clrMapOvr>
-  <mc:AlternateContent xmlns:mc="http://schemas.openxmlformats.org/markup-compatibility/2006">
-    <mc:Choice xmlns:p14="http://schemas.microsoft.com/office/powerpoint/2010/main" Requires="p14">
+  <mc:AlternateContent xmlns:mc="http://schemas.openxmlformats.org/markup-compatibility/2006" xmlns:p14="http://schemas.microsoft.com/office/powerpoint/2010/main">
+    <mc:Choice Requires="p14">
       <p:transition spd="slow" p14:dur="1250">
         <p:pull/>
       </p:transition>
     </mc:Choice>
-    <mc:Fallback>
+    <mc:Fallback xmlns="">
       <p:transition spd="slow">
         <p:pull/>
       </p:transition>
@@ -28918,13 +29037,13 @@
   <p:clrMapOvr>
     <a:masterClrMapping/>
   </p:clrMapOvr>
-  <mc:AlternateContent xmlns:mc="http://schemas.openxmlformats.org/markup-compatibility/2006">
-    <mc:Choice xmlns:p14="http://schemas.microsoft.com/office/powerpoint/2010/main" Requires="p14">
+  <mc:AlternateContent xmlns:mc="http://schemas.openxmlformats.org/markup-compatibility/2006" xmlns:p14="http://schemas.microsoft.com/office/powerpoint/2010/main">
+    <mc:Choice Requires="p14">
       <p:transition spd="slow" p14:dur="1250">
         <p:pull/>
       </p:transition>
     </mc:Choice>
-    <mc:Fallback>
+    <mc:Fallback xmlns="">
       <p:transition spd="slow">
         <p:pull/>
       </p:transition>

--- a/1 etim ds 2022/EAMT/Trabalho Acadêmico/Relatório (a importância dos ecopontos)/A importância da separação dos recicláveis 3/Ecopontos - EAMT.pptx
+++ b/1 etim ds 2022/EAMT/Trabalho Acadêmico/Relatório (a importância dos ecopontos)/A importância da separação dos recicláveis 3/Ecopontos - EAMT.pptx
@@ -150,9 +150,10 @@
 <p1510:revInfo xmlns:a="http://schemas.openxmlformats.org/drawingml/2006/main" xmlns:r="http://schemas.openxmlformats.org/officeDocument/2006/relationships" xmlns:p1510="http://schemas.microsoft.com/office/powerpoint/2015/10/main">
   <p1510:revLst>
     <p1510:client id="{12751C8C-90B5-4DE2-B85F-E4E6CD0EAF23}" v="85" dt="2022-11-18T20:05:54.802"/>
-    <p1510:client id="{42FB5FC0-45EB-AC12-8FB9-C103637ED6A0}" v="26" dt="2022-11-20T13:55:56.144"/>
     <p1510:client id="{37B7A2AA-BDC2-2BF0-6AE8-DB76B41D643A}" v="4354" dt="2022-11-20T13:54:05.653"/>
     <p1510:client id="{3C57EB16-0AA7-B230-3BB0-D5D2394DAFC4}" v="656" dt="2022-11-21T23:51:46.941"/>
+    <p1510:client id="{42FB5FC0-45EB-AC12-8FB9-C103637ED6A0}" v="26" dt="2022-11-20T13:55:56.144"/>
+    <p1510:client id="{C6FAF44B-D629-4D6B-9C7D-A2FF1751C9F7}" v="21" dt="2022-11-28T02:22:25.683"/>
   </p1510:revLst>
 </p1510:revInfo>
 </file>
@@ -305,7 +306,7 @@
           <a:p>
             <a:fld id="{073D55F9-11A3-4523-8F38-6BA37933791A}" type="datetime1">
               <a:rPr lang="en-US" smtClean="0"/>
-              <a:t>11/23/2022</a:t>
+              <a:t>11/27/2022</a:t>
             </a:fld>
             <a:endParaRPr lang="en-US"/>
           </a:p>
@@ -507,7 +508,7 @@
           <a:p>
             <a:fld id="{0B4E757A-3EC2-4683-9080-1A460C37C843}" type="datetime1">
               <a:rPr lang="en-US" smtClean="0"/>
-              <a:t>11/23/2022</a:t>
+              <a:t>11/27/2022</a:t>
             </a:fld>
             <a:endParaRPr lang="en-US"/>
           </a:p>
@@ -723,7 +724,7 @@
           <a:p>
             <a:fld id="{5CC8096C-64ED-4153-A483-5C02E44AD5C3}" type="datetime1">
               <a:rPr lang="en-US" smtClean="0"/>
-              <a:t>11/23/2022</a:t>
+              <a:t>11/27/2022</a:t>
             </a:fld>
             <a:endParaRPr lang="en-US" dirty="0"/>
           </a:p>
@@ -956,7 +957,7 @@
           <a:p>
             <a:fld id="{1CB9D56B-6EBE-4E5F-99D9-2A3DBDF37D0A}" type="datetime1">
               <a:rPr lang="en-US" smtClean="0"/>
-              <a:t>11/23/2022</a:t>
+              <a:t>11/27/2022</a:t>
             </a:fld>
             <a:endParaRPr lang="en-US"/>
           </a:p>
@@ -1233,7 +1234,7 @@
           <a:p>
             <a:fld id="{8C33F3CA-C7E3-432D-9282-18F13836509A}" type="datetime1">
               <a:rPr lang="en-US" smtClean="0"/>
-              <a:t>11/23/2022</a:t>
+              <a:t>11/27/2022</a:t>
             </a:fld>
             <a:endParaRPr lang="en-US" dirty="0"/>
           </a:p>
@@ -1503,7 +1504,7 @@
           <a:p>
             <a:fld id="{75BE9C62-1337-40B8-BA50-E9F4861DB4BC}" type="datetime1">
               <a:rPr lang="en-US" smtClean="0"/>
-              <a:t>11/23/2022</a:t>
+              <a:t>11/27/2022</a:t>
             </a:fld>
             <a:endParaRPr lang="en-US"/>
           </a:p>
@@ -1920,7 +1921,7 @@
           <a:p>
             <a:fld id="{47C195EB-2DA3-4B24-8725-19BC22A7BE50}" type="datetime1">
               <a:rPr lang="en-US" smtClean="0"/>
-              <a:t>11/23/2022</a:t>
+              <a:t>11/27/2022</a:t>
             </a:fld>
             <a:endParaRPr lang="en-US"/>
           </a:p>
@@ -2065,7 +2066,7 @@
           <a:p>
             <a:fld id="{F4E237E6-0076-4915-A5A8-B7C11FA4F374}" type="datetime1">
               <a:rPr lang="en-US" smtClean="0"/>
-              <a:t>11/23/2022</a:t>
+              <a:t>11/27/2022</a:t>
             </a:fld>
             <a:endParaRPr lang="en-US"/>
           </a:p>
@@ -2181,7 +2182,7 @@
           <a:p>
             <a:fld id="{3505F58F-C0B5-422A-8E5A-6B99E5D80F0A}" type="datetime1">
               <a:rPr lang="en-US" smtClean="0"/>
-              <a:t>11/23/2022</a:t>
+              <a:t>11/27/2022</a:t>
             </a:fld>
             <a:endParaRPr lang="en-US"/>
           </a:p>
@@ -2497,7 +2498,7 @@
           <a:p>
             <a:fld id="{7565E655-9687-48DF-A33F-F8824CCCB5D1}" type="datetime1">
               <a:rPr lang="en-US" smtClean="0"/>
-              <a:t>11/23/2022</a:t>
+              <a:t>11/27/2022</a:t>
             </a:fld>
             <a:endParaRPr lang="en-US"/>
           </a:p>
@@ -2793,7 +2794,7 @@
           <a:p>
             <a:fld id="{B97FD56A-AAB8-4544-A495-D0645413C9E3}" type="datetime1">
               <a:rPr lang="en-US" smtClean="0"/>
-              <a:t>11/23/2022</a:t>
+              <a:t>11/27/2022</a:t>
             </a:fld>
             <a:endParaRPr lang="en-US"/>
           </a:p>
@@ -4614,7 +4615,7 @@
             <a:fld id="{193BAB95-8DA7-460B-B00A-7037C8394FB0}" type="datetime1">
               <a:rPr lang="en-US" smtClean="0"/>
               <a:pPr/>
-              <a:t>11/23/2022</a:t>
+              <a:t>11/27/2022</a:t>
             </a:fld>
             <a:endParaRPr lang="en-US" dirty="0"/>
           </a:p>
@@ -24724,7 +24725,9 @@
         </p:nvSpPr>
         <p:spPr/>
         <p:txBody>
-          <a:bodyPr/>
+          <a:bodyPr vert="horz" lIns="91440" tIns="45720" rIns="91440" bIns="45720" rtlCol="0" anchor="t">
+            <a:normAutofit/>
+          </a:bodyPr>
           <a:lstStyle/>
           <a:p>
             <a:r>
@@ -24737,29 +24740,63 @@
             </a:r>
             <a:r>
               <a:rPr lang="pt-BR" dirty="0"/>
-              <a:t>n 54. dezembro 2021.  Disponível </a:t>
-            </a:r>
-            <a:r>
-              <a:rPr lang="pt-BR" dirty="0" err="1"/>
-              <a:t>em:</a:t>
-            </a:r>
-            <a:r>
-              <a:rPr lang="pt-BR" dirty="0" err="1">
-                <a:hlinkClick r:id="rId2"/>
-              </a:rPr>
-              <a:t>https</a:t>
+              <a:t>n 54. dezembro 2021.  Disponível em:</a:t>
             </a:r>
             <a:r>
               <a:rPr lang="pt-BR" dirty="0">
                 <a:hlinkClick r:id="rId2"/>
               </a:rPr>
-              <a:t>://abrelpe.org.br/panorama/</a:t>
+              <a:t>https://abrelpe.org.br/panorama/</a:t>
             </a:r>
             <a:r>
               <a:rPr lang="pt-BR" dirty="0"/>
               <a:t>. Acesso em: 11 Ago. 2022.</a:t>
             </a:r>
             <a:endParaRPr lang="pt-BR" b="1" dirty="0"/>
+          </a:p>
+          <a:p>
+            <a:pPr>
+              <a:buClr>
+                <a:srgbClr val="FFFFFF"/>
+              </a:buClr>
+            </a:pPr>
+            <a:r>
+              <a:rPr lang="pt-BR" dirty="0">
+                <a:ea typeface="+mn-lt"/>
+                <a:cs typeface="+mn-lt"/>
+              </a:rPr>
+              <a:t>ESPETACULAR, Domingo. </a:t>
+            </a:r>
+            <a:r>
+              <a:rPr lang="pt-BR" b="1" dirty="0">
+                <a:ea typeface="+mn-lt"/>
+                <a:cs typeface="+mn-lt"/>
+              </a:rPr>
+              <a:t>Conheça a dura realidade de quem sobrevive dos lixões.</a:t>
+            </a:r>
+            <a:r>
+              <a:rPr lang="pt-BR" dirty="0">
+                <a:ea typeface="+mn-lt"/>
+                <a:cs typeface="+mn-lt"/>
+              </a:rPr>
+              <a:t> Youtube, janeiro 2020. Disponível em: </a:t>
+            </a:r>
+            <a:r>
+              <a:rPr lang="pt-BR" dirty="0">
+                <a:ea typeface="+mn-lt"/>
+                <a:cs typeface="+mn-lt"/>
+                <a:hlinkClick r:id="rId3"/>
+              </a:rPr>
+              <a:t>https://youtu.be/VLZ6H0pBBsw</a:t>
+            </a:r>
+            <a:r>
+              <a:rPr lang="pt-BR" dirty="0">
+                <a:ea typeface="+mn-lt"/>
+                <a:cs typeface="+mn-lt"/>
+              </a:rPr>
+              <a:t>.</a:t>
+            </a:r>
+            <a:endParaRPr lang="pt-BR" dirty="0"/>
           </a:p>
           <a:p>
             <a:endParaRPr lang="pt-BR" dirty="0"/>

--- a/1 etim ds 2022/EAMT/Trabalho Acadêmico/Relatório (a importância dos ecopontos)/A importância da separação dos recicláveis 3/Ecopontos - EAMT.pptx
+++ b/1 etim ds 2022/EAMT/Trabalho Acadêmico/Relatório (a importância dos ecopontos)/A importância da separação dos recicláveis 3/Ecopontos - EAMT.pptx
@@ -6,40 +6,38 @@
   </p:sldMasterIdLst>
   <p:sldIdLst>
     <p:sldId id="256" r:id="rId2"/>
-    <p:sldId id="257" r:id="rId3"/>
-    <p:sldId id="258" r:id="rId4"/>
+    <p:sldId id="258" r:id="rId3"/>
+    <p:sldId id="257" r:id="rId4"/>
     <p:sldId id="259" r:id="rId5"/>
-    <p:sldId id="260" r:id="rId6"/>
-    <p:sldId id="261" r:id="rId7"/>
-    <p:sldId id="262" r:id="rId8"/>
-    <p:sldId id="263" r:id="rId9"/>
-    <p:sldId id="264" r:id="rId10"/>
-    <p:sldId id="265" r:id="rId11"/>
-    <p:sldId id="266" r:id="rId12"/>
-    <p:sldId id="267" r:id="rId13"/>
-    <p:sldId id="268" r:id="rId14"/>
-    <p:sldId id="269" r:id="rId15"/>
-    <p:sldId id="270" r:id="rId16"/>
-    <p:sldId id="271" r:id="rId17"/>
-    <p:sldId id="272" r:id="rId18"/>
-    <p:sldId id="273" r:id="rId19"/>
-    <p:sldId id="274" r:id="rId20"/>
-    <p:sldId id="277" r:id="rId21"/>
-    <p:sldId id="278" r:id="rId22"/>
-    <p:sldId id="279" r:id="rId23"/>
-    <p:sldId id="280" r:id="rId24"/>
-    <p:sldId id="281" r:id="rId25"/>
-    <p:sldId id="282" r:id="rId26"/>
-    <p:sldId id="283" r:id="rId27"/>
-    <p:sldId id="284" r:id="rId28"/>
-    <p:sldId id="285" r:id="rId29"/>
-    <p:sldId id="286" r:id="rId30"/>
-    <p:sldId id="291" r:id="rId31"/>
-    <p:sldId id="287" r:id="rId32"/>
-    <p:sldId id="288" r:id="rId33"/>
-    <p:sldId id="289" r:id="rId34"/>
-    <p:sldId id="290" r:id="rId35"/>
-    <p:sldId id="292" r:id="rId36"/>
+    <p:sldId id="261" r:id="rId6"/>
+    <p:sldId id="262" r:id="rId7"/>
+    <p:sldId id="263" r:id="rId8"/>
+    <p:sldId id="264" r:id="rId9"/>
+    <p:sldId id="265" r:id="rId10"/>
+    <p:sldId id="266" r:id="rId11"/>
+    <p:sldId id="267" r:id="rId12"/>
+    <p:sldId id="268" r:id="rId13"/>
+    <p:sldId id="269" r:id="rId14"/>
+    <p:sldId id="270" r:id="rId15"/>
+    <p:sldId id="271" r:id="rId16"/>
+    <p:sldId id="272" r:id="rId17"/>
+    <p:sldId id="273" r:id="rId18"/>
+    <p:sldId id="274" r:id="rId19"/>
+    <p:sldId id="277" r:id="rId20"/>
+    <p:sldId id="278" r:id="rId21"/>
+    <p:sldId id="279" r:id="rId22"/>
+    <p:sldId id="280" r:id="rId23"/>
+    <p:sldId id="281" r:id="rId24"/>
+    <p:sldId id="282" r:id="rId25"/>
+    <p:sldId id="283" r:id="rId26"/>
+    <p:sldId id="284" r:id="rId27"/>
+    <p:sldId id="285" r:id="rId28"/>
+    <p:sldId id="291" r:id="rId29"/>
+    <p:sldId id="287" r:id="rId30"/>
+    <p:sldId id="288" r:id="rId31"/>
+    <p:sldId id="289" r:id="rId32"/>
+    <p:sldId id="290" r:id="rId33"/>
+    <p:sldId id="292" r:id="rId34"/>
   </p:sldIdLst>
   <p:sldSz cx="12192000" cy="6858000"/>
   <p:notesSz cx="6858000" cy="9144000"/>
@@ -150,10 +148,10 @@
 <p1510:revInfo xmlns:a="http://schemas.openxmlformats.org/drawingml/2006/main" xmlns:r="http://schemas.openxmlformats.org/officeDocument/2006/relationships" xmlns:p1510="http://schemas.microsoft.com/office/powerpoint/2015/10/main">
   <p1510:revLst>
     <p1510:client id="{12751C8C-90B5-4DE2-B85F-E4E6CD0EAF23}" v="85" dt="2022-11-18T20:05:54.802"/>
+    <p1510:client id="{42FB5FC0-45EB-AC12-8FB9-C103637ED6A0}" v="26" dt="2022-11-20T13:55:56.144"/>
     <p1510:client id="{37B7A2AA-BDC2-2BF0-6AE8-DB76B41D643A}" v="4354" dt="2022-11-20T13:54:05.653"/>
+    <p1510:client id="{C6FAF44B-D629-4D6B-9C7D-A2FF1751C9F7}" v="21" dt="2022-11-28T02:22:25.683"/>
     <p1510:client id="{3C57EB16-0AA7-B230-3BB0-D5D2394DAFC4}" v="656" dt="2022-11-21T23:51:46.941"/>
-    <p1510:client id="{42FB5FC0-45EB-AC12-8FB9-C103637ED6A0}" v="26" dt="2022-11-20T13:55:56.144"/>
-    <p1510:client id="{C6FAF44B-D629-4D6B-9C7D-A2FF1751C9F7}" v="21" dt="2022-11-28T02:22:25.683"/>
   </p1510:revLst>
 </p1510:revInfo>
 </file>
@@ -306,7 +304,7 @@
           <a:p>
             <a:fld id="{073D55F9-11A3-4523-8F38-6BA37933791A}" type="datetime1">
               <a:rPr lang="en-US" smtClean="0"/>
-              <a:t>11/27/2022</a:t>
+              <a:t>11/29/2022</a:t>
             </a:fld>
             <a:endParaRPr lang="en-US"/>
           </a:p>
@@ -508,7 +506,7 @@
           <a:p>
             <a:fld id="{0B4E757A-3EC2-4683-9080-1A460C37C843}" type="datetime1">
               <a:rPr lang="en-US" smtClean="0"/>
-              <a:t>11/27/2022</a:t>
+              <a:t>11/29/2022</a:t>
             </a:fld>
             <a:endParaRPr lang="en-US"/>
           </a:p>
@@ -724,7 +722,7 @@
           <a:p>
             <a:fld id="{5CC8096C-64ED-4153-A483-5C02E44AD5C3}" type="datetime1">
               <a:rPr lang="en-US" smtClean="0"/>
-              <a:t>11/27/2022</a:t>
+              <a:t>11/29/2022</a:t>
             </a:fld>
             <a:endParaRPr lang="en-US" dirty="0"/>
           </a:p>
@@ -957,7 +955,7 @@
           <a:p>
             <a:fld id="{1CB9D56B-6EBE-4E5F-99D9-2A3DBDF37D0A}" type="datetime1">
               <a:rPr lang="en-US" smtClean="0"/>
-              <a:t>11/27/2022</a:t>
+              <a:t>11/29/2022</a:t>
             </a:fld>
             <a:endParaRPr lang="en-US"/>
           </a:p>
@@ -1234,7 +1232,7 @@
           <a:p>
             <a:fld id="{8C33F3CA-C7E3-432D-9282-18F13836509A}" type="datetime1">
               <a:rPr lang="en-US" smtClean="0"/>
-              <a:t>11/27/2022</a:t>
+              <a:t>11/29/2022</a:t>
             </a:fld>
             <a:endParaRPr lang="en-US" dirty="0"/>
           </a:p>
@@ -1504,7 +1502,7 @@
           <a:p>
             <a:fld id="{75BE9C62-1337-40B8-BA50-E9F4861DB4BC}" type="datetime1">
               <a:rPr lang="en-US" smtClean="0"/>
-              <a:t>11/27/2022</a:t>
+              <a:t>11/29/2022</a:t>
             </a:fld>
             <a:endParaRPr lang="en-US"/>
           </a:p>
@@ -1921,7 +1919,7 @@
           <a:p>
             <a:fld id="{47C195EB-2DA3-4B24-8725-19BC22A7BE50}" type="datetime1">
               <a:rPr lang="en-US" smtClean="0"/>
-              <a:t>11/27/2022</a:t>
+              <a:t>11/29/2022</a:t>
             </a:fld>
             <a:endParaRPr lang="en-US"/>
           </a:p>
@@ -2066,7 +2064,7 @@
           <a:p>
             <a:fld id="{F4E237E6-0076-4915-A5A8-B7C11FA4F374}" type="datetime1">
               <a:rPr lang="en-US" smtClean="0"/>
-              <a:t>11/27/2022</a:t>
+              <a:t>11/29/2022</a:t>
             </a:fld>
             <a:endParaRPr lang="en-US"/>
           </a:p>
@@ -2182,7 +2180,7 @@
           <a:p>
             <a:fld id="{3505F58F-C0B5-422A-8E5A-6B99E5D80F0A}" type="datetime1">
               <a:rPr lang="en-US" smtClean="0"/>
-              <a:t>11/27/2022</a:t>
+              <a:t>11/29/2022</a:t>
             </a:fld>
             <a:endParaRPr lang="en-US"/>
           </a:p>
@@ -2498,7 +2496,7 @@
           <a:p>
             <a:fld id="{7565E655-9687-48DF-A33F-F8824CCCB5D1}" type="datetime1">
               <a:rPr lang="en-US" smtClean="0"/>
-              <a:t>11/27/2022</a:t>
+              <a:t>11/29/2022</a:t>
             </a:fld>
             <a:endParaRPr lang="en-US"/>
           </a:p>
@@ -2794,7 +2792,7 @@
           <a:p>
             <a:fld id="{B97FD56A-AAB8-4544-A495-D0645413C9E3}" type="datetime1">
               <a:rPr lang="en-US" smtClean="0"/>
-              <a:t>11/27/2022</a:t>
+              <a:t>11/29/2022</a:t>
             </a:fld>
             <a:endParaRPr lang="en-US"/>
           </a:p>
@@ -4615,7 +4613,7 @@
             <a:fld id="{193BAB95-8DA7-460B-B00A-7037C8394FB0}" type="datetime1">
               <a:rPr lang="en-US" smtClean="0"/>
               <a:pPr/>
-              <a:t>11/27/2022</a:t>
+              <a:t>11/29/2022</a:t>
             </a:fld>
             <a:endParaRPr lang="en-US" dirty="0"/>
           </a:p>
@@ -7262,514 +7260,6 @@
           <p:cNvPr id="2" name="Title 1">
             <a:extLst>
               <a:ext uri="{FF2B5EF4-FFF2-40B4-BE49-F238E27FC236}">
-                <a16:creationId xmlns:a16="http://schemas.microsoft.com/office/drawing/2014/main" id="{2D4293A2-4AAE-F316-0A93-DD10C941EF96}"/>
-              </a:ext>
-            </a:extLst>
-          </p:cNvPr>
-          <p:cNvSpPr>
-            <a:spLocks noGrp="1"/>
-          </p:cNvSpPr>
-          <p:nvPr>
-            <p:ph type="title"/>
-          </p:nvPr>
-        </p:nvSpPr>
-        <p:spPr/>
-        <p:txBody>
-          <a:bodyPr/>
-          <a:lstStyle/>
-          <a:p>
-            <a:r>
-              <a:rPr lang="en-US" b="1" dirty="0">
-                <a:cs typeface="Posterama"/>
-              </a:rPr>
-              <a:t>GERAÇÃO DE RSU EM 2020</a:t>
-            </a:r>
-            <a:endParaRPr lang="en-US" b="1">
-              <a:cs typeface="Posterama"/>
-            </a:endParaRPr>
-          </a:p>
-        </p:txBody>
-      </p:sp>
-      <p:sp>
-        <p:nvSpPr>
-          <p:cNvPr id="3" name="Content Placeholder 2">
-            <a:extLst>
-              <a:ext uri="{FF2B5EF4-FFF2-40B4-BE49-F238E27FC236}">
-                <a16:creationId xmlns:a16="http://schemas.microsoft.com/office/drawing/2014/main" id="{C6B29072-0039-4437-2F20-9B5ABED941F2}"/>
-              </a:ext>
-            </a:extLst>
-          </p:cNvPr>
-          <p:cNvSpPr>
-            <a:spLocks noGrp="1"/>
-          </p:cNvSpPr>
-          <p:nvPr>
-            <p:ph idx="1"/>
-          </p:nvPr>
-        </p:nvSpPr>
-        <p:spPr/>
-        <p:txBody>
-          <a:bodyPr vert="horz" lIns="91440" tIns="45720" rIns="91440" bIns="45720" rtlCol="0" anchor="t">
-            <a:normAutofit/>
-          </a:bodyPr>
-          <a:lstStyle/>
-          <a:p>
-            <a:r>
-              <a:rPr lang="en-US" dirty="0" err="1">
-                <a:ea typeface="+mn-lt"/>
-                <a:cs typeface="+mn-lt"/>
-              </a:rPr>
-              <a:t>Usando</a:t>
-            </a:r>
-            <a:r>
-              <a:rPr lang="en-US" dirty="0">
-                <a:ea typeface="+mn-lt"/>
-                <a:cs typeface="+mn-lt"/>
-              </a:rPr>
-              <a:t> </a:t>
-            </a:r>
-            <a:r>
-              <a:rPr lang="en-US" dirty="0" err="1">
-                <a:ea typeface="+mn-lt"/>
-                <a:cs typeface="+mn-lt"/>
-              </a:rPr>
-              <a:t>como</a:t>
-            </a:r>
-            <a:r>
-              <a:rPr lang="en-US" dirty="0">
-                <a:ea typeface="+mn-lt"/>
-                <a:cs typeface="+mn-lt"/>
-              </a:rPr>
-              <a:t> base o panorama da </a:t>
-            </a:r>
-            <a:r>
-              <a:rPr lang="en-US" dirty="0" err="1">
-                <a:ea typeface="+mn-lt"/>
-                <a:cs typeface="+mn-lt"/>
-              </a:rPr>
-              <a:t>Associação</a:t>
-            </a:r>
-            <a:r>
-              <a:rPr lang="en-US" dirty="0">
-                <a:ea typeface="+mn-lt"/>
-                <a:cs typeface="+mn-lt"/>
-              </a:rPr>
-              <a:t> Brasileira de </a:t>
-            </a:r>
-            <a:r>
-              <a:rPr lang="en-US" dirty="0" err="1">
-                <a:ea typeface="+mn-lt"/>
-                <a:cs typeface="+mn-lt"/>
-              </a:rPr>
-              <a:t>Empresas</a:t>
-            </a:r>
-            <a:r>
-              <a:rPr lang="en-US" dirty="0">
-                <a:ea typeface="+mn-lt"/>
-                <a:cs typeface="+mn-lt"/>
-              </a:rPr>
-              <a:t> de </a:t>
-            </a:r>
-            <a:r>
-              <a:rPr lang="en-US" dirty="0" err="1">
-                <a:ea typeface="+mn-lt"/>
-                <a:cs typeface="+mn-lt"/>
-              </a:rPr>
-              <a:t>Limpeza</a:t>
-            </a:r>
-            <a:r>
-              <a:rPr lang="en-US" dirty="0">
-                <a:ea typeface="+mn-lt"/>
-                <a:cs typeface="+mn-lt"/>
-              </a:rPr>
-              <a:t> Pública e </a:t>
-            </a:r>
-            <a:r>
-              <a:rPr lang="en-US" dirty="0" err="1">
-                <a:ea typeface="+mn-lt"/>
-                <a:cs typeface="+mn-lt"/>
-              </a:rPr>
-              <a:t>Resíduos</a:t>
-            </a:r>
-            <a:r>
-              <a:rPr lang="en-US" dirty="0">
-                <a:ea typeface="+mn-lt"/>
-                <a:cs typeface="+mn-lt"/>
-              </a:rPr>
-              <a:t> </a:t>
-            </a:r>
-            <a:r>
-              <a:rPr lang="en-US" dirty="0" err="1">
-                <a:ea typeface="+mn-lt"/>
-                <a:cs typeface="+mn-lt"/>
-              </a:rPr>
-              <a:t>Especiais</a:t>
-            </a:r>
-            <a:r>
-              <a:rPr lang="en-US" dirty="0">
-                <a:ea typeface="+mn-lt"/>
-                <a:cs typeface="+mn-lt"/>
-              </a:rPr>
-              <a:t> (ABRELPE) de 2021, que </a:t>
-            </a:r>
-            <a:r>
-              <a:rPr lang="en-US" dirty="0" err="1">
-                <a:ea typeface="+mn-lt"/>
-                <a:cs typeface="+mn-lt"/>
-              </a:rPr>
-              <a:t>analisou</a:t>
-            </a:r>
-            <a:r>
-              <a:rPr lang="en-US" dirty="0">
-                <a:ea typeface="+mn-lt"/>
-                <a:cs typeface="+mn-lt"/>
-              </a:rPr>
-              <a:t> o </a:t>
-            </a:r>
-            <a:r>
-              <a:rPr lang="en-US" dirty="0" err="1">
-                <a:ea typeface="+mn-lt"/>
-                <a:cs typeface="+mn-lt"/>
-              </a:rPr>
-              <a:t>impacto</a:t>
-            </a:r>
-            <a:r>
-              <a:rPr lang="en-US" dirty="0">
-                <a:ea typeface="+mn-lt"/>
-                <a:cs typeface="+mn-lt"/>
-              </a:rPr>
-              <a:t> dos </a:t>
-            </a:r>
-            <a:r>
-              <a:rPr lang="en-US" dirty="0" err="1">
-                <a:ea typeface="+mn-lt"/>
-                <a:cs typeface="+mn-lt"/>
-              </a:rPr>
-              <a:t>resíduos</a:t>
-            </a:r>
-            <a:r>
-              <a:rPr lang="en-US" dirty="0">
-                <a:ea typeface="+mn-lt"/>
-                <a:cs typeface="+mn-lt"/>
-              </a:rPr>
-              <a:t> </a:t>
-            </a:r>
-            <a:r>
-              <a:rPr lang="en-US" dirty="0" err="1">
-                <a:ea typeface="+mn-lt"/>
-                <a:cs typeface="+mn-lt"/>
-              </a:rPr>
-              <a:t>sólidos</a:t>
-            </a:r>
-            <a:r>
-              <a:rPr lang="en-US" dirty="0">
-                <a:ea typeface="+mn-lt"/>
-                <a:cs typeface="+mn-lt"/>
-              </a:rPr>
-              <a:t> </a:t>
-            </a:r>
-            <a:r>
-              <a:rPr lang="en-US" dirty="0" err="1">
-                <a:ea typeface="+mn-lt"/>
-                <a:cs typeface="+mn-lt"/>
-              </a:rPr>
-              <a:t>urbanos</a:t>
-            </a:r>
-            <a:r>
-              <a:rPr lang="en-US" dirty="0">
-                <a:ea typeface="+mn-lt"/>
-                <a:cs typeface="+mn-lt"/>
-              </a:rPr>
-              <a:t> (RSU) no </a:t>
-            </a:r>
-            <a:r>
-              <a:rPr lang="en-US" dirty="0" err="1">
-                <a:ea typeface="+mn-lt"/>
-                <a:cs typeface="+mn-lt"/>
-              </a:rPr>
-              <a:t>Brasil</a:t>
-            </a:r>
-            <a:r>
-              <a:rPr lang="en-US" dirty="0">
-                <a:ea typeface="+mn-lt"/>
-                <a:cs typeface="+mn-lt"/>
-              </a:rPr>
-              <a:t> e </a:t>
-            </a:r>
-            <a:r>
-              <a:rPr lang="en-US" dirty="0" err="1">
-                <a:ea typeface="+mn-lt"/>
-                <a:cs typeface="+mn-lt"/>
-              </a:rPr>
-              <a:t>suas</a:t>
-            </a:r>
-            <a:r>
-              <a:rPr lang="en-US" dirty="0">
-                <a:ea typeface="+mn-lt"/>
-                <a:cs typeface="+mn-lt"/>
-              </a:rPr>
-              <a:t> </a:t>
-            </a:r>
-            <a:r>
-              <a:rPr lang="en-US" dirty="0" err="1">
-                <a:ea typeface="+mn-lt"/>
-                <a:cs typeface="+mn-lt"/>
-              </a:rPr>
-              <a:t>regiões</a:t>
-            </a:r>
-            <a:r>
-              <a:rPr lang="en-US" dirty="0">
-                <a:ea typeface="+mn-lt"/>
-                <a:cs typeface="+mn-lt"/>
-              </a:rPr>
-              <a:t> </a:t>
-            </a:r>
-            <a:r>
-              <a:rPr lang="en-US" dirty="0" err="1">
-                <a:ea typeface="+mn-lt"/>
-                <a:cs typeface="+mn-lt"/>
-              </a:rPr>
-              <a:t>em</a:t>
-            </a:r>
-            <a:r>
-              <a:rPr lang="en-US" dirty="0">
-                <a:ea typeface="+mn-lt"/>
-                <a:cs typeface="+mn-lt"/>
-              </a:rPr>
-              <a:t> 2020, </a:t>
-            </a:r>
-            <a:r>
-              <a:rPr lang="en-US" dirty="0" err="1">
-                <a:ea typeface="+mn-lt"/>
-                <a:cs typeface="+mn-lt"/>
-              </a:rPr>
-              <a:t>houve</a:t>
-            </a:r>
-            <a:r>
-              <a:rPr lang="en-US" dirty="0">
-                <a:ea typeface="+mn-lt"/>
-                <a:cs typeface="+mn-lt"/>
-              </a:rPr>
-              <a:t> um </a:t>
-            </a:r>
-            <a:r>
-              <a:rPr lang="en-US" dirty="0" err="1">
-                <a:ea typeface="+mn-lt"/>
-                <a:cs typeface="+mn-lt"/>
-              </a:rPr>
-              <a:t>aumento</a:t>
-            </a:r>
-            <a:r>
-              <a:rPr lang="en-US" dirty="0">
-                <a:ea typeface="+mn-lt"/>
-                <a:cs typeface="+mn-lt"/>
-              </a:rPr>
-              <a:t> </a:t>
-            </a:r>
-            <a:r>
-              <a:rPr lang="en-US" dirty="0" err="1">
-                <a:ea typeface="+mn-lt"/>
-                <a:cs typeface="+mn-lt"/>
-              </a:rPr>
-              <a:t>nos</a:t>
-            </a:r>
-            <a:r>
-              <a:rPr lang="en-US" dirty="0">
-                <a:ea typeface="+mn-lt"/>
-                <a:cs typeface="+mn-lt"/>
-              </a:rPr>
-              <a:t> </a:t>
-            </a:r>
-            <a:r>
-              <a:rPr lang="en-US" dirty="0" err="1">
-                <a:ea typeface="+mn-lt"/>
-                <a:cs typeface="+mn-lt"/>
-              </a:rPr>
-              <a:t>números</a:t>
-            </a:r>
-            <a:r>
-              <a:rPr lang="en-US" dirty="0">
-                <a:ea typeface="+mn-lt"/>
-                <a:cs typeface="+mn-lt"/>
-              </a:rPr>
-              <a:t> </a:t>
-            </a:r>
-            <a:r>
-              <a:rPr lang="en-US" dirty="0" err="1">
-                <a:ea typeface="+mn-lt"/>
-                <a:cs typeface="+mn-lt"/>
-              </a:rPr>
-              <a:t>deste</a:t>
-            </a:r>
-            <a:r>
-              <a:rPr lang="en-US" dirty="0">
-                <a:ea typeface="+mn-lt"/>
-                <a:cs typeface="+mn-lt"/>
-              </a:rPr>
-              <a:t> </a:t>
-            </a:r>
-            <a:r>
-              <a:rPr lang="en-US" dirty="0" err="1">
-                <a:ea typeface="+mn-lt"/>
-                <a:cs typeface="+mn-lt"/>
-              </a:rPr>
-              <a:t>ano</a:t>
-            </a:r>
-            <a:r>
-              <a:rPr lang="en-US" dirty="0">
-                <a:ea typeface="+mn-lt"/>
-                <a:cs typeface="+mn-lt"/>
-              </a:rPr>
-              <a:t> </a:t>
-            </a:r>
-            <a:r>
-              <a:rPr lang="en-US" dirty="0" err="1">
-                <a:ea typeface="+mn-lt"/>
-                <a:cs typeface="+mn-lt"/>
-              </a:rPr>
-              <a:t>em</a:t>
-            </a:r>
-            <a:r>
-              <a:rPr lang="en-US" dirty="0">
-                <a:ea typeface="+mn-lt"/>
-                <a:cs typeface="+mn-lt"/>
-              </a:rPr>
-              <a:t> </a:t>
-            </a:r>
-            <a:r>
-              <a:rPr lang="en-US" dirty="0" err="1">
-                <a:ea typeface="+mn-lt"/>
-                <a:cs typeface="+mn-lt"/>
-              </a:rPr>
-              <a:t>relação</a:t>
-            </a:r>
-            <a:r>
-              <a:rPr lang="en-US" dirty="0">
-                <a:ea typeface="+mn-lt"/>
-                <a:cs typeface="+mn-lt"/>
-              </a:rPr>
-              <a:t> </a:t>
-            </a:r>
-            <a:r>
-              <a:rPr lang="en-US" dirty="0" err="1">
-                <a:ea typeface="+mn-lt"/>
-                <a:cs typeface="+mn-lt"/>
-              </a:rPr>
-              <a:t>aos</a:t>
-            </a:r>
-            <a:r>
-              <a:rPr lang="en-US" dirty="0">
-                <a:ea typeface="+mn-lt"/>
-                <a:cs typeface="+mn-lt"/>
-              </a:rPr>
-              <a:t> de </a:t>
-            </a:r>
-            <a:r>
-              <a:rPr lang="en-US" dirty="0" err="1">
-                <a:ea typeface="+mn-lt"/>
-                <a:cs typeface="+mn-lt"/>
-              </a:rPr>
-              <a:t>anos</a:t>
-            </a:r>
-            <a:r>
-              <a:rPr lang="en-US" dirty="0">
-                <a:ea typeface="+mn-lt"/>
-                <a:cs typeface="+mn-lt"/>
-              </a:rPr>
-              <a:t> </a:t>
-            </a:r>
-            <a:r>
-              <a:rPr lang="en-US" dirty="0" err="1">
-                <a:ea typeface="+mn-lt"/>
-                <a:cs typeface="+mn-lt"/>
-              </a:rPr>
-              <a:t>anteriores</a:t>
-            </a:r>
-            <a:r>
-              <a:rPr lang="en-US" dirty="0">
-                <a:ea typeface="+mn-lt"/>
-                <a:cs typeface="+mn-lt"/>
-              </a:rPr>
-              <a:t> </a:t>
-            </a:r>
-            <a:r>
-              <a:rPr lang="en-US" dirty="0" err="1">
-                <a:ea typeface="+mn-lt"/>
-                <a:cs typeface="+mn-lt"/>
-              </a:rPr>
-              <a:t>remetentes</a:t>
-            </a:r>
-            <a:r>
-              <a:rPr lang="en-US" dirty="0">
-                <a:ea typeface="+mn-lt"/>
-                <a:cs typeface="+mn-lt"/>
-              </a:rPr>
-              <a:t> à </a:t>
-            </a:r>
-            <a:r>
-              <a:rPr lang="en-US" dirty="0" err="1">
-                <a:ea typeface="+mn-lt"/>
-                <a:cs typeface="+mn-lt"/>
-              </a:rPr>
-              <a:t>geração</a:t>
-            </a:r>
-            <a:r>
-              <a:rPr lang="en-US" dirty="0">
-                <a:ea typeface="+mn-lt"/>
-                <a:cs typeface="+mn-lt"/>
-              </a:rPr>
-              <a:t> de RSU.</a:t>
-            </a:r>
-            <a:endParaRPr lang="en-US" dirty="0"/>
-          </a:p>
-        </p:txBody>
-      </p:sp>
-    </p:spTree>
-    <p:extLst>
-      <p:ext uri="{BB962C8B-B14F-4D97-AF65-F5344CB8AC3E}">
-        <p14:creationId xmlns:p14="http://schemas.microsoft.com/office/powerpoint/2010/main" val="2586061357"/>
-      </p:ext>
-    </p:extLst>
-  </p:cSld>
-  <p:clrMapOvr>
-    <a:masterClrMapping/>
-  </p:clrMapOvr>
-  <mc:AlternateContent xmlns:mc="http://schemas.openxmlformats.org/markup-compatibility/2006" xmlns:p14="http://schemas.microsoft.com/office/powerpoint/2010/main">
-    <mc:Choice Requires="p14">
-      <p:transition spd="slow" p14:dur="1250">
-        <p:pull/>
-      </p:transition>
-    </mc:Choice>
-    <mc:Fallback xmlns="">
-      <p:transition spd="slow">
-        <p:pull/>
-      </p:transition>
-    </mc:Fallback>
-  </mc:AlternateContent>
-</p:sld>
-</file>
-
-<file path=ppt/slides/slide11.xml><?xml version="1.0" encoding="utf-8"?>
-<p:sld xmlns:a="http://schemas.openxmlformats.org/drawingml/2006/main" xmlns:r="http://schemas.openxmlformats.org/officeDocument/2006/relationships" xmlns:p="http://schemas.openxmlformats.org/presentationml/2006/main">
-  <p:cSld>
-    <p:spTree>
-      <p:nvGrpSpPr>
-        <p:cNvPr id="1" name=""/>
-        <p:cNvGrpSpPr/>
-        <p:nvPr/>
-      </p:nvGrpSpPr>
-      <p:grpSpPr>
-        <a:xfrm>
-          <a:off x="0" y="0"/>
-          <a:ext cx="0" cy="0"/>
-          <a:chOff x="0" y="0"/>
-          <a:chExt cx="0" cy="0"/>
-        </a:xfrm>
-      </p:grpSpPr>
-      <p:sp>
-        <p:nvSpPr>
-          <p:cNvPr id="2" name="Title 1">
-            <a:extLst>
-              <a:ext uri="{FF2B5EF4-FFF2-40B4-BE49-F238E27FC236}">
                 <a16:creationId xmlns:a16="http://schemas.microsoft.com/office/drawing/2014/main" id="{99EC9FF0-CAA9-0C36-D3DE-846CA3AADC9A}"/>
               </a:ext>
             </a:extLst>
@@ -8187,7 +7677,7 @@
 </p:sld>
 </file>
 
-<file path=ppt/slides/slide12.xml><?xml version="1.0" encoding="utf-8"?>
+<file path=ppt/slides/slide11.xml><?xml version="1.0" encoding="utf-8"?>
 <p:sld xmlns:a="http://schemas.openxmlformats.org/drawingml/2006/main" xmlns:r="http://schemas.openxmlformats.org/officeDocument/2006/relationships" xmlns:p="http://schemas.openxmlformats.org/presentationml/2006/main">
   <p:cSld>
     <p:spTree>
@@ -8345,7 +7835,7 @@
 </p:sld>
 </file>
 
-<file path=ppt/slides/slide13.xml><?xml version="1.0" encoding="utf-8"?>
+<file path=ppt/slides/slide12.xml><?xml version="1.0" encoding="utf-8"?>
 <p:sld xmlns:a="http://schemas.openxmlformats.org/drawingml/2006/main" xmlns:r="http://schemas.openxmlformats.org/officeDocument/2006/relationships" xmlns:p="http://schemas.openxmlformats.org/presentationml/2006/main">
   <p:cSld>
     <p:spTree>
@@ -9036,7 +8526,7 @@
 </p:sld>
 </file>
 
-<file path=ppt/slides/slide14.xml><?xml version="1.0" encoding="utf-8"?>
+<file path=ppt/slides/slide13.xml><?xml version="1.0" encoding="utf-8"?>
 <p:sld xmlns:a="http://schemas.openxmlformats.org/drawingml/2006/main" xmlns:r="http://schemas.openxmlformats.org/officeDocument/2006/relationships" xmlns:p="http://schemas.openxmlformats.org/presentationml/2006/main">
   <p:cSld>
     <p:spTree>
@@ -9329,7 +8819,7 @@
 </p:sld>
 </file>
 
-<file path=ppt/slides/slide15.xml><?xml version="1.0" encoding="utf-8"?>
+<file path=ppt/slides/slide14.xml><?xml version="1.0" encoding="utf-8"?>
 <p:sld xmlns:a="http://schemas.openxmlformats.org/drawingml/2006/main" xmlns:r="http://schemas.openxmlformats.org/officeDocument/2006/relationships" xmlns:p="http://schemas.openxmlformats.org/presentationml/2006/main">
   <p:cSld>
     <p:spTree>
@@ -9597,7 +9087,7 @@
 </p:sld>
 </file>
 
-<file path=ppt/slides/slide16.xml><?xml version="1.0" encoding="utf-8"?>
+<file path=ppt/slides/slide15.xml><?xml version="1.0" encoding="utf-8"?>
 <p:sld xmlns:a="http://schemas.openxmlformats.org/drawingml/2006/main" xmlns:r="http://schemas.openxmlformats.org/officeDocument/2006/relationships" xmlns:p="http://schemas.openxmlformats.org/presentationml/2006/main">
   <p:cSld>
     <p:spTree>
@@ -9940,7 +9430,7 @@
 </p:sld>
 </file>
 
-<file path=ppt/slides/slide17.xml><?xml version="1.0" encoding="utf-8"?>
+<file path=ppt/slides/slide16.xml><?xml version="1.0" encoding="utf-8"?>
 <p:sld xmlns:a="http://schemas.openxmlformats.org/drawingml/2006/main" xmlns:r="http://schemas.openxmlformats.org/officeDocument/2006/relationships" xmlns:p="http://schemas.openxmlformats.org/presentationml/2006/main">
   <p:cSld>
     <p:spTree>
@@ -10111,7 +9601,7 @@
 </p:sld>
 </file>
 
-<file path=ppt/slides/slide18.xml><?xml version="1.0" encoding="utf-8"?>
+<file path=ppt/slides/slide17.xml><?xml version="1.0" encoding="utf-8"?>
 <p:sld xmlns:a="http://schemas.openxmlformats.org/drawingml/2006/main" xmlns:r="http://schemas.openxmlformats.org/officeDocument/2006/relationships" xmlns:p="http://schemas.openxmlformats.org/presentationml/2006/main">
   <p:cSld>
     <p:bg>
@@ -12340,7 +11830,7 @@
 </p:sld>
 </file>
 
-<file path=ppt/slides/slide19.xml><?xml version="1.0" encoding="utf-8"?>
+<file path=ppt/slides/slide18.xml><?xml version="1.0" encoding="utf-8"?>
 <p:sld xmlns:a="http://schemas.openxmlformats.org/drawingml/2006/main" xmlns:r="http://schemas.openxmlformats.org/officeDocument/2006/relationships" xmlns:p="http://schemas.openxmlformats.org/presentationml/2006/main">
   <p:cSld>
     <p:spTree>
@@ -12439,6 +11929,595 @@
     <p:extLst>
       <p:ext uri="{BB962C8B-B14F-4D97-AF65-F5344CB8AC3E}">
         <p14:creationId xmlns:p14="http://schemas.microsoft.com/office/powerpoint/2010/main" val="3857534758"/>
+      </p:ext>
+    </p:extLst>
+  </p:cSld>
+  <p:clrMapOvr>
+    <a:masterClrMapping/>
+  </p:clrMapOvr>
+  <mc:AlternateContent xmlns:mc="http://schemas.openxmlformats.org/markup-compatibility/2006" xmlns:p14="http://schemas.microsoft.com/office/powerpoint/2010/main">
+    <mc:Choice Requires="p14">
+      <p:transition spd="slow" p14:dur="1250">
+        <p:pull/>
+      </p:transition>
+    </mc:Choice>
+    <mc:Fallback xmlns="">
+      <p:transition spd="slow">
+        <p:pull/>
+      </p:transition>
+    </mc:Fallback>
+  </mc:AlternateContent>
+</p:sld>
+</file>
+
+<file path=ppt/slides/slide19.xml><?xml version="1.0" encoding="utf-8"?>
+<p:sld xmlns:a="http://schemas.openxmlformats.org/drawingml/2006/main" xmlns:r="http://schemas.openxmlformats.org/officeDocument/2006/relationships" xmlns:p="http://schemas.openxmlformats.org/presentationml/2006/main">
+  <p:cSld>
+    <p:spTree>
+      <p:nvGrpSpPr>
+        <p:cNvPr id="1" name=""/>
+        <p:cNvGrpSpPr/>
+        <p:nvPr/>
+      </p:nvGrpSpPr>
+      <p:grpSpPr>
+        <a:xfrm>
+          <a:off x="0" y="0"/>
+          <a:ext cx="0" cy="0"/>
+          <a:chOff x="0" y="0"/>
+          <a:chExt cx="0" cy="0"/>
+        </a:xfrm>
+      </p:grpSpPr>
+      <p:sp>
+        <p:nvSpPr>
+          <p:cNvPr id="2" name="Title 1">
+            <a:extLst>
+              <a:ext uri="{FF2B5EF4-FFF2-40B4-BE49-F238E27FC236}">
+                <a16:creationId xmlns:a16="http://schemas.microsoft.com/office/drawing/2014/main" id="{D4DFD0F5-F320-1BC4-CBB9-45BFF1004C4F}"/>
+              </a:ext>
+            </a:extLst>
+          </p:cNvPr>
+          <p:cNvSpPr>
+            <a:spLocks noGrp="1"/>
+          </p:cNvSpPr>
+          <p:nvPr>
+            <p:ph type="title"/>
+          </p:nvPr>
+        </p:nvSpPr>
+        <p:spPr/>
+        <p:txBody>
+          <a:bodyPr/>
+          <a:lstStyle/>
+          <a:p>
+            <a:r>
+              <a:rPr lang="en-US" b="1" dirty="0">
+                <a:cs typeface="Posterama"/>
+              </a:rPr>
+              <a:t>MEDIÇÕES E CÁLCULOS DOS CILINDROS</a:t>
+            </a:r>
+          </a:p>
+        </p:txBody>
+      </p:sp>
+      <p:sp>
+        <p:nvSpPr>
+          <p:cNvPr id="3" name="Content Placeholder 2">
+            <a:extLst>
+              <a:ext uri="{FF2B5EF4-FFF2-40B4-BE49-F238E27FC236}">
+                <a16:creationId xmlns:a16="http://schemas.microsoft.com/office/drawing/2014/main" id="{0419F0C4-3171-8758-B9B7-5B71534358E5}"/>
+              </a:ext>
+            </a:extLst>
+          </p:cNvPr>
+          <p:cNvSpPr>
+            <a:spLocks noGrp="1"/>
+          </p:cNvSpPr>
+          <p:nvPr>
+            <p:ph idx="1"/>
+          </p:nvPr>
+        </p:nvSpPr>
+        <p:spPr/>
+        <p:txBody>
+          <a:bodyPr vert="horz" lIns="91440" tIns="45720" rIns="91440" bIns="45720" rtlCol="0" anchor="t">
+            <a:normAutofit fontScale="85000" lnSpcReduction="10000"/>
+          </a:bodyPr>
+          <a:lstStyle/>
+          <a:p>
+            <a:pPr>
+              <a:buClr>
+                <a:srgbClr val="FFFFFF"/>
+              </a:buClr>
+              <a:buFont typeface="Arial"/>
+            </a:pPr>
+            <a:r>
+              <a:rPr lang="en-US" dirty="0"/>
+              <a:t>A </a:t>
+            </a:r>
+            <a:r>
+              <a:rPr lang="en-US" err="1"/>
+              <a:t>garrafa</a:t>
+            </a:r>
+            <a:r>
+              <a:rPr lang="en-US" dirty="0"/>
+              <a:t> pet, a </a:t>
+            </a:r>
+            <a:r>
+              <a:rPr lang="en-US" err="1"/>
+              <a:t>lata</a:t>
+            </a:r>
+            <a:r>
+              <a:rPr lang="en-US" dirty="0"/>
+              <a:t> de </a:t>
+            </a:r>
+            <a:r>
+              <a:rPr lang="en-US" err="1"/>
+              <a:t>leite</a:t>
+            </a:r>
+            <a:r>
+              <a:rPr lang="en-US" dirty="0"/>
+              <a:t> </a:t>
+            </a:r>
+            <a:r>
+              <a:rPr lang="en-US" err="1"/>
+              <a:t>em</a:t>
+            </a:r>
+            <a:r>
+              <a:rPr lang="en-US" dirty="0"/>
+              <a:t> </a:t>
+            </a:r>
+            <a:r>
+              <a:rPr lang="en-US" err="1"/>
+              <a:t>pó</a:t>
+            </a:r>
+            <a:r>
+              <a:rPr lang="en-US" dirty="0"/>
+              <a:t>, o </a:t>
+            </a:r>
+            <a:r>
+              <a:rPr lang="en-US" err="1"/>
+              <a:t>detergente</a:t>
+            </a:r>
+            <a:r>
+              <a:rPr lang="en-US" dirty="0"/>
+              <a:t>, o </a:t>
+            </a:r>
+            <a:r>
+              <a:rPr lang="en-US" err="1"/>
+              <a:t>óleo</a:t>
+            </a:r>
+            <a:r>
+              <a:rPr lang="en-US" dirty="0"/>
+              <a:t> e a </a:t>
+            </a:r>
+            <a:r>
+              <a:rPr lang="en-US" err="1"/>
+              <a:t>lata</a:t>
+            </a:r>
+            <a:r>
+              <a:rPr lang="en-US" dirty="0"/>
+              <a:t> de </a:t>
+            </a:r>
+            <a:r>
+              <a:rPr lang="en-US" err="1"/>
+              <a:t>leite</a:t>
+            </a:r>
+            <a:r>
+              <a:rPr lang="en-US" dirty="0"/>
+              <a:t> </a:t>
+            </a:r>
+            <a:r>
+              <a:rPr lang="en-US" err="1"/>
+              <a:t>condensado</a:t>
+            </a:r>
+            <a:r>
+              <a:rPr lang="en-US" dirty="0"/>
+              <a:t> </a:t>
+            </a:r>
+            <a:r>
+              <a:rPr lang="en-US" err="1"/>
+              <a:t>foram</a:t>
+            </a:r>
+            <a:r>
+              <a:rPr lang="en-US" dirty="0"/>
+              <a:t> </a:t>
+            </a:r>
+            <a:r>
+              <a:rPr lang="en-US" err="1"/>
+              <a:t>tratados</a:t>
+            </a:r>
+            <a:r>
+              <a:rPr lang="en-US" dirty="0"/>
+              <a:t> </a:t>
+            </a:r>
+            <a:r>
+              <a:rPr lang="en-US" err="1"/>
+              <a:t>como</a:t>
+            </a:r>
+            <a:r>
+              <a:rPr lang="en-US" dirty="0"/>
+              <a:t> </a:t>
+            </a:r>
+            <a:r>
+              <a:rPr lang="en-US" err="1"/>
+              <a:t>materiais</a:t>
+            </a:r>
+            <a:r>
+              <a:rPr lang="en-US" dirty="0"/>
+              <a:t> de </a:t>
+            </a:r>
+            <a:r>
+              <a:rPr lang="en-US" err="1"/>
+              <a:t>formato</a:t>
+            </a:r>
+            <a:r>
+              <a:rPr lang="en-US" dirty="0"/>
+              <a:t> </a:t>
+            </a:r>
+            <a:r>
+              <a:rPr lang="en-US" err="1"/>
+              <a:t>cilíndricos</a:t>
+            </a:r>
+            <a:r>
+              <a:rPr lang="en-US" dirty="0"/>
+              <a:t>.</a:t>
+            </a:r>
+          </a:p>
+          <a:p>
+            <a:pPr>
+              <a:buClr>
+                <a:srgbClr val="FFFFFF"/>
+              </a:buClr>
+              <a:buFont typeface="Arial"/>
+            </a:pPr>
+            <a:r>
+              <a:rPr lang="en-US" dirty="0"/>
+              <a:t>Sendo </a:t>
+            </a:r>
+            <a:r>
+              <a:rPr lang="en-US" dirty="0" err="1"/>
+              <a:t>assim</a:t>
+            </a:r>
+            <a:r>
+              <a:rPr lang="en-US" dirty="0"/>
+              <a:t>, </a:t>
+            </a:r>
+            <a:r>
+              <a:rPr lang="en-US" dirty="0" err="1"/>
+              <a:t>mediu</a:t>
+            </a:r>
+            <a:r>
+              <a:rPr lang="en-US" dirty="0"/>
+              <a:t>-se, para </a:t>
+            </a:r>
+            <a:r>
+              <a:rPr lang="en-US" dirty="0" err="1"/>
+              <a:t>cada</a:t>
+            </a:r>
+            <a:r>
+              <a:rPr lang="en-US" dirty="0"/>
+              <a:t> um deles, o </a:t>
+            </a:r>
+            <a:r>
+              <a:rPr lang="en-US" dirty="0" err="1"/>
+              <a:t>tamanho</a:t>
+            </a:r>
+            <a:r>
+              <a:rPr lang="en-US" dirty="0"/>
+              <a:t> de </a:t>
+            </a:r>
+            <a:r>
+              <a:rPr lang="en-US" dirty="0" err="1"/>
+              <a:t>suas</a:t>
+            </a:r>
+            <a:r>
+              <a:rPr lang="en-US" dirty="0"/>
+              <a:t> </a:t>
+            </a:r>
+            <a:r>
+              <a:rPr lang="en-US" dirty="0" err="1"/>
+              <a:t>circunferências</a:t>
+            </a:r>
+            <a:r>
+              <a:rPr lang="en-US" dirty="0"/>
+              <a:t> e a </a:t>
+            </a:r>
+            <a:r>
+              <a:rPr lang="en-US" dirty="0" err="1"/>
+              <a:t>suas</a:t>
+            </a:r>
+            <a:r>
+              <a:rPr lang="en-US" dirty="0"/>
+              <a:t> </a:t>
+            </a:r>
+            <a:r>
+              <a:rPr lang="en-US" dirty="0" err="1"/>
+              <a:t>respectivas</a:t>
+            </a:r>
+            <a:r>
+              <a:rPr lang="en-US" dirty="0"/>
+              <a:t> </a:t>
+            </a:r>
+            <a:r>
+              <a:rPr lang="en-US" dirty="0" err="1"/>
+              <a:t>alturas</a:t>
+            </a:r>
+            <a:r>
+              <a:rPr lang="en-US" dirty="0"/>
+              <a:t>.</a:t>
+            </a:r>
+          </a:p>
+          <a:p>
+            <a:pPr>
+              <a:buClr>
+                <a:srgbClr val="FFFFFF"/>
+              </a:buClr>
+              <a:buFont typeface="Arial"/>
+            </a:pPr>
+            <a:r>
+              <a:rPr lang="en-US" dirty="0"/>
+              <a:t>Para que se </a:t>
+            </a:r>
+            <a:r>
+              <a:rPr lang="en-US" err="1"/>
+              <a:t>calculasse</a:t>
+            </a:r>
+            <a:r>
+              <a:rPr lang="en-US" dirty="0"/>
+              <a:t> o volume de </a:t>
+            </a:r>
+            <a:r>
+              <a:rPr lang="en-US" err="1"/>
+              <a:t>cada</a:t>
+            </a:r>
+            <a:r>
+              <a:rPr lang="en-US" dirty="0"/>
+              <a:t> material, </a:t>
+            </a:r>
+            <a:r>
+              <a:rPr lang="en-US" err="1"/>
+              <a:t>precisou</a:t>
+            </a:r>
+            <a:r>
+              <a:rPr lang="en-US" dirty="0"/>
+              <a:t>-se, </a:t>
+            </a:r>
+            <a:r>
+              <a:rPr lang="en-US" err="1"/>
+              <a:t>primeiro</a:t>
+            </a:r>
+            <a:r>
+              <a:rPr lang="en-US" dirty="0"/>
+              <a:t>, </a:t>
+            </a:r>
+            <a:r>
+              <a:rPr lang="en-US" err="1"/>
+              <a:t>calcular</a:t>
+            </a:r>
+            <a:r>
+              <a:rPr lang="en-US" dirty="0"/>
+              <a:t> a </a:t>
+            </a:r>
+            <a:r>
+              <a:rPr lang="en-US" err="1"/>
+              <a:t>área</a:t>
+            </a:r>
+            <a:r>
+              <a:rPr lang="en-US" dirty="0"/>
+              <a:t> de </a:t>
+            </a:r>
+            <a:r>
+              <a:rPr lang="en-US" err="1"/>
+              <a:t>suas</a:t>
+            </a:r>
+            <a:r>
+              <a:rPr lang="en-US" dirty="0"/>
+              <a:t> bases. Para </a:t>
+            </a:r>
+            <a:r>
+              <a:rPr lang="en-US" err="1"/>
+              <a:t>isso</a:t>
+            </a:r>
+            <a:r>
+              <a:rPr lang="en-US" dirty="0"/>
+              <a:t>, é </a:t>
+            </a:r>
+            <a:r>
+              <a:rPr lang="en-US" err="1"/>
+              <a:t>necessário</a:t>
+            </a:r>
+            <a:r>
+              <a:rPr lang="en-US" dirty="0"/>
+              <a:t> </a:t>
+            </a:r>
+            <a:r>
+              <a:rPr lang="en-US" err="1"/>
+              <a:t>realizar</a:t>
+            </a:r>
+            <a:r>
+              <a:rPr lang="en-US" dirty="0"/>
+              <a:t> o </a:t>
+            </a:r>
+            <a:r>
+              <a:rPr lang="en-US" err="1"/>
+              <a:t>cálculo</a:t>
+            </a:r>
+            <a:r>
+              <a:rPr lang="en-US" dirty="0"/>
+              <a:t> de pi </a:t>
+            </a:r>
+            <a:r>
+              <a:rPr lang="en-US" err="1"/>
+              <a:t>multiplicado</a:t>
+            </a:r>
+            <a:r>
+              <a:rPr lang="en-US" dirty="0"/>
+              <a:t> </a:t>
+            </a:r>
+            <a:r>
+              <a:rPr lang="en-US" err="1"/>
+              <a:t>pelo</a:t>
+            </a:r>
+            <a:r>
+              <a:rPr lang="en-US" dirty="0"/>
+              <a:t> </a:t>
+            </a:r>
+            <a:r>
+              <a:rPr lang="en-US" err="1"/>
+              <a:t>raio</a:t>
+            </a:r>
+            <a:r>
+              <a:rPr lang="en-US" dirty="0"/>
+              <a:t> dos </a:t>
+            </a:r>
+            <a:r>
+              <a:rPr lang="en-US" err="1"/>
+              <a:t>círculos</a:t>
+            </a:r>
+            <a:r>
+              <a:rPr lang="en-US" dirty="0"/>
+              <a:t> </a:t>
+            </a:r>
+            <a:r>
+              <a:rPr lang="en-US" err="1"/>
+              <a:t>basilares</a:t>
+            </a:r>
+            <a:r>
+              <a:rPr lang="en-US" dirty="0"/>
+              <a:t> </a:t>
+            </a:r>
+            <a:r>
+              <a:rPr lang="en-US" err="1"/>
+              <a:t>ao</a:t>
+            </a:r>
+            <a:r>
+              <a:rPr lang="en-US" dirty="0"/>
+              <a:t> </a:t>
+            </a:r>
+            <a:r>
+              <a:rPr lang="en-US" err="1"/>
+              <a:t>quadrado</a:t>
+            </a:r>
+            <a:r>
+              <a:rPr lang="en-US" dirty="0"/>
+              <a:t>. No </a:t>
+            </a:r>
+            <a:r>
+              <a:rPr lang="en-US" err="1"/>
+              <a:t>entanto</a:t>
+            </a:r>
+            <a:r>
+              <a:rPr lang="en-US" dirty="0"/>
+              <a:t>, para se </a:t>
+            </a:r>
+            <a:r>
+              <a:rPr lang="en-US" err="1"/>
+              <a:t>obter</a:t>
+            </a:r>
+            <a:r>
+              <a:rPr lang="en-US" dirty="0"/>
+              <a:t> o </a:t>
+            </a:r>
+            <a:r>
+              <a:rPr lang="en-US" err="1"/>
+              <a:t>raio</a:t>
+            </a:r>
+            <a:r>
+              <a:rPr lang="en-US" dirty="0"/>
+              <a:t> da base, é </a:t>
+            </a:r>
+            <a:r>
+              <a:rPr lang="en-US" err="1"/>
+              <a:t>necessário</a:t>
+            </a:r>
+            <a:r>
+              <a:rPr lang="en-US" dirty="0"/>
+              <a:t> se </a:t>
+            </a:r>
+            <a:r>
+              <a:rPr lang="en-US" err="1"/>
+              <a:t>obter</a:t>
+            </a:r>
+            <a:r>
+              <a:rPr lang="en-US" dirty="0"/>
+              <a:t> o </a:t>
+            </a:r>
+            <a:r>
+              <a:rPr lang="en-US" err="1"/>
+              <a:t>diâmetro</a:t>
+            </a:r>
+            <a:r>
+              <a:rPr lang="en-US" dirty="0"/>
+              <a:t> das bases </a:t>
+            </a:r>
+            <a:r>
+              <a:rPr lang="en-US" err="1"/>
+              <a:t>primeiro</a:t>
+            </a:r>
+            <a:r>
+              <a:rPr lang="en-US" dirty="0"/>
+              <a:t>. E, para </a:t>
+            </a:r>
+            <a:r>
+              <a:rPr lang="en-US" err="1"/>
+              <a:t>isso</a:t>
+            </a:r>
+            <a:r>
+              <a:rPr lang="en-US" dirty="0"/>
+              <a:t>, é </a:t>
+            </a:r>
+            <a:r>
+              <a:rPr lang="en-US" err="1"/>
+              <a:t>necessário</a:t>
+            </a:r>
+            <a:r>
+              <a:rPr lang="en-US" dirty="0"/>
+              <a:t> </a:t>
+            </a:r>
+            <a:r>
+              <a:rPr lang="en-US" err="1"/>
+              <a:t>realizar</a:t>
+            </a:r>
+            <a:r>
+              <a:rPr lang="en-US" dirty="0"/>
+              <a:t> o </a:t>
+            </a:r>
+            <a:r>
+              <a:rPr lang="en-US"/>
+              <a:t>cálculo:</a:t>
+            </a:r>
+          </a:p>
+          <a:p>
+            <a:pPr marL="0" indent="0" algn="ctr">
+              <a:buClr>
+                <a:srgbClr val="FFFFFF"/>
+              </a:buClr>
+              <a:buNone/>
+            </a:pPr>
+            <a:r>
+              <a:rPr lang="en-US" dirty="0"/>
+              <a:t> </a:t>
+            </a:r>
+            <a:r>
+              <a:rPr lang="en-US" err="1"/>
+              <a:t>Diâmetro</a:t>
+            </a:r>
+            <a:r>
+              <a:rPr lang="en-US" dirty="0"/>
+              <a:t> = </a:t>
+            </a:r>
+            <a:r>
+              <a:rPr lang="en-US" err="1"/>
+              <a:t>Circunferência</a:t>
+            </a:r>
+            <a:r>
+              <a:rPr lang="en-US" dirty="0"/>
+              <a:t> / pi.</a:t>
+            </a:r>
+            <a:endParaRPr lang="en-US"/>
+          </a:p>
+        </p:txBody>
+      </p:sp>
+    </p:spTree>
+    <p:extLst>
+      <p:ext uri="{BB962C8B-B14F-4D97-AF65-F5344CB8AC3E}">
+        <p14:creationId xmlns:p14="http://schemas.microsoft.com/office/powerpoint/2010/main" val="1716557541"/>
       </p:ext>
     </p:extLst>
   </p:cSld>
@@ -12482,7 +12561,7 @@
           <p:cNvPr id="2" name="Title 1">
             <a:extLst>
               <a:ext uri="{FF2B5EF4-FFF2-40B4-BE49-F238E27FC236}">
-                <a16:creationId xmlns:a16="http://schemas.microsoft.com/office/drawing/2014/main" id="{5EC1D66F-1743-D396-3A5A-7B6D74CAF755}"/>
+                <a16:creationId xmlns:a16="http://schemas.microsoft.com/office/drawing/2014/main" id="{4A460F80-824B-D22F-BA65-90602EA58A50}"/>
               </a:ext>
             </a:extLst>
           </p:cNvPr>
@@ -12502,7 +12581,7 @@
               <a:rPr lang="en-US" b="1" dirty="0">
                 <a:cs typeface="Posterama"/>
               </a:rPr>
-              <a:t>O QUE SERÁ APRESENTADO NESTE TRABALHO</a:t>
+              <a:t>PARTICIPANTES DO TRABALHO</a:t>
             </a:r>
             <a:endParaRPr lang="en-US" b="1">
               <a:cs typeface="Posterama"/>
@@ -12515,7 +12594,7 @@
           <p:cNvPr id="3" name="Content Placeholder 2">
             <a:extLst>
               <a:ext uri="{FF2B5EF4-FFF2-40B4-BE49-F238E27FC236}">
-                <a16:creationId xmlns:a16="http://schemas.microsoft.com/office/drawing/2014/main" id="{406D1A9B-04EB-9176-3081-5C7F37706E08}"/>
+                <a16:creationId xmlns:a16="http://schemas.microsoft.com/office/drawing/2014/main" id="{5D0021B2-E132-223B-B694-7C3972974BB3}"/>
               </a:ext>
             </a:extLst>
           </p:cNvPr>
@@ -12529,79 +12608,20 @@
         <p:spPr/>
         <p:txBody>
           <a:bodyPr vert="horz" lIns="91440" tIns="45720" rIns="91440" bIns="45720" rtlCol="0" anchor="t">
-            <a:normAutofit fontScale="92500" lnSpcReduction="10000"/>
+            <a:normAutofit/>
           </a:bodyPr>
           <a:lstStyle/>
           <a:p>
             <a:r>
-              <a:rPr lang="en-US" dirty="0" err="1"/>
-              <a:t>Introdução</a:t>
-            </a:r>
-            <a:r>
-              <a:rPr lang="en-US" dirty="0"/>
-              <a:t>: </a:t>
-            </a:r>
-            <a:r>
-              <a:rPr lang="en-US" dirty="0" err="1"/>
-              <a:t>Os</a:t>
-            </a:r>
-            <a:r>
-              <a:rPr lang="en-US" dirty="0"/>
-              <a:t> </a:t>
-            </a:r>
-            <a:r>
-              <a:rPr lang="en-US" dirty="0" err="1"/>
-              <a:t>resíduos</a:t>
-            </a:r>
-            <a:r>
-              <a:rPr lang="en-US" dirty="0"/>
-              <a:t> </a:t>
-            </a:r>
-            <a:r>
-              <a:rPr lang="en-US" dirty="0" err="1"/>
-              <a:t>sólidos</a:t>
-            </a:r>
-            <a:r>
-              <a:rPr lang="en-US" dirty="0"/>
-              <a:t> </a:t>
-            </a:r>
-            <a:r>
-              <a:rPr lang="en-US" dirty="0" err="1"/>
-              <a:t>urbanos</a:t>
-            </a:r>
-            <a:r>
-              <a:rPr lang="en-US" dirty="0"/>
-              <a:t>, </a:t>
-            </a:r>
-            <a:r>
-              <a:rPr lang="en-US" dirty="0" err="1"/>
-              <a:t>suas</a:t>
-            </a:r>
-            <a:r>
-              <a:rPr lang="en-US" dirty="0"/>
-              <a:t> </a:t>
-            </a:r>
-            <a:r>
-              <a:rPr lang="en-US" dirty="0" err="1"/>
-              <a:t>destinações</a:t>
-            </a:r>
-            <a:r>
-              <a:rPr lang="en-US" dirty="0"/>
-              <a:t> e </a:t>
-            </a:r>
-            <a:r>
-              <a:rPr lang="en-US" dirty="0" err="1"/>
-              <a:t>os</a:t>
-            </a:r>
-            <a:r>
-              <a:rPr lang="en-US" dirty="0"/>
-              <a:t> </a:t>
-            </a:r>
-            <a:r>
-              <a:rPr lang="en-US" dirty="0" err="1"/>
-              <a:t>ecopontos</a:t>
-            </a:r>
-            <a:endParaRPr lang="en-US" dirty="0"/>
+              <a:rPr lang="en-US" dirty="0">
+                <a:solidFill>
+                  <a:srgbClr val="FFFF00"/>
+                </a:solidFill>
+                <a:latin typeface="Dubai"/>
+                <a:cs typeface="Dubai"/>
+              </a:rPr>
+              <a:t>GABRIEL DE SOUZA SANTOS</a:t>
+            </a:r>
           </a:p>
           <a:p>
             <a:pPr>
@@ -12610,26 +12630,15 @@
               </a:buClr>
             </a:pPr>
             <a:r>
-              <a:rPr lang="en-US" dirty="0" err="1"/>
-              <a:t>Objetivo</a:t>
-            </a:r>
-            <a:r>
-              <a:rPr lang="en-US" dirty="0"/>
-              <a:t>: A </a:t>
-            </a:r>
-            <a:r>
-              <a:rPr lang="en-US" dirty="0" err="1"/>
-              <a:t>finalidade</a:t>
-            </a:r>
-            <a:r>
-              <a:rPr lang="en-US" dirty="0"/>
-              <a:t> do </a:t>
-            </a:r>
-            <a:r>
-              <a:rPr lang="en-US" dirty="0" err="1"/>
-              <a:t>trabalho</a:t>
-            </a:r>
-            <a:endParaRPr lang="en-US" dirty="0"/>
+              <a:rPr lang="en-US" dirty="0">
+                <a:solidFill>
+                  <a:srgbClr val="FFFF00"/>
+                </a:solidFill>
+                <a:latin typeface="Dubai"/>
+                <a:cs typeface="Dubai"/>
+              </a:rPr>
+              <a:t>GUILHERME HENRIQUE DAROZ</a:t>
+            </a:r>
           </a:p>
           <a:p>
             <a:pPr>
@@ -12638,72 +12647,14 @@
               </a:buClr>
             </a:pPr>
             <a:r>
-              <a:rPr lang="en-US" dirty="0"/>
-              <a:t>Dados e </a:t>
-            </a:r>
-            <a:r>
-              <a:rPr lang="en-US" dirty="0" err="1"/>
-              <a:t>estatísticas</a:t>
-            </a:r>
-            <a:r>
-              <a:rPr lang="en-US" dirty="0"/>
-              <a:t> da </a:t>
-            </a:r>
-            <a:r>
-              <a:rPr lang="en-US" dirty="0" err="1"/>
-              <a:t>movimentação</a:t>
-            </a:r>
-            <a:r>
-              <a:rPr lang="en-US" dirty="0"/>
-              <a:t> e </a:t>
-            </a:r>
-            <a:r>
-              <a:rPr lang="en-US" dirty="0" err="1"/>
-              <a:t>disposição</a:t>
-            </a:r>
-            <a:r>
-              <a:rPr lang="en-US" dirty="0"/>
-              <a:t> dos </a:t>
-            </a:r>
-            <a:r>
-              <a:rPr lang="en-US" dirty="0" err="1"/>
-              <a:t>resíduos</a:t>
-            </a:r>
-            <a:r>
-              <a:rPr lang="en-US" dirty="0"/>
-              <a:t> </a:t>
-            </a:r>
-            <a:r>
-              <a:rPr lang="en-US" dirty="0" err="1"/>
-              <a:t>sólidos</a:t>
-            </a:r>
-            <a:r>
-              <a:rPr lang="en-US" dirty="0"/>
-              <a:t> </a:t>
-            </a:r>
-            <a:r>
-              <a:rPr lang="en-US" dirty="0" err="1"/>
-              <a:t>urbanos</a:t>
-            </a:r>
-            <a:r>
-              <a:rPr lang="en-US" dirty="0"/>
-              <a:t> no </a:t>
-            </a:r>
-            <a:r>
-              <a:rPr lang="en-US" dirty="0" err="1"/>
-              <a:t>Brasil</a:t>
-            </a:r>
-            <a:r>
-              <a:rPr lang="en-US" dirty="0"/>
-              <a:t> </a:t>
-            </a:r>
-            <a:r>
-              <a:rPr lang="en-US" dirty="0" err="1"/>
-              <a:t>em</a:t>
-            </a:r>
-            <a:r>
-              <a:rPr lang="en-US" dirty="0"/>
-              <a:t> 2020</a:t>
+              <a:rPr lang="en-US" dirty="0">
+                <a:solidFill>
+                  <a:srgbClr val="FFFF00"/>
+                </a:solidFill>
+                <a:latin typeface="Dubai"/>
+                <a:cs typeface="Dubai"/>
+              </a:rPr>
+              <a:t>LUÍS ARTUR FAUSTINONI RIBEIRO</a:t>
             </a:r>
           </a:p>
           <a:p>
@@ -12713,66 +12664,15 @@
               </a:buClr>
             </a:pPr>
             <a:r>
-              <a:rPr lang="en-US" dirty="0" err="1"/>
-              <a:t>Geometria</a:t>
-            </a:r>
-            <a:r>
-              <a:rPr lang="en-US" dirty="0"/>
-              <a:t> plana e </a:t>
-            </a:r>
-            <a:r>
-              <a:rPr lang="en-US" dirty="0" err="1"/>
-              <a:t>espacial</a:t>
-            </a:r>
-            <a:r>
-              <a:rPr lang="en-US" dirty="0"/>
-              <a:t>, e </a:t>
-            </a:r>
-            <a:r>
-              <a:rPr lang="en-US" dirty="0" err="1"/>
-              <a:t>suas</a:t>
-            </a:r>
-            <a:r>
-              <a:rPr lang="en-US" dirty="0"/>
-              <a:t> </a:t>
-            </a:r>
-            <a:r>
-              <a:rPr lang="en-US" dirty="0" err="1"/>
-              <a:t>funções</a:t>
-            </a:r>
-            <a:r>
-              <a:rPr lang="en-US" dirty="0"/>
-              <a:t> no </a:t>
-            </a:r>
-            <a:r>
-              <a:rPr lang="en-US" dirty="0" err="1"/>
-              <a:t>cálculo</a:t>
-            </a:r>
-            <a:r>
-              <a:rPr lang="en-US" dirty="0"/>
-              <a:t> </a:t>
-            </a:r>
-            <a:r>
-              <a:rPr lang="en-US" dirty="0" err="1"/>
-              <a:t>volumétrico</a:t>
-            </a:r>
-            <a:r>
-              <a:rPr lang="en-US" dirty="0"/>
-              <a:t> de </a:t>
-            </a:r>
-            <a:r>
-              <a:rPr lang="en-US" dirty="0" err="1"/>
-              <a:t>resíduos</a:t>
-            </a:r>
-            <a:r>
-              <a:rPr lang="en-US" dirty="0"/>
-              <a:t> </a:t>
-            </a:r>
-            <a:r>
-              <a:rPr lang="en-US" dirty="0" err="1"/>
-              <a:t>sólidos</a:t>
-            </a:r>
-            <a:endParaRPr lang="en-US" dirty="0"/>
+              <a:rPr lang="en-US" dirty="0">
+                <a:solidFill>
+                  <a:srgbClr val="FFFF00"/>
+                </a:solidFill>
+                <a:latin typeface="Dubai"/>
+                <a:cs typeface="Dubai"/>
+              </a:rPr>
+              <a:t>PEDRO LUCAS APARECIDO SILVA</a:t>
+            </a:r>
           </a:p>
           <a:p>
             <a:pPr>
@@ -12781,45 +12681,22 @@
               </a:buClr>
             </a:pPr>
             <a:r>
-              <a:rPr lang="en-US" dirty="0" err="1"/>
-              <a:t>Medições</a:t>
-            </a:r>
-            <a:r>
-              <a:rPr lang="en-US" dirty="0"/>
-              <a:t>, </a:t>
-            </a:r>
-            <a:r>
-              <a:rPr lang="en-US" dirty="0" err="1"/>
-              <a:t>cálculos</a:t>
-            </a:r>
-            <a:r>
-              <a:rPr lang="en-US" dirty="0"/>
-              <a:t> e </a:t>
-            </a:r>
-            <a:r>
-              <a:rPr lang="en-US" dirty="0" err="1"/>
-              <a:t>resultados</a:t>
-            </a:r>
-            <a:endParaRPr lang="en-US" dirty="0"/>
-          </a:p>
-          <a:p>
-            <a:pPr>
-              <a:buClr>
-                <a:srgbClr val="FFFFFF"/>
-              </a:buClr>
-            </a:pPr>
-            <a:r>
-              <a:rPr lang="en-US" dirty="0" err="1"/>
-              <a:t>Conclusão</a:t>
-            </a:r>
-            <a:endParaRPr lang="en-US" dirty="0"/>
+              <a:rPr lang="en-US" dirty="0">
+                <a:solidFill>
+                  <a:srgbClr val="FFFF00"/>
+                </a:solidFill>
+                <a:latin typeface="Dubai"/>
+                <a:cs typeface="Dubai"/>
+              </a:rPr>
+              <a:t>RAFAEL NEVES NASCIMENTO</a:t>
+            </a:r>
           </a:p>
         </p:txBody>
       </p:sp>
     </p:spTree>
     <p:extLst>
       <p:ext uri="{BB962C8B-B14F-4D97-AF65-F5344CB8AC3E}">
-        <p14:creationId xmlns:p14="http://schemas.microsoft.com/office/powerpoint/2010/main" val="3323885615"/>
+        <p14:creationId xmlns:p14="http://schemas.microsoft.com/office/powerpoint/2010/main" val="2339842964"/>
       </p:ext>
     </p:extLst>
   </p:cSld>
@@ -12863,7 +12740,7 @@
           <p:cNvPr id="2" name="Title 1">
             <a:extLst>
               <a:ext uri="{FF2B5EF4-FFF2-40B4-BE49-F238E27FC236}">
-                <a16:creationId xmlns:a16="http://schemas.microsoft.com/office/drawing/2014/main" id="{D4DFD0F5-F320-1BC4-CBB9-45BFF1004C4F}"/>
+                <a16:creationId xmlns:a16="http://schemas.microsoft.com/office/drawing/2014/main" id="{35F3EBEB-D4C2-5122-E308-F2724A472EB8}"/>
               </a:ext>
             </a:extLst>
           </p:cNvPr>
@@ -12885,6 +12762,9 @@
               </a:rPr>
               <a:t>MEDIÇÕES E CÁLCULOS DOS CILINDROS</a:t>
             </a:r>
+            <a:endParaRPr lang="en-US" b="1">
+              <a:cs typeface="Posterama"/>
+            </a:endParaRPr>
           </a:p>
         </p:txBody>
       </p:sp>
@@ -12893,7 +12773,7 @@
           <p:cNvPr id="3" name="Content Placeholder 2">
             <a:extLst>
               <a:ext uri="{FF2B5EF4-FFF2-40B4-BE49-F238E27FC236}">
-                <a16:creationId xmlns:a16="http://schemas.microsoft.com/office/drawing/2014/main" id="{0419F0C4-3171-8758-B9B7-5B71534358E5}"/>
+                <a16:creationId xmlns:a16="http://schemas.microsoft.com/office/drawing/2014/main" id="{9DF65897-EF68-F3A7-9D78-D9550BDA3590}"/>
               </a:ext>
             </a:extLst>
           </p:cNvPr>
@@ -12907,39 +12787,25 @@
         <p:spPr/>
         <p:txBody>
           <a:bodyPr vert="horz" lIns="91440" tIns="45720" rIns="91440" bIns="45720" rtlCol="0" anchor="t">
-            <a:normAutofit fontScale="85000" lnSpcReduction="10000"/>
+            <a:normAutofit lnSpcReduction="10000"/>
           </a:bodyPr>
           <a:lstStyle/>
           <a:p>
-            <a:pPr>
-              <a:buClr>
-                <a:srgbClr val="FFFFFF"/>
-              </a:buClr>
-              <a:buFont typeface="Arial"/>
-            </a:pPr>
             <a:r>
               <a:rPr lang="en-US" dirty="0"/>
-              <a:t>A </a:t>
+              <a:t>Visto que </a:t>
             </a:r>
             <a:r>
               <a:rPr lang="en-US" err="1"/>
-              <a:t>garrafa</a:t>
+              <a:t>todas</a:t>
             </a:r>
             <a:r>
               <a:rPr lang="en-US" dirty="0"/>
-              <a:t> pet, a </a:t>
+              <a:t> as </a:t>
             </a:r>
             <a:r>
               <a:rPr lang="en-US" err="1"/>
-              <a:t>lata</a:t>
-            </a:r>
-            <a:r>
-              <a:rPr lang="en-US" dirty="0"/>
-              <a:t> de </a:t>
-            </a:r>
-            <a:r>
-              <a:rPr lang="en-US" err="1"/>
-              <a:t>leite</a:t>
+              <a:t>circunferências</a:t>
             </a:r>
             <a:r>
               <a:rPr lang="en-US" dirty="0"/>
@@ -12947,7 +12813,7 @@
             </a:r>
             <a:r>
               <a:rPr lang="en-US" err="1"/>
-              <a:t>em</a:t>
+              <a:t>foram</a:t>
             </a:r>
             <a:r>
               <a:rPr lang="en-US" dirty="0"/>
@@ -12955,39 +12821,19 @@
             </a:r>
             <a:r>
               <a:rPr lang="en-US" err="1"/>
-              <a:t>pó</a:t>
+              <a:t>calculadas</a:t>
             </a:r>
             <a:r>
               <a:rPr lang="en-US" dirty="0"/>
-              <a:t>, o </a:t>
+              <a:t>, e o valor </a:t>
+            </a:r>
+            <a:r>
+              <a:rPr lang="en-US"/>
+              <a:t>de pi pode ser arredondado para 3.14, basta </a:t>
             </a:r>
             <a:r>
               <a:rPr lang="en-US" err="1"/>
-              <a:t>detergente</a:t>
-            </a:r>
-            <a:r>
-              <a:rPr lang="en-US" dirty="0"/>
-              <a:t>, o </a:t>
-            </a:r>
-            <a:r>
-              <a:rPr lang="en-US" err="1"/>
-              <a:t>óleo</a:t>
-            </a:r>
-            <a:r>
-              <a:rPr lang="en-US" dirty="0"/>
-              <a:t> e a </a:t>
-            </a:r>
-            <a:r>
-              <a:rPr lang="en-US" err="1"/>
-              <a:t>lata</a:t>
-            </a:r>
-            <a:r>
-              <a:rPr lang="en-US" dirty="0"/>
-              <a:t> de </a:t>
-            </a:r>
-            <a:r>
-              <a:rPr lang="en-US" err="1"/>
-              <a:t>leite</a:t>
+              <a:t>substituir</a:t>
             </a:r>
             <a:r>
               <a:rPr lang="en-US" dirty="0"/>
@@ -12995,7 +12841,7 @@
             </a:r>
             <a:r>
               <a:rPr lang="en-US" err="1"/>
-              <a:t>condensado</a:t>
+              <a:t>estes</a:t>
             </a:r>
             <a:r>
               <a:rPr lang="en-US" dirty="0"/>
@@ -13003,7 +12849,7 @@
             </a:r>
             <a:r>
               <a:rPr lang="en-US" err="1"/>
-              <a:t>foram</a:t>
+              <a:t>valores</a:t>
             </a:r>
             <a:r>
               <a:rPr lang="en-US" dirty="0"/>
@@ -13011,7 +12857,7 @@
             </a:r>
             <a:r>
               <a:rPr lang="en-US" err="1"/>
-              <a:t>tratados</a:t>
+              <a:t>pelas</a:t>
             </a:r>
             <a:r>
               <a:rPr lang="en-US" dirty="0"/>
@@ -13019,360 +12865,25 @@
             </a:r>
             <a:r>
               <a:rPr lang="en-US" err="1"/>
-              <a:t>como</a:t>
+              <a:t>incógnitas</a:t>
+            </a:r>
+            <a:r>
+              <a:rPr lang="en-US" dirty="0"/>
+              <a:t> </a:t>
+            </a:r>
+            <a:r>
+              <a:rPr lang="en-US" err="1"/>
+              <a:t>na</a:t>
             </a:r>
             <a:r>
               <a:rPr lang="en-US" dirty="0"/>
               <a:t> </a:t>
             </a:r>
             <a:r>
-              <a:rPr lang="en-US" err="1"/>
-              <a:t>materiais</a:t>
-            </a:r>
-            <a:r>
-              <a:rPr lang="en-US" dirty="0"/>
-              <a:t> de </a:t>
-            </a:r>
-            <a:r>
-              <a:rPr lang="en-US" err="1"/>
-              <a:t>formato</a:t>
-            </a:r>
-            <a:r>
-              <a:rPr lang="en-US" dirty="0"/>
-              <a:t> </a:t>
-            </a:r>
-            <a:r>
-              <a:rPr lang="en-US" err="1"/>
-              <a:t>cilíndricos</a:t>
-            </a:r>
-            <a:r>
-              <a:rPr lang="en-US" dirty="0"/>
-              <a:t>.</a:t>
-            </a:r>
-          </a:p>
-          <a:p>
-            <a:pPr>
-              <a:buClr>
-                <a:srgbClr val="FFFFFF"/>
-              </a:buClr>
-              <a:buFont typeface="Arial"/>
-            </a:pPr>
-            <a:r>
-              <a:rPr lang="en-US" dirty="0"/>
-              <a:t>Sendo </a:t>
-            </a:r>
-            <a:r>
-              <a:rPr lang="en-US" dirty="0" err="1"/>
-              <a:t>assim</a:t>
-            </a:r>
-            <a:r>
-              <a:rPr lang="en-US" dirty="0"/>
-              <a:t>, </a:t>
-            </a:r>
-            <a:r>
-              <a:rPr lang="en-US" dirty="0" err="1"/>
-              <a:t>mediu</a:t>
-            </a:r>
-            <a:r>
-              <a:rPr lang="en-US" dirty="0"/>
-              <a:t>-se, para </a:t>
-            </a:r>
-            <a:r>
-              <a:rPr lang="en-US" dirty="0" err="1"/>
-              <a:t>cada</a:t>
-            </a:r>
-            <a:r>
-              <a:rPr lang="en-US" dirty="0"/>
-              <a:t> um deles, o </a:t>
-            </a:r>
-            <a:r>
-              <a:rPr lang="en-US" dirty="0" err="1"/>
-              <a:t>tamanho</a:t>
-            </a:r>
-            <a:r>
-              <a:rPr lang="en-US" dirty="0"/>
-              <a:t> de </a:t>
-            </a:r>
-            <a:r>
-              <a:rPr lang="en-US" dirty="0" err="1"/>
-              <a:t>suas</a:t>
-            </a:r>
-            <a:r>
-              <a:rPr lang="en-US" dirty="0"/>
-              <a:t> </a:t>
-            </a:r>
-            <a:r>
-              <a:rPr lang="en-US" dirty="0" err="1"/>
-              <a:t>circunferências</a:t>
-            </a:r>
-            <a:r>
-              <a:rPr lang="en-US" dirty="0"/>
-              <a:t> e a </a:t>
-            </a:r>
-            <a:r>
-              <a:rPr lang="en-US" dirty="0" err="1"/>
-              <a:t>suas</a:t>
-            </a:r>
-            <a:r>
-              <a:rPr lang="en-US" dirty="0"/>
-              <a:t> </a:t>
-            </a:r>
-            <a:r>
-              <a:rPr lang="en-US" dirty="0" err="1"/>
-              <a:t>respectivas</a:t>
-            </a:r>
-            <a:r>
-              <a:rPr lang="en-US" dirty="0"/>
-              <a:t> </a:t>
-            </a:r>
-            <a:r>
-              <a:rPr lang="en-US" dirty="0" err="1"/>
-              <a:t>alturas</a:t>
-            </a:r>
-            <a:r>
-              <a:rPr lang="en-US" dirty="0"/>
-              <a:t>.</a:t>
-            </a:r>
-          </a:p>
-          <a:p>
-            <a:pPr>
-              <a:buClr>
-                <a:srgbClr val="FFFFFF"/>
-              </a:buClr>
-              <a:buFont typeface="Arial"/>
-            </a:pPr>
-            <a:r>
-              <a:rPr lang="en-US" dirty="0"/>
-              <a:t>Para que se </a:t>
-            </a:r>
-            <a:r>
-              <a:rPr lang="en-US" err="1"/>
-              <a:t>calculasse</a:t>
-            </a:r>
-            <a:r>
-              <a:rPr lang="en-US" dirty="0"/>
-              <a:t> o volume de </a:t>
-            </a:r>
-            <a:r>
-              <a:rPr lang="en-US" err="1"/>
-              <a:t>cada</a:t>
-            </a:r>
-            <a:r>
-              <a:rPr lang="en-US" dirty="0"/>
-              <a:t> material, </a:t>
-            </a:r>
-            <a:r>
-              <a:rPr lang="en-US" err="1"/>
-              <a:t>precisou</a:t>
-            </a:r>
-            <a:r>
-              <a:rPr lang="en-US" dirty="0"/>
-              <a:t>-se, </a:t>
-            </a:r>
-            <a:r>
-              <a:rPr lang="en-US" err="1"/>
-              <a:t>primeiro</a:t>
-            </a:r>
-            <a:r>
-              <a:rPr lang="en-US" dirty="0"/>
-              <a:t>, </a:t>
-            </a:r>
-            <a:r>
-              <a:rPr lang="en-US" err="1"/>
-              <a:t>calcular</a:t>
-            </a:r>
-            <a:r>
-              <a:rPr lang="en-US" dirty="0"/>
-              <a:t> a </a:t>
-            </a:r>
-            <a:r>
-              <a:rPr lang="en-US" err="1"/>
-              <a:t>área</a:t>
-            </a:r>
-            <a:r>
-              <a:rPr lang="en-US" dirty="0"/>
-              <a:t> de </a:t>
-            </a:r>
-            <a:r>
-              <a:rPr lang="en-US" err="1"/>
-              <a:t>suas</a:t>
-            </a:r>
-            <a:r>
-              <a:rPr lang="en-US" dirty="0"/>
-              <a:t> bases. Para </a:t>
-            </a:r>
-            <a:r>
-              <a:rPr lang="en-US" err="1"/>
-              <a:t>isso</a:t>
-            </a:r>
-            <a:r>
-              <a:rPr lang="en-US" dirty="0"/>
-              <a:t>, é </a:t>
-            </a:r>
-            <a:r>
-              <a:rPr lang="en-US" err="1"/>
-              <a:t>necessário</a:t>
-            </a:r>
-            <a:r>
-              <a:rPr lang="en-US" dirty="0"/>
-              <a:t> </a:t>
-            </a:r>
-            <a:r>
-              <a:rPr lang="en-US" err="1"/>
-              <a:t>realizar</a:t>
-            </a:r>
-            <a:r>
-              <a:rPr lang="en-US" dirty="0"/>
-              <a:t> o </a:t>
-            </a:r>
-            <a:r>
-              <a:rPr lang="en-US" err="1"/>
-              <a:t>cálculo</a:t>
-            </a:r>
-            <a:r>
-              <a:rPr lang="en-US" dirty="0"/>
-              <a:t> de pi </a:t>
-            </a:r>
-            <a:r>
-              <a:rPr lang="en-US" err="1"/>
-              <a:t>multiplicado</a:t>
-            </a:r>
-            <a:r>
-              <a:rPr lang="en-US" dirty="0"/>
-              <a:t> </a:t>
-            </a:r>
-            <a:r>
-              <a:rPr lang="en-US" err="1"/>
-              <a:t>pelo</a:t>
-            </a:r>
-            <a:r>
-              <a:rPr lang="en-US" dirty="0"/>
-              <a:t> </a:t>
-            </a:r>
-            <a:r>
-              <a:rPr lang="en-US" err="1"/>
-              <a:t>raio</a:t>
-            </a:r>
-            <a:r>
-              <a:rPr lang="en-US" dirty="0"/>
-              <a:t> dos </a:t>
-            </a:r>
-            <a:r>
-              <a:rPr lang="en-US" err="1"/>
-              <a:t>círculos</a:t>
-            </a:r>
-            <a:r>
-              <a:rPr lang="en-US" dirty="0"/>
-              <a:t> </a:t>
-            </a:r>
-            <a:r>
-              <a:rPr lang="en-US" err="1"/>
-              <a:t>basilares</a:t>
-            </a:r>
-            <a:r>
-              <a:rPr lang="en-US" dirty="0"/>
-              <a:t> </a:t>
-            </a:r>
-            <a:r>
-              <a:rPr lang="en-US" err="1"/>
-              <a:t>ao</a:t>
-            </a:r>
-            <a:r>
-              <a:rPr lang="en-US" dirty="0"/>
-              <a:t> </a:t>
-            </a:r>
-            <a:r>
-              <a:rPr lang="en-US" err="1"/>
-              <a:t>quadrado</a:t>
-            </a:r>
-            <a:r>
-              <a:rPr lang="en-US" dirty="0"/>
-              <a:t>. No </a:t>
-            </a:r>
-            <a:r>
-              <a:rPr lang="en-US" err="1"/>
-              <a:t>entanto</a:t>
-            </a:r>
-            <a:r>
-              <a:rPr lang="en-US" dirty="0"/>
-              <a:t>, para se </a:t>
-            </a:r>
-            <a:r>
-              <a:rPr lang="en-US" err="1"/>
-              <a:t>obter</a:t>
-            </a:r>
-            <a:r>
-              <a:rPr lang="en-US" dirty="0"/>
-              <a:t> o </a:t>
-            </a:r>
-            <a:r>
-              <a:rPr lang="en-US" err="1"/>
-              <a:t>raio</a:t>
-            </a:r>
-            <a:r>
-              <a:rPr lang="en-US" dirty="0"/>
-              <a:t> da base, é </a:t>
-            </a:r>
-            <a:r>
-              <a:rPr lang="en-US" err="1"/>
-              <a:t>necessário</a:t>
-            </a:r>
-            <a:r>
-              <a:rPr lang="en-US" dirty="0"/>
-              <a:t> se </a:t>
-            </a:r>
-            <a:r>
-              <a:rPr lang="en-US" err="1"/>
-              <a:t>obter</a:t>
-            </a:r>
-            <a:r>
-              <a:rPr lang="en-US" dirty="0"/>
-              <a:t> o </a:t>
-            </a:r>
-            <a:r>
-              <a:rPr lang="en-US" err="1"/>
-              <a:t>diâmetro</a:t>
-            </a:r>
-            <a:r>
-              <a:rPr lang="en-US" dirty="0"/>
-              <a:t> das bases </a:t>
-            </a:r>
-            <a:r>
-              <a:rPr lang="en-US" err="1"/>
-              <a:t>primeiro</a:t>
-            </a:r>
-            <a:r>
-              <a:rPr lang="en-US" dirty="0"/>
-              <a:t>. E, para </a:t>
-            </a:r>
-            <a:r>
-              <a:rPr lang="en-US" err="1"/>
-              <a:t>isso</a:t>
-            </a:r>
-            <a:r>
-              <a:rPr lang="en-US" dirty="0"/>
-              <a:t>, é </a:t>
-            </a:r>
-            <a:r>
-              <a:rPr lang="en-US" err="1"/>
-              <a:t>necessário</a:t>
-            </a:r>
-            <a:r>
-              <a:rPr lang="en-US" dirty="0"/>
-              <a:t> </a:t>
-            </a:r>
-            <a:r>
-              <a:rPr lang="en-US" err="1"/>
-              <a:t>realizar</a:t>
-            </a:r>
-            <a:r>
-              <a:rPr lang="en-US" dirty="0"/>
-              <a:t> o </a:t>
-            </a:r>
-            <a:r>
               <a:rPr lang="en-US"/>
-              <a:t>cálculo:</a:t>
-            </a:r>
+              <a:t>equação. Como exemplo, foi usada a circunferência da garrafa pet.</a:t>
+            </a:r>
+            <a:endParaRPr lang="en-US" dirty="0"/>
           </a:p>
           <a:p>
             <a:pPr marL="0" indent="0" algn="ctr">
@@ -13382,33 +12893,24 @@
               <a:buNone/>
             </a:pPr>
             <a:r>
-              <a:rPr lang="en-US" dirty="0"/>
-              <a:t> </a:t>
-            </a:r>
-            <a:r>
-              <a:rPr lang="en-US" err="1"/>
-              <a:t>Diâmetro</a:t>
-            </a:r>
-            <a:r>
-              <a:rPr lang="en-US" dirty="0"/>
-              <a:t> = </a:t>
-            </a:r>
-            <a:r>
-              <a:rPr lang="en-US" err="1"/>
-              <a:t>Circunferência</a:t>
-            </a:r>
-            <a:r>
-              <a:rPr lang="en-US" dirty="0"/>
-              <a:t> / pi.</a:t>
-            </a:r>
-            <a:endParaRPr lang="en-US"/>
+              <a:rPr lang="en-US"/>
+              <a:t>Diâmetro = 33 / 3.14</a:t>
+            </a:r>
+          </a:p>
+          <a:p>
+            <a:pPr marL="457200" indent="-457200"/>
+            <a:r>
+              <a:rPr lang="en-US"/>
+              <a:t>33 dividido por 3.14 se resulta em 10.5. Sendo assim, o diâmetro da base é de 10.5 centímetros. Para calcular o raio, basta dividir este valor por 2, resultando no número de 5.25 centímetros.</a:t>
+            </a:r>
+            <a:endParaRPr lang="en-US" dirty="0"/>
           </a:p>
         </p:txBody>
       </p:sp>
     </p:spTree>
     <p:extLst>
       <p:ext uri="{BB962C8B-B14F-4D97-AF65-F5344CB8AC3E}">
-        <p14:creationId xmlns:p14="http://schemas.microsoft.com/office/powerpoint/2010/main" val="1716557541"/>
+        <p14:creationId xmlns:p14="http://schemas.microsoft.com/office/powerpoint/2010/main" val="3771116166"/>
       </p:ext>
     </p:extLst>
   </p:cSld>
@@ -13452,7 +12954,7 @@
           <p:cNvPr id="2" name="Title 1">
             <a:extLst>
               <a:ext uri="{FF2B5EF4-FFF2-40B4-BE49-F238E27FC236}">
-                <a16:creationId xmlns:a16="http://schemas.microsoft.com/office/drawing/2014/main" id="{35F3EBEB-D4C2-5122-E308-F2724A472EB8}"/>
+                <a16:creationId xmlns:a16="http://schemas.microsoft.com/office/drawing/2014/main" id="{6FFEC140-595D-2BF9-85C8-736A2F90D660}"/>
               </a:ext>
             </a:extLst>
           </p:cNvPr>
@@ -13485,7 +12987,7 @@
           <p:cNvPr id="3" name="Content Placeholder 2">
             <a:extLst>
               <a:ext uri="{FF2B5EF4-FFF2-40B4-BE49-F238E27FC236}">
-                <a16:creationId xmlns:a16="http://schemas.microsoft.com/office/drawing/2014/main" id="{9DF65897-EF68-F3A7-9D78-D9550BDA3590}"/>
+                <a16:creationId xmlns:a16="http://schemas.microsoft.com/office/drawing/2014/main" id="{95FAC1F9-C196-13BB-42E3-22A101E45994}"/>
               </a:ext>
             </a:extLst>
           </p:cNvPr>
@@ -13499,103 +13001,14 @@
         <p:spPr/>
         <p:txBody>
           <a:bodyPr vert="horz" lIns="91440" tIns="45720" rIns="91440" bIns="45720" rtlCol="0" anchor="t">
-            <a:normAutofit lnSpcReduction="10000"/>
+            <a:normAutofit/>
           </a:bodyPr>
           <a:lstStyle/>
           <a:p>
             <a:r>
-              <a:rPr lang="en-US" dirty="0"/>
-              <a:t>Visto que </a:t>
-            </a:r>
-            <a:r>
-              <a:rPr lang="en-US" err="1"/>
-              <a:t>todas</a:t>
-            </a:r>
-            <a:r>
-              <a:rPr lang="en-US" dirty="0"/>
-              <a:t> as </a:t>
-            </a:r>
-            <a:r>
-              <a:rPr lang="en-US" err="1"/>
-              <a:t>circunferências</a:t>
-            </a:r>
-            <a:r>
-              <a:rPr lang="en-US" dirty="0"/>
-              <a:t> </a:t>
-            </a:r>
-            <a:r>
-              <a:rPr lang="en-US" err="1"/>
-              <a:t>foram</a:t>
-            </a:r>
-            <a:r>
-              <a:rPr lang="en-US" dirty="0"/>
-              <a:t> </a:t>
-            </a:r>
-            <a:r>
-              <a:rPr lang="en-US" err="1"/>
-              <a:t>calculadas</a:t>
-            </a:r>
-            <a:r>
-              <a:rPr lang="en-US" dirty="0"/>
-              <a:t>, e o valor </a:t>
-            </a:r>
-            <a:r>
               <a:rPr lang="en-US"/>
-              <a:t>de pi pode ser arredondado para 3.14, basta </a:t>
-            </a:r>
-            <a:r>
-              <a:rPr lang="en-US" err="1"/>
-              <a:t>substituir</a:t>
-            </a:r>
-            <a:r>
-              <a:rPr lang="en-US" dirty="0"/>
-              <a:t> </a:t>
-            </a:r>
-            <a:r>
-              <a:rPr lang="en-US" err="1"/>
-              <a:t>estes</a:t>
-            </a:r>
-            <a:r>
-              <a:rPr lang="en-US" dirty="0"/>
-              <a:t> </a:t>
-            </a:r>
-            <a:r>
-              <a:rPr lang="en-US" err="1"/>
-              <a:t>valores</a:t>
-            </a:r>
-            <a:r>
-              <a:rPr lang="en-US" dirty="0"/>
-              <a:t> </a:t>
-            </a:r>
-            <a:r>
-              <a:rPr lang="en-US" err="1"/>
-              <a:t>pelas</a:t>
-            </a:r>
-            <a:r>
-              <a:rPr lang="en-US" dirty="0"/>
-              <a:t> </a:t>
-            </a:r>
-            <a:r>
-              <a:rPr lang="en-US" err="1"/>
-              <a:t>incógnitas</a:t>
-            </a:r>
-            <a:r>
-              <a:rPr lang="en-US" dirty="0"/>
-              <a:t> </a:t>
-            </a:r>
-            <a:r>
-              <a:rPr lang="en-US" err="1"/>
-              <a:t>na</a:t>
-            </a:r>
-            <a:r>
-              <a:rPr lang="en-US" dirty="0"/>
-              <a:t> </a:t>
-            </a:r>
-            <a:r>
-              <a:rPr lang="en-US"/>
-              <a:t>equação. Como exemplo, foi usada a circunferência da garrafa pet.</a:t>
-            </a:r>
-            <a:endParaRPr lang="en-US" dirty="0"/>
+              <a:t>Com todos os números em mãos, basta calcular agora o valor final da área da base, utilizando a equação:</a:t>
+            </a:r>
           </a:p>
           <a:p>
             <a:pPr marL="0" indent="0" algn="ctr">
@@ -13606,23 +13019,47 @@
             </a:pPr>
             <a:r>
               <a:rPr lang="en-US"/>
-              <a:t>Diâmetro = 33 / 3.14</a:t>
-            </a:r>
+              <a:t>Base = pi * r²</a:t>
+            </a:r>
+            <a:endParaRPr lang="en-US" dirty="0"/>
           </a:p>
           <a:p>
-            <a:pPr marL="457200" indent="-457200"/>
+            <a:pPr marL="0" indent="0">
+              <a:buNone/>
+            </a:pPr>
             <a:r>
               <a:rPr lang="en-US"/>
-              <a:t>33 dividido por 3.14 se resulta em 10.5. Sendo assim, o diâmetro da base é de 10.5 centímetros. Para calcular o raio, basta dividir este valor por 2, resultando no número de 5.25 centímetros.</a:t>
-            </a:r>
-            <a:endParaRPr lang="en-US" dirty="0"/>
+              <a:t>Substituindo as incógnitas pelos números, temos:</a:t>
+            </a:r>
+          </a:p>
+          <a:p>
+            <a:pPr marL="0" indent="0" algn="ctr">
+              <a:buNone/>
+            </a:pPr>
+            <a:r>
+              <a:rPr lang="en-US"/>
+              <a:t>Base = 3.14 * 5.25²</a:t>
+            </a:r>
+          </a:p>
+          <a:p>
+            <a:pPr marL="0" indent="0">
+              <a:buNone/>
+            </a:pPr>
+            <a:r>
+              <a:rPr lang="en-US"/>
+              <a:t>Resolvendo os cálculos, temos o valor final aproximado de 86 </a:t>
+            </a:r>
+            <a:r>
+              <a:rPr lang="en-US" dirty="0"/>
+              <a:t>centímetros quadrados como área da base.</a:t>
+            </a:r>
           </a:p>
         </p:txBody>
       </p:sp>
     </p:spTree>
     <p:extLst>
       <p:ext uri="{BB962C8B-B14F-4D97-AF65-F5344CB8AC3E}">
-        <p14:creationId xmlns:p14="http://schemas.microsoft.com/office/powerpoint/2010/main" val="3771116166"/>
+        <p14:creationId xmlns:p14="http://schemas.microsoft.com/office/powerpoint/2010/main" val="4016077961"/>
       </p:ext>
     </p:extLst>
   </p:cSld>
@@ -13666,7 +13103,7 @@
           <p:cNvPr id="2" name="Title 1">
             <a:extLst>
               <a:ext uri="{FF2B5EF4-FFF2-40B4-BE49-F238E27FC236}">
-                <a16:creationId xmlns:a16="http://schemas.microsoft.com/office/drawing/2014/main" id="{6FFEC140-595D-2BF9-85C8-736A2F90D660}"/>
+                <a16:creationId xmlns:a16="http://schemas.microsoft.com/office/drawing/2014/main" id="{3ABADC5B-856D-60C1-AB85-AACCDD4ECB46}"/>
               </a:ext>
             </a:extLst>
           </p:cNvPr>
@@ -13688,9 +13125,6 @@
               </a:rPr>
               <a:t>MEDIÇÕES E CÁLCULOS DOS CILINDROS</a:t>
             </a:r>
-            <a:endParaRPr lang="en-US" b="1">
-              <a:cs typeface="Posterama"/>
-            </a:endParaRPr>
           </a:p>
         </p:txBody>
       </p:sp>
@@ -13699,7 +13133,7 @@
           <p:cNvPr id="3" name="Content Placeholder 2">
             <a:extLst>
               <a:ext uri="{FF2B5EF4-FFF2-40B4-BE49-F238E27FC236}">
-                <a16:creationId xmlns:a16="http://schemas.microsoft.com/office/drawing/2014/main" id="{95FAC1F9-C196-13BB-42E3-22A101E45994}"/>
+                <a16:creationId xmlns:a16="http://schemas.microsoft.com/office/drawing/2014/main" id="{C732C912-8751-8D19-E37E-1E89A81D1320}"/>
               </a:ext>
             </a:extLst>
           </p:cNvPr>
@@ -13713,13 +13147,13 @@
         <p:spPr/>
         <p:txBody>
           <a:bodyPr vert="horz" lIns="91440" tIns="45720" rIns="91440" bIns="45720" rtlCol="0" anchor="t">
-            <a:normAutofit/>
+            <a:normAutofit lnSpcReduction="10000"/>
           </a:bodyPr>
           <a:lstStyle/>
           <a:p>
             <a:r>
               <a:rPr lang="en-US"/>
-              <a:t>Com todos os números em mãos, basta calcular agora o valor final da área da base, utilizando a equação:</a:t>
+              <a:t>Para o cálculo do volume, basta multiplicar o valor da base pela altura obtida nas medições. Ainda usando os valores da garrafa pet como exemplo, temos:</a:t>
             </a:r>
           </a:p>
           <a:p>
@@ -13731,9 +13165,8 @@
             </a:pPr>
             <a:r>
               <a:rPr lang="en-US"/>
-              <a:t>Base = pi * r²</a:t>
-            </a:r>
-            <a:endParaRPr lang="en-US" dirty="0"/>
+              <a:t>V = 86 * 25</a:t>
+            </a:r>
           </a:p>
           <a:p>
             <a:pPr marL="0" indent="0">
@@ -13741,16 +13174,7 @@
             </a:pPr>
             <a:r>
               <a:rPr lang="en-US"/>
-              <a:t>Substituindo as incógnitas pelos números, temos:</a:t>
-            </a:r>
-          </a:p>
-          <a:p>
-            <a:pPr marL="0" indent="0" algn="ctr">
-              <a:buNone/>
-            </a:pPr>
-            <a:r>
-              <a:rPr lang="en-US"/>
-              <a:t>Base = 3.14 * 5.25²</a:t>
+              <a:t>Que resulta num valor próximo à 2150 centímetros cúbicos.</a:t>
             </a:r>
           </a:p>
           <a:p>
@@ -13758,12 +13182,12 @@
               <a:buNone/>
             </a:pPr>
             <a:r>
+              <a:rPr lang="en-US" dirty="0"/>
+              <a:t>Calculou-se também o valor do volume em mililitros, que é encontrado após multiplicar o valor do volume por 1. Por fim, calculou-se o</a:t>
+            </a:r>
+            <a:r>
               <a:rPr lang="en-US"/>
-              <a:t>Resolvendo os cálculos, temos o valor final aproximado de 86 </a:t>
-            </a:r>
-            <a:r>
-              <a:rPr lang="en-US" dirty="0"/>
-              <a:t>centímetros quadrados como área da base.</a:t>
+              <a:t> valor do volume em litros, após a divisão do volume por 1000.</a:t>
             </a:r>
           </a:p>
         </p:txBody>
@@ -13771,7 +13195,7 @@
     </p:spTree>
     <p:extLst>
       <p:ext uri="{BB962C8B-B14F-4D97-AF65-F5344CB8AC3E}">
-        <p14:creationId xmlns:p14="http://schemas.microsoft.com/office/powerpoint/2010/main" val="4016077961"/>
+        <p14:creationId xmlns:p14="http://schemas.microsoft.com/office/powerpoint/2010/main" val="1094163124"/>
       </p:ext>
     </p:extLst>
   </p:cSld>
@@ -13815,7 +13239,7 @@
           <p:cNvPr id="2" name="Title 1">
             <a:extLst>
               <a:ext uri="{FF2B5EF4-FFF2-40B4-BE49-F238E27FC236}">
-                <a16:creationId xmlns:a16="http://schemas.microsoft.com/office/drawing/2014/main" id="{3ABADC5B-856D-60C1-AB85-AACCDD4ECB46}"/>
+                <a16:creationId xmlns:a16="http://schemas.microsoft.com/office/drawing/2014/main" id="{0A3BAB39-8F1A-A5B9-EBC1-5D33A6CDFAC1}"/>
               </a:ext>
             </a:extLst>
           </p:cNvPr>
@@ -13835,7 +13259,7 @@
               <a:rPr lang="en-US" b="1" dirty="0">
                 <a:cs typeface="Posterama"/>
               </a:rPr>
-              <a:t>MEDIÇÕES E CÁLCULOS DOS CILINDROS</a:t>
+              <a:t>MEDIÇÕES E CÁLCULOS DOS PARALELEPÍPEDOS</a:t>
             </a:r>
           </a:p>
         </p:txBody>
@@ -13845,7 +13269,7 @@
           <p:cNvPr id="3" name="Content Placeholder 2">
             <a:extLst>
               <a:ext uri="{FF2B5EF4-FFF2-40B4-BE49-F238E27FC236}">
-                <a16:creationId xmlns:a16="http://schemas.microsoft.com/office/drawing/2014/main" id="{C732C912-8751-8D19-E37E-1E89A81D1320}"/>
+                <a16:creationId xmlns:a16="http://schemas.microsoft.com/office/drawing/2014/main" id="{49096036-F98E-1ECB-4FED-0BDAF3B02299}"/>
               </a:ext>
             </a:extLst>
           </p:cNvPr>
@@ -13859,55 +13283,75 @@
         <p:spPr/>
         <p:txBody>
           <a:bodyPr vert="horz" lIns="91440" tIns="45720" rIns="91440" bIns="45720" rtlCol="0" anchor="t">
-            <a:normAutofit lnSpcReduction="10000"/>
+            <a:normAutofit/>
           </a:bodyPr>
           <a:lstStyle/>
           <a:p>
-            <a:r>
-              <a:rPr lang="en-US"/>
-              <a:t>Para o cálculo do volume, basta multiplicar o valor da base pela altura obtida nas medições. Ainda usando os valores da garrafa pet como exemplo, temos:</a:t>
-            </a:r>
-          </a:p>
-          <a:p>
-            <a:pPr marL="0" indent="0" algn="ctr">
+            <a:pPr>
               <a:buClr>
                 <a:srgbClr val="FFFFFF"/>
               </a:buClr>
-              <a:buNone/>
             </a:pPr>
             <a:r>
-              <a:rPr lang="en-US"/>
-              <a:t>V = 86 * 25</a:t>
-            </a:r>
+              <a:rPr lang="en-US">
+                <a:ea typeface="+mn-lt"/>
+                <a:cs typeface="+mn-lt"/>
+              </a:rPr>
+              <a:t>A caixinha de leite e a caixinha de leite condensado foram considerados materiais de formato paralelepipédicos.</a:t>
+            </a:r>
+            <a:endParaRPr lang="en-US"/>
           </a:p>
           <a:p>
-            <a:pPr marL="0" indent="0">
-              <a:buNone/>
+            <a:pPr>
+              <a:buClr>
+                <a:srgbClr val="FFFFFF"/>
+              </a:buClr>
             </a:pPr>
             <a:r>
-              <a:rPr lang="en-US"/>
-              <a:t>Que resulta num valor próximo à 2150 centímetros cúbicos.</a:t>
+              <a:rPr lang="en-US">
+                <a:ea typeface="+mn-lt"/>
+                <a:cs typeface="+mn-lt"/>
+              </a:rPr>
+              <a:t>Sendo assim, mediu-se, para cada um deles, o tamanho de suas respectivas larguras, profundidades e alturas.</a:t>
             </a:r>
           </a:p>
           <a:p>
-            <a:pPr marL="0" indent="0">
-              <a:buNone/>
+            <a:pPr lvl="1">
+              <a:buClr>
+                <a:srgbClr val="FFFFFF"/>
+              </a:buClr>
             </a:pPr>
-            <a:r>
-              <a:rPr lang="en-US" dirty="0"/>
-              <a:t>Calculou-se também o valor do volume em mililitros, que é encontrado após multiplicar o valor do volume por 1. Por fim, calculou-se o</a:t>
-            </a:r>
-            <a:r>
-              <a:rPr lang="en-US"/>
-              <a:t> valor do volume em litros, após a divisão do volume por 1000.</a:t>
-            </a:r>
+            <a:endParaRPr lang="en-US"/>
+          </a:p>
+          <a:p>
+            <a:pPr lvl="1">
+              <a:buClr>
+                <a:srgbClr val="FFFFFF"/>
+              </a:buClr>
+            </a:pPr>
+            <a:r>
+              <a:rPr lang="en-US">
+                <a:ea typeface="+mn-lt"/>
+                <a:cs typeface="+mn-lt"/>
+              </a:rPr>
+              <a:t>Para que se calculasse o volume de cada material, precisou-se, primeiro, calcular a área de suas bases. Para isso, é necessário realizar o cálculo da largura pela profundidade, visto que estas representariam os dois lados de um retângulo na base. </a:t>
+            </a:r>
+            <a:endParaRPr lang="en-US"/>
+          </a:p>
+          <a:p>
+            <a:pPr lvl="1">
+              <a:buClr>
+                <a:srgbClr val="FFFFFF"/>
+              </a:buClr>
+            </a:pPr>
+            <a:endParaRPr lang="en-US" dirty="0"/>
           </a:p>
         </p:txBody>
       </p:sp>
     </p:spTree>
     <p:extLst>
       <p:ext uri="{BB962C8B-B14F-4D97-AF65-F5344CB8AC3E}">
-        <p14:creationId xmlns:p14="http://schemas.microsoft.com/office/powerpoint/2010/main" val="1094163124"/>
+        <p14:creationId xmlns:p14="http://schemas.microsoft.com/office/powerpoint/2010/main" val="1842095857"/>
       </p:ext>
     </p:extLst>
   </p:cSld>
@@ -13951,7 +13395,7 @@
           <p:cNvPr id="2" name="Title 1">
             <a:extLst>
               <a:ext uri="{FF2B5EF4-FFF2-40B4-BE49-F238E27FC236}">
-                <a16:creationId xmlns:a16="http://schemas.microsoft.com/office/drawing/2014/main" id="{0A3BAB39-8F1A-A5B9-EBC1-5D33A6CDFAC1}"/>
+                <a16:creationId xmlns:a16="http://schemas.microsoft.com/office/drawing/2014/main" id="{349617CF-76D8-1F5E-23DA-EC9C8F38865C}"/>
               </a:ext>
             </a:extLst>
           </p:cNvPr>
@@ -13981,7 +13425,7 @@
           <p:cNvPr id="3" name="Content Placeholder 2">
             <a:extLst>
               <a:ext uri="{FF2B5EF4-FFF2-40B4-BE49-F238E27FC236}">
-                <a16:creationId xmlns:a16="http://schemas.microsoft.com/office/drawing/2014/main" id="{49096036-F98E-1ECB-4FED-0BDAF3B02299}"/>
+                <a16:creationId xmlns:a16="http://schemas.microsoft.com/office/drawing/2014/main" id="{7377DAC4-3564-C1A9-457A-F2DAF48D1CC3}"/>
               </a:ext>
             </a:extLst>
           </p:cNvPr>
@@ -13999,71 +13443,179 @@
           </a:bodyPr>
           <a:lstStyle/>
           <a:p>
-            <a:pPr>
+            <a:r>
+              <a:rPr lang="en-US" dirty="0" err="1"/>
+              <a:t>Utilizando</a:t>
+            </a:r>
+            <a:r>
+              <a:rPr lang="en-US" dirty="0"/>
+              <a:t> a </a:t>
+            </a:r>
+            <a:r>
+              <a:rPr lang="en-US" dirty="0" err="1"/>
+              <a:t>caixinha</a:t>
+            </a:r>
+            <a:r>
+              <a:rPr lang="en-US" dirty="0"/>
+              <a:t> de </a:t>
+            </a:r>
+            <a:r>
+              <a:rPr lang="en-US" dirty="0" err="1"/>
+              <a:t>leite</a:t>
+            </a:r>
+            <a:r>
+              <a:rPr lang="en-US" dirty="0"/>
+              <a:t> </a:t>
+            </a:r>
+            <a:r>
+              <a:rPr lang="en-US" dirty="0" err="1"/>
+              <a:t>como</a:t>
+            </a:r>
+            <a:r>
+              <a:rPr lang="en-US" dirty="0"/>
+              <a:t> </a:t>
+            </a:r>
+            <a:r>
+              <a:rPr lang="en-US" dirty="0" err="1"/>
+              <a:t>exemplo</a:t>
+            </a:r>
+            <a:r>
+              <a:rPr lang="en-US" dirty="0"/>
+              <a:t>, </a:t>
+            </a:r>
+            <a:r>
+              <a:rPr lang="en-US" dirty="0" err="1"/>
+              <a:t>temos</a:t>
+            </a:r>
+            <a:r>
+              <a:rPr lang="en-US" dirty="0"/>
+              <a:t>:</a:t>
+            </a:r>
+          </a:p>
+          <a:p>
+            <a:pPr marL="0" indent="0" algn="ctr">
               <a:buClr>
                 <a:srgbClr val="FFFFFF"/>
               </a:buClr>
+              <a:buNone/>
             </a:pPr>
             <a:r>
-              <a:rPr lang="en-US">
-                <a:ea typeface="+mn-lt"/>
-                <a:cs typeface="+mn-lt"/>
-              </a:rPr>
-              <a:t>A caixinha de leite e a caixinha de leite condensado foram considerados materiais de formato paralelepipédicos.</a:t>
-            </a:r>
-            <a:endParaRPr lang="en-US"/>
+              <a:rPr lang="en-US" dirty="0"/>
+              <a:t>B = 9 * 6</a:t>
+            </a:r>
           </a:p>
           <a:p>
-            <a:pPr>
-              <a:buClr>
-                <a:srgbClr val="FFFFFF"/>
-              </a:buClr>
+            <a:pPr marL="0" indent="0">
+              <a:buNone/>
             </a:pPr>
             <a:r>
-              <a:rPr lang="en-US">
-                <a:ea typeface="+mn-lt"/>
-                <a:cs typeface="+mn-lt"/>
-              </a:rPr>
-              <a:t>Sendo assim, mediu-se, para cada um deles, o tamanho de suas respectivas larguras, profundidades e alturas.</a:t>
+              <a:rPr lang="en-US" dirty="0"/>
+              <a:t>O </a:t>
+            </a:r>
+            <a:r>
+              <a:rPr lang="en-US" dirty="0" err="1"/>
+              <a:t>cálculo</a:t>
+            </a:r>
+            <a:r>
+              <a:rPr lang="en-US" dirty="0"/>
+              <a:t> </a:t>
+            </a:r>
+            <a:r>
+              <a:rPr lang="en-US" dirty="0" err="1"/>
+              <a:t>resultado</a:t>
+            </a:r>
+            <a:r>
+              <a:rPr lang="en-US" dirty="0"/>
+              <a:t> </a:t>
+            </a:r>
+            <a:r>
+              <a:rPr lang="en-US" dirty="0" err="1"/>
+              <a:t>em</a:t>
+            </a:r>
+            <a:r>
+              <a:rPr lang="en-US" dirty="0"/>
+              <a:t> 54. </a:t>
+            </a:r>
+            <a:r>
+              <a:rPr lang="en-US" dirty="0" err="1"/>
+              <a:t>Ou</a:t>
+            </a:r>
+            <a:r>
+              <a:rPr lang="en-US" dirty="0"/>
+              <a:t> </a:t>
+            </a:r>
+            <a:r>
+              <a:rPr lang="en-US" dirty="0" err="1"/>
+              <a:t>seja</a:t>
+            </a:r>
+            <a:r>
+              <a:rPr lang="en-US" dirty="0"/>
+              <a:t>, a base da </a:t>
+            </a:r>
+            <a:r>
+              <a:rPr lang="en-US" dirty="0" err="1"/>
+              <a:t>caixinha</a:t>
+            </a:r>
+            <a:r>
+              <a:rPr lang="en-US" dirty="0"/>
+              <a:t> de </a:t>
+            </a:r>
+            <a:r>
+              <a:rPr lang="en-US" dirty="0" err="1"/>
+              <a:t>leite</a:t>
+            </a:r>
+            <a:r>
+              <a:rPr lang="en-US" dirty="0"/>
+              <a:t> </a:t>
+            </a:r>
+            <a:r>
+              <a:rPr lang="en-US" dirty="0" err="1"/>
+              <a:t>tem</a:t>
+            </a:r>
+            <a:r>
+              <a:rPr lang="en-US" dirty="0"/>
+              <a:t> 54 </a:t>
+            </a:r>
+            <a:r>
+              <a:rPr lang="en-US" dirty="0" err="1"/>
+              <a:t>centímetros</a:t>
+            </a:r>
+            <a:r>
+              <a:rPr lang="en-US" dirty="0"/>
+              <a:t> </a:t>
+            </a:r>
+            <a:r>
+              <a:rPr lang="en-US" dirty="0" err="1"/>
+              <a:t>quadrados</a:t>
+            </a:r>
+            <a:r>
+              <a:rPr lang="en-US" dirty="0"/>
+              <a:t>.</a:t>
             </a:r>
           </a:p>
           <a:p>
-            <a:pPr lvl="1">
-              <a:buClr>
-                <a:srgbClr val="FFFFFF"/>
-              </a:buClr>
+            <a:pPr marL="0" indent="0">
+              <a:buNone/>
             </a:pPr>
-            <a:endParaRPr lang="en-US"/>
-          </a:p>
-          <a:p>
-            <a:pPr lvl="1">
-              <a:buClr>
-                <a:srgbClr val="FFFFFF"/>
-              </a:buClr>
-            </a:pPr>
-            <a:r>
-              <a:rPr lang="en-US">
-                <a:ea typeface="+mn-lt"/>
-                <a:cs typeface="+mn-lt"/>
-              </a:rPr>
-              <a:t>Para que se calculasse o volume de cada material, precisou-se, primeiro, calcular a área de suas bases. Para isso, é necessário realizar o cálculo da largura pela profundidade, visto que estas representariam os dois lados de um retângulo na base. </a:t>
-            </a:r>
-            <a:endParaRPr lang="en-US"/>
-          </a:p>
-          <a:p>
-            <a:pPr lvl="1">
-              <a:buClr>
-                <a:srgbClr val="FFFFFF"/>
-              </a:buClr>
-            </a:pPr>
-            <a:endParaRPr lang="en-US" dirty="0"/>
+            <a:r>
+              <a:rPr lang="en-US" dirty="0"/>
+              <a:t>Para calcular o volume da caixinha de leite, é necessário multiplicar o valor encontrado da base pela altura do </a:t>
+            </a:r>
+            <a:r>
+              <a:rPr lang="en-US" dirty="0" err="1"/>
+              <a:t>paralelepípedo</a:t>
+            </a:r>
+            <a:r>
+              <a:rPr lang="en-US" dirty="0"/>
+              <a:t>.</a:t>
+            </a:r>
           </a:p>
         </p:txBody>
       </p:sp>
     </p:spTree>
     <p:extLst>
       <p:ext uri="{BB962C8B-B14F-4D97-AF65-F5344CB8AC3E}">
-        <p14:creationId xmlns:p14="http://schemas.microsoft.com/office/powerpoint/2010/main" val="1842095857"/>
+        <p14:creationId xmlns:p14="http://schemas.microsoft.com/office/powerpoint/2010/main" val="595500390"/>
       </p:ext>
     </p:extLst>
   </p:cSld>
@@ -14107,7 +13659,7 @@
           <p:cNvPr id="2" name="Title 1">
             <a:extLst>
               <a:ext uri="{FF2B5EF4-FFF2-40B4-BE49-F238E27FC236}">
-                <a16:creationId xmlns:a16="http://schemas.microsoft.com/office/drawing/2014/main" id="{349617CF-76D8-1F5E-23DA-EC9C8F38865C}"/>
+                <a16:creationId xmlns:a16="http://schemas.microsoft.com/office/drawing/2014/main" id="{CF5A1B67-711F-5C50-E521-CF5C3B3E2FDC}"/>
               </a:ext>
             </a:extLst>
           </p:cNvPr>
@@ -14137,7 +13689,7 @@
           <p:cNvPr id="3" name="Content Placeholder 2">
             <a:extLst>
               <a:ext uri="{FF2B5EF4-FFF2-40B4-BE49-F238E27FC236}">
-                <a16:creationId xmlns:a16="http://schemas.microsoft.com/office/drawing/2014/main" id="{7377DAC4-3564-C1A9-457A-F2DAF48D1CC3}"/>
+                <a16:creationId xmlns:a16="http://schemas.microsoft.com/office/drawing/2014/main" id="{45E20D30-5FC7-2A87-B427-0AB4636525DC}"/>
               </a:ext>
             </a:extLst>
           </p:cNvPr>
@@ -14156,42 +13708,242 @@
           <a:lstStyle/>
           <a:p>
             <a:r>
-              <a:rPr lang="en-US"/>
-              <a:t>Utilizando a caixinha de leite como exemplo, temos:</a:t>
+              <a:rPr lang="en-US" dirty="0" err="1"/>
+              <a:t>Ainda</a:t>
+            </a:r>
+            <a:r>
+              <a:rPr lang="en-US" dirty="0"/>
+              <a:t> </a:t>
+            </a:r>
+            <a:r>
+              <a:rPr lang="en-US" dirty="0" err="1"/>
+              <a:t>utilizando</a:t>
+            </a:r>
+            <a:r>
+              <a:rPr lang="en-US" dirty="0"/>
+              <a:t> a </a:t>
+            </a:r>
+            <a:r>
+              <a:rPr lang="en-US" dirty="0" err="1"/>
+              <a:t>caixinha</a:t>
+            </a:r>
+            <a:r>
+              <a:rPr lang="en-US" dirty="0"/>
+              <a:t> de </a:t>
+            </a:r>
+            <a:r>
+              <a:rPr lang="en-US" dirty="0" err="1"/>
+              <a:t>leite</a:t>
+            </a:r>
+            <a:r>
+              <a:rPr lang="en-US" dirty="0"/>
+              <a:t> </a:t>
+            </a:r>
+            <a:r>
+              <a:rPr lang="en-US" dirty="0" err="1"/>
+              <a:t>como</a:t>
+            </a:r>
+            <a:r>
+              <a:rPr lang="en-US" dirty="0"/>
+              <a:t> </a:t>
+            </a:r>
+            <a:r>
+              <a:rPr lang="en-US" dirty="0" err="1"/>
+              <a:t>exemplo</a:t>
+            </a:r>
+            <a:r>
+              <a:rPr lang="en-US" dirty="0"/>
+              <a:t>, </a:t>
+            </a:r>
+            <a:r>
+              <a:rPr lang="en-US" dirty="0" err="1"/>
+              <a:t>temos</a:t>
+            </a:r>
+            <a:r>
+              <a:rPr lang="en-US" dirty="0"/>
+              <a:t>:</a:t>
             </a:r>
           </a:p>
           <a:p>
-            <a:pPr marL="0" indent="0">
+            <a:pPr marL="0" indent="0" algn="ctr">
               <a:buClr>
                 <a:srgbClr val="FFFFFF"/>
               </a:buClr>
               <a:buNone/>
             </a:pPr>
             <a:r>
-              <a:rPr lang="en-US"/>
-              <a:t>B = 9 * 6</a:t>
+              <a:rPr lang="en-US" dirty="0"/>
+              <a:t>V = 54 * 17</a:t>
             </a:r>
           </a:p>
           <a:p>
-            <a:pPr marL="0" indent="0">
-              <a:buNone/>
+            <a:pPr>
+              <a:buClr>
+                <a:srgbClr val="FFFFFF"/>
+              </a:buClr>
             </a:pPr>
             <a:r>
-              <a:rPr lang="en-US"/>
-              <a:t>O cálculo resultado em 54. Ou seja, a base da caixinha de leite tem 54 centímetros quadrados.</a:t>
+              <a:rPr lang="en-US" dirty="0" err="1"/>
+              <a:t>Resultando</a:t>
+            </a:r>
+            <a:r>
+              <a:rPr lang="en-US" dirty="0"/>
+              <a:t> no valor de 918 </a:t>
+            </a:r>
+            <a:r>
+              <a:rPr lang="en-US" dirty="0" err="1"/>
+              <a:t>centímetros</a:t>
+            </a:r>
+            <a:r>
+              <a:rPr lang="en-US" dirty="0"/>
+              <a:t> </a:t>
+            </a:r>
+            <a:r>
+              <a:rPr lang="en-US" dirty="0" err="1"/>
+              <a:t>cúbicos</a:t>
+            </a:r>
+            <a:r>
+              <a:rPr lang="en-US" dirty="0"/>
+              <a:t> </a:t>
+            </a:r>
+            <a:r>
+              <a:rPr lang="en-US" dirty="0" err="1"/>
+              <a:t>como</a:t>
+            </a:r>
+            <a:r>
+              <a:rPr lang="en-US" dirty="0"/>
+              <a:t> volume.</a:t>
             </a:r>
           </a:p>
           <a:p>
-            <a:pPr marL="0" indent="0">
-              <a:buNone/>
+            <a:pPr>
+              <a:buClr>
+                <a:srgbClr val="FFFFFF"/>
+              </a:buClr>
             </a:pPr>
             <a:r>
               <a:rPr lang="en-US" dirty="0"/>
-              <a:t>Para calcular o volume da caixinha de leite, é necessário multiplicar o valor encontrado da base pela altura do </a:t>
-            </a:r>
-            <a:r>
-              <a:rPr lang="en-US"/>
-              <a:t>paralelepípedo.</a:t>
+              <a:t>Com o valor do volume </a:t>
+            </a:r>
+            <a:r>
+              <a:rPr lang="en-US" dirty="0" err="1"/>
+              <a:t>obtido</a:t>
+            </a:r>
+            <a:r>
+              <a:rPr lang="en-US" dirty="0"/>
+              <a:t>, </a:t>
+            </a:r>
+            <a:r>
+              <a:rPr lang="en-US" dirty="0" err="1"/>
+              <a:t>calculou</a:t>
+            </a:r>
+            <a:r>
+              <a:rPr lang="en-US" dirty="0"/>
+              <a:t>-se o volume </a:t>
+            </a:r>
+            <a:r>
+              <a:rPr lang="en-US" dirty="0" err="1"/>
+              <a:t>em</a:t>
+            </a:r>
+            <a:r>
+              <a:rPr lang="en-US" dirty="0"/>
+              <a:t> </a:t>
+            </a:r>
+            <a:r>
+              <a:rPr lang="en-US" dirty="0" err="1"/>
+              <a:t>mililitros</a:t>
+            </a:r>
+            <a:r>
+              <a:rPr lang="en-US" dirty="0"/>
+              <a:t>, </a:t>
+            </a:r>
+            <a:r>
+              <a:rPr lang="en-US" dirty="0" err="1"/>
+              <a:t>multiplicando</a:t>
+            </a:r>
+            <a:r>
+              <a:rPr lang="en-US" dirty="0"/>
+              <a:t> o </a:t>
+            </a:r>
+            <a:r>
+              <a:rPr lang="en-US" dirty="0" err="1"/>
+              <a:t>número</a:t>
+            </a:r>
+            <a:r>
+              <a:rPr lang="en-US" dirty="0"/>
+              <a:t> do volume por 1. Por </a:t>
+            </a:r>
+            <a:r>
+              <a:rPr lang="en-US" dirty="0" err="1"/>
+              <a:t>fim</a:t>
+            </a:r>
+            <a:r>
+              <a:rPr lang="en-US" dirty="0"/>
+              <a:t>, </a:t>
+            </a:r>
+            <a:r>
+              <a:rPr lang="en-US" dirty="0" err="1"/>
+              <a:t>calculou</a:t>
+            </a:r>
+            <a:r>
+              <a:rPr lang="en-US" dirty="0"/>
+              <a:t>-se </a:t>
+            </a:r>
+            <a:r>
+              <a:rPr lang="en-US" dirty="0" err="1"/>
+              <a:t>também</a:t>
+            </a:r>
+            <a:r>
+              <a:rPr lang="en-US" dirty="0"/>
+              <a:t> o volume </a:t>
+            </a:r>
+            <a:r>
+              <a:rPr lang="en-US" dirty="0" err="1"/>
+              <a:t>em</a:t>
+            </a:r>
+            <a:r>
+              <a:rPr lang="en-US" dirty="0"/>
+              <a:t> </a:t>
+            </a:r>
+            <a:r>
+              <a:rPr lang="en-US" dirty="0" err="1"/>
+              <a:t>litros</a:t>
+            </a:r>
+            <a:r>
+              <a:rPr lang="en-US" dirty="0"/>
+              <a:t>, que </a:t>
+            </a:r>
+            <a:r>
+              <a:rPr lang="en-US" dirty="0" err="1"/>
+              <a:t>foi</a:t>
+            </a:r>
+            <a:r>
+              <a:rPr lang="en-US" dirty="0"/>
+              <a:t> </a:t>
+            </a:r>
+            <a:r>
+              <a:rPr lang="en-US" dirty="0" err="1"/>
+              <a:t>obtido</a:t>
+            </a:r>
+            <a:r>
+              <a:rPr lang="en-US" dirty="0"/>
+              <a:t> </a:t>
+            </a:r>
+            <a:r>
+              <a:rPr lang="en-US" dirty="0" err="1"/>
+              <a:t>após</a:t>
+            </a:r>
+            <a:r>
+              <a:rPr lang="en-US" dirty="0"/>
+              <a:t> a </a:t>
+            </a:r>
+            <a:r>
+              <a:rPr lang="en-US" dirty="0" err="1"/>
+              <a:t>divisão</a:t>
+            </a:r>
+            <a:r>
+              <a:rPr lang="en-US" dirty="0"/>
+              <a:t> do valor do volume por 1000.</a:t>
             </a:r>
           </a:p>
         </p:txBody>
@@ -14199,7 +13951,7 @@
     </p:spTree>
     <p:extLst>
       <p:ext uri="{BB962C8B-B14F-4D97-AF65-F5344CB8AC3E}">
-        <p14:creationId xmlns:p14="http://schemas.microsoft.com/office/powerpoint/2010/main" val="595500390"/>
+        <p14:creationId xmlns:p14="http://schemas.microsoft.com/office/powerpoint/2010/main" val="457069598"/>
       </p:ext>
     </p:extLst>
   </p:cSld>
@@ -14243,142 +13995,6 @@
           <p:cNvPr id="2" name="Title 1">
             <a:extLst>
               <a:ext uri="{FF2B5EF4-FFF2-40B4-BE49-F238E27FC236}">
-                <a16:creationId xmlns:a16="http://schemas.microsoft.com/office/drawing/2014/main" id="{CF5A1B67-711F-5C50-E521-CF5C3B3E2FDC}"/>
-              </a:ext>
-            </a:extLst>
-          </p:cNvPr>
-          <p:cNvSpPr>
-            <a:spLocks noGrp="1"/>
-          </p:cNvSpPr>
-          <p:nvPr>
-            <p:ph type="title"/>
-          </p:nvPr>
-        </p:nvSpPr>
-        <p:spPr/>
-        <p:txBody>
-          <a:bodyPr/>
-          <a:lstStyle/>
-          <a:p>
-            <a:r>
-              <a:rPr lang="en-US" b="1" dirty="0">
-                <a:cs typeface="Posterama"/>
-              </a:rPr>
-              <a:t>MEDIÇÕES E CÁLCULOS DOS PARALELEPÍPEDOS</a:t>
-            </a:r>
-          </a:p>
-        </p:txBody>
-      </p:sp>
-      <p:sp>
-        <p:nvSpPr>
-          <p:cNvPr id="3" name="Content Placeholder 2">
-            <a:extLst>
-              <a:ext uri="{FF2B5EF4-FFF2-40B4-BE49-F238E27FC236}">
-                <a16:creationId xmlns:a16="http://schemas.microsoft.com/office/drawing/2014/main" id="{45E20D30-5FC7-2A87-B427-0AB4636525DC}"/>
-              </a:ext>
-            </a:extLst>
-          </p:cNvPr>
-          <p:cNvSpPr>
-            <a:spLocks noGrp="1"/>
-          </p:cNvSpPr>
-          <p:nvPr>
-            <p:ph idx="1"/>
-          </p:nvPr>
-        </p:nvSpPr>
-        <p:spPr/>
-        <p:txBody>
-          <a:bodyPr vert="horz" lIns="91440" tIns="45720" rIns="91440" bIns="45720" rtlCol="0" anchor="t">
-            <a:normAutofit/>
-          </a:bodyPr>
-          <a:lstStyle/>
-          <a:p>
-            <a:r>
-              <a:rPr lang="en-US"/>
-              <a:t>Ainda utilizando a caixinha de leite como exemplo, temos:</a:t>
-            </a:r>
-          </a:p>
-          <a:p>
-            <a:pPr>
-              <a:buClr>
-                <a:srgbClr val="FFFFFF"/>
-              </a:buClr>
-            </a:pPr>
-            <a:r>
-              <a:rPr lang="en-US"/>
-              <a:t>V = 54 * 17</a:t>
-            </a:r>
-          </a:p>
-          <a:p>
-            <a:pPr>
-              <a:buClr>
-                <a:srgbClr val="FFFFFF"/>
-              </a:buClr>
-            </a:pPr>
-            <a:r>
-              <a:rPr lang="en-US"/>
-              <a:t>Resultando no valor de 918 centímetros cúbicos como volume.</a:t>
-            </a:r>
-          </a:p>
-          <a:p>
-            <a:pPr>
-              <a:buClr>
-                <a:srgbClr val="FFFFFF"/>
-              </a:buClr>
-            </a:pPr>
-            <a:r>
-              <a:rPr lang="en-US"/>
-              <a:t>Com o valor do volume obtido, calculou-se o volume em mililitros, multiplicando o número do volume por 1. Por fim, calculou-se também o volume em litros, que foi obtido após a divisão do valor do volume por 1000.</a:t>
-            </a:r>
-            <a:endParaRPr lang="en-US" dirty="0"/>
-          </a:p>
-        </p:txBody>
-      </p:sp>
-    </p:spTree>
-    <p:extLst>
-      <p:ext uri="{BB962C8B-B14F-4D97-AF65-F5344CB8AC3E}">
-        <p14:creationId xmlns:p14="http://schemas.microsoft.com/office/powerpoint/2010/main" val="457069598"/>
-      </p:ext>
-    </p:extLst>
-  </p:cSld>
-  <p:clrMapOvr>
-    <a:masterClrMapping/>
-  </p:clrMapOvr>
-  <mc:AlternateContent xmlns:mc="http://schemas.openxmlformats.org/markup-compatibility/2006" xmlns:p14="http://schemas.microsoft.com/office/powerpoint/2010/main">
-    <mc:Choice Requires="p14">
-      <p:transition spd="slow" p14:dur="1250">
-        <p:pull/>
-      </p:transition>
-    </mc:Choice>
-    <mc:Fallback xmlns="">
-      <p:transition spd="slow">
-        <p:pull/>
-      </p:transition>
-    </mc:Fallback>
-  </mc:AlternateContent>
-</p:sld>
-</file>
-
-<file path=ppt/slides/slide27.xml><?xml version="1.0" encoding="utf-8"?>
-<p:sld xmlns:a="http://schemas.openxmlformats.org/drawingml/2006/main" xmlns:r="http://schemas.openxmlformats.org/officeDocument/2006/relationships" xmlns:p="http://schemas.openxmlformats.org/presentationml/2006/main">
-  <p:cSld>
-    <p:spTree>
-      <p:nvGrpSpPr>
-        <p:cNvPr id="1" name=""/>
-        <p:cNvGrpSpPr/>
-        <p:nvPr/>
-      </p:nvGrpSpPr>
-      <p:grpSpPr>
-        <a:xfrm>
-          <a:off x="0" y="0"/>
-          <a:ext cx="0" cy="0"/>
-          <a:chOff x="0" y="0"/>
-          <a:chExt cx="0" cy="0"/>
-        </a:xfrm>
-      </p:grpSpPr>
-      <p:sp>
-        <p:nvSpPr>
-          <p:cNvPr id="2" name="Title 1">
-            <a:extLst>
-              <a:ext uri="{FF2B5EF4-FFF2-40B4-BE49-F238E27FC236}">
                 <a16:creationId xmlns:a16="http://schemas.microsoft.com/office/drawing/2014/main" id="{CDE13F81-E46E-3AC5-97E0-D7A1059475BC}"/>
               </a:ext>
             </a:extLst>
@@ -14467,7 +14083,7 @@
 </p:sld>
 </file>
 
-<file path=ppt/slides/slide28.xml><?xml version="1.0" encoding="utf-8"?>
+<file path=ppt/slides/slide27.xml><?xml version="1.0" encoding="utf-8"?>
 <p:sld xmlns:a="http://schemas.openxmlformats.org/drawingml/2006/main" xmlns:r="http://schemas.openxmlformats.org/officeDocument/2006/relationships" xmlns:p="http://schemas.openxmlformats.org/presentationml/2006/main">
   <p:cSld>
     <p:bg>
@@ -22103,1030 +21719,7 @@
 </p:sld>
 </file>
 
-<file path=ppt/slides/slide29.xml><?xml version="1.0" encoding="utf-8"?>
-<p:sld xmlns:a="http://schemas.openxmlformats.org/drawingml/2006/main" xmlns:r="http://schemas.openxmlformats.org/officeDocument/2006/relationships" xmlns:p="http://schemas.openxmlformats.org/presentationml/2006/main">
-  <p:cSld>
-    <p:spTree>
-      <p:nvGrpSpPr>
-        <p:cNvPr id="1" name=""/>
-        <p:cNvGrpSpPr/>
-        <p:nvPr/>
-      </p:nvGrpSpPr>
-      <p:grpSpPr>
-        <a:xfrm>
-          <a:off x="0" y="0"/>
-          <a:ext cx="0" cy="0"/>
-          <a:chOff x="0" y="0"/>
-          <a:chExt cx="0" cy="0"/>
-        </a:xfrm>
-      </p:grpSpPr>
-      <p:sp>
-        <p:nvSpPr>
-          <p:cNvPr id="2" name="Title 1">
-            <a:extLst>
-              <a:ext uri="{FF2B5EF4-FFF2-40B4-BE49-F238E27FC236}">
-                <a16:creationId xmlns:a16="http://schemas.microsoft.com/office/drawing/2014/main" id="{382F0A94-0552-B3B3-DF56-DE0EEB635591}"/>
-              </a:ext>
-            </a:extLst>
-          </p:cNvPr>
-          <p:cNvSpPr>
-            <a:spLocks noGrp="1"/>
-          </p:cNvSpPr>
-          <p:nvPr>
-            <p:ph type="title"/>
-          </p:nvPr>
-        </p:nvSpPr>
-        <p:spPr/>
-        <p:txBody>
-          <a:bodyPr/>
-          <a:lstStyle/>
-          <a:p>
-            <a:r>
-              <a:rPr lang="en-US" b="1" dirty="0">
-                <a:cs typeface="Posterama"/>
-              </a:rPr>
-              <a:t>MEDIÇÕES CÁLCULOS E RESULTADOS</a:t>
-            </a:r>
-            <a:endParaRPr lang="en-US" b="1">
-              <a:cs typeface="Posterama"/>
-            </a:endParaRPr>
-          </a:p>
-        </p:txBody>
-      </p:sp>
-      <p:sp>
-        <p:nvSpPr>
-          <p:cNvPr id="3" name="Content Placeholder 2">
-            <a:extLst>
-              <a:ext uri="{FF2B5EF4-FFF2-40B4-BE49-F238E27FC236}">
-                <a16:creationId xmlns:a16="http://schemas.microsoft.com/office/drawing/2014/main" id="{BB48A4E4-255F-3B3A-786D-892E94EDF90A}"/>
-              </a:ext>
-            </a:extLst>
-          </p:cNvPr>
-          <p:cNvSpPr>
-            <a:spLocks noGrp="1"/>
-          </p:cNvSpPr>
-          <p:nvPr>
-            <p:ph idx="1"/>
-          </p:nvPr>
-        </p:nvSpPr>
-        <p:spPr/>
-        <p:txBody>
-          <a:bodyPr vert="horz" lIns="91440" tIns="45720" rIns="91440" bIns="45720" rtlCol="0" anchor="t">
-            <a:normAutofit/>
-          </a:bodyPr>
-          <a:lstStyle/>
-          <a:p>
-            <a:r>
-              <a:rPr lang="en-US" dirty="0" err="1">
-                <a:ea typeface="+mn-lt"/>
-                <a:cs typeface="+mn-lt"/>
-              </a:rPr>
-              <a:t>Os</a:t>
-            </a:r>
-            <a:r>
-              <a:rPr lang="en-US" dirty="0">
-                <a:ea typeface="+mn-lt"/>
-                <a:cs typeface="+mn-lt"/>
-              </a:rPr>
-              <a:t> </a:t>
-            </a:r>
-            <a:r>
-              <a:rPr lang="en-US" dirty="0" err="1">
-                <a:ea typeface="+mn-lt"/>
-                <a:cs typeface="+mn-lt"/>
-              </a:rPr>
-              <a:t>itens</a:t>
-            </a:r>
-            <a:r>
-              <a:rPr lang="en-US" dirty="0">
-                <a:ea typeface="+mn-lt"/>
-                <a:cs typeface="+mn-lt"/>
-              </a:rPr>
-              <a:t> </a:t>
-            </a:r>
-            <a:r>
-              <a:rPr lang="en-US" dirty="0" err="1">
-                <a:ea typeface="+mn-lt"/>
-                <a:cs typeface="+mn-lt"/>
-              </a:rPr>
-              <a:t>incluídos</a:t>
-            </a:r>
-            <a:r>
-              <a:rPr lang="en-US" dirty="0">
-                <a:ea typeface="+mn-lt"/>
-                <a:cs typeface="+mn-lt"/>
-              </a:rPr>
-              <a:t> </a:t>
-            </a:r>
-            <a:r>
-              <a:rPr lang="en-US" dirty="0" err="1">
-                <a:ea typeface="+mn-lt"/>
-                <a:cs typeface="+mn-lt"/>
-              </a:rPr>
-              <a:t>na</a:t>
-            </a:r>
-            <a:r>
-              <a:rPr lang="en-US" dirty="0">
-                <a:ea typeface="+mn-lt"/>
-                <a:cs typeface="+mn-lt"/>
-              </a:rPr>
-              <a:t> </a:t>
-            </a:r>
-            <a:r>
-              <a:rPr lang="en-US" dirty="0" err="1">
-                <a:ea typeface="+mn-lt"/>
-                <a:cs typeface="+mn-lt"/>
-              </a:rPr>
-              <a:t>tabela</a:t>
-            </a:r>
-            <a:r>
-              <a:rPr lang="en-US" dirty="0">
-                <a:ea typeface="+mn-lt"/>
-                <a:cs typeface="+mn-lt"/>
-              </a:rPr>
-              <a:t> </a:t>
-            </a:r>
-            <a:r>
-              <a:rPr lang="en-US" dirty="0" err="1">
-                <a:ea typeface="+mn-lt"/>
-                <a:cs typeface="+mn-lt"/>
-              </a:rPr>
-              <a:t>são</a:t>
-            </a:r>
-            <a:r>
-              <a:rPr lang="en-US" dirty="0">
-                <a:ea typeface="+mn-lt"/>
-                <a:cs typeface="+mn-lt"/>
-              </a:rPr>
-              <a:t> </a:t>
-            </a:r>
-            <a:r>
-              <a:rPr lang="en-US" dirty="0" err="1">
-                <a:ea typeface="+mn-lt"/>
-                <a:cs typeface="+mn-lt"/>
-              </a:rPr>
-              <a:t>apenas</a:t>
-            </a:r>
-            <a:r>
-              <a:rPr lang="en-US" dirty="0">
-                <a:ea typeface="+mn-lt"/>
-                <a:cs typeface="+mn-lt"/>
-              </a:rPr>
-              <a:t> </a:t>
-            </a:r>
-            <a:r>
-              <a:rPr lang="en-US" dirty="0" err="1">
-                <a:ea typeface="+mn-lt"/>
-                <a:cs typeface="+mn-lt"/>
-              </a:rPr>
-              <a:t>alguns</a:t>
-            </a:r>
-            <a:r>
-              <a:rPr lang="en-US" dirty="0">
-                <a:ea typeface="+mn-lt"/>
-                <a:cs typeface="+mn-lt"/>
-              </a:rPr>
-              <a:t> dos </a:t>
-            </a:r>
-            <a:r>
-              <a:rPr lang="en-US" dirty="0" err="1">
-                <a:ea typeface="+mn-lt"/>
-                <a:cs typeface="+mn-lt"/>
-              </a:rPr>
-              <a:t>inúmeros</a:t>
-            </a:r>
-            <a:r>
-              <a:rPr lang="en-US" dirty="0">
-                <a:ea typeface="+mn-lt"/>
-                <a:cs typeface="+mn-lt"/>
-              </a:rPr>
-              <a:t>, </a:t>
-            </a:r>
-            <a:r>
-              <a:rPr lang="en-US" dirty="0" err="1">
-                <a:ea typeface="+mn-lt"/>
-                <a:cs typeface="+mn-lt"/>
-              </a:rPr>
-              <a:t>descartados</a:t>
-            </a:r>
-            <a:r>
-              <a:rPr lang="en-US" dirty="0">
-                <a:ea typeface="+mn-lt"/>
-                <a:cs typeface="+mn-lt"/>
-              </a:rPr>
-              <a:t>, que </a:t>
-            </a:r>
-            <a:r>
-              <a:rPr lang="en-US" dirty="0" err="1">
-                <a:ea typeface="+mn-lt"/>
-                <a:cs typeface="+mn-lt"/>
-              </a:rPr>
-              <a:t>percorrem</a:t>
-            </a:r>
-            <a:r>
-              <a:rPr lang="en-US" dirty="0">
-                <a:ea typeface="+mn-lt"/>
-                <a:cs typeface="+mn-lt"/>
-              </a:rPr>
-              <a:t> </a:t>
-            </a:r>
-            <a:r>
-              <a:rPr lang="en-US" dirty="0" err="1">
-                <a:ea typeface="+mn-lt"/>
-                <a:cs typeface="+mn-lt"/>
-              </a:rPr>
-              <a:t>pelo</a:t>
-            </a:r>
-            <a:r>
-              <a:rPr lang="en-US" dirty="0">
-                <a:ea typeface="+mn-lt"/>
-                <a:cs typeface="+mn-lt"/>
-              </a:rPr>
-              <a:t> </a:t>
-            </a:r>
-            <a:r>
-              <a:rPr lang="en-US" dirty="0" err="1">
-                <a:ea typeface="+mn-lt"/>
-                <a:cs typeface="+mn-lt"/>
-              </a:rPr>
-              <a:t>Brasil</a:t>
-            </a:r>
-            <a:r>
-              <a:rPr lang="en-US" dirty="0">
-                <a:ea typeface="+mn-lt"/>
-                <a:cs typeface="+mn-lt"/>
-              </a:rPr>
-              <a:t> e que </a:t>
-            </a:r>
-            <a:r>
-              <a:rPr lang="en-US" dirty="0" err="1">
-                <a:ea typeface="+mn-lt"/>
-                <a:cs typeface="+mn-lt"/>
-              </a:rPr>
-              <a:t>poderiam</a:t>
-            </a:r>
-            <a:r>
-              <a:rPr lang="en-US" dirty="0">
-                <a:ea typeface="+mn-lt"/>
-                <a:cs typeface="+mn-lt"/>
-              </a:rPr>
-              <a:t> </a:t>
-            </a:r>
-            <a:r>
-              <a:rPr lang="en-US" dirty="0" err="1">
-                <a:ea typeface="+mn-lt"/>
-                <a:cs typeface="+mn-lt"/>
-              </a:rPr>
-              <a:t>ter</a:t>
-            </a:r>
-            <a:r>
-              <a:rPr lang="en-US" dirty="0">
-                <a:ea typeface="+mn-lt"/>
-                <a:cs typeface="+mn-lt"/>
-              </a:rPr>
-              <a:t> </a:t>
-            </a:r>
-            <a:r>
-              <a:rPr lang="en-US" dirty="0" err="1">
-                <a:ea typeface="+mn-lt"/>
-                <a:cs typeface="+mn-lt"/>
-              </a:rPr>
-              <a:t>como</a:t>
-            </a:r>
-            <a:r>
-              <a:rPr lang="en-US" dirty="0">
-                <a:ea typeface="+mn-lt"/>
-                <a:cs typeface="+mn-lt"/>
-              </a:rPr>
-              <a:t> </a:t>
-            </a:r>
-            <a:r>
-              <a:rPr lang="en-US" dirty="0" err="1">
-                <a:ea typeface="+mn-lt"/>
-                <a:cs typeface="+mn-lt"/>
-              </a:rPr>
-              <a:t>fim</a:t>
-            </a:r>
-            <a:r>
-              <a:rPr lang="en-US" dirty="0">
-                <a:ea typeface="+mn-lt"/>
-                <a:cs typeface="+mn-lt"/>
-              </a:rPr>
-              <a:t> a </a:t>
-            </a:r>
-            <a:r>
-              <a:rPr lang="en-US" dirty="0" err="1">
-                <a:ea typeface="+mn-lt"/>
-                <a:cs typeface="+mn-lt"/>
-              </a:rPr>
-              <a:t>reciclagem</a:t>
-            </a:r>
-            <a:r>
-              <a:rPr lang="en-US" dirty="0">
-                <a:ea typeface="+mn-lt"/>
-                <a:cs typeface="+mn-lt"/>
-              </a:rPr>
-              <a:t>. </a:t>
-            </a:r>
-            <a:r>
-              <a:rPr lang="en-US" dirty="0" err="1">
-                <a:ea typeface="+mn-lt"/>
-                <a:cs typeface="+mn-lt"/>
-              </a:rPr>
-              <a:t>Infelizmente</a:t>
-            </a:r>
-            <a:r>
-              <a:rPr lang="en-US" dirty="0">
-                <a:ea typeface="+mn-lt"/>
-                <a:cs typeface="+mn-lt"/>
-              </a:rPr>
-              <a:t>, </a:t>
-            </a:r>
-            <a:r>
-              <a:rPr lang="en-US" dirty="0" err="1">
-                <a:ea typeface="+mn-lt"/>
-                <a:cs typeface="+mn-lt"/>
-              </a:rPr>
-              <a:t>uma</a:t>
-            </a:r>
-            <a:r>
-              <a:rPr lang="en-US" dirty="0">
-                <a:ea typeface="+mn-lt"/>
-                <a:cs typeface="+mn-lt"/>
-              </a:rPr>
-              <a:t> </a:t>
-            </a:r>
-            <a:r>
-              <a:rPr lang="en-US" dirty="0" err="1">
-                <a:ea typeface="+mn-lt"/>
-                <a:cs typeface="+mn-lt"/>
-              </a:rPr>
-              <a:t>grande</a:t>
-            </a:r>
-            <a:r>
-              <a:rPr lang="en-US" dirty="0">
-                <a:ea typeface="+mn-lt"/>
-                <a:cs typeface="+mn-lt"/>
-              </a:rPr>
-              <a:t> </a:t>
-            </a:r>
-            <a:r>
-              <a:rPr lang="en-US" dirty="0" err="1">
-                <a:ea typeface="+mn-lt"/>
-                <a:cs typeface="+mn-lt"/>
-              </a:rPr>
-              <a:t>parte</a:t>
-            </a:r>
-            <a:r>
-              <a:rPr lang="en-US" dirty="0">
-                <a:ea typeface="+mn-lt"/>
-                <a:cs typeface="+mn-lt"/>
-              </a:rPr>
-              <a:t> </a:t>
-            </a:r>
-            <a:r>
-              <a:rPr lang="en-US" dirty="0" err="1">
-                <a:ea typeface="+mn-lt"/>
-                <a:cs typeface="+mn-lt"/>
-              </a:rPr>
-              <a:t>deste</a:t>
-            </a:r>
-            <a:r>
-              <a:rPr lang="en-US" dirty="0">
-                <a:ea typeface="+mn-lt"/>
-                <a:cs typeface="+mn-lt"/>
-              </a:rPr>
-              <a:t> </a:t>
-            </a:r>
-            <a:r>
-              <a:rPr lang="en-US" dirty="0" err="1">
-                <a:ea typeface="+mn-lt"/>
-                <a:cs typeface="+mn-lt"/>
-              </a:rPr>
-              <a:t>tipo</a:t>
-            </a:r>
-            <a:r>
-              <a:rPr lang="en-US" dirty="0">
-                <a:ea typeface="+mn-lt"/>
-                <a:cs typeface="+mn-lt"/>
-              </a:rPr>
-              <a:t> de </a:t>
-            </a:r>
-            <a:r>
-              <a:rPr lang="en-US" dirty="0" err="1">
-                <a:ea typeface="+mn-lt"/>
-                <a:cs typeface="+mn-lt"/>
-              </a:rPr>
-              <a:t>resíduo</a:t>
-            </a:r>
-            <a:r>
-              <a:rPr lang="en-US" dirty="0">
-                <a:ea typeface="+mn-lt"/>
-                <a:cs typeface="+mn-lt"/>
-              </a:rPr>
-              <a:t> </a:t>
-            </a:r>
-            <a:r>
-              <a:rPr lang="en-US" dirty="0" err="1">
-                <a:ea typeface="+mn-lt"/>
-                <a:cs typeface="+mn-lt"/>
-              </a:rPr>
-              <a:t>sólido</a:t>
-            </a:r>
-            <a:r>
-              <a:rPr lang="en-US" dirty="0">
-                <a:ea typeface="+mn-lt"/>
-                <a:cs typeface="+mn-lt"/>
-              </a:rPr>
-              <a:t> </a:t>
-            </a:r>
-            <a:r>
-              <a:rPr lang="en-US" dirty="0" err="1">
-                <a:ea typeface="+mn-lt"/>
-                <a:cs typeface="+mn-lt"/>
-              </a:rPr>
-              <a:t>não</a:t>
-            </a:r>
-            <a:r>
-              <a:rPr lang="en-US" dirty="0">
-                <a:ea typeface="+mn-lt"/>
-                <a:cs typeface="+mn-lt"/>
-              </a:rPr>
-              <a:t> </a:t>
-            </a:r>
-            <a:r>
-              <a:rPr lang="en-US" dirty="0" err="1">
-                <a:ea typeface="+mn-lt"/>
-                <a:cs typeface="+mn-lt"/>
-              </a:rPr>
-              <a:t>tem</a:t>
-            </a:r>
-            <a:r>
-              <a:rPr lang="en-US" dirty="0">
-                <a:ea typeface="+mn-lt"/>
-                <a:cs typeface="+mn-lt"/>
-              </a:rPr>
-              <a:t> </a:t>
-            </a:r>
-            <a:r>
-              <a:rPr lang="en-US" dirty="0" err="1">
-                <a:ea typeface="+mn-lt"/>
-                <a:cs typeface="+mn-lt"/>
-              </a:rPr>
-              <a:t>destinação</a:t>
-            </a:r>
-            <a:r>
-              <a:rPr lang="en-US" dirty="0">
-                <a:ea typeface="+mn-lt"/>
-                <a:cs typeface="+mn-lt"/>
-              </a:rPr>
-              <a:t> </a:t>
-            </a:r>
-            <a:r>
-              <a:rPr lang="en-US" dirty="0" err="1">
-                <a:ea typeface="+mn-lt"/>
-                <a:cs typeface="+mn-lt"/>
-              </a:rPr>
-              <a:t>adequada</a:t>
-            </a:r>
-            <a:r>
-              <a:rPr lang="en-US" dirty="0">
-                <a:ea typeface="+mn-lt"/>
-                <a:cs typeface="+mn-lt"/>
-              </a:rPr>
-              <a:t> e </a:t>
-            </a:r>
-            <a:r>
-              <a:rPr lang="en-US" dirty="0" err="1">
-                <a:ea typeface="+mn-lt"/>
-                <a:cs typeface="+mn-lt"/>
-              </a:rPr>
-              <a:t>acaba</a:t>
-            </a:r>
-            <a:r>
-              <a:rPr lang="en-US" dirty="0">
-                <a:ea typeface="+mn-lt"/>
-                <a:cs typeface="+mn-lt"/>
-              </a:rPr>
-              <a:t> </a:t>
-            </a:r>
-            <a:r>
-              <a:rPr lang="en-US" dirty="0" err="1">
-                <a:ea typeface="+mn-lt"/>
-                <a:cs typeface="+mn-lt"/>
-              </a:rPr>
-              <a:t>por</a:t>
-            </a:r>
-            <a:r>
-              <a:rPr lang="en-US" dirty="0">
-                <a:ea typeface="+mn-lt"/>
-                <a:cs typeface="+mn-lt"/>
-              </a:rPr>
-              <a:t> </a:t>
-            </a:r>
-            <a:r>
-              <a:rPr lang="en-US" dirty="0" err="1">
-                <a:ea typeface="+mn-lt"/>
-                <a:cs typeface="+mn-lt"/>
-              </a:rPr>
-              <a:t>perder</a:t>
-            </a:r>
-            <a:r>
-              <a:rPr lang="en-US" dirty="0">
-                <a:ea typeface="+mn-lt"/>
-                <a:cs typeface="+mn-lt"/>
-              </a:rPr>
-              <a:t> </a:t>
-            </a:r>
-            <a:r>
-              <a:rPr lang="en-US" dirty="0" err="1">
-                <a:ea typeface="+mn-lt"/>
-                <a:cs typeface="+mn-lt"/>
-              </a:rPr>
-              <a:t>sua</a:t>
-            </a:r>
-            <a:r>
-              <a:rPr lang="en-US" dirty="0">
-                <a:ea typeface="+mn-lt"/>
-                <a:cs typeface="+mn-lt"/>
-              </a:rPr>
-              <a:t> </a:t>
-            </a:r>
-            <a:r>
-              <a:rPr lang="en-US" dirty="0" err="1">
-                <a:ea typeface="+mn-lt"/>
-                <a:cs typeface="+mn-lt"/>
-              </a:rPr>
-              <a:t>potência</a:t>
-            </a:r>
-            <a:r>
-              <a:rPr lang="en-US" dirty="0">
-                <a:ea typeface="+mn-lt"/>
-                <a:cs typeface="+mn-lt"/>
-              </a:rPr>
-              <a:t> </a:t>
-            </a:r>
-            <a:r>
-              <a:rPr lang="en-US" dirty="0" err="1">
-                <a:ea typeface="+mn-lt"/>
-                <a:cs typeface="+mn-lt"/>
-              </a:rPr>
-              <a:t>reciclável</a:t>
-            </a:r>
-            <a:r>
-              <a:rPr lang="en-US" dirty="0">
-                <a:ea typeface="+mn-lt"/>
-                <a:cs typeface="+mn-lt"/>
-              </a:rPr>
-              <a:t>. </a:t>
-            </a:r>
-            <a:r>
-              <a:rPr lang="en-US" dirty="0" err="1">
-                <a:ea typeface="+mn-lt"/>
-                <a:cs typeface="+mn-lt"/>
-              </a:rPr>
-              <a:t>Percebe</a:t>
-            </a:r>
-            <a:r>
-              <a:rPr lang="en-US" dirty="0">
-                <a:ea typeface="+mn-lt"/>
-                <a:cs typeface="+mn-lt"/>
-              </a:rPr>
-              <a:t>-se que, </a:t>
-            </a:r>
-            <a:r>
-              <a:rPr lang="en-US" dirty="0" err="1">
-                <a:ea typeface="+mn-lt"/>
-                <a:cs typeface="+mn-lt"/>
-              </a:rPr>
-              <a:t>muitos</a:t>
-            </a:r>
-            <a:r>
-              <a:rPr lang="en-US" dirty="0">
-                <a:ea typeface="+mn-lt"/>
-                <a:cs typeface="+mn-lt"/>
-              </a:rPr>
-              <a:t> </a:t>
-            </a:r>
-            <a:r>
-              <a:rPr lang="en-US" dirty="0" err="1">
-                <a:ea typeface="+mn-lt"/>
-                <a:cs typeface="+mn-lt"/>
-              </a:rPr>
-              <a:t>destes</a:t>
-            </a:r>
-            <a:r>
-              <a:rPr lang="en-US" dirty="0">
-                <a:ea typeface="+mn-lt"/>
-                <a:cs typeface="+mn-lt"/>
-              </a:rPr>
-              <a:t> </a:t>
-            </a:r>
-            <a:r>
-              <a:rPr lang="en-US" dirty="0" err="1">
-                <a:ea typeface="+mn-lt"/>
-                <a:cs typeface="+mn-lt"/>
-              </a:rPr>
-              <a:t>itens</a:t>
-            </a:r>
-            <a:r>
-              <a:rPr lang="en-US" dirty="0">
-                <a:ea typeface="+mn-lt"/>
-                <a:cs typeface="+mn-lt"/>
-              </a:rPr>
-              <a:t> </a:t>
-            </a:r>
-            <a:r>
-              <a:rPr lang="en-US" dirty="0" err="1">
-                <a:ea typeface="+mn-lt"/>
-                <a:cs typeface="+mn-lt"/>
-              </a:rPr>
-              <a:t>tem</a:t>
-            </a:r>
-            <a:r>
-              <a:rPr lang="en-US" dirty="0">
-                <a:ea typeface="+mn-lt"/>
-                <a:cs typeface="+mn-lt"/>
-              </a:rPr>
-              <a:t> um </a:t>
-            </a:r>
-            <a:r>
-              <a:rPr lang="en-US" dirty="0" err="1">
-                <a:ea typeface="+mn-lt"/>
-                <a:cs typeface="+mn-lt"/>
-              </a:rPr>
-              <a:t>número</a:t>
-            </a:r>
-            <a:r>
-              <a:rPr lang="en-US" dirty="0">
-                <a:ea typeface="+mn-lt"/>
-                <a:cs typeface="+mn-lt"/>
-              </a:rPr>
-              <a:t> de volume </a:t>
-            </a:r>
-            <a:r>
-              <a:rPr lang="en-US" dirty="0" err="1">
-                <a:ea typeface="+mn-lt"/>
-                <a:cs typeface="+mn-lt"/>
-              </a:rPr>
-              <a:t>considerável</a:t>
-            </a:r>
-            <a:r>
-              <a:rPr lang="en-US" dirty="0">
-                <a:ea typeface="+mn-lt"/>
-                <a:cs typeface="+mn-lt"/>
-              </a:rPr>
-              <a:t>, e que, </a:t>
-            </a:r>
-            <a:r>
-              <a:rPr lang="en-US" dirty="0" err="1">
-                <a:ea typeface="+mn-lt"/>
-                <a:cs typeface="+mn-lt"/>
-              </a:rPr>
-              <a:t>em</a:t>
-            </a:r>
-            <a:r>
-              <a:rPr lang="en-US" dirty="0">
-                <a:ea typeface="+mn-lt"/>
-                <a:cs typeface="+mn-lt"/>
-              </a:rPr>
-              <a:t> </a:t>
-            </a:r>
-            <a:r>
-              <a:rPr lang="en-US" dirty="0" err="1">
-                <a:ea typeface="+mn-lt"/>
-                <a:cs typeface="+mn-lt"/>
-              </a:rPr>
-              <a:t>seus</a:t>
-            </a:r>
-            <a:r>
-              <a:rPr lang="en-US" dirty="0">
-                <a:ea typeface="+mn-lt"/>
-                <a:cs typeface="+mn-lt"/>
-              </a:rPr>
-              <a:t> </a:t>
-            </a:r>
-            <a:r>
-              <a:rPr lang="en-US" dirty="0" err="1">
-                <a:ea typeface="+mn-lt"/>
-                <a:cs typeface="+mn-lt"/>
-              </a:rPr>
-              <a:t>montantes</a:t>
-            </a:r>
-            <a:r>
-              <a:rPr lang="en-US" dirty="0">
-                <a:ea typeface="+mn-lt"/>
-                <a:cs typeface="+mn-lt"/>
-              </a:rPr>
-              <a:t>, </a:t>
-            </a:r>
-            <a:r>
-              <a:rPr lang="en-US" dirty="0" err="1">
-                <a:ea typeface="+mn-lt"/>
-                <a:cs typeface="+mn-lt"/>
-              </a:rPr>
-              <a:t>poderia</a:t>
-            </a:r>
-            <a:r>
-              <a:rPr lang="en-US" dirty="0">
-                <a:ea typeface="+mn-lt"/>
-                <a:cs typeface="+mn-lt"/>
-              </a:rPr>
-              <a:t> </a:t>
-            </a:r>
-            <a:r>
-              <a:rPr lang="en-US" dirty="0" err="1">
-                <a:ea typeface="+mn-lt"/>
-                <a:cs typeface="+mn-lt"/>
-              </a:rPr>
-              <a:t>ter</a:t>
-            </a:r>
-            <a:r>
-              <a:rPr lang="en-US" dirty="0">
-                <a:ea typeface="+mn-lt"/>
-                <a:cs typeface="+mn-lt"/>
-              </a:rPr>
-              <a:t> sim um </a:t>
-            </a:r>
-            <a:r>
-              <a:rPr lang="en-US" dirty="0" err="1">
-                <a:ea typeface="+mn-lt"/>
-                <a:cs typeface="+mn-lt"/>
-              </a:rPr>
-              <a:t>uso</a:t>
-            </a:r>
-            <a:r>
-              <a:rPr lang="en-US" dirty="0">
-                <a:ea typeface="+mn-lt"/>
-                <a:cs typeface="+mn-lt"/>
-              </a:rPr>
-              <a:t> </a:t>
-            </a:r>
-            <a:r>
-              <a:rPr lang="en-US" dirty="0" err="1">
-                <a:ea typeface="+mn-lt"/>
-                <a:cs typeface="+mn-lt"/>
-              </a:rPr>
-              <a:t>reciclável</a:t>
-            </a:r>
-            <a:r>
-              <a:rPr lang="en-US" dirty="0">
-                <a:ea typeface="+mn-lt"/>
-                <a:cs typeface="+mn-lt"/>
-              </a:rPr>
-              <a:t>, com a </a:t>
-            </a:r>
-            <a:r>
-              <a:rPr lang="en-US" dirty="0" err="1">
-                <a:ea typeface="+mn-lt"/>
-                <a:cs typeface="+mn-lt"/>
-              </a:rPr>
-              <a:t>ajuda</a:t>
-            </a:r>
-            <a:r>
-              <a:rPr lang="en-US" dirty="0">
-                <a:ea typeface="+mn-lt"/>
-                <a:cs typeface="+mn-lt"/>
-              </a:rPr>
-              <a:t> de um </a:t>
-            </a:r>
-            <a:r>
-              <a:rPr lang="en-US" dirty="0" err="1">
-                <a:ea typeface="+mn-lt"/>
-                <a:cs typeface="+mn-lt"/>
-              </a:rPr>
-              <a:t>melhor</a:t>
-            </a:r>
-            <a:r>
-              <a:rPr lang="en-US" dirty="0">
-                <a:ea typeface="+mn-lt"/>
-                <a:cs typeface="+mn-lt"/>
-              </a:rPr>
-              <a:t> </a:t>
-            </a:r>
-            <a:r>
-              <a:rPr lang="en-US" dirty="0" err="1">
-                <a:ea typeface="+mn-lt"/>
-                <a:cs typeface="+mn-lt"/>
-              </a:rPr>
-              <a:t>fim</a:t>
-            </a:r>
-            <a:r>
-              <a:rPr lang="en-US" dirty="0">
-                <a:ea typeface="+mn-lt"/>
-                <a:cs typeface="+mn-lt"/>
-              </a:rPr>
-              <a:t>.</a:t>
-            </a:r>
-            <a:endParaRPr lang="en-US" dirty="0"/>
-          </a:p>
-        </p:txBody>
-      </p:sp>
-    </p:spTree>
-    <p:extLst>
-      <p:ext uri="{BB962C8B-B14F-4D97-AF65-F5344CB8AC3E}">
-        <p14:creationId xmlns:p14="http://schemas.microsoft.com/office/powerpoint/2010/main" val="2050571219"/>
-      </p:ext>
-    </p:extLst>
-  </p:cSld>
-  <p:clrMapOvr>
-    <a:masterClrMapping/>
-  </p:clrMapOvr>
-  <mc:AlternateContent xmlns:mc="http://schemas.openxmlformats.org/markup-compatibility/2006" xmlns:p14="http://schemas.microsoft.com/office/powerpoint/2010/main">
-    <mc:Choice Requires="p14">
-      <p:transition spd="slow" p14:dur="1250">
-        <p:pull/>
-      </p:transition>
-    </mc:Choice>
-    <mc:Fallback xmlns="">
-      <p:transition spd="slow">
-        <p:pull/>
-      </p:transition>
-    </mc:Fallback>
-  </mc:AlternateContent>
-</p:sld>
-</file>
-
-<file path=ppt/slides/slide3.xml><?xml version="1.0" encoding="utf-8"?>
-<p:sld xmlns:a="http://schemas.openxmlformats.org/drawingml/2006/main" xmlns:r="http://schemas.openxmlformats.org/officeDocument/2006/relationships" xmlns:p="http://schemas.openxmlformats.org/presentationml/2006/main">
-  <p:cSld>
-    <p:spTree>
-      <p:nvGrpSpPr>
-        <p:cNvPr id="1" name=""/>
-        <p:cNvGrpSpPr/>
-        <p:nvPr/>
-      </p:nvGrpSpPr>
-      <p:grpSpPr>
-        <a:xfrm>
-          <a:off x="0" y="0"/>
-          <a:ext cx="0" cy="0"/>
-          <a:chOff x="0" y="0"/>
-          <a:chExt cx="0" cy="0"/>
-        </a:xfrm>
-      </p:grpSpPr>
-      <p:sp>
-        <p:nvSpPr>
-          <p:cNvPr id="2" name="Title 1">
-            <a:extLst>
-              <a:ext uri="{FF2B5EF4-FFF2-40B4-BE49-F238E27FC236}">
-                <a16:creationId xmlns:a16="http://schemas.microsoft.com/office/drawing/2014/main" id="{4A460F80-824B-D22F-BA65-90602EA58A50}"/>
-              </a:ext>
-            </a:extLst>
-          </p:cNvPr>
-          <p:cNvSpPr>
-            <a:spLocks noGrp="1"/>
-          </p:cNvSpPr>
-          <p:nvPr>
-            <p:ph type="title"/>
-          </p:nvPr>
-        </p:nvSpPr>
-        <p:spPr/>
-        <p:txBody>
-          <a:bodyPr/>
-          <a:lstStyle/>
-          <a:p>
-            <a:r>
-              <a:rPr lang="en-US" b="1" dirty="0">
-                <a:cs typeface="Posterama"/>
-              </a:rPr>
-              <a:t>PARTICIPANTES DO TRABALHO</a:t>
-            </a:r>
-            <a:endParaRPr lang="en-US" b="1">
-              <a:cs typeface="Posterama"/>
-            </a:endParaRPr>
-          </a:p>
-        </p:txBody>
-      </p:sp>
-      <p:sp>
-        <p:nvSpPr>
-          <p:cNvPr id="3" name="Content Placeholder 2">
-            <a:extLst>
-              <a:ext uri="{FF2B5EF4-FFF2-40B4-BE49-F238E27FC236}">
-                <a16:creationId xmlns:a16="http://schemas.microsoft.com/office/drawing/2014/main" id="{5D0021B2-E132-223B-B694-7C3972974BB3}"/>
-              </a:ext>
-            </a:extLst>
-          </p:cNvPr>
-          <p:cNvSpPr>
-            <a:spLocks noGrp="1"/>
-          </p:cNvSpPr>
-          <p:nvPr>
-            <p:ph idx="1"/>
-          </p:nvPr>
-        </p:nvSpPr>
-        <p:spPr/>
-        <p:txBody>
-          <a:bodyPr vert="horz" lIns="91440" tIns="45720" rIns="91440" bIns="45720" rtlCol="0" anchor="t">
-            <a:normAutofit/>
-          </a:bodyPr>
-          <a:lstStyle/>
-          <a:p>
-            <a:r>
-              <a:rPr lang="en-US" dirty="0">
-                <a:solidFill>
-                  <a:srgbClr val="FFFF00"/>
-                </a:solidFill>
-                <a:latin typeface="Dubai"/>
-                <a:cs typeface="Dubai"/>
-              </a:rPr>
-              <a:t>GABRIEL DE SOUZA SANTOS</a:t>
-            </a:r>
-          </a:p>
-          <a:p>
-            <a:pPr>
-              <a:buClr>
-                <a:srgbClr val="FFFFFF"/>
-              </a:buClr>
-            </a:pPr>
-            <a:r>
-              <a:rPr lang="en-US" dirty="0">
-                <a:solidFill>
-                  <a:srgbClr val="FFFF00"/>
-                </a:solidFill>
-                <a:latin typeface="Dubai"/>
-                <a:cs typeface="Dubai"/>
-              </a:rPr>
-              <a:t>GUILHERME HENRIQUE DAROZ</a:t>
-            </a:r>
-          </a:p>
-          <a:p>
-            <a:pPr>
-              <a:buClr>
-                <a:srgbClr val="FFFFFF"/>
-              </a:buClr>
-            </a:pPr>
-            <a:r>
-              <a:rPr lang="en-US" dirty="0">
-                <a:solidFill>
-                  <a:srgbClr val="FFFF00"/>
-                </a:solidFill>
-                <a:latin typeface="Dubai"/>
-                <a:cs typeface="Dubai"/>
-              </a:rPr>
-              <a:t>LUÍS ARTUR FAUSTINONI RIBEIRO</a:t>
-            </a:r>
-          </a:p>
-          <a:p>
-            <a:pPr>
-              <a:buClr>
-                <a:srgbClr val="FFFFFF"/>
-              </a:buClr>
-            </a:pPr>
-            <a:r>
-              <a:rPr lang="en-US" dirty="0">
-                <a:solidFill>
-                  <a:srgbClr val="FFFF00"/>
-                </a:solidFill>
-                <a:latin typeface="Dubai"/>
-                <a:cs typeface="Dubai"/>
-              </a:rPr>
-              <a:t>PEDRO LUCAS APARECIDO SILVA</a:t>
-            </a:r>
-          </a:p>
-          <a:p>
-            <a:pPr>
-              <a:buClr>
-                <a:srgbClr val="FFFFFF"/>
-              </a:buClr>
-            </a:pPr>
-            <a:r>
-              <a:rPr lang="en-US" dirty="0">
-                <a:solidFill>
-                  <a:srgbClr val="FFFF00"/>
-                </a:solidFill>
-                <a:latin typeface="Dubai"/>
-                <a:cs typeface="Dubai"/>
-              </a:rPr>
-              <a:t>RAFAEL NEVES NASCIMENTO</a:t>
-            </a:r>
-          </a:p>
-        </p:txBody>
-      </p:sp>
-    </p:spTree>
-    <p:extLst>
-      <p:ext uri="{BB962C8B-B14F-4D97-AF65-F5344CB8AC3E}">
-        <p14:creationId xmlns:p14="http://schemas.microsoft.com/office/powerpoint/2010/main" val="2339842964"/>
-      </p:ext>
-    </p:extLst>
-  </p:cSld>
-  <p:clrMapOvr>
-    <a:masterClrMapping/>
-  </p:clrMapOvr>
-  <mc:AlternateContent xmlns:mc="http://schemas.openxmlformats.org/markup-compatibility/2006" xmlns:p14="http://schemas.microsoft.com/office/powerpoint/2010/main">
-    <mc:Choice Requires="p14">
-      <p:transition spd="slow" p14:dur="1250">
-        <p:pull/>
-      </p:transition>
-    </mc:Choice>
-    <mc:Fallback xmlns="">
-      <p:transition spd="slow">
-        <p:pull/>
-      </p:transition>
-    </mc:Fallback>
-  </mc:AlternateContent>
-</p:sld>
-</file>
-
-<file path=ppt/slides/slide30.xml><?xml version="1.0" encoding="utf-8"?>
+<file path=ppt/slides/slide28.xml><?xml version="1.0" encoding="utf-8"?>
 <p:sld xmlns:a="http://schemas.openxmlformats.org/drawingml/2006/main" xmlns:r="http://schemas.openxmlformats.org/officeDocument/2006/relationships" xmlns:p="http://schemas.openxmlformats.org/presentationml/2006/main">
   <p:cSld>
     <p:spTree>
@@ -23756,7 +22349,7 @@
 </p:sld>
 </file>
 
-<file path=ppt/slides/slide31.xml><?xml version="1.0" encoding="utf-8"?>
+<file path=ppt/slides/slide29.xml><?xml version="1.0" encoding="utf-8"?>
 <p:sld xmlns:a="http://schemas.openxmlformats.org/drawingml/2006/main" xmlns:r="http://schemas.openxmlformats.org/officeDocument/2006/relationships" xmlns:p="http://schemas.openxmlformats.org/presentationml/2006/main">
   <p:cSld>
     <p:spTree>
@@ -23828,7 +22421,388 @@
 </p:sld>
 </file>
 
-<file path=ppt/slides/slide32.xml><?xml version="1.0" encoding="utf-8"?>
+<file path=ppt/slides/slide3.xml><?xml version="1.0" encoding="utf-8"?>
+<p:sld xmlns:a="http://schemas.openxmlformats.org/drawingml/2006/main" xmlns:r="http://schemas.openxmlformats.org/officeDocument/2006/relationships" xmlns:p="http://schemas.openxmlformats.org/presentationml/2006/main">
+  <p:cSld>
+    <p:spTree>
+      <p:nvGrpSpPr>
+        <p:cNvPr id="1" name=""/>
+        <p:cNvGrpSpPr/>
+        <p:nvPr/>
+      </p:nvGrpSpPr>
+      <p:grpSpPr>
+        <a:xfrm>
+          <a:off x="0" y="0"/>
+          <a:ext cx="0" cy="0"/>
+          <a:chOff x="0" y="0"/>
+          <a:chExt cx="0" cy="0"/>
+        </a:xfrm>
+      </p:grpSpPr>
+      <p:sp>
+        <p:nvSpPr>
+          <p:cNvPr id="2" name="Title 1">
+            <a:extLst>
+              <a:ext uri="{FF2B5EF4-FFF2-40B4-BE49-F238E27FC236}">
+                <a16:creationId xmlns:a16="http://schemas.microsoft.com/office/drawing/2014/main" id="{5EC1D66F-1743-D396-3A5A-7B6D74CAF755}"/>
+              </a:ext>
+            </a:extLst>
+          </p:cNvPr>
+          <p:cNvSpPr>
+            <a:spLocks noGrp="1"/>
+          </p:cNvSpPr>
+          <p:nvPr>
+            <p:ph type="title"/>
+          </p:nvPr>
+        </p:nvSpPr>
+        <p:spPr/>
+        <p:txBody>
+          <a:bodyPr/>
+          <a:lstStyle/>
+          <a:p>
+            <a:r>
+              <a:rPr lang="en-US" b="1" dirty="0">
+                <a:cs typeface="Posterama"/>
+              </a:rPr>
+              <a:t>O QUE SERÁ APRESENTADO NESTE TRABALHO</a:t>
+            </a:r>
+            <a:endParaRPr lang="en-US" b="1">
+              <a:cs typeface="Posterama"/>
+            </a:endParaRPr>
+          </a:p>
+        </p:txBody>
+      </p:sp>
+      <p:sp>
+        <p:nvSpPr>
+          <p:cNvPr id="3" name="Content Placeholder 2">
+            <a:extLst>
+              <a:ext uri="{FF2B5EF4-FFF2-40B4-BE49-F238E27FC236}">
+                <a16:creationId xmlns:a16="http://schemas.microsoft.com/office/drawing/2014/main" id="{406D1A9B-04EB-9176-3081-5C7F37706E08}"/>
+              </a:ext>
+            </a:extLst>
+          </p:cNvPr>
+          <p:cNvSpPr>
+            <a:spLocks noGrp="1"/>
+          </p:cNvSpPr>
+          <p:nvPr>
+            <p:ph idx="1"/>
+          </p:nvPr>
+        </p:nvSpPr>
+        <p:spPr/>
+        <p:txBody>
+          <a:bodyPr vert="horz" lIns="91440" tIns="45720" rIns="91440" bIns="45720" rtlCol="0" anchor="t">
+            <a:normAutofit fontScale="92500" lnSpcReduction="10000"/>
+          </a:bodyPr>
+          <a:lstStyle/>
+          <a:p>
+            <a:r>
+              <a:rPr lang="en-US" dirty="0" err="1"/>
+              <a:t>Introdução</a:t>
+            </a:r>
+            <a:r>
+              <a:rPr lang="en-US" dirty="0"/>
+              <a:t>: </a:t>
+            </a:r>
+            <a:r>
+              <a:rPr lang="en-US" dirty="0" err="1"/>
+              <a:t>Os</a:t>
+            </a:r>
+            <a:r>
+              <a:rPr lang="en-US" dirty="0"/>
+              <a:t> </a:t>
+            </a:r>
+            <a:r>
+              <a:rPr lang="en-US" dirty="0" err="1"/>
+              <a:t>resíduos</a:t>
+            </a:r>
+            <a:r>
+              <a:rPr lang="en-US" dirty="0"/>
+              <a:t> </a:t>
+            </a:r>
+            <a:r>
+              <a:rPr lang="en-US" dirty="0" err="1"/>
+              <a:t>sólidos</a:t>
+            </a:r>
+            <a:r>
+              <a:rPr lang="en-US" dirty="0"/>
+              <a:t> </a:t>
+            </a:r>
+            <a:r>
+              <a:rPr lang="en-US" dirty="0" err="1"/>
+              <a:t>urbanos</a:t>
+            </a:r>
+            <a:r>
+              <a:rPr lang="en-US" dirty="0"/>
+              <a:t>, </a:t>
+            </a:r>
+            <a:r>
+              <a:rPr lang="en-US" dirty="0" err="1"/>
+              <a:t>suas</a:t>
+            </a:r>
+            <a:r>
+              <a:rPr lang="en-US" dirty="0"/>
+              <a:t> </a:t>
+            </a:r>
+            <a:r>
+              <a:rPr lang="en-US" dirty="0" err="1"/>
+              <a:t>destinações</a:t>
+            </a:r>
+            <a:r>
+              <a:rPr lang="en-US" dirty="0"/>
+              <a:t> e </a:t>
+            </a:r>
+            <a:r>
+              <a:rPr lang="en-US" dirty="0" err="1"/>
+              <a:t>os</a:t>
+            </a:r>
+            <a:r>
+              <a:rPr lang="en-US" dirty="0"/>
+              <a:t> </a:t>
+            </a:r>
+            <a:r>
+              <a:rPr lang="en-US" dirty="0" err="1"/>
+              <a:t>ecopontos</a:t>
+            </a:r>
+            <a:endParaRPr lang="en-US" dirty="0"/>
+          </a:p>
+          <a:p>
+            <a:pPr>
+              <a:buClr>
+                <a:srgbClr val="FFFFFF"/>
+              </a:buClr>
+            </a:pPr>
+            <a:r>
+              <a:rPr lang="en-US" dirty="0" err="1"/>
+              <a:t>Objetivo</a:t>
+            </a:r>
+            <a:r>
+              <a:rPr lang="en-US" dirty="0"/>
+              <a:t>: A </a:t>
+            </a:r>
+            <a:r>
+              <a:rPr lang="en-US" dirty="0" err="1"/>
+              <a:t>finalidade</a:t>
+            </a:r>
+            <a:r>
+              <a:rPr lang="en-US" dirty="0"/>
+              <a:t> do </a:t>
+            </a:r>
+            <a:r>
+              <a:rPr lang="en-US" dirty="0" err="1"/>
+              <a:t>trabalho</a:t>
+            </a:r>
+            <a:endParaRPr lang="en-US" dirty="0"/>
+          </a:p>
+          <a:p>
+            <a:pPr>
+              <a:buClr>
+                <a:srgbClr val="FFFFFF"/>
+              </a:buClr>
+            </a:pPr>
+            <a:r>
+              <a:rPr lang="en-US" dirty="0"/>
+              <a:t>Dados e </a:t>
+            </a:r>
+            <a:r>
+              <a:rPr lang="en-US" dirty="0" err="1"/>
+              <a:t>estatísticas</a:t>
+            </a:r>
+            <a:r>
+              <a:rPr lang="en-US" dirty="0"/>
+              <a:t> da </a:t>
+            </a:r>
+            <a:r>
+              <a:rPr lang="en-US" dirty="0" err="1"/>
+              <a:t>movimentação</a:t>
+            </a:r>
+            <a:r>
+              <a:rPr lang="en-US" dirty="0"/>
+              <a:t> e </a:t>
+            </a:r>
+            <a:r>
+              <a:rPr lang="en-US" dirty="0" err="1"/>
+              <a:t>disposição</a:t>
+            </a:r>
+            <a:r>
+              <a:rPr lang="en-US" dirty="0"/>
+              <a:t> dos </a:t>
+            </a:r>
+            <a:r>
+              <a:rPr lang="en-US" dirty="0" err="1"/>
+              <a:t>resíduos</a:t>
+            </a:r>
+            <a:r>
+              <a:rPr lang="en-US" dirty="0"/>
+              <a:t> </a:t>
+            </a:r>
+            <a:r>
+              <a:rPr lang="en-US" dirty="0" err="1"/>
+              <a:t>sólidos</a:t>
+            </a:r>
+            <a:r>
+              <a:rPr lang="en-US" dirty="0"/>
+              <a:t> </a:t>
+            </a:r>
+            <a:r>
+              <a:rPr lang="en-US" dirty="0" err="1"/>
+              <a:t>urbanos</a:t>
+            </a:r>
+            <a:r>
+              <a:rPr lang="en-US" dirty="0"/>
+              <a:t> no </a:t>
+            </a:r>
+            <a:r>
+              <a:rPr lang="en-US" dirty="0" err="1"/>
+              <a:t>Brasil</a:t>
+            </a:r>
+            <a:r>
+              <a:rPr lang="en-US" dirty="0"/>
+              <a:t> </a:t>
+            </a:r>
+            <a:r>
+              <a:rPr lang="en-US" dirty="0" err="1"/>
+              <a:t>em</a:t>
+            </a:r>
+            <a:r>
+              <a:rPr lang="en-US" dirty="0"/>
+              <a:t> 2020</a:t>
+            </a:r>
+          </a:p>
+          <a:p>
+            <a:pPr>
+              <a:buClr>
+                <a:srgbClr val="FFFFFF"/>
+              </a:buClr>
+            </a:pPr>
+            <a:r>
+              <a:rPr lang="en-US" dirty="0" err="1"/>
+              <a:t>Geometria</a:t>
+            </a:r>
+            <a:r>
+              <a:rPr lang="en-US" dirty="0"/>
+              <a:t> plana e </a:t>
+            </a:r>
+            <a:r>
+              <a:rPr lang="en-US" dirty="0" err="1"/>
+              <a:t>espacial</a:t>
+            </a:r>
+            <a:r>
+              <a:rPr lang="en-US" dirty="0"/>
+              <a:t>, e </a:t>
+            </a:r>
+            <a:r>
+              <a:rPr lang="en-US" dirty="0" err="1"/>
+              <a:t>suas</a:t>
+            </a:r>
+            <a:r>
+              <a:rPr lang="en-US" dirty="0"/>
+              <a:t> </a:t>
+            </a:r>
+            <a:r>
+              <a:rPr lang="en-US" dirty="0" err="1"/>
+              <a:t>funções</a:t>
+            </a:r>
+            <a:r>
+              <a:rPr lang="en-US" dirty="0"/>
+              <a:t> no </a:t>
+            </a:r>
+            <a:r>
+              <a:rPr lang="en-US" dirty="0" err="1"/>
+              <a:t>cálculo</a:t>
+            </a:r>
+            <a:r>
+              <a:rPr lang="en-US" dirty="0"/>
+              <a:t> </a:t>
+            </a:r>
+            <a:r>
+              <a:rPr lang="en-US" dirty="0" err="1"/>
+              <a:t>volumétrico</a:t>
+            </a:r>
+            <a:r>
+              <a:rPr lang="en-US" dirty="0"/>
+              <a:t> de </a:t>
+            </a:r>
+            <a:r>
+              <a:rPr lang="en-US" dirty="0" err="1"/>
+              <a:t>resíduos</a:t>
+            </a:r>
+            <a:r>
+              <a:rPr lang="en-US" dirty="0"/>
+              <a:t> </a:t>
+            </a:r>
+            <a:r>
+              <a:rPr lang="en-US" dirty="0" err="1"/>
+              <a:t>sólidos</a:t>
+            </a:r>
+            <a:endParaRPr lang="en-US" dirty="0"/>
+          </a:p>
+          <a:p>
+            <a:pPr>
+              <a:buClr>
+                <a:srgbClr val="FFFFFF"/>
+              </a:buClr>
+            </a:pPr>
+            <a:r>
+              <a:rPr lang="en-US" dirty="0" err="1"/>
+              <a:t>Medições</a:t>
+            </a:r>
+            <a:r>
+              <a:rPr lang="en-US" dirty="0"/>
+              <a:t>, </a:t>
+            </a:r>
+            <a:r>
+              <a:rPr lang="en-US" dirty="0" err="1"/>
+              <a:t>cálculos</a:t>
+            </a:r>
+            <a:r>
+              <a:rPr lang="en-US" dirty="0"/>
+              <a:t> e </a:t>
+            </a:r>
+            <a:r>
+              <a:rPr lang="en-US" dirty="0" err="1"/>
+              <a:t>resultados</a:t>
+            </a:r>
+            <a:endParaRPr lang="en-US" dirty="0"/>
+          </a:p>
+          <a:p>
+            <a:pPr>
+              <a:buClr>
+                <a:srgbClr val="FFFFFF"/>
+              </a:buClr>
+            </a:pPr>
+            <a:r>
+              <a:rPr lang="en-US" dirty="0" err="1"/>
+              <a:t>Conclusão</a:t>
+            </a:r>
+            <a:endParaRPr lang="en-US" dirty="0"/>
+          </a:p>
+        </p:txBody>
+      </p:sp>
+    </p:spTree>
+    <p:extLst>
+      <p:ext uri="{BB962C8B-B14F-4D97-AF65-F5344CB8AC3E}">
+        <p14:creationId xmlns:p14="http://schemas.microsoft.com/office/powerpoint/2010/main" val="3323885615"/>
+      </p:ext>
+    </p:extLst>
+  </p:cSld>
+  <p:clrMapOvr>
+    <a:masterClrMapping/>
+  </p:clrMapOvr>
+  <mc:AlternateContent xmlns:mc="http://schemas.openxmlformats.org/markup-compatibility/2006" xmlns:p14="http://schemas.microsoft.com/office/powerpoint/2010/main">
+    <mc:Choice Requires="p14">
+      <p:transition spd="slow" p14:dur="1250">
+        <p:pull/>
+      </p:transition>
+    </mc:Choice>
+    <mc:Fallback xmlns="">
+      <p:transition spd="slow">
+        <p:pull/>
+      </p:transition>
+    </mc:Fallback>
+  </mc:AlternateContent>
+</p:sld>
+</file>
+
+<file path=ppt/slides/slide30.xml><?xml version="1.0" encoding="utf-8"?>
 <p:sld xmlns:a="http://schemas.openxmlformats.org/drawingml/2006/main" xmlns:r="http://schemas.openxmlformats.org/officeDocument/2006/relationships" xmlns:p="http://schemas.openxmlformats.org/presentationml/2006/main">
   <p:cSld>
     <p:spTree>
@@ -23900,7 +22874,7 @@
 </p:sld>
 </file>
 
-<file path=ppt/slides/slide33.xml><?xml version="1.0" encoding="utf-8"?>
+<file path=ppt/slides/slide31.xml><?xml version="1.0" encoding="utf-8"?>
 <p:sld xmlns:a="http://schemas.openxmlformats.org/drawingml/2006/main" xmlns:r="http://schemas.openxmlformats.org/officeDocument/2006/relationships" xmlns:p="http://schemas.openxmlformats.org/presentationml/2006/main">
   <p:cSld>
     <p:spTree>
@@ -23972,7 +22946,7 @@
 </p:sld>
 </file>
 
-<file path=ppt/slides/slide34.xml><?xml version="1.0" encoding="utf-8"?>
+<file path=ppt/slides/slide32.xml><?xml version="1.0" encoding="utf-8"?>
 <p:sld xmlns:a="http://schemas.openxmlformats.org/drawingml/2006/main" xmlns:r="http://schemas.openxmlformats.org/officeDocument/2006/relationships" xmlns:p="http://schemas.openxmlformats.org/presentationml/2006/main">
   <p:cSld>
     <p:spTree>
@@ -24662,7 +23636,7 @@
 </p:sld>
 </file>
 
-<file path=ppt/slides/slide35.xml><?xml version="1.0" encoding="utf-8"?>
+<file path=ppt/slides/slide33.xml><?xml version="1.0" encoding="utf-8"?>
 <p:sld xmlns:a="http://schemas.openxmlformats.org/drawingml/2006/main" xmlns:r="http://schemas.openxmlformats.org/officeDocument/2006/relationships" xmlns:p="http://schemas.openxmlformats.org/presentationml/2006/main">
   <p:cSld>
     <p:spTree>
@@ -24885,7 +23859,7 @@
         <p:spPr/>
         <p:txBody>
           <a:bodyPr vert="horz" lIns="91440" tIns="45720" rIns="91440" bIns="45720" rtlCol="0" anchor="t">
-            <a:normAutofit fontScale="92500" lnSpcReduction="10000"/>
+            <a:normAutofit fontScale="85000" lnSpcReduction="10000"/>
           </a:bodyPr>
           <a:lstStyle/>
           <a:p>
@@ -25792,6 +24766,139 @@
                 <a:cs typeface="+mn-lt"/>
               </a:rPr>
               <a:t>. </a:t>
+            </a:r>
+            <a:r>
+              <a:rPr lang="en-US" dirty="0" err="1">
+                <a:ea typeface="+mn-lt"/>
+                <a:cs typeface="+mn-lt"/>
+              </a:rPr>
+              <a:t>Dentre</a:t>
+            </a:r>
+            <a:r>
+              <a:rPr lang="en-US" dirty="0">
+                <a:ea typeface="+mn-lt"/>
+                <a:cs typeface="+mn-lt"/>
+              </a:rPr>
+              <a:t> as </a:t>
+            </a:r>
+            <a:r>
+              <a:rPr lang="en-US" dirty="0" err="1">
+                <a:ea typeface="+mn-lt"/>
+                <a:cs typeface="+mn-lt"/>
+              </a:rPr>
+              <a:t>consequências</a:t>
+            </a:r>
+            <a:r>
+              <a:rPr lang="en-US" dirty="0">
+                <a:ea typeface="+mn-lt"/>
+                <a:cs typeface="+mn-lt"/>
+              </a:rPr>
+              <a:t> dessa </a:t>
+            </a:r>
+            <a:r>
+              <a:rPr lang="en-US" dirty="0" err="1">
+                <a:ea typeface="+mn-lt"/>
+                <a:cs typeface="+mn-lt"/>
+              </a:rPr>
+              <a:t>má</a:t>
+            </a:r>
+            <a:r>
+              <a:rPr lang="en-US" dirty="0">
+                <a:ea typeface="+mn-lt"/>
+                <a:cs typeface="+mn-lt"/>
+              </a:rPr>
+              <a:t> </a:t>
+            </a:r>
+            <a:r>
+              <a:rPr lang="en-US" dirty="0" err="1">
+                <a:ea typeface="+mn-lt"/>
+                <a:cs typeface="+mn-lt"/>
+              </a:rPr>
+              <a:t>destinação</a:t>
+            </a:r>
+            <a:r>
+              <a:rPr lang="en-US" dirty="0">
+                <a:ea typeface="+mn-lt"/>
+                <a:cs typeface="+mn-lt"/>
+              </a:rPr>
+              <a:t>, </a:t>
+            </a:r>
+            <a:r>
+              <a:rPr lang="en-US" dirty="0" err="1">
+                <a:ea typeface="+mn-lt"/>
+                <a:cs typeface="+mn-lt"/>
+              </a:rPr>
+              <a:t>cita</a:t>
+            </a:r>
+            <a:r>
+              <a:rPr lang="en-US" dirty="0">
+                <a:ea typeface="+mn-lt"/>
+                <a:cs typeface="+mn-lt"/>
+              </a:rPr>
+              <a:t>-se </a:t>
+            </a:r>
+            <a:r>
+              <a:rPr lang="en-US" dirty="0" err="1">
+                <a:ea typeface="+mn-lt"/>
+                <a:cs typeface="+mn-lt"/>
+              </a:rPr>
+              <a:t>aqui</a:t>
+            </a:r>
+            <a:r>
+              <a:rPr lang="en-US" dirty="0">
+                <a:ea typeface="+mn-lt"/>
+                <a:cs typeface="+mn-lt"/>
+              </a:rPr>
+              <a:t> a </a:t>
+            </a:r>
+            <a:r>
+              <a:rPr lang="en-US" dirty="0" err="1">
+                <a:ea typeface="+mn-lt"/>
+                <a:cs typeface="+mn-lt"/>
+              </a:rPr>
+              <a:t>proliferação</a:t>
+            </a:r>
+            <a:r>
+              <a:rPr lang="en-US" dirty="0">
+                <a:ea typeface="+mn-lt"/>
+                <a:cs typeface="+mn-lt"/>
+              </a:rPr>
+              <a:t> de </a:t>
+            </a:r>
+            <a:r>
+              <a:rPr lang="en-US" dirty="0" err="1">
+                <a:ea typeface="+mn-lt"/>
+                <a:cs typeface="+mn-lt"/>
+              </a:rPr>
+              <a:t>doenças</a:t>
+            </a:r>
+            <a:r>
+              <a:rPr lang="en-US" dirty="0">
+                <a:ea typeface="+mn-lt"/>
+                <a:cs typeface="+mn-lt"/>
+              </a:rPr>
+              <a:t> e a </a:t>
+            </a:r>
+            <a:r>
+              <a:rPr lang="en-US" dirty="0" err="1">
+                <a:ea typeface="+mn-lt"/>
+                <a:cs typeface="+mn-lt"/>
+              </a:rPr>
+              <a:t>poluição</a:t>
+            </a:r>
+            <a:r>
+              <a:rPr lang="en-US" dirty="0">
+                <a:ea typeface="+mn-lt"/>
+                <a:cs typeface="+mn-lt"/>
+              </a:rPr>
+              <a:t> </a:t>
+            </a:r>
+            <a:r>
+              <a:rPr lang="en-US" dirty="0" err="1">
+                <a:ea typeface="+mn-lt"/>
+                <a:cs typeface="+mn-lt"/>
+              </a:rPr>
+              <a:t>ambiental</a:t>
             </a:r>
             <a:endParaRPr lang="en-US" dirty="0"/>
           </a:p>
@@ -25823,744 +24930,6 @@
 </file>
 
 <file path=ppt/slides/slide5.xml><?xml version="1.0" encoding="utf-8"?>
-<p:sld xmlns:a="http://schemas.openxmlformats.org/drawingml/2006/main" xmlns:r="http://schemas.openxmlformats.org/officeDocument/2006/relationships" xmlns:p="http://schemas.openxmlformats.org/presentationml/2006/main">
-  <p:cSld>
-    <p:spTree>
-      <p:nvGrpSpPr>
-        <p:cNvPr id="1" name=""/>
-        <p:cNvGrpSpPr/>
-        <p:nvPr/>
-      </p:nvGrpSpPr>
-      <p:grpSpPr>
-        <a:xfrm>
-          <a:off x="0" y="0"/>
-          <a:ext cx="0" cy="0"/>
-          <a:chOff x="0" y="0"/>
-          <a:chExt cx="0" cy="0"/>
-        </a:xfrm>
-      </p:grpSpPr>
-      <p:sp>
-        <p:nvSpPr>
-          <p:cNvPr id="2" name="Title 1">
-            <a:extLst>
-              <a:ext uri="{FF2B5EF4-FFF2-40B4-BE49-F238E27FC236}">
-                <a16:creationId xmlns:a16="http://schemas.microsoft.com/office/drawing/2014/main" id="{40D011D1-F379-7D61-1857-D1A42AC18BE6}"/>
-              </a:ext>
-            </a:extLst>
-          </p:cNvPr>
-          <p:cNvSpPr>
-            <a:spLocks noGrp="1"/>
-          </p:cNvSpPr>
-          <p:nvPr>
-            <p:ph type="title"/>
-          </p:nvPr>
-        </p:nvSpPr>
-        <p:spPr/>
-        <p:txBody>
-          <a:bodyPr/>
-          <a:lstStyle/>
-          <a:p>
-            <a:r>
-              <a:rPr lang="en-US" b="1" dirty="0">
-                <a:cs typeface="Posterama"/>
-              </a:rPr>
-              <a:t>DESTINAÇÃO INADEQUADA</a:t>
-            </a:r>
-            <a:endParaRPr lang="en-US" b="1">
-              <a:cs typeface="Posterama"/>
-            </a:endParaRPr>
-          </a:p>
-        </p:txBody>
-      </p:sp>
-      <p:sp>
-        <p:nvSpPr>
-          <p:cNvPr id="3" name="Content Placeholder 2">
-            <a:extLst>
-              <a:ext uri="{FF2B5EF4-FFF2-40B4-BE49-F238E27FC236}">
-                <a16:creationId xmlns:a16="http://schemas.microsoft.com/office/drawing/2014/main" id="{D4F6BEED-795D-3725-CE73-24CE18B197F9}"/>
-              </a:ext>
-            </a:extLst>
-          </p:cNvPr>
-          <p:cNvSpPr>
-            <a:spLocks noGrp="1"/>
-          </p:cNvSpPr>
-          <p:nvPr>
-            <p:ph idx="1"/>
-          </p:nvPr>
-        </p:nvSpPr>
-        <p:spPr/>
-        <p:txBody>
-          <a:bodyPr vert="horz" lIns="91440" tIns="45720" rIns="91440" bIns="45720" rtlCol="0" anchor="t">
-            <a:normAutofit/>
-          </a:bodyPr>
-          <a:lstStyle/>
-          <a:p>
-            <a:r>
-              <a:rPr lang="en-US" dirty="0">
-                <a:ea typeface="+mn-lt"/>
-                <a:cs typeface="+mn-lt"/>
-              </a:rPr>
-              <a:t>Sem </a:t>
-            </a:r>
-            <a:r>
-              <a:rPr lang="en-US" dirty="0" err="1">
-                <a:ea typeface="+mn-lt"/>
-                <a:cs typeface="+mn-lt"/>
-              </a:rPr>
-              <a:t>destinação</a:t>
-            </a:r>
-            <a:r>
-              <a:rPr lang="en-US" dirty="0">
-                <a:ea typeface="+mn-lt"/>
-                <a:cs typeface="+mn-lt"/>
-              </a:rPr>
-              <a:t> </a:t>
-            </a:r>
-            <a:r>
-              <a:rPr lang="en-US" dirty="0" err="1">
-                <a:ea typeface="+mn-lt"/>
-                <a:cs typeface="+mn-lt"/>
-              </a:rPr>
-              <a:t>adequada</a:t>
-            </a:r>
-            <a:r>
-              <a:rPr lang="en-US" dirty="0">
-                <a:ea typeface="+mn-lt"/>
-                <a:cs typeface="+mn-lt"/>
-              </a:rPr>
-              <a:t>, </a:t>
-            </a:r>
-            <a:r>
-              <a:rPr lang="en-US" dirty="0" err="1">
-                <a:ea typeface="+mn-lt"/>
-                <a:cs typeface="+mn-lt"/>
-              </a:rPr>
-              <a:t>os</a:t>
-            </a:r>
-            <a:r>
-              <a:rPr lang="en-US" dirty="0">
-                <a:ea typeface="+mn-lt"/>
-                <a:cs typeface="+mn-lt"/>
-              </a:rPr>
-              <a:t> </a:t>
-            </a:r>
-            <a:r>
-              <a:rPr lang="en-US" dirty="0" err="1">
-                <a:ea typeface="+mn-lt"/>
-                <a:cs typeface="+mn-lt"/>
-              </a:rPr>
-              <a:t>resíduos</a:t>
-            </a:r>
-            <a:r>
-              <a:rPr lang="en-US" dirty="0">
-                <a:ea typeface="+mn-lt"/>
-                <a:cs typeface="+mn-lt"/>
-              </a:rPr>
-              <a:t> </a:t>
-            </a:r>
-            <a:r>
-              <a:rPr lang="en-US" dirty="0" err="1">
-                <a:ea typeface="+mn-lt"/>
-                <a:cs typeface="+mn-lt"/>
-              </a:rPr>
-              <a:t>sólidos</a:t>
-            </a:r>
-            <a:r>
-              <a:rPr lang="en-US" dirty="0">
-                <a:ea typeface="+mn-lt"/>
-                <a:cs typeface="+mn-lt"/>
-              </a:rPr>
-              <a:t> </a:t>
-            </a:r>
-            <a:r>
-              <a:rPr lang="en-US" dirty="0" err="1">
-                <a:ea typeface="+mn-lt"/>
-                <a:cs typeface="+mn-lt"/>
-              </a:rPr>
-              <a:t>tomam</a:t>
-            </a:r>
-            <a:r>
-              <a:rPr lang="en-US" dirty="0">
-                <a:ea typeface="+mn-lt"/>
-                <a:cs typeface="+mn-lt"/>
-              </a:rPr>
-              <a:t> </a:t>
-            </a:r>
-            <a:r>
-              <a:rPr lang="en-US" dirty="0" err="1">
-                <a:ea typeface="+mn-lt"/>
-                <a:cs typeface="+mn-lt"/>
-              </a:rPr>
-              <a:t>conta</a:t>
-            </a:r>
-            <a:r>
-              <a:rPr lang="en-US" dirty="0">
-                <a:ea typeface="+mn-lt"/>
-                <a:cs typeface="+mn-lt"/>
-              </a:rPr>
-              <a:t> dos </a:t>
-            </a:r>
-            <a:r>
-              <a:rPr lang="en-US" dirty="0" err="1">
-                <a:ea typeface="+mn-lt"/>
-                <a:cs typeface="+mn-lt"/>
-              </a:rPr>
-              <a:t>espaços</a:t>
-            </a:r>
-            <a:r>
-              <a:rPr lang="en-US" dirty="0">
-                <a:ea typeface="+mn-lt"/>
-                <a:cs typeface="+mn-lt"/>
-              </a:rPr>
-              <a:t> </a:t>
-            </a:r>
-            <a:r>
-              <a:rPr lang="en-US" dirty="0" err="1">
-                <a:ea typeface="+mn-lt"/>
-                <a:cs typeface="+mn-lt"/>
-              </a:rPr>
-              <a:t>urbanos</a:t>
-            </a:r>
-            <a:r>
-              <a:rPr lang="en-US" dirty="0">
-                <a:ea typeface="+mn-lt"/>
-                <a:cs typeface="+mn-lt"/>
-              </a:rPr>
-              <a:t>, </a:t>
-            </a:r>
-            <a:r>
-              <a:rPr lang="en-US" dirty="0" err="1">
-                <a:ea typeface="+mn-lt"/>
-                <a:cs typeface="+mn-lt"/>
-              </a:rPr>
-              <a:t>prejudicando</a:t>
-            </a:r>
-            <a:r>
-              <a:rPr lang="en-US" dirty="0">
-                <a:ea typeface="+mn-lt"/>
-                <a:cs typeface="+mn-lt"/>
-              </a:rPr>
-              <a:t> fortemente o </a:t>
-            </a:r>
-            <a:r>
-              <a:rPr lang="en-US" dirty="0" err="1">
-                <a:ea typeface="+mn-lt"/>
-                <a:cs typeface="+mn-lt"/>
-              </a:rPr>
-              <a:t>meio</a:t>
-            </a:r>
-            <a:r>
-              <a:rPr lang="en-US" dirty="0">
-                <a:ea typeface="+mn-lt"/>
-                <a:cs typeface="+mn-lt"/>
-              </a:rPr>
-              <a:t> </a:t>
-            </a:r>
-            <a:r>
-              <a:rPr lang="en-US" dirty="0" err="1">
-                <a:ea typeface="+mn-lt"/>
-                <a:cs typeface="+mn-lt"/>
-              </a:rPr>
-              <a:t>ambiente</a:t>
-            </a:r>
-            <a:r>
-              <a:rPr lang="en-US" dirty="0">
-                <a:ea typeface="+mn-lt"/>
-                <a:cs typeface="+mn-lt"/>
-              </a:rPr>
-              <a:t> e </a:t>
-            </a:r>
-            <a:r>
-              <a:rPr lang="en-US" dirty="0" err="1">
-                <a:ea typeface="+mn-lt"/>
-                <a:cs typeface="+mn-lt"/>
-              </a:rPr>
-              <a:t>proliferando</a:t>
-            </a:r>
-            <a:r>
-              <a:rPr lang="en-US" dirty="0">
-                <a:ea typeface="+mn-lt"/>
-                <a:cs typeface="+mn-lt"/>
-              </a:rPr>
-              <a:t> </a:t>
-            </a:r>
-            <a:r>
-              <a:rPr lang="en-US" dirty="0" err="1">
-                <a:ea typeface="+mn-lt"/>
-                <a:cs typeface="+mn-lt"/>
-              </a:rPr>
-              <a:t>doenças</a:t>
-            </a:r>
-            <a:r>
-              <a:rPr lang="en-US" dirty="0">
-                <a:ea typeface="+mn-lt"/>
-                <a:cs typeface="+mn-lt"/>
-              </a:rPr>
-              <a:t>, o que se </a:t>
-            </a:r>
-            <a:r>
-              <a:rPr lang="en-US" dirty="0" err="1">
-                <a:ea typeface="+mn-lt"/>
-                <a:cs typeface="+mn-lt"/>
-              </a:rPr>
-              <a:t>reflete</a:t>
-            </a:r>
-            <a:r>
-              <a:rPr lang="en-US" dirty="0">
-                <a:ea typeface="+mn-lt"/>
-                <a:cs typeface="+mn-lt"/>
-              </a:rPr>
-              <a:t> </a:t>
-            </a:r>
-            <a:r>
-              <a:rPr lang="en-US" dirty="0" err="1">
-                <a:ea typeface="+mn-lt"/>
-                <a:cs typeface="+mn-lt"/>
-              </a:rPr>
-              <a:t>nos</a:t>
-            </a:r>
-            <a:r>
-              <a:rPr lang="en-US" dirty="0">
-                <a:ea typeface="+mn-lt"/>
-                <a:cs typeface="+mn-lt"/>
-              </a:rPr>
-              <a:t> </a:t>
-            </a:r>
-            <a:r>
-              <a:rPr lang="en-US" dirty="0" err="1">
-                <a:ea typeface="+mn-lt"/>
-                <a:cs typeface="+mn-lt"/>
-              </a:rPr>
-              <a:t>indivíduos</a:t>
-            </a:r>
-            <a:r>
-              <a:rPr lang="en-US" dirty="0">
-                <a:ea typeface="+mn-lt"/>
-                <a:cs typeface="+mn-lt"/>
-              </a:rPr>
-              <a:t>, que </a:t>
-            </a:r>
-            <a:r>
-              <a:rPr lang="en-US" dirty="0" err="1">
-                <a:ea typeface="+mn-lt"/>
-                <a:cs typeface="+mn-lt"/>
-              </a:rPr>
-              <a:t>também</a:t>
-            </a:r>
-            <a:r>
-              <a:rPr lang="en-US" dirty="0">
-                <a:ea typeface="+mn-lt"/>
-                <a:cs typeface="+mn-lt"/>
-              </a:rPr>
-              <a:t> </a:t>
-            </a:r>
-            <a:r>
-              <a:rPr lang="en-US" dirty="0" err="1">
-                <a:ea typeface="+mn-lt"/>
-                <a:cs typeface="+mn-lt"/>
-              </a:rPr>
-              <a:t>são</a:t>
-            </a:r>
-            <a:r>
-              <a:rPr lang="en-US" dirty="0">
-                <a:ea typeface="+mn-lt"/>
-                <a:cs typeface="+mn-lt"/>
-              </a:rPr>
-              <a:t> </a:t>
-            </a:r>
-            <a:r>
-              <a:rPr lang="en-US" dirty="0" err="1">
-                <a:ea typeface="+mn-lt"/>
-                <a:cs typeface="+mn-lt"/>
-              </a:rPr>
-              <a:t>diretamente</a:t>
-            </a:r>
-            <a:r>
-              <a:rPr lang="en-US" dirty="0">
-                <a:ea typeface="+mn-lt"/>
-                <a:cs typeface="+mn-lt"/>
-              </a:rPr>
-              <a:t> </a:t>
-            </a:r>
-            <a:r>
-              <a:rPr lang="en-US" dirty="0" err="1">
-                <a:ea typeface="+mn-lt"/>
-                <a:cs typeface="+mn-lt"/>
-              </a:rPr>
-              <a:t>afetados</a:t>
-            </a:r>
-            <a:r>
-              <a:rPr lang="en-US" dirty="0">
-                <a:ea typeface="+mn-lt"/>
-                <a:cs typeface="+mn-lt"/>
-              </a:rPr>
-              <a:t> </a:t>
-            </a:r>
-            <a:r>
-              <a:rPr lang="en-US" dirty="0" err="1">
-                <a:ea typeface="+mn-lt"/>
-                <a:cs typeface="+mn-lt"/>
-              </a:rPr>
-              <a:t>neste</a:t>
-            </a:r>
-            <a:r>
-              <a:rPr lang="en-US" dirty="0">
-                <a:ea typeface="+mn-lt"/>
-                <a:cs typeface="+mn-lt"/>
-              </a:rPr>
-              <a:t> </a:t>
-            </a:r>
-            <a:r>
-              <a:rPr lang="en-US" dirty="0" err="1">
-                <a:ea typeface="+mn-lt"/>
-                <a:cs typeface="+mn-lt"/>
-              </a:rPr>
-              <a:t>ciclo</a:t>
-            </a:r>
-            <a:r>
-              <a:rPr lang="en-US" dirty="0">
-                <a:ea typeface="+mn-lt"/>
-                <a:cs typeface="+mn-lt"/>
-              </a:rPr>
-              <a:t>. </a:t>
-            </a:r>
-            <a:r>
-              <a:rPr lang="en-US" dirty="0" err="1">
-                <a:ea typeface="+mn-lt"/>
-                <a:cs typeface="+mn-lt"/>
-              </a:rPr>
-              <a:t>Além</a:t>
-            </a:r>
-            <a:r>
-              <a:rPr lang="en-US" dirty="0">
-                <a:ea typeface="+mn-lt"/>
-                <a:cs typeface="+mn-lt"/>
-              </a:rPr>
-              <a:t> </a:t>
-            </a:r>
-            <a:r>
-              <a:rPr lang="en-US" dirty="0" err="1">
-                <a:ea typeface="+mn-lt"/>
-                <a:cs typeface="+mn-lt"/>
-              </a:rPr>
-              <a:t>disso</a:t>
-            </a:r>
-            <a:r>
-              <a:rPr lang="en-US" dirty="0">
-                <a:ea typeface="+mn-lt"/>
-                <a:cs typeface="+mn-lt"/>
-              </a:rPr>
-              <a:t>, </a:t>
-            </a:r>
-            <a:r>
-              <a:rPr lang="en-US" dirty="0" err="1">
-                <a:ea typeface="+mn-lt"/>
-                <a:cs typeface="+mn-lt"/>
-              </a:rPr>
-              <a:t>acaba</a:t>
-            </a:r>
-            <a:r>
-              <a:rPr lang="en-US" dirty="0">
-                <a:ea typeface="+mn-lt"/>
-                <a:cs typeface="+mn-lt"/>
-              </a:rPr>
-              <a:t> </a:t>
-            </a:r>
-            <a:r>
-              <a:rPr lang="en-US" dirty="0" err="1">
-                <a:ea typeface="+mn-lt"/>
-                <a:cs typeface="+mn-lt"/>
-              </a:rPr>
-              <a:t>causando</a:t>
-            </a:r>
-            <a:r>
-              <a:rPr lang="en-US" dirty="0">
-                <a:ea typeface="+mn-lt"/>
-                <a:cs typeface="+mn-lt"/>
-              </a:rPr>
-              <a:t> a </a:t>
-            </a:r>
-            <a:r>
-              <a:rPr lang="en-US" dirty="0" err="1">
-                <a:ea typeface="+mn-lt"/>
-                <a:cs typeface="+mn-lt"/>
-              </a:rPr>
-              <a:t>dependência</a:t>
-            </a:r>
-            <a:r>
-              <a:rPr lang="en-US" dirty="0">
-                <a:ea typeface="+mn-lt"/>
-                <a:cs typeface="+mn-lt"/>
-              </a:rPr>
-              <a:t> </a:t>
-            </a:r>
-            <a:r>
-              <a:rPr lang="en-US" dirty="0" err="1">
-                <a:ea typeface="+mn-lt"/>
-                <a:cs typeface="+mn-lt"/>
-              </a:rPr>
-              <a:t>financeira</a:t>
-            </a:r>
-            <a:r>
-              <a:rPr lang="en-US" dirty="0">
-                <a:ea typeface="+mn-lt"/>
-                <a:cs typeface="+mn-lt"/>
-              </a:rPr>
-              <a:t> de </a:t>
-            </a:r>
-            <a:r>
-              <a:rPr lang="en-US" dirty="0" err="1">
-                <a:ea typeface="+mn-lt"/>
-                <a:cs typeface="+mn-lt"/>
-              </a:rPr>
-              <a:t>muitas</a:t>
-            </a:r>
-            <a:r>
-              <a:rPr lang="en-US" dirty="0">
-                <a:ea typeface="+mn-lt"/>
-                <a:cs typeface="+mn-lt"/>
-              </a:rPr>
-              <a:t> </a:t>
-            </a:r>
-            <a:r>
-              <a:rPr lang="en-US" dirty="0" err="1">
-                <a:ea typeface="+mn-lt"/>
-                <a:cs typeface="+mn-lt"/>
-              </a:rPr>
-              <a:t>pessoas</a:t>
-            </a:r>
-            <a:r>
-              <a:rPr lang="en-US" dirty="0">
-                <a:ea typeface="+mn-lt"/>
-                <a:cs typeface="+mn-lt"/>
-              </a:rPr>
-              <a:t> de </a:t>
-            </a:r>
-            <a:r>
-              <a:rPr lang="en-US" dirty="0" err="1">
-                <a:ea typeface="+mn-lt"/>
-                <a:cs typeface="+mn-lt"/>
-              </a:rPr>
-              <a:t>baixa</a:t>
-            </a:r>
-            <a:r>
-              <a:rPr lang="en-US" dirty="0">
-                <a:ea typeface="+mn-lt"/>
-                <a:cs typeface="+mn-lt"/>
-              </a:rPr>
-              <a:t> </a:t>
-            </a:r>
-            <a:r>
-              <a:rPr lang="en-US" dirty="0" err="1">
-                <a:ea typeface="+mn-lt"/>
-                <a:cs typeface="+mn-lt"/>
-              </a:rPr>
-              <a:t>renda</a:t>
-            </a:r>
-            <a:r>
-              <a:rPr lang="en-US" dirty="0">
-                <a:ea typeface="+mn-lt"/>
-                <a:cs typeface="+mn-lt"/>
-              </a:rPr>
-              <a:t> </a:t>
-            </a:r>
-            <a:r>
-              <a:rPr lang="en-US" dirty="0" err="1">
-                <a:ea typeface="+mn-lt"/>
-                <a:cs typeface="+mn-lt"/>
-              </a:rPr>
-              <a:t>nos</a:t>
-            </a:r>
-            <a:r>
-              <a:rPr lang="en-US" dirty="0">
-                <a:ea typeface="+mn-lt"/>
-                <a:cs typeface="+mn-lt"/>
-              </a:rPr>
-              <a:t> </a:t>
-            </a:r>
-            <a:r>
-              <a:rPr lang="en-US" dirty="0" err="1">
-                <a:ea typeface="+mn-lt"/>
-                <a:cs typeface="+mn-lt"/>
-              </a:rPr>
-              <a:t>lixões</a:t>
-            </a:r>
-            <a:r>
-              <a:rPr lang="en-US" dirty="0">
-                <a:ea typeface="+mn-lt"/>
-                <a:cs typeface="+mn-lt"/>
-              </a:rPr>
-              <a:t>, e </a:t>
-            </a:r>
-            <a:r>
-              <a:rPr lang="en-US" dirty="0" err="1">
-                <a:ea typeface="+mn-lt"/>
-                <a:cs typeface="+mn-lt"/>
-              </a:rPr>
-              <a:t>estas</a:t>
-            </a:r>
-            <a:r>
-              <a:rPr lang="en-US" dirty="0">
-                <a:ea typeface="+mn-lt"/>
-                <a:cs typeface="+mn-lt"/>
-              </a:rPr>
-              <a:t> </a:t>
-            </a:r>
-            <a:r>
-              <a:rPr lang="en-US" dirty="0" err="1">
-                <a:ea typeface="+mn-lt"/>
-                <a:cs typeface="+mn-lt"/>
-              </a:rPr>
-              <a:t>têm</a:t>
-            </a:r>
-            <a:r>
-              <a:rPr lang="en-US" dirty="0">
-                <a:ea typeface="+mn-lt"/>
-                <a:cs typeface="+mn-lt"/>
-              </a:rPr>
-              <a:t> de </a:t>
-            </a:r>
-            <a:r>
-              <a:rPr lang="en-US" dirty="0" err="1">
-                <a:ea typeface="+mn-lt"/>
-                <a:cs typeface="+mn-lt"/>
-              </a:rPr>
-              <a:t>suportar</a:t>
-            </a:r>
-            <a:r>
-              <a:rPr lang="en-US" dirty="0">
-                <a:ea typeface="+mn-lt"/>
-                <a:cs typeface="+mn-lt"/>
-              </a:rPr>
-              <a:t> </a:t>
-            </a:r>
-            <a:r>
-              <a:rPr lang="en-US" dirty="0" err="1">
-                <a:ea typeface="+mn-lt"/>
-                <a:cs typeface="+mn-lt"/>
-              </a:rPr>
-              <a:t>condições</a:t>
-            </a:r>
-            <a:r>
-              <a:rPr lang="en-US" dirty="0">
-                <a:ea typeface="+mn-lt"/>
-                <a:cs typeface="+mn-lt"/>
-              </a:rPr>
-              <a:t> </a:t>
-            </a:r>
-            <a:r>
-              <a:rPr lang="en-US" dirty="0" err="1">
-                <a:ea typeface="+mn-lt"/>
-                <a:cs typeface="+mn-lt"/>
-              </a:rPr>
-              <a:t>precárias</a:t>
-            </a:r>
-            <a:r>
-              <a:rPr lang="en-US" dirty="0">
-                <a:ea typeface="+mn-lt"/>
-                <a:cs typeface="+mn-lt"/>
-              </a:rPr>
-              <a:t> </a:t>
-            </a:r>
-            <a:r>
-              <a:rPr lang="en-US" dirty="0" err="1">
-                <a:ea typeface="+mn-lt"/>
-                <a:cs typeface="+mn-lt"/>
-              </a:rPr>
-              <a:t>em</a:t>
-            </a:r>
-            <a:r>
-              <a:rPr lang="en-US" dirty="0">
-                <a:ea typeface="+mn-lt"/>
-                <a:cs typeface="+mn-lt"/>
-              </a:rPr>
-              <a:t> </a:t>
-            </a:r>
-            <a:r>
-              <a:rPr lang="en-US" dirty="0" err="1">
-                <a:ea typeface="+mn-lt"/>
-                <a:cs typeface="+mn-lt"/>
-              </a:rPr>
-              <a:t>troca</a:t>
-            </a:r>
-            <a:r>
-              <a:rPr lang="en-US" dirty="0">
-                <a:ea typeface="+mn-lt"/>
-                <a:cs typeface="+mn-lt"/>
-              </a:rPr>
-              <a:t> de um </a:t>
-            </a:r>
-            <a:r>
-              <a:rPr lang="en-US" dirty="0" err="1">
-                <a:ea typeface="+mn-lt"/>
-                <a:cs typeface="+mn-lt"/>
-              </a:rPr>
-              <a:t>pouco</a:t>
-            </a:r>
-            <a:r>
-              <a:rPr lang="en-US" dirty="0">
-                <a:ea typeface="+mn-lt"/>
-                <a:cs typeface="+mn-lt"/>
-              </a:rPr>
-              <a:t> de </a:t>
-            </a:r>
-            <a:r>
-              <a:rPr lang="en-US" dirty="0" err="1">
-                <a:ea typeface="+mn-lt"/>
-                <a:cs typeface="+mn-lt"/>
-              </a:rPr>
-              <a:t>dinheiro</a:t>
-            </a:r>
-            <a:r>
-              <a:rPr lang="en-US" dirty="0">
-                <a:ea typeface="+mn-lt"/>
-                <a:cs typeface="+mn-lt"/>
-              </a:rPr>
-              <a:t> para </a:t>
-            </a:r>
-            <a:r>
-              <a:rPr lang="en-US" dirty="0" err="1">
-                <a:ea typeface="+mn-lt"/>
-                <a:cs typeface="+mn-lt"/>
-              </a:rPr>
-              <a:t>sustento</a:t>
-            </a:r>
-            <a:r>
-              <a:rPr lang="en-US" dirty="0">
-                <a:ea typeface="+mn-lt"/>
-                <a:cs typeface="+mn-lt"/>
-              </a:rPr>
-              <a:t>. </a:t>
-            </a:r>
-          </a:p>
-        </p:txBody>
-      </p:sp>
-    </p:spTree>
-    <p:extLst>
-      <p:ext uri="{BB962C8B-B14F-4D97-AF65-F5344CB8AC3E}">
-        <p14:creationId xmlns:p14="http://schemas.microsoft.com/office/powerpoint/2010/main" val="762042697"/>
-      </p:ext>
-    </p:extLst>
-  </p:cSld>
-  <p:clrMapOvr>
-    <a:masterClrMapping/>
-  </p:clrMapOvr>
-  <mc:AlternateContent xmlns:mc="http://schemas.openxmlformats.org/markup-compatibility/2006" xmlns:p14="http://schemas.microsoft.com/office/powerpoint/2010/main">
-    <mc:Choice Requires="p14">
-      <p:transition spd="slow" p14:dur="1250">
-        <p:pull/>
-      </p:transition>
-    </mc:Choice>
-    <mc:Fallback xmlns="">
-      <p:transition spd="slow">
-        <p:pull/>
-      </p:transition>
-    </mc:Fallback>
-  </mc:AlternateContent>
-</p:sld>
-</file>
-
-<file path=ppt/slides/slide6.xml><?xml version="1.0" encoding="utf-8"?>
 <p:sld xmlns:a="http://schemas.openxmlformats.org/drawingml/2006/main" xmlns:r="http://schemas.openxmlformats.org/officeDocument/2006/relationships" xmlns:p="http://schemas.openxmlformats.org/presentationml/2006/main">
   <p:cSld>
     <p:spTree>
@@ -26759,7 +25128,7 @@
 </p:sld>
 </file>
 
-<file path=ppt/slides/slide7.xml><?xml version="1.0" encoding="utf-8"?>
+<file path=ppt/slides/slide6.xml><?xml version="1.0" encoding="utf-8"?>
 <p:sld xmlns:a="http://schemas.openxmlformats.org/drawingml/2006/main" xmlns:r="http://schemas.openxmlformats.org/officeDocument/2006/relationships" xmlns:p="http://schemas.openxmlformats.org/presentationml/2006/main">
   <p:cSld>
     <p:spTree>
@@ -26848,7 +25217,7 @@
               <a:t>Uma </a:t>
             </a:r>
             <a:r>
-              <a:rPr lang="en-US" err="1">
+              <a:rPr lang="en-US" dirty="0" err="1">
                 <a:solidFill>
                   <a:schemeClr val="bg1"/>
                 </a:solidFill>
@@ -26868,7 +25237,7 @@
               <a:t> </a:t>
             </a:r>
             <a:r>
-              <a:rPr lang="en-US" err="1">
+              <a:rPr lang="en-US" dirty="0" err="1">
                 <a:solidFill>
                   <a:schemeClr val="bg1"/>
                 </a:solidFill>
@@ -26888,7 +25257,7 @@
               <a:t> e a </a:t>
             </a:r>
             <a:r>
-              <a:rPr lang="en-US" err="1">
+              <a:rPr lang="en-US" dirty="0" err="1">
                 <a:solidFill>
                   <a:schemeClr val="bg1"/>
                 </a:solidFill>
@@ -26908,7 +25277,7 @@
               <a:t> </a:t>
             </a:r>
             <a:r>
-              <a:rPr lang="en-US" err="1">
+              <a:rPr lang="en-US" dirty="0" err="1">
                 <a:solidFill>
                   <a:schemeClr val="bg1"/>
                 </a:solidFill>
@@ -26928,7 +25297,7 @@
               <a:t> </a:t>
             </a:r>
             <a:r>
-              <a:rPr lang="en-US" err="1">
+              <a:rPr lang="en-US" dirty="0" err="1">
                 <a:solidFill>
                   <a:schemeClr val="bg1"/>
                 </a:solidFill>
@@ -26948,7 +25317,7 @@
               <a:t> </a:t>
             </a:r>
             <a:r>
-              <a:rPr lang="en-US" err="1">
+              <a:rPr lang="en-US" dirty="0" err="1">
                 <a:solidFill>
                   <a:schemeClr val="bg1"/>
                 </a:solidFill>
@@ -26968,7 +25337,7 @@
               <a:t> a </a:t>
             </a:r>
             <a:r>
-              <a:rPr lang="en-US" err="1">
+              <a:rPr lang="en-US" dirty="0" err="1">
                 <a:solidFill>
                   <a:schemeClr val="bg1"/>
                 </a:solidFill>
@@ -26988,7 +25357,7 @@
               <a:t> </a:t>
             </a:r>
             <a:r>
-              <a:rPr lang="en-US" err="1">
+              <a:rPr lang="en-US" dirty="0" err="1">
                 <a:solidFill>
                   <a:schemeClr val="bg1"/>
                 </a:solidFill>
@@ -27008,7 +25377,7 @@
               <a:t> para </a:t>
             </a:r>
             <a:r>
-              <a:rPr lang="en-US" err="1">
+              <a:rPr lang="en-US" dirty="0" err="1">
                 <a:solidFill>
                   <a:schemeClr val="bg1"/>
                 </a:solidFill>
@@ -27028,7 +25397,7 @@
               <a:t> </a:t>
             </a:r>
             <a:r>
-              <a:rPr lang="en-US" err="1">
+              <a:rPr lang="en-US" dirty="0" err="1">
                 <a:solidFill>
                   <a:schemeClr val="bg1"/>
                 </a:solidFill>
@@ -27048,7 +25417,7 @@
               <a:t> </a:t>
             </a:r>
             <a:r>
-              <a:rPr lang="en-US" err="1">
+              <a:rPr lang="en-US" dirty="0" err="1">
                 <a:solidFill>
                   <a:schemeClr val="bg1"/>
                 </a:solidFill>
@@ -27068,7 +25437,7 @@
               <a:t>. </a:t>
             </a:r>
             <a:r>
-              <a:rPr lang="en-US" err="1">
+              <a:rPr lang="en-US" dirty="0" err="1">
                 <a:solidFill>
                   <a:schemeClr val="bg1"/>
                 </a:solidFill>
@@ -27088,7 +25457,7 @@
               <a:t> RSU </a:t>
             </a:r>
             <a:r>
-              <a:rPr lang="en-US" err="1">
+              <a:rPr lang="en-US" dirty="0" err="1">
                 <a:solidFill>
                   <a:schemeClr val="bg1"/>
                 </a:solidFill>
@@ -27108,7 +25477,7 @@
               <a:t> </a:t>
             </a:r>
             <a:r>
-              <a:rPr lang="en-US" err="1">
+              <a:rPr lang="en-US" dirty="0" err="1">
                 <a:solidFill>
                   <a:schemeClr val="bg1"/>
                 </a:solidFill>
@@ -27128,7 +25497,7 @@
               <a:t> </a:t>
             </a:r>
             <a:r>
-              <a:rPr lang="en-US" err="1">
+              <a:rPr lang="en-US" dirty="0" err="1">
                 <a:solidFill>
                   <a:schemeClr val="bg1"/>
                 </a:solidFill>
@@ -27148,7 +25517,7 @@
               <a:t> </a:t>
             </a:r>
             <a:r>
-              <a:rPr lang="en-US" err="1">
+              <a:rPr lang="en-US" dirty="0" err="1">
                 <a:solidFill>
                   <a:schemeClr val="bg1"/>
                 </a:solidFill>
@@ -27168,7 +25537,7 @@
               <a:t> </a:t>
             </a:r>
             <a:r>
-              <a:rPr lang="en-US" err="1">
+              <a:rPr lang="en-US" dirty="0" err="1">
                 <a:solidFill>
                   <a:schemeClr val="bg1"/>
                 </a:solidFill>
@@ -27188,7 +25557,7 @@
               <a:t> de </a:t>
             </a:r>
             <a:r>
-              <a:rPr lang="en-US" err="1">
+              <a:rPr lang="en-US" dirty="0" err="1">
                 <a:solidFill>
                   <a:schemeClr val="bg1"/>
                 </a:solidFill>
@@ -27208,7 +25577,7 @@
               <a:t> </a:t>
             </a:r>
             <a:r>
-              <a:rPr lang="en-US" err="1">
+              <a:rPr lang="en-US" dirty="0" err="1">
                 <a:solidFill>
                   <a:schemeClr val="bg1"/>
                 </a:solidFill>
@@ -27228,7 +25597,7 @@
               <a:t> um </a:t>
             </a:r>
             <a:r>
-              <a:rPr lang="en-US" err="1">
+              <a:rPr lang="en-US" dirty="0" err="1">
                 <a:solidFill>
                   <a:schemeClr val="bg1"/>
                 </a:solidFill>
@@ -27248,7 +25617,7 @@
               <a:t> de vista industrial, mas </a:t>
             </a:r>
             <a:r>
-              <a:rPr lang="en-US" err="1">
+              <a:rPr lang="en-US" dirty="0" err="1">
                 <a:solidFill>
                   <a:schemeClr val="bg1"/>
                 </a:solidFill>
@@ -27268,7 +25637,7 @@
               <a:t> </a:t>
             </a:r>
             <a:r>
-              <a:rPr lang="en-US" err="1">
+              <a:rPr lang="en-US" dirty="0" err="1">
                 <a:solidFill>
                   <a:schemeClr val="bg1"/>
                 </a:solidFill>
@@ -27288,7 +25657,7 @@
               <a:t> </a:t>
             </a:r>
             <a:r>
-              <a:rPr lang="en-US" err="1">
+              <a:rPr lang="en-US" dirty="0" err="1">
                 <a:solidFill>
                   <a:schemeClr val="bg1"/>
                 </a:solidFill>
@@ -27308,7 +25677,7 @@
               <a:t> </a:t>
             </a:r>
             <a:r>
-              <a:rPr lang="en-US" err="1">
+              <a:rPr lang="en-US" dirty="0" err="1">
                 <a:solidFill>
                   <a:schemeClr val="bg1"/>
                 </a:solidFill>
@@ -27328,7 +25697,7 @@
               <a:t> </a:t>
             </a:r>
             <a:r>
-              <a:rPr lang="en-US" err="1">
+              <a:rPr lang="en-US" dirty="0" err="1">
                 <a:solidFill>
                   <a:schemeClr val="bg1"/>
                 </a:solidFill>
@@ -27348,7 +25717,7 @@
               <a:t> </a:t>
             </a:r>
             <a:r>
-              <a:rPr lang="en-US" err="1">
+              <a:rPr lang="en-US" dirty="0" err="1">
                 <a:solidFill>
                   <a:schemeClr val="bg1"/>
                 </a:solidFill>
@@ -27368,7 +25737,7 @@
               <a:t> </a:t>
             </a:r>
             <a:r>
-              <a:rPr lang="en-US" err="1">
+              <a:rPr lang="en-US" dirty="0" err="1">
                 <a:solidFill>
                   <a:schemeClr val="bg1"/>
                 </a:solidFill>
@@ -27388,7 +25757,7 @@
               <a:t> </a:t>
             </a:r>
             <a:r>
-              <a:rPr lang="en-US" err="1">
+              <a:rPr lang="en-US" dirty="0" err="1">
                 <a:solidFill>
                   <a:schemeClr val="bg1"/>
                 </a:solidFill>
@@ -27408,7 +25777,7 @@
               <a:t> </a:t>
             </a:r>
             <a:r>
-              <a:rPr lang="en-US" err="1">
+              <a:rPr lang="en-US" dirty="0" err="1">
                 <a:solidFill>
                   <a:schemeClr val="bg1"/>
                 </a:solidFill>
@@ -27428,7 +25797,7 @@
               <a:t> </a:t>
             </a:r>
             <a:r>
-              <a:rPr lang="en-US" err="1">
+              <a:rPr lang="en-US" dirty="0" err="1">
                 <a:solidFill>
                   <a:schemeClr val="bg1"/>
                 </a:solidFill>
@@ -27448,7 +25817,7 @@
               <a:t> no </a:t>
             </a:r>
             <a:r>
-              <a:rPr lang="en-US" err="1">
+              <a:rPr lang="en-US" dirty="0" err="1">
                 <a:solidFill>
                   <a:schemeClr val="bg1"/>
                 </a:solidFill>
@@ -27468,7 +25837,7 @@
               <a:t>, o que, </a:t>
             </a:r>
             <a:r>
-              <a:rPr lang="en-US" err="1">
+              <a:rPr lang="en-US" dirty="0" err="1">
                 <a:solidFill>
                   <a:schemeClr val="bg1"/>
                 </a:solidFill>
@@ -27488,7 +25857,7 @@
               <a:t> </a:t>
             </a:r>
             <a:r>
-              <a:rPr lang="en-US" err="1">
+              <a:rPr lang="en-US" dirty="0" err="1">
                 <a:solidFill>
                   <a:schemeClr val="bg1"/>
                 </a:solidFill>
@@ -27508,7 +25877,7 @@
               <a:t> </a:t>
             </a:r>
             <a:r>
-              <a:rPr lang="en-US" err="1">
+              <a:rPr lang="en-US" dirty="0" err="1">
                 <a:solidFill>
                   <a:schemeClr val="bg1"/>
                 </a:solidFill>
@@ -27528,7 +25897,7 @@
               <a:t> </a:t>
             </a:r>
             <a:r>
-              <a:rPr lang="en-US" err="1">
+              <a:rPr lang="en-US" dirty="0" err="1">
                 <a:solidFill>
                   <a:schemeClr val="bg1"/>
                 </a:solidFill>
@@ -27548,7 +25917,7 @@
               <a:t> </a:t>
             </a:r>
             <a:r>
-              <a:rPr lang="en-US" err="1">
+              <a:rPr lang="en-US" dirty="0" err="1">
                 <a:solidFill>
                   <a:schemeClr val="bg1"/>
                 </a:solidFill>
@@ -27568,7 +25937,7 @@
               <a:t> </a:t>
             </a:r>
             <a:r>
-              <a:rPr lang="en-US" err="1">
+              <a:rPr lang="en-US" dirty="0" err="1">
                 <a:solidFill>
                   <a:schemeClr val="bg1"/>
                 </a:solidFill>
@@ -27588,7 +25957,7 @@
               <a:t> </a:t>
             </a:r>
             <a:r>
-              <a:rPr lang="en-US" err="1">
+              <a:rPr lang="en-US" dirty="0" err="1">
                 <a:solidFill>
                   <a:schemeClr val="bg1"/>
                 </a:solidFill>
@@ -27608,7 +25977,7 @@
               <a:t> </a:t>
             </a:r>
             <a:r>
-              <a:rPr lang="en-US" err="1">
+              <a:rPr lang="en-US" dirty="0" err="1">
                 <a:solidFill>
                   <a:schemeClr val="bg1"/>
                 </a:solidFill>
@@ -27628,7 +25997,7 @@
               <a:t>, mas </a:t>
             </a:r>
             <a:r>
-              <a:rPr lang="en-US" err="1">
+              <a:rPr lang="en-US" dirty="0" err="1">
                 <a:solidFill>
                   <a:schemeClr val="bg1"/>
                 </a:solidFill>
@@ -27648,7 +26017,7 @@
               <a:t> </a:t>
             </a:r>
             <a:r>
-              <a:rPr lang="en-US" err="1">
+              <a:rPr lang="en-US" dirty="0" err="1">
                 <a:solidFill>
                   <a:schemeClr val="bg1"/>
                 </a:solidFill>
@@ -27668,7 +26037,7 @@
               <a:t> a </a:t>
             </a:r>
             <a:r>
-              <a:rPr lang="en-US" err="1">
+              <a:rPr lang="en-US" dirty="0" err="1">
                 <a:solidFill>
                   <a:schemeClr val="bg1"/>
                 </a:solidFill>
@@ -27688,7 +26057,7 @@
               <a:t> </a:t>
             </a:r>
             <a:r>
-              <a:rPr lang="en-US" err="1">
+              <a:rPr lang="en-US" dirty="0" err="1">
                 <a:solidFill>
                   <a:schemeClr val="bg1"/>
                 </a:solidFill>
@@ -27708,7 +26077,7 @@
               <a:t> da </a:t>
             </a:r>
             <a:r>
-              <a:rPr lang="en-US" err="1">
+              <a:rPr lang="en-US" dirty="0" err="1">
                 <a:solidFill>
                   <a:schemeClr val="bg1"/>
                 </a:solidFill>
@@ -27727,7 +26096,7 @@
               </a:rPr>
               <a:t>.</a:t>
             </a:r>
-            <a:endParaRPr lang="en-US">
+            <a:endParaRPr lang="en-US" dirty="0">
               <a:solidFill>
                 <a:schemeClr val="bg1"/>
               </a:solidFill>
@@ -27740,7 +26109,7 @@
               </a:buClr>
             </a:pPr>
             <a:r>
-              <a:rPr lang="en-US" err="1">
+              <a:rPr lang="en-US" dirty="0" err="1">
                 <a:solidFill>
                   <a:schemeClr val="bg1"/>
                 </a:solidFill>
@@ -27760,7 +26129,7 @@
               <a:t> </a:t>
             </a:r>
             <a:r>
-              <a:rPr lang="en-US" err="1">
+              <a:rPr lang="en-US" dirty="0" err="1">
                 <a:solidFill>
                   <a:schemeClr val="bg1"/>
                 </a:solidFill>
@@ -27780,7 +26149,7 @@
               <a:t> </a:t>
             </a:r>
             <a:r>
-              <a:rPr lang="en-US" err="1">
+              <a:rPr lang="en-US" dirty="0" err="1">
                 <a:solidFill>
                   <a:schemeClr val="bg1"/>
                 </a:solidFill>
@@ -27800,7 +26169,7 @@
               <a:t> </a:t>
             </a:r>
             <a:r>
-              <a:rPr lang="en-US" err="1">
+              <a:rPr lang="en-US" dirty="0" err="1">
                 <a:solidFill>
                   <a:schemeClr val="bg1"/>
                 </a:solidFill>
@@ -27820,7 +26189,7 @@
               <a:t> das </a:t>
             </a:r>
             <a:r>
-              <a:rPr lang="en-US" err="1">
+              <a:rPr lang="en-US" dirty="0" err="1">
                 <a:solidFill>
                   <a:schemeClr val="bg1"/>
                 </a:solidFill>
@@ -27840,7 +26209,7 @@
               <a:t> </a:t>
             </a:r>
             <a:r>
-              <a:rPr lang="en-US" err="1">
+              <a:rPr lang="en-US" dirty="0" err="1">
                 <a:solidFill>
                   <a:schemeClr val="bg1"/>
                 </a:solidFill>
@@ -27860,7 +26229,7 @@
               <a:t> para o </a:t>
             </a:r>
             <a:r>
-              <a:rPr lang="en-US" err="1">
+              <a:rPr lang="en-US" dirty="0" err="1">
                 <a:solidFill>
                   <a:schemeClr val="bg1"/>
                 </a:solidFill>
@@ -27880,7 +26249,7 @@
               <a:t> da </a:t>
             </a:r>
             <a:r>
-              <a:rPr lang="en-US" err="1">
+              <a:rPr lang="en-US" dirty="0" err="1">
                 <a:solidFill>
                   <a:schemeClr val="bg1"/>
                 </a:solidFill>
@@ -27900,7 +26269,7 @@
               <a:t>. </a:t>
             </a:r>
             <a:r>
-              <a:rPr lang="en-US" err="1">
+              <a:rPr lang="en-US" dirty="0" err="1">
                 <a:solidFill>
                   <a:schemeClr val="bg1"/>
                 </a:solidFill>
@@ -27920,7 +26289,7 @@
               <a:t> </a:t>
             </a:r>
             <a:r>
-              <a:rPr lang="en-US" err="1">
+              <a:rPr lang="en-US" dirty="0" err="1">
                 <a:solidFill>
                   <a:schemeClr val="bg1"/>
                 </a:solidFill>
@@ -27940,7 +26309,7 @@
               <a:t> </a:t>
             </a:r>
             <a:r>
-              <a:rPr lang="en-US" err="1">
+              <a:rPr lang="en-US" dirty="0" err="1">
                 <a:solidFill>
                   <a:schemeClr val="bg1"/>
                 </a:solidFill>
@@ -27960,7 +26329,7 @@
               <a:t> </a:t>
             </a:r>
             <a:r>
-              <a:rPr lang="en-US" err="1">
+              <a:rPr lang="en-US" dirty="0" err="1">
                 <a:solidFill>
                   <a:schemeClr val="bg1"/>
                 </a:solidFill>
@@ -27980,7 +26349,7 @@
               <a:t> de </a:t>
             </a:r>
             <a:r>
-              <a:rPr lang="en-US" err="1">
+              <a:rPr lang="en-US" dirty="0" err="1">
                 <a:solidFill>
                   <a:schemeClr val="bg1"/>
                 </a:solidFill>
@@ -28000,7 +26369,7 @@
               <a:t> </a:t>
             </a:r>
             <a:r>
-              <a:rPr lang="en-US" err="1">
+              <a:rPr lang="en-US" dirty="0" err="1">
                 <a:solidFill>
                   <a:schemeClr val="bg1"/>
                 </a:solidFill>
@@ -28020,7 +26389,7 @@
               <a:t> e </a:t>
             </a:r>
             <a:r>
-              <a:rPr lang="en-US" err="1">
+              <a:rPr lang="en-US" dirty="0" err="1">
                 <a:solidFill>
                   <a:schemeClr val="bg1"/>
                 </a:solidFill>
@@ -28040,7 +26409,7 @@
               <a:t> </a:t>
             </a:r>
             <a:r>
-              <a:rPr lang="en-US" err="1">
+              <a:rPr lang="en-US" dirty="0" err="1">
                 <a:solidFill>
                   <a:schemeClr val="bg1"/>
                 </a:solidFill>
@@ -28060,7 +26429,7 @@
               <a:t> </a:t>
             </a:r>
             <a:r>
-              <a:rPr lang="en-US" err="1">
+              <a:rPr lang="en-US" dirty="0" err="1">
                 <a:solidFill>
                   <a:schemeClr val="bg1"/>
                 </a:solidFill>
@@ -28080,7 +26449,7 @@
               <a:t> </a:t>
             </a:r>
             <a:r>
-              <a:rPr lang="en-US" err="1">
+              <a:rPr lang="en-US" dirty="0" err="1">
                 <a:solidFill>
                   <a:schemeClr val="bg1"/>
                 </a:solidFill>
@@ -28100,7 +26469,7 @@
               <a:t> </a:t>
             </a:r>
             <a:r>
-              <a:rPr lang="en-US" err="1">
+              <a:rPr lang="en-US" dirty="0" err="1">
                 <a:solidFill>
                   <a:schemeClr val="bg1"/>
                 </a:solidFill>
@@ -28120,7 +26489,7 @@
               <a:t> </a:t>
             </a:r>
             <a:r>
-              <a:rPr lang="en-US" err="1">
+              <a:rPr lang="en-US" dirty="0" err="1">
                 <a:solidFill>
                   <a:schemeClr val="bg1"/>
                 </a:solidFill>
@@ -28140,7 +26509,7 @@
               <a:t>, </a:t>
             </a:r>
             <a:r>
-              <a:rPr lang="en-US" err="1">
+              <a:rPr lang="en-US" dirty="0" err="1">
                 <a:solidFill>
                   <a:schemeClr val="bg1"/>
                 </a:solidFill>
@@ -28160,7 +26529,7 @@
               <a:t> </a:t>
             </a:r>
             <a:r>
-              <a:rPr lang="en-US" err="1">
+              <a:rPr lang="en-US" dirty="0" err="1">
                 <a:solidFill>
                   <a:schemeClr val="bg1"/>
                 </a:solidFill>
@@ -28180,7 +26549,7 @@
               <a:t> </a:t>
             </a:r>
             <a:r>
-              <a:rPr lang="en-US" err="1">
+              <a:rPr lang="en-US" dirty="0" err="1">
                 <a:solidFill>
                   <a:schemeClr val="bg1"/>
                 </a:solidFill>
@@ -28200,7 +26569,7 @@
               <a:t> ser </a:t>
             </a:r>
             <a:r>
-              <a:rPr lang="en-US" err="1">
+              <a:rPr lang="en-US" dirty="0" err="1">
                 <a:solidFill>
                   <a:schemeClr val="bg1"/>
                 </a:solidFill>
@@ -28220,7 +26589,7 @@
               <a:t> </a:t>
             </a:r>
             <a:r>
-              <a:rPr lang="en-US" err="1">
+              <a:rPr lang="en-US" dirty="0" err="1">
                 <a:solidFill>
                   <a:schemeClr val="bg1"/>
                 </a:solidFill>
@@ -28240,7 +26609,7 @@
               <a:t> </a:t>
             </a:r>
             <a:r>
-              <a:rPr lang="en-US" err="1">
+              <a:rPr lang="en-US" dirty="0" err="1">
                 <a:solidFill>
                   <a:schemeClr val="bg1"/>
                 </a:solidFill>
@@ -28260,7 +26629,7 @@
               <a:t> para </a:t>
             </a:r>
             <a:r>
-              <a:rPr lang="en-US" err="1">
+              <a:rPr lang="en-US" dirty="0" err="1">
                 <a:solidFill>
                   <a:schemeClr val="bg1"/>
                 </a:solidFill>
@@ -28280,7 +26649,7 @@
               <a:t> e resolver </a:t>
             </a:r>
             <a:r>
-              <a:rPr lang="en-US" err="1">
+              <a:rPr lang="en-US" dirty="0" err="1">
                 <a:solidFill>
                   <a:schemeClr val="bg1"/>
                 </a:solidFill>
@@ -28300,7 +26669,7 @@
               <a:t> </a:t>
             </a:r>
             <a:r>
-              <a:rPr lang="en-US" err="1">
+              <a:rPr lang="en-US" dirty="0" err="1">
                 <a:solidFill>
                   <a:schemeClr val="bg1"/>
                 </a:solidFill>
@@ -28320,7 +26689,7 @@
               <a:t> </a:t>
             </a:r>
             <a:r>
-              <a:rPr lang="en-US" err="1">
+              <a:rPr lang="en-US" dirty="0" err="1">
                 <a:solidFill>
                   <a:schemeClr val="bg1"/>
                 </a:solidFill>
@@ -28340,7 +26709,7 @@
               <a:t> </a:t>
             </a:r>
             <a:r>
-              <a:rPr lang="en-US" err="1">
+              <a:rPr lang="en-US" dirty="0" err="1">
                 <a:solidFill>
                   <a:schemeClr val="bg1"/>
                 </a:solidFill>
@@ -28360,7 +26729,7 @@
               <a:t> </a:t>
             </a:r>
             <a:r>
-              <a:rPr lang="en-US" err="1">
+              <a:rPr lang="en-US" dirty="0" err="1">
                 <a:solidFill>
                   <a:schemeClr val="bg1"/>
                 </a:solidFill>
@@ -28380,7 +26749,7 @@
               <a:t> </a:t>
             </a:r>
             <a:r>
-              <a:rPr lang="en-US" err="1">
+              <a:rPr lang="en-US" dirty="0" err="1">
                 <a:solidFill>
                   <a:schemeClr val="bg1"/>
                 </a:solidFill>
@@ -28400,7 +26769,7 @@
               <a:t> dos </a:t>
             </a:r>
             <a:r>
-              <a:rPr lang="en-US" err="1">
+              <a:rPr lang="en-US" dirty="0" err="1">
                 <a:solidFill>
                   <a:schemeClr val="bg1"/>
                 </a:solidFill>
@@ -28420,7 +26789,7 @@
               <a:t> </a:t>
             </a:r>
             <a:r>
-              <a:rPr lang="en-US" err="1">
+              <a:rPr lang="en-US" dirty="0" err="1">
                 <a:solidFill>
                   <a:schemeClr val="bg1"/>
                 </a:solidFill>
@@ -28440,7 +26809,7 @@
               <a:t> </a:t>
             </a:r>
             <a:r>
-              <a:rPr lang="en-US" err="1">
+              <a:rPr lang="en-US" dirty="0" err="1">
                 <a:solidFill>
                   <a:schemeClr val="bg1"/>
                 </a:solidFill>
@@ -28459,7 +26828,7 @@
               </a:rPr>
               <a:t>.</a:t>
             </a:r>
-            <a:endParaRPr lang="en-US">
+            <a:endParaRPr lang="en-US" dirty="0">
               <a:solidFill>
                 <a:schemeClr val="bg1"/>
               </a:solidFill>
@@ -28492,7 +26861,7 @@
 </p:sld>
 </file>
 
-<file path=ppt/slides/slide8.xml><?xml version="1.0" encoding="utf-8"?>
+<file path=ppt/slides/slide7.xml><?xml version="1.0" encoding="utf-8"?>
 <p:sld xmlns:a="http://schemas.openxmlformats.org/drawingml/2006/main" xmlns:r="http://schemas.openxmlformats.org/officeDocument/2006/relationships" xmlns:p="http://schemas.openxmlformats.org/presentationml/2006/main">
   <p:cSld>
     <p:spTree>
@@ -28937,7 +27306,7 @@
 </p:sld>
 </file>
 
-<file path=ppt/slides/slide9.xml><?xml version="1.0" encoding="utf-8"?>
+<file path=ppt/slides/slide8.xml><?xml version="1.0" encoding="utf-8"?>
 <p:sld xmlns:a="http://schemas.openxmlformats.org/drawingml/2006/main" xmlns:r="http://schemas.openxmlformats.org/officeDocument/2006/relationships" xmlns:p="http://schemas.openxmlformats.org/presentationml/2006/main">
   <p:cSld>
     <p:spTree>
@@ -29068,6 +27437,514 @@
     <p:extLst>
       <p:ext uri="{BB962C8B-B14F-4D97-AF65-F5344CB8AC3E}">
         <p14:creationId xmlns:p14="http://schemas.microsoft.com/office/powerpoint/2010/main" val="30043494"/>
+      </p:ext>
+    </p:extLst>
+  </p:cSld>
+  <p:clrMapOvr>
+    <a:masterClrMapping/>
+  </p:clrMapOvr>
+  <mc:AlternateContent xmlns:mc="http://schemas.openxmlformats.org/markup-compatibility/2006" xmlns:p14="http://schemas.microsoft.com/office/powerpoint/2010/main">
+    <mc:Choice Requires="p14">
+      <p:transition spd="slow" p14:dur="1250">
+        <p:pull/>
+      </p:transition>
+    </mc:Choice>
+    <mc:Fallback xmlns="">
+      <p:transition spd="slow">
+        <p:pull/>
+      </p:transition>
+    </mc:Fallback>
+  </mc:AlternateContent>
+</p:sld>
+</file>
+
+<file path=ppt/slides/slide9.xml><?xml version="1.0" encoding="utf-8"?>
+<p:sld xmlns:a="http://schemas.openxmlformats.org/drawingml/2006/main" xmlns:r="http://schemas.openxmlformats.org/officeDocument/2006/relationships" xmlns:p="http://schemas.openxmlformats.org/presentationml/2006/main">
+  <p:cSld>
+    <p:spTree>
+      <p:nvGrpSpPr>
+        <p:cNvPr id="1" name=""/>
+        <p:cNvGrpSpPr/>
+        <p:nvPr/>
+      </p:nvGrpSpPr>
+      <p:grpSpPr>
+        <a:xfrm>
+          <a:off x="0" y="0"/>
+          <a:ext cx="0" cy="0"/>
+          <a:chOff x="0" y="0"/>
+          <a:chExt cx="0" cy="0"/>
+        </a:xfrm>
+      </p:grpSpPr>
+      <p:sp>
+        <p:nvSpPr>
+          <p:cNvPr id="2" name="Title 1">
+            <a:extLst>
+              <a:ext uri="{FF2B5EF4-FFF2-40B4-BE49-F238E27FC236}">
+                <a16:creationId xmlns:a16="http://schemas.microsoft.com/office/drawing/2014/main" id="{2D4293A2-4AAE-F316-0A93-DD10C941EF96}"/>
+              </a:ext>
+            </a:extLst>
+          </p:cNvPr>
+          <p:cNvSpPr>
+            <a:spLocks noGrp="1"/>
+          </p:cNvSpPr>
+          <p:nvPr>
+            <p:ph type="title"/>
+          </p:nvPr>
+        </p:nvSpPr>
+        <p:spPr/>
+        <p:txBody>
+          <a:bodyPr/>
+          <a:lstStyle/>
+          <a:p>
+            <a:r>
+              <a:rPr lang="en-US" b="1" dirty="0">
+                <a:cs typeface="Posterama"/>
+              </a:rPr>
+              <a:t>GERAÇÃO DE RSU EM 2020</a:t>
+            </a:r>
+            <a:endParaRPr lang="en-US" b="1">
+              <a:cs typeface="Posterama"/>
+            </a:endParaRPr>
+          </a:p>
+        </p:txBody>
+      </p:sp>
+      <p:sp>
+        <p:nvSpPr>
+          <p:cNvPr id="3" name="Content Placeholder 2">
+            <a:extLst>
+              <a:ext uri="{FF2B5EF4-FFF2-40B4-BE49-F238E27FC236}">
+                <a16:creationId xmlns:a16="http://schemas.microsoft.com/office/drawing/2014/main" id="{C6B29072-0039-4437-2F20-9B5ABED941F2}"/>
+              </a:ext>
+            </a:extLst>
+          </p:cNvPr>
+          <p:cNvSpPr>
+            <a:spLocks noGrp="1"/>
+          </p:cNvSpPr>
+          <p:nvPr>
+            <p:ph idx="1"/>
+          </p:nvPr>
+        </p:nvSpPr>
+        <p:spPr/>
+        <p:txBody>
+          <a:bodyPr vert="horz" lIns="91440" tIns="45720" rIns="91440" bIns="45720" rtlCol="0" anchor="t">
+            <a:normAutofit/>
+          </a:bodyPr>
+          <a:lstStyle/>
+          <a:p>
+            <a:r>
+              <a:rPr lang="en-US" dirty="0" err="1">
+                <a:ea typeface="+mn-lt"/>
+                <a:cs typeface="+mn-lt"/>
+              </a:rPr>
+              <a:t>Usando</a:t>
+            </a:r>
+            <a:r>
+              <a:rPr lang="en-US" dirty="0">
+                <a:ea typeface="+mn-lt"/>
+                <a:cs typeface="+mn-lt"/>
+              </a:rPr>
+              <a:t> </a:t>
+            </a:r>
+            <a:r>
+              <a:rPr lang="en-US" dirty="0" err="1">
+                <a:ea typeface="+mn-lt"/>
+                <a:cs typeface="+mn-lt"/>
+              </a:rPr>
+              <a:t>como</a:t>
+            </a:r>
+            <a:r>
+              <a:rPr lang="en-US" dirty="0">
+                <a:ea typeface="+mn-lt"/>
+                <a:cs typeface="+mn-lt"/>
+              </a:rPr>
+              <a:t> base o panorama da </a:t>
+            </a:r>
+            <a:r>
+              <a:rPr lang="en-US" dirty="0" err="1">
+                <a:ea typeface="+mn-lt"/>
+                <a:cs typeface="+mn-lt"/>
+              </a:rPr>
+              <a:t>Associação</a:t>
+            </a:r>
+            <a:r>
+              <a:rPr lang="en-US" dirty="0">
+                <a:ea typeface="+mn-lt"/>
+                <a:cs typeface="+mn-lt"/>
+              </a:rPr>
+              <a:t> Brasileira de </a:t>
+            </a:r>
+            <a:r>
+              <a:rPr lang="en-US" dirty="0" err="1">
+                <a:ea typeface="+mn-lt"/>
+                <a:cs typeface="+mn-lt"/>
+              </a:rPr>
+              <a:t>Empresas</a:t>
+            </a:r>
+            <a:r>
+              <a:rPr lang="en-US" dirty="0">
+                <a:ea typeface="+mn-lt"/>
+                <a:cs typeface="+mn-lt"/>
+              </a:rPr>
+              <a:t> de </a:t>
+            </a:r>
+            <a:r>
+              <a:rPr lang="en-US" dirty="0" err="1">
+                <a:ea typeface="+mn-lt"/>
+                <a:cs typeface="+mn-lt"/>
+              </a:rPr>
+              <a:t>Limpeza</a:t>
+            </a:r>
+            <a:r>
+              <a:rPr lang="en-US" dirty="0">
+                <a:ea typeface="+mn-lt"/>
+                <a:cs typeface="+mn-lt"/>
+              </a:rPr>
+              <a:t> Pública e </a:t>
+            </a:r>
+            <a:r>
+              <a:rPr lang="en-US" dirty="0" err="1">
+                <a:ea typeface="+mn-lt"/>
+                <a:cs typeface="+mn-lt"/>
+              </a:rPr>
+              <a:t>Resíduos</a:t>
+            </a:r>
+            <a:r>
+              <a:rPr lang="en-US" dirty="0">
+                <a:ea typeface="+mn-lt"/>
+                <a:cs typeface="+mn-lt"/>
+              </a:rPr>
+              <a:t> </a:t>
+            </a:r>
+            <a:r>
+              <a:rPr lang="en-US" dirty="0" err="1">
+                <a:ea typeface="+mn-lt"/>
+                <a:cs typeface="+mn-lt"/>
+              </a:rPr>
+              <a:t>Especiais</a:t>
+            </a:r>
+            <a:r>
+              <a:rPr lang="en-US" dirty="0">
+                <a:ea typeface="+mn-lt"/>
+                <a:cs typeface="+mn-lt"/>
+              </a:rPr>
+              <a:t> (ABRELPE) de 2021, que </a:t>
+            </a:r>
+            <a:r>
+              <a:rPr lang="en-US" dirty="0" err="1">
+                <a:ea typeface="+mn-lt"/>
+                <a:cs typeface="+mn-lt"/>
+              </a:rPr>
+              <a:t>analisou</a:t>
+            </a:r>
+            <a:r>
+              <a:rPr lang="en-US" dirty="0">
+                <a:ea typeface="+mn-lt"/>
+                <a:cs typeface="+mn-lt"/>
+              </a:rPr>
+              <a:t> o </a:t>
+            </a:r>
+            <a:r>
+              <a:rPr lang="en-US" dirty="0" err="1">
+                <a:ea typeface="+mn-lt"/>
+                <a:cs typeface="+mn-lt"/>
+              </a:rPr>
+              <a:t>impacto</a:t>
+            </a:r>
+            <a:r>
+              <a:rPr lang="en-US" dirty="0">
+                <a:ea typeface="+mn-lt"/>
+                <a:cs typeface="+mn-lt"/>
+              </a:rPr>
+              <a:t> dos </a:t>
+            </a:r>
+            <a:r>
+              <a:rPr lang="en-US" dirty="0" err="1">
+                <a:ea typeface="+mn-lt"/>
+                <a:cs typeface="+mn-lt"/>
+              </a:rPr>
+              <a:t>resíduos</a:t>
+            </a:r>
+            <a:r>
+              <a:rPr lang="en-US" dirty="0">
+                <a:ea typeface="+mn-lt"/>
+                <a:cs typeface="+mn-lt"/>
+              </a:rPr>
+              <a:t> </a:t>
+            </a:r>
+            <a:r>
+              <a:rPr lang="en-US" dirty="0" err="1">
+                <a:ea typeface="+mn-lt"/>
+                <a:cs typeface="+mn-lt"/>
+              </a:rPr>
+              <a:t>sólidos</a:t>
+            </a:r>
+            <a:r>
+              <a:rPr lang="en-US" dirty="0">
+                <a:ea typeface="+mn-lt"/>
+                <a:cs typeface="+mn-lt"/>
+              </a:rPr>
+              <a:t> </a:t>
+            </a:r>
+            <a:r>
+              <a:rPr lang="en-US" dirty="0" err="1">
+                <a:ea typeface="+mn-lt"/>
+                <a:cs typeface="+mn-lt"/>
+              </a:rPr>
+              <a:t>urbanos</a:t>
+            </a:r>
+            <a:r>
+              <a:rPr lang="en-US" dirty="0">
+                <a:ea typeface="+mn-lt"/>
+                <a:cs typeface="+mn-lt"/>
+              </a:rPr>
+              <a:t> (RSU) no </a:t>
+            </a:r>
+            <a:r>
+              <a:rPr lang="en-US" dirty="0" err="1">
+                <a:ea typeface="+mn-lt"/>
+                <a:cs typeface="+mn-lt"/>
+              </a:rPr>
+              <a:t>Brasil</a:t>
+            </a:r>
+            <a:r>
+              <a:rPr lang="en-US" dirty="0">
+                <a:ea typeface="+mn-lt"/>
+                <a:cs typeface="+mn-lt"/>
+              </a:rPr>
+              <a:t> e </a:t>
+            </a:r>
+            <a:r>
+              <a:rPr lang="en-US" dirty="0" err="1">
+                <a:ea typeface="+mn-lt"/>
+                <a:cs typeface="+mn-lt"/>
+              </a:rPr>
+              <a:t>suas</a:t>
+            </a:r>
+            <a:r>
+              <a:rPr lang="en-US" dirty="0">
+                <a:ea typeface="+mn-lt"/>
+                <a:cs typeface="+mn-lt"/>
+              </a:rPr>
+              <a:t> </a:t>
+            </a:r>
+            <a:r>
+              <a:rPr lang="en-US" dirty="0" err="1">
+                <a:ea typeface="+mn-lt"/>
+                <a:cs typeface="+mn-lt"/>
+              </a:rPr>
+              <a:t>regiões</a:t>
+            </a:r>
+            <a:r>
+              <a:rPr lang="en-US" dirty="0">
+                <a:ea typeface="+mn-lt"/>
+                <a:cs typeface="+mn-lt"/>
+              </a:rPr>
+              <a:t> </a:t>
+            </a:r>
+            <a:r>
+              <a:rPr lang="en-US" dirty="0" err="1">
+                <a:ea typeface="+mn-lt"/>
+                <a:cs typeface="+mn-lt"/>
+              </a:rPr>
+              <a:t>em</a:t>
+            </a:r>
+            <a:r>
+              <a:rPr lang="en-US" dirty="0">
+                <a:ea typeface="+mn-lt"/>
+                <a:cs typeface="+mn-lt"/>
+              </a:rPr>
+              <a:t> 2020, </a:t>
+            </a:r>
+            <a:r>
+              <a:rPr lang="en-US" dirty="0" err="1">
+                <a:ea typeface="+mn-lt"/>
+                <a:cs typeface="+mn-lt"/>
+              </a:rPr>
+              <a:t>houve</a:t>
+            </a:r>
+            <a:r>
+              <a:rPr lang="en-US" dirty="0">
+                <a:ea typeface="+mn-lt"/>
+                <a:cs typeface="+mn-lt"/>
+              </a:rPr>
+              <a:t> um </a:t>
+            </a:r>
+            <a:r>
+              <a:rPr lang="en-US" dirty="0" err="1">
+                <a:ea typeface="+mn-lt"/>
+                <a:cs typeface="+mn-lt"/>
+              </a:rPr>
+              <a:t>aumento</a:t>
+            </a:r>
+            <a:r>
+              <a:rPr lang="en-US" dirty="0">
+                <a:ea typeface="+mn-lt"/>
+                <a:cs typeface="+mn-lt"/>
+              </a:rPr>
+              <a:t> </a:t>
+            </a:r>
+            <a:r>
+              <a:rPr lang="en-US" dirty="0" err="1">
+                <a:ea typeface="+mn-lt"/>
+                <a:cs typeface="+mn-lt"/>
+              </a:rPr>
+              <a:t>nos</a:t>
+            </a:r>
+            <a:r>
+              <a:rPr lang="en-US" dirty="0">
+                <a:ea typeface="+mn-lt"/>
+                <a:cs typeface="+mn-lt"/>
+              </a:rPr>
+              <a:t> </a:t>
+            </a:r>
+            <a:r>
+              <a:rPr lang="en-US" dirty="0" err="1">
+                <a:ea typeface="+mn-lt"/>
+                <a:cs typeface="+mn-lt"/>
+              </a:rPr>
+              <a:t>números</a:t>
+            </a:r>
+            <a:r>
+              <a:rPr lang="en-US" dirty="0">
+                <a:ea typeface="+mn-lt"/>
+                <a:cs typeface="+mn-lt"/>
+              </a:rPr>
+              <a:t> </a:t>
+            </a:r>
+            <a:r>
+              <a:rPr lang="en-US" dirty="0" err="1">
+                <a:ea typeface="+mn-lt"/>
+                <a:cs typeface="+mn-lt"/>
+              </a:rPr>
+              <a:t>deste</a:t>
+            </a:r>
+            <a:r>
+              <a:rPr lang="en-US" dirty="0">
+                <a:ea typeface="+mn-lt"/>
+                <a:cs typeface="+mn-lt"/>
+              </a:rPr>
+              <a:t> </a:t>
+            </a:r>
+            <a:r>
+              <a:rPr lang="en-US" dirty="0" err="1">
+                <a:ea typeface="+mn-lt"/>
+                <a:cs typeface="+mn-lt"/>
+              </a:rPr>
+              <a:t>ano</a:t>
+            </a:r>
+            <a:r>
+              <a:rPr lang="en-US" dirty="0">
+                <a:ea typeface="+mn-lt"/>
+                <a:cs typeface="+mn-lt"/>
+              </a:rPr>
+              <a:t> </a:t>
+            </a:r>
+            <a:r>
+              <a:rPr lang="en-US" dirty="0" err="1">
+                <a:ea typeface="+mn-lt"/>
+                <a:cs typeface="+mn-lt"/>
+              </a:rPr>
+              <a:t>em</a:t>
+            </a:r>
+            <a:r>
+              <a:rPr lang="en-US" dirty="0">
+                <a:ea typeface="+mn-lt"/>
+                <a:cs typeface="+mn-lt"/>
+              </a:rPr>
+              <a:t> </a:t>
+            </a:r>
+            <a:r>
+              <a:rPr lang="en-US" dirty="0" err="1">
+                <a:ea typeface="+mn-lt"/>
+                <a:cs typeface="+mn-lt"/>
+              </a:rPr>
+              <a:t>relação</a:t>
+            </a:r>
+            <a:r>
+              <a:rPr lang="en-US" dirty="0">
+                <a:ea typeface="+mn-lt"/>
+                <a:cs typeface="+mn-lt"/>
+              </a:rPr>
+              <a:t> </a:t>
+            </a:r>
+            <a:r>
+              <a:rPr lang="en-US" dirty="0" err="1">
+                <a:ea typeface="+mn-lt"/>
+                <a:cs typeface="+mn-lt"/>
+              </a:rPr>
+              <a:t>aos</a:t>
+            </a:r>
+            <a:r>
+              <a:rPr lang="en-US" dirty="0">
+                <a:ea typeface="+mn-lt"/>
+                <a:cs typeface="+mn-lt"/>
+              </a:rPr>
+              <a:t> de </a:t>
+            </a:r>
+            <a:r>
+              <a:rPr lang="en-US" dirty="0" err="1">
+                <a:ea typeface="+mn-lt"/>
+                <a:cs typeface="+mn-lt"/>
+              </a:rPr>
+              <a:t>anos</a:t>
+            </a:r>
+            <a:r>
+              <a:rPr lang="en-US" dirty="0">
+                <a:ea typeface="+mn-lt"/>
+                <a:cs typeface="+mn-lt"/>
+              </a:rPr>
+              <a:t> </a:t>
+            </a:r>
+            <a:r>
+              <a:rPr lang="en-US" dirty="0" err="1">
+                <a:ea typeface="+mn-lt"/>
+                <a:cs typeface="+mn-lt"/>
+              </a:rPr>
+              <a:t>anteriores</a:t>
+            </a:r>
+            <a:r>
+              <a:rPr lang="en-US" dirty="0">
+                <a:ea typeface="+mn-lt"/>
+                <a:cs typeface="+mn-lt"/>
+              </a:rPr>
+              <a:t> </a:t>
+            </a:r>
+            <a:r>
+              <a:rPr lang="en-US" dirty="0" err="1">
+                <a:ea typeface="+mn-lt"/>
+                <a:cs typeface="+mn-lt"/>
+              </a:rPr>
+              <a:t>remetentes</a:t>
+            </a:r>
+            <a:r>
+              <a:rPr lang="en-US" dirty="0">
+                <a:ea typeface="+mn-lt"/>
+                <a:cs typeface="+mn-lt"/>
+              </a:rPr>
+              <a:t> à </a:t>
+            </a:r>
+            <a:r>
+              <a:rPr lang="en-US" dirty="0" err="1">
+                <a:ea typeface="+mn-lt"/>
+                <a:cs typeface="+mn-lt"/>
+              </a:rPr>
+              <a:t>geração</a:t>
+            </a:r>
+            <a:r>
+              <a:rPr lang="en-US" dirty="0">
+                <a:ea typeface="+mn-lt"/>
+                <a:cs typeface="+mn-lt"/>
+              </a:rPr>
+              <a:t> de RSU.</a:t>
+            </a:r>
+            <a:endParaRPr lang="en-US" dirty="0"/>
+          </a:p>
+        </p:txBody>
+      </p:sp>
+    </p:spTree>
+    <p:extLst>
+      <p:ext uri="{BB962C8B-B14F-4D97-AF65-F5344CB8AC3E}">
+        <p14:creationId xmlns:p14="http://schemas.microsoft.com/office/powerpoint/2010/main" val="2586061357"/>
       </p:ext>
     </p:extLst>
   </p:cSld>
